--- a/Apresentação.pptx
+++ b/Apresentação.pptx
@@ -7,6 +7,24 @@
   <p:sldIdLst>
     <p:sldId id="256" r:id="rId2"/>
     <p:sldId id="257" r:id="rId3"/>
+    <p:sldId id="258" r:id="rId4"/>
+    <p:sldId id="259" r:id="rId5"/>
+    <p:sldId id="260" r:id="rId6"/>
+    <p:sldId id="261" r:id="rId7"/>
+    <p:sldId id="262" r:id="rId8"/>
+    <p:sldId id="263" r:id="rId9"/>
+    <p:sldId id="267" r:id="rId10"/>
+    <p:sldId id="268" r:id="rId11"/>
+    <p:sldId id="269" r:id="rId12"/>
+    <p:sldId id="270" r:id="rId13"/>
+    <p:sldId id="271" r:id="rId14"/>
+    <p:sldId id="264" r:id="rId15"/>
+    <p:sldId id="265" r:id="rId16"/>
+    <p:sldId id="266" r:id="rId17"/>
+    <p:sldId id="272" r:id="rId18"/>
+    <p:sldId id="273" r:id="rId19"/>
+    <p:sldId id="274" r:id="rId20"/>
+    <p:sldId id="275" r:id="rId21"/>
   </p:sldIdLst>
   <p:sldSz cx="12192000" cy="6858000"/>
   <p:notesSz cx="6858000" cy="9144000"/>
@@ -105,6 +123,11 @@
       </a:defRPr>
     </a:lvl9pPr>
   </p:defaultTextStyle>
+  <p:extLst>
+    <p:ext uri="{EFAFB233-063F-42B5-8137-9DF3F51BA10A}">
+      <p15:sldGuideLst xmlns:p15="http://schemas.microsoft.com/office/powerpoint/2012/main"/>
+    </p:ext>
+  </p:extLst>
 </p:presentation>
 </file>
 
@@ -255,7 +278,7 @@
           <a:p>
             <a:fld id="{AC8D3769-05E3-4F8B-A913-731DA401BF75}" type="datetimeFigureOut">
               <a:rPr lang="pt-BR" smtClean="0"/>
-              <a:t>22/08/2018</a:t>
+              <a:t>23/08/2018</a:t>
             </a:fld>
             <a:endParaRPr lang="pt-BR"/>
           </a:p>
@@ -453,7 +476,7 @@
           <a:p>
             <a:fld id="{AC8D3769-05E3-4F8B-A913-731DA401BF75}" type="datetimeFigureOut">
               <a:rPr lang="pt-BR" smtClean="0"/>
-              <a:t>22/08/2018</a:t>
+              <a:t>23/08/2018</a:t>
             </a:fld>
             <a:endParaRPr lang="pt-BR"/>
           </a:p>
@@ -661,7 +684,7 @@
           <a:p>
             <a:fld id="{AC8D3769-05E3-4F8B-A913-731DA401BF75}" type="datetimeFigureOut">
               <a:rPr lang="pt-BR" smtClean="0"/>
-              <a:t>22/08/2018</a:t>
+              <a:t>23/08/2018</a:t>
             </a:fld>
             <a:endParaRPr lang="pt-BR"/>
           </a:p>
@@ -859,7 +882,7 @@
           <a:p>
             <a:fld id="{AC8D3769-05E3-4F8B-A913-731DA401BF75}" type="datetimeFigureOut">
               <a:rPr lang="pt-BR" smtClean="0"/>
-              <a:t>22/08/2018</a:t>
+              <a:t>23/08/2018</a:t>
             </a:fld>
             <a:endParaRPr lang="pt-BR"/>
           </a:p>
@@ -1134,7 +1157,7 @@
           <a:p>
             <a:fld id="{AC8D3769-05E3-4F8B-A913-731DA401BF75}" type="datetimeFigureOut">
               <a:rPr lang="pt-BR" smtClean="0"/>
-              <a:t>22/08/2018</a:t>
+              <a:t>23/08/2018</a:t>
             </a:fld>
             <a:endParaRPr lang="pt-BR"/>
           </a:p>
@@ -1399,7 +1422,7 @@
           <a:p>
             <a:fld id="{AC8D3769-05E3-4F8B-A913-731DA401BF75}" type="datetimeFigureOut">
               <a:rPr lang="pt-BR" smtClean="0"/>
-              <a:t>22/08/2018</a:t>
+              <a:t>23/08/2018</a:t>
             </a:fld>
             <a:endParaRPr lang="pt-BR"/>
           </a:p>
@@ -1811,7 +1834,7 @@
           <a:p>
             <a:fld id="{AC8D3769-05E3-4F8B-A913-731DA401BF75}" type="datetimeFigureOut">
               <a:rPr lang="pt-BR" smtClean="0"/>
-              <a:t>22/08/2018</a:t>
+              <a:t>23/08/2018</a:t>
             </a:fld>
             <a:endParaRPr lang="pt-BR"/>
           </a:p>
@@ -1952,7 +1975,7 @@
           <a:p>
             <a:fld id="{AC8D3769-05E3-4F8B-A913-731DA401BF75}" type="datetimeFigureOut">
               <a:rPr lang="pt-BR" smtClean="0"/>
-              <a:t>22/08/2018</a:t>
+              <a:t>23/08/2018</a:t>
             </a:fld>
             <a:endParaRPr lang="pt-BR"/>
           </a:p>
@@ -2065,7 +2088,7 @@
           <a:p>
             <a:fld id="{AC8D3769-05E3-4F8B-A913-731DA401BF75}" type="datetimeFigureOut">
               <a:rPr lang="pt-BR" smtClean="0"/>
-              <a:t>22/08/2018</a:t>
+              <a:t>23/08/2018</a:t>
             </a:fld>
             <a:endParaRPr lang="pt-BR"/>
           </a:p>
@@ -2376,7 +2399,7 @@
           <a:p>
             <a:fld id="{AC8D3769-05E3-4F8B-A913-731DA401BF75}" type="datetimeFigureOut">
               <a:rPr lang="pt-BR" smtClean="0"/>
-              <a:t>22/08/2018</a:t>
+              <a:t>23/08/2018</a:t>
             </a:fld>
             <a:endParaRPr lang="pt-BR"/>
           </a:p>
@@ -2664,7 +2687,7 @@
           <a:p>
             <a:fld id="{AC8D3769-05E3-4F8B-A913-731DA401BF75}" type="datetimeFigureOut">
               <a:rPr lang="pt-BR" smtClean="0"/>
-              <a:t>22/08/2018</a:t>
+              <a:t>23/08/2018</a:t>
             </a:fld>
             <a:endParaRPr lang="pt-BR"/>
           </a:p>
@@ -2905,7 +2928,7 @@
           <a:p>
             <a:fld id="{AC8D3769-05E3-4F8B-A913-731DA401BF75}" type="datetimeFigureOut">
               <a:rPr lang="pt-BR" smtClean="0"/>
-              <a:t>22/08/2018</a:t>
+              <a:t>23/08/2018</a:t>
             </a:fld>
             <a:endParaRPr lang="pt-BR"/>
           </a:p>
@@ -3679,7 +3702,8 @@
                 <a:lumMod val="65000"/>
               </a:schemeClr>
             </a:solidFill>
-            <a:prstDash val="dashDot"/>
+            <a:prstDash val="lgDash"/>
+            <a:round/>
           </a:ln>
         </p:spPr>
         <p:style>
@@ -3719,13 +3743,14 @@
           <a:prstGeom prst="line">
             <a:avLst/>
           </a:prstGeom>
-          <a:ln w="28575">
+          <a:ln w="28575" cap="rnd">
             <a:solidFill>
               <a:schemeClr val="bg1">
                 <a:lumMod val="65000"/>
               </a:schemeClr>
             </a:solidFill>
-            <a:prstDash val="dashDot"/>
+            <a:prstDash val="lgDash"/>
+            <a:round/>
           </a:ln>
         </p:spPr>
         <p:style>
@@ -3765,13 +3790,14 @@
           <a:prstGeom prst="line">
             <a:avLst/>
           </a:prstGeom>
-          <a:ln w="28575">
+          <a:ln w="28575" cap="rnd">
             <a:solidFill>
               <a:schemeClr val="bg1">
                 <a:lumMod val="65000"/>
               </a:schemeClr>
             </a:solidFill>
-            <a:prstDash val="dashDot"/>
+            <a:prstDash val="lgDash"/>
+            <a:round/>
           </a:ln>
         </p:spPr>
         <p:style>
@@ -4213,7 +4239,7 @@
 </p:sld>
 </file>
 
-<file path=ppt/slides/slide2.xml><?xml version="1.0" encoding="utf-8"?>
+<file path=ppt/slides/slide10.xml><?xml version="1.0" encoding="utf-8"?>
 <p:sld xmlns:a="http://schemas.openxmlformats.org/drawingml/2006/main" xmlns:r="http://schemas.openxmlformats.org/officeDocument/2006/relationships" xmlns:p="http://schemas.openxmlformats.org/presentationml/2006/main">
   <p:cSld>
     <p:spTree>
@@ -4232,10 +4258,10 @@
       </p:grpSpPr>
       <p:sp>
         <p:nvSpPr>
-          <p:cNvPr id="5" name="Fundo">
-            <a:extLst>
-              <a:ext uri="{FF2B5EF4-FFF2-40B4-BE49-F238E27FC236}">
-                <a16:creationId xmlns:a16="http://schemas.microsoft.com/office/drawing/2014/main" id="{867321F6-E9B7-49ED-97E2-17FEFC7EF1B1}"/>
+          <p:cNvPr id="4" name="Fundo">
+            <a:extLst>
+              <a:ext uri="{FF2B5EF4-FFF2-40B4-BE49-F238E27FC236}">
+                <a16:creationId xmlns:a16="http://schemas.microsoft.com/office/drawing/2014/main" id="{9B55D78D-62EC-4E80-81D7-505F7BFC2C3E}"/>
               </a:ext>
             </a:extLst>
           </p:cNvPr>
@@ -4293,51 +4319,1917 @@
           </a:p>
         </p:txBody>
       </p:sp>
-      <p:cxnSp>
-        <p:nvCxnSpPr>
-          <p:cNvPr id="8" name="Conector reto 7">
-            <a:extLst>
-              <a:ext uri="{FF2B5EF4-FFF2-40B4-BE49-F238E27FC236}">
-                <a16:creationId xmlns:a16="http://schemas.microsoft.com/office/drawing/2014/main" id="{FB30EFED-2331-4530-981C-17C0935C6C2C}"/>
-              </a:ext>
-            </a:extLst>
-          </p:cNvPr>
-          <p:cNvCxnSpPr/>
+      <p:sp>
+        <p:nvSpPr>
+          <p:cNvPr id="5" name="CaixaDeTexto 4">
+            <a:extLst>
+              <a:ext uri="{FF2B5EF4-FFF2-40B4-BE49-F238E27FC236}">
+                <a16:creationId xmlns:a16="http://schemas.microsoft.com/office/drawing/2014/main" id="{3727047C-3756-49AD-94B4-C71EB85F7675}"/>
+              </a:ext>
+            </a:extLst>
+          </p:cNvPr>
+          <p:cNvSpPr txBox="1"/>
           <p:nvPr/>
-        </p:nvCxnSpPr>
+        </p:nvSpPr>
+        <p:spPr>
+          <a:xfrm rot="338372">
+            <a:off x="5150009" y="4401978"/>
+            <a:ext cx="1908016" cy="830997"/>
+          </a:xfrm>
+          <a:prstGeom prst="rect">
+            <a:avLst/>
+          </a:prstGeom>
+          <a:noFill/>
+        </p:spPr>
+        <p:txBody>
+          <a:bodyPr wrap="square" rtlCol="0">
+            <a:spAutoFit/>
+          </a:bodyPr>
+          <a:lstStyle/>
+          <a:p>
+            <a:pPr algn="ctr"/>
+            <a:r>
+              <a:rPr lang="pt-BR" sz="4800" dirty="0">
+                <a:solidFill>
+                  <a:schemeClr val="accent6"/>
+                </a:solidFill>
+                <a:latin typeface="Bauhaus 93" panose="04030905020B02020C02" pitchFamily="82" charset="0"/>
+              </a:rPr>
+              <a:t>Pizza</a:t>
+            </a:r>
+          </a:p>
+        </p:txBody>
+      </p:sp>
+    </p:spTree>
+    <p:extLst>
+      <p:ext uri="{BB962C8B-B14F-4D97-AF65-F5344CB8AC3E}">
+        <p14:creationId xmlns:p14="http://schemas.microsoft.com/office/powerpoint/2010/main" val="106822357"/>
+      </p:ext>
+    </p:extLst>
+  </p:cSld>
+  <p:clrMapOvr>
+    <a:masterClrMapping/>
+  </p:clrMapOvr>
+  <mc:AlternateContent xmlns:mc="http://schemas.openxmlformats.org/markup-compatibility/2006">
+    <mc:Choice xmlns:p14="http://schemas.microsoft.com/office/powerpoint/2010/main" Requires="p14">
+      <p:transition spd="slow" p14:dur="2000" advTm="0"/>
+    </mc:Choice>
+    <mc:Fallback>
+      <p:transition spd="slow" advTm="0"/>
+    </mc:Fallback>
+  </mc:AlternateContent>
+</p:sld>
+</file>
+
+<file path=ppt/slides/slide11.xml><?xml version="1.0" encoding="utf-8"?>
+<p:sld xmlns:a="http://schemas.openxmlformats.org/drawingml/2006/main" xmlns:r="http://schemas.openxmlformats.org/officeDocument/2006/relationships" xmlns:p="http://schemas.openxmlformats.org/presentationml/2006/main">
+  <p:cSld>
+    <p:spTree>
+      <p:nvGrpSpPr>
+        <p:cNvPr id="1" name=""/>
+        <p:cNvGrpSpPr/>
+        <p:nvPr/>
+      </p:nvGrpSpPr>
+      <p:grpSpPr>
+        <a:xfrm>
+          <a:off x="0" y="0"/>
+          <a:ext cx="0" cy="0"/>
+          <a:chOff x="0" y="0"/>
+          <a:chExt cx="0" cy="0"/>
+        </a:xfrm>
+      </p:grpSpPr>
+      <p:sp>
+        <p:nvSpPr>
+          <p:cNvPr id="4" name="Fundo">
+            <a:extLst>
+              <a:ext uri="{FF2B5EF4-FFF2-40B4-BE49-F238E27FC236}">
+                <a16:creationId xmlns:a16="http://schemas.microsoft.com/office/drawing/2014/main" id="{9B55D78D-62EC-4E80-81D7-505F7BFC2C3E}"/>
+              </a:ext>
+            </a:extLst>
+          </p:cNvPr>
+          <p:cNvSpPr/>
+          <p:nvPr/>
+        </p:nvSpPr>
         <p:spPr>
           <a:xfrm>
-            <a:off x="493486" y="1582058"/>
-            <a:ext cx="11205029" cy="0"/>
+            <a:off x="0" y="0"/>
+            <a:ext cx="12192000" cy="6854371"/>
           </a:xfrm>
-          <a:prstGeom prst="line">
+          <a:prstGeom prst="rect">
             <a:avLst/>
           </a:prstGeom>
-          <a:ln w="28575">
-            <a:solidFill>
-              <a:schemeClr val="bg1"/>
-            </a:solidFill>
-            <a:prstDash val="dashDot"/>
-          </a:ln>
+          <a:gradFill flip="none" rotWithShape="1">
+            <a:gsLst>
+              <a:gs pos="0">
+                <a:schemeClr val="bg2">
+                  <a:lumMod val="25000"/>
+                </a:schemeClr>
+              </a:gs>
+              <a:gs pos="94000">
+                <a:schemeClr val="tx1">
+                  <a:lumMod val="95000"/>
+                  <a:lumOff val="5000"/>
+                </a:schemeClr>
+              </a:gs>
+            </a:gsLst>
+            <a:lin ang="2700000" scaled="1"/>
+            <a:tileRect/>
+          </a:gradFill>
         </p:spPr>
         <p:style>
-          <a:lnRef idx="1">
-            <a:schemeClr val="accent1"/>
+          <a:lnRef idx="2">
+            <a:schemeClr val="accent1">
+              <a:shade val="50000"/>
+            </a:schemeClr>
           </a:lnRef>
-          <a:fillRef idx="0">
+          <a:fillRef idx="1">
             <a:schemeClr val="accent1"/>
           </a:fillRef>
           <a:effectRef idx="0">
             <a:schemeClr val="accent1"/>
           </a:effectRef>
           <a:fontRef idx="minor">
+            <a:schemeClr val="lt1"/>
+          </a:fontRef>
+        </p:style>
+        <p:txBody>
+          <a:bodyPr rtlCol="0" anchor="ctr"/>
+          <a:lstStyle/>
+          <a:p>
+            <a:pPr algn="ctr"/>
+            <a:endParaRPr lang="pt-BR" dirty="0"/>
+          </a:p>
+        </p:txBody>
+      </p:sp>
+      <p:sp>
+        <p:nvSpPr>
+          <p:cNvPr id="5" name="CaixaDeTexto 4">
+            <a:extLst>
+              <a:ext uri="{FF2B5EF4-FFF2-40B4-BE49-F238E27FC236}">
+                <a16:creationId xmlns:a16="http://schemas.microsoft.com/office/drawing/2014/main" id="{3727047C-3756-49AD-94B4-C71EB85F7675}"/>
+              </a:ext>
+            </a:extLst>
+          </p:cNvPr>
+          <p:cNvSpPr txBox="1"/>
+          <p:nvPr/>
+        </p:nvSpPr>
+        <p:spPr>
+          <a:xfrm rot="21170990">
+            <a:off x="5143963" y="4423932"/>
+            <a:ext cx="2157433" cy="707886"/>
+          </a:xfrm>
+          <a:prstGeom prst="rect">
+            <a:avLst/>
+          </a:prstGeom>
+          <a:noFill/>
+        </p:spPr>
+        <p:txBody>
+          <a:bodyPr wrap="square" rtlCol="0">
+            <a:spAutoFit/>
+          </a:bodyPr>
+          <a:lstStyle/>
+          <a:p>
+            <a:pPr algn="ctr"/>
+            <a:r>
+              <a:rPr lang="pt-BR" sz="4000" dirty="0">
+                <a:solidFill>
+                  <a:schemeClr val="accent6"/>
+                </a:solidFill>
+                <a:latin typeface="Elephant" panose="02020904090505020303" pitchFamily="18" charset="0"/>
+              </a:rPr>
+              <a:t>Puzzle</a:t>
+            </a:r>
+          </a:p>
+        </p:txBody>
+      </p:sp>
+    </p:spTree>
+    <p:extLst>
+      <p:ext uri="{BB962C8B-B14F-4D97-AF65-F5344CB8AC3E}">
+        <p14:creationId xmlns:p14="http://schemas.microsoft.com/office/powerpoint/2010/main" val="2451898652"/>
+      </p:ext>
+    </p:extLst>
+  </p:cSld>
+  <p:clrMapOvr>
+    <a:masterClrMapping/>
+  </p:clrMapOvr>
+  <mc:AlternateContent xmlns:mc="http://schemas.openxmlformats.org/markup-compatibility/2006">
+    <mc:Choice xmlns:p14="http://schemas.microsoft.com/office/powerpoint/2010/main" Requires="p14">
+      <p:transition spd="slow" p14:dur="2000" advTm="0"/>
+    </mc:Choice>
+    <mc:Fallback>
+      <p:transition spd="slow" advTm="0"/>
+    </mc:Fallback>
+  </mc:AlternateContent>
+</p:sld>
+</file>
+
+<file path=ppt/slides/slide12.xml><?xml version="1.0" encoding="utf-8"?>
+<p:sld xmlns:a="http://schemas.openxmlformats.org/drawingml/2006/main" xmlns:r="http://schemas.openxmlformats.org/officeDocument/2006/relationships" xmlns:p="http://schemas.openxmlformats.org/presentationml/2006/main">
+  <p:cSld>
+    <p:spTree>
+      <p:nvGrpSpPr>
+        <p:cNvPr id="1" name=""/>
+        <p:cNvGrpSpPr/>
+        <p:nvPr/>
+      </p:nvGrpSpPr>
+      <p:grpSpPr>
+        <a:xfrm>
+          <a:off x="0" y="0"/>
+          <a:ext cx="0" cy="0"/>
+          <a:chOff x="0" y="0"/>
+          <a:chExt cx="0" cy="0"/>
+        </a:xfrm>
+      </p:grpSpPr>
+      <p:sp>
+        <p:nvSpPr>
+          <p:cNvPr id="4" name="Fundo">
+            <a:extLst>
+              <a:ext uri="{FF2B5EF4-FFF2-40B4-BE49-F238E27FC236}">
+                <a16:creationId xmlns:a16="http://schemas.microsoft.com/office/drawing/2014/main" id="{9B55D78D-62EC-4E80-81D7-505F7BFC2C3E}"/>
+              </a:ext>
+            </a:extLst>
+          </p:cNvPr>
+          <p:cNvSpPr/>
+          <p:nvPr/>
+        </p:nvSpPr>
+        <p:spPr>
+          <a:xfrm>
+            <a:off x="0" y="0"/>
+            <a:ext cx="12192000" cy="6854371"/>
+          </a:xfrm>
+          <a:prstGeom prst="rect">
+            <a:avLst/>
+          </a:prstGeom>
+          <a:gradFill flip="none" rotWithShape="1">
+            <a:gsLst>
+              <a:gs pos="0">
+                <a:schemeClr val="bg2">
+                  <a:lumMod val="25000"/>
+                </a:schemeClr>
+              </a:gs>
+              <a:gs pos="94000">
+                <a:schemeClr val="tx1">
+                  <a:lumMod val="95000"/>
+                  <a:lumOff val="5000"/>
+                </a:schemeClr>
+              </a:gs>
+            </a:gsLst>
+            <a:lin ang="2700000" scaled="1"/>
+            <a:tileRect/>
+          </a:gradFill>
+        </p:spPr>
+        <p:style>
+          <a:lnRef idx="2">
+            <a:schemeClr val="accent1">
+              <a:shade val="50000"/>
+            </a:schemeClr>
+          </a:lnRef>
+          <a:fillRef idx="1">
+            <a:schemeClr val="accent1"/>
+          </a:fillRef>
+          <a:effectRef idx="0">
+            <a:schemeClr val="accent1"/>
+          </a:effectRef>
+          <a:fontRef idx="minor">
+            <a:schemeClr val="lt1"/>
+          </a:fontRef>
+        </p:style>
+        <p:txBody>
+          <a:bodyPr rtlCol="0" anchor="ctr"/>
+          <a:lstStyle/>
+          <a:p>
+            <a:pPr algn="ctr"/>
+            <a:endParaRPr lang="pt-BR" dirty="0"/>
+          </a:p>
+        </p:txBody>
+      </p:sp>
+      <p:sp>
+        <p:nvSpPr>
+          <p:cNvPr id="5" name="CaixaDeTexto 4">
+            <a:extLst>
+              <a:ext uri="{FF2B5EF4-FFF2-40B4-BE49-F238E27FC236}">
+                <a16:creationId xmlns:a16="http://schemas.microsoft.com/office/drawing/2014/main" id="{3727047C-3756-49AD-94B4-C71EB85F7675}"/>
+              </a:ext>
+            </a:extLst>
+          </p:cNvPr>
+          <p:cNvSpPr txBox="1"/>
+          <p:nvPr/>
+        </p:nvSpPr>
+        <p:spPr>
+          <a:xfrm rot="337701">
+            <a:off x="5150008" y="4486274"/>
+            <a:ext cx="2298541" cy="707886"/>
+          </a:xfrm>
+          <a:prstGeom prst="rect">
+            <a:avLst/>
+          </a:prstGeom>
+          <a:noFill/>
+        </p:spPr>
+        <p:txBody>
+          <a:bodyPr wrap="square" rtlCol="0">
+            <a:spAutoFit/>
+          </a:bodyPr>
+          <a:lstStyle/>
+          <a:p>
+            <a:pPr algn="ctr"/>
+            <a:r>
+              <a:rPr lang="pt-BR" sz="4000" dirty="0">
+                <a:ln>
+                  <a:solidFill>
+                    <a:schemeClr val="tx1">
+                      <a:lumMod val="95000"/>
+                      <a:lumOff val="5000"/>
+                    </a:schemeClr>
+                  </a:solidFill>
+                </a:ln>
+                <a:solidFill>
+                  <a:srgbClr val="C00000"/>
+                </a:solidFill>
+                <a:latin typeface="Consolas" panose="020B0609020204030204" pitchFamily="49" charset="0"/>
+              </a:rPr>
+              <a:t>Puzzle</a:t>
+            </a:r>
+          </a:p>
+        </p:txBody>
+      </p:sp>
+    </p:spTree>
+    <p:extLst>
+      <p:ext uri="{BB962C8B-B14F-4D97-AF65-F5344CB8AC3E}">
+        <p14:creationId xmlns:p14="http://schemas.microsoft.com/office/powerpoint/2010/main" val="2615880422"/>
+      </p:ext>
+    </p:extLst>
+  </p:cSld>
+  <p:clrMapOvr>
+    <a:masterClrMapping/>
+  </p:clrMapOvr>
+  <mc:AlternateContent xmlns:mc="http://schemas.openxmlformats.org/markup-compatibility/2006">
+    <mc:Choice xmlns:p14="http://schemas.microsoft.com/office/powerpoint/2010/main" Requires="p14">
+      <p:transition spd="slow" p14:dur="2000" advTm="0"/>
+    </mc:Choice>
+    <mc:Fallback>
+      <p:transition spd="slow" advTm="0"/>
+    </mc:Fallback>
+  </mc:AlternateContent>
+</p:sld>
+</file>
+
+<file path=ppt/slides/slide13.xml><?xml version="1.0" encoding="utf-8"?>
+<p:sld xmlns:a="http://schemas.openxmlformats.org/drawingml/2006/main" xmlns:r="http://schemas.openxmlformats.org/officeDocument/2006/relationships" xmlns:p="http://schemas.openxmlformats.org/presentationml/2006/main">
+  <p:cSld>
+    <p:spTree>
+      <p:nvGrpSpPr>
+        <p:cNvPr id="1" name=""/>
+        <p:cNvGrpSpPr/>
+        <p:nvPr/>
+      </p:nvGrpSpPr>
+      <p:grpSpPr>
+        <a:xfrm>
+          <a:off x="0" y="0"/>
+          <a:ext cx="0" cy="0"/>
+          <a:chOff x="0" y="0"/>
+          <a:chExt cx="0" cy="0"/>
+        </a:xfrm>
+      </p:grpSpPr>
+      <p:sp>
+        <p:nvSpPr>
+          <p:cNvPr id="4" name="Fundo">
+            <a:extLst>
+              <a:ext uri="{FF2B5EF4-FFF2-40B4-BE49-F238E27FC236}">
+                <a16:creationId xmlns:a16="http://schemas.microsoft.com/office/drawing/2014/main" id="{9B55D78D-62EC-4E80-81D7-505F7BFC2C3E}"/>
+              </a:ext>
+            </a:extLst>
+          </p:cNvPr>
+          <p:cNvSpPr/>
+          <p:nvPr/>
+        </p:nvSpPr>
+        <p:spPr>
+          <a:xfrm>
+            <a:off x="0" y="0"/>
+            <a:ext cx="12192000" cy="6854371"/>
+          </a:xfrm>
+          <a:prstGeom prst="rect">
+            <a:avLst/>
+          </a:prstGeom>
+          <a:gradFill flip="none" rotWithShape="1">
+            <a:gsLst>
+              <a:gs pos="0">
+                <a:schemeClr val="bg2">
+                  <a:lumMod val="25000"/>
+                </a:schemeClr>
+              </a:gs>
+              <a:gs pos="94000">
+                <a:schemeClr val="tx1">
+                  <a:lumMod val="95000"/>
+                  <a:lumOff val="5000"/>
+                </a:schemeClr>
+              </a:gs>
+            </a:gsLst>
+            <a:lin ang="2700000" scaled="1"/>
+            <a:tileRect/>
+          </a:gradFill>
+        </p:spPr>
+        <p:style>
+          <a:lnRef idx="2">
+            <a:schemeClr val="accent1">
+              <a:shade val="50000"/>
+            </a:schemeClr>
+          </a:lnRef>
+          <a:fillRef idx="1">
+            <a:schemeClr val="accent1"/>
+          </a:fillRef>
+          <a:effectRef idx="0">
+            <a:schemeClr val="accent1"/>
+          </a:effectRef>
+          <a:fontRef idx="minor">
+            <a:schemeClr val="lt1"/>
+          </a:fontRef>
+        </p:style>
+        <p:txBody>
+          <a:bodyPr rtlCol="0" anchor="ctr"/>
+          <a:lstStyle/>
+          <a:p>
+            <a:pPr algn="ctr"/>
+            <a:endParaRPr lang="pt-BR" dirty="0"/>
+          </a:p>
+        </p:txBody>
+      </p:sp>
+      <p:sp>
+        <p:nvSpPr>
+          <p:cNvPr id="5" name="CaixaDeTexto 4">
+            <a:extLst>
+              <a:ext uri="{FF2B5EF4-FFF2-40B4-BE49-F238E27FC236}">
+                <a16:creationId xmlns:a16="http://schemas.microsoft.com/office/drawing/2014/main" id="{3727047C-3756-49AD-94B4-C71EB85F7675}"/>
+              </a:ext>
+            </a:extLst>
+          </p:cNvPr>
+          <p:cNvSpPr txBox="1"/>
+          <p:nvPr/>
+        </p:nvSpPr>
+        <p:spPr>
+          <a:xfrm rot="732405">
+            <a:off x="4932442" y="4406383"/>
+            <a:ext cx="2327116" cy="707886"/>
+          </a:xfrm>
+          <a:prstGeom prst="rect">
+            <a:avLst/>
+          </a:prstGeom>
+          <a:noFill/>
+        </p:spPr>
+        <p:txBody>
+          <a:bodyPr wrap="square" rtlCol="0">
+            <a:spAutoFit/>
+          </a:bodyPr>
+          <a:lstStyle/>
+          <a:p>
+            <a:pPr algn="ctr"/>
+            <a:r>
+              <a:rPr lang="pt-BR" sz="4000" b="1" dirty="0">
+                <a:solidFill>
+                  <a:schemeClr val="accent6"/>
+                </a:solidFill>
+                <a:effectLst>
+                  <a:outerShdw blurRad="38100" dist="38100" dir="2700000" algn="tl">
+                    <a:srgbClr val="000000">
+                      <a:alpha val="43137"/>
+                    </a:srgbClr>
+                  </a:outerShdw>
+                </a:effectLst>
+                <a:latin typeface="Arial Black" panose="020B0A04020102020204" pitchFamily="34" charset="0"/>
+              </a:rPr>
+              <a:t>Puzzle</a:t>
+            </a:r>
+          </a:p>
+        </p:txBody>
+      </p:sp>
+    </p:spTree>
+    <p:extLst>
+      <p:ext uri="{BB962C8B-B14F-4D97-AF65-F5344CB8AC3E}">
+        <p14:creationId xmlns:p14="http://schemas.microsoft.com/office/powerpoint/2010/main" val="93238133"/>
+      </p:ext>
+    </p:extLst>
+  </p:cSld>
+  <p:clrMapOvr>
+    <a:masterClrMapping/>
+  </p:clrMapOvr>
+  <mc:AlternateContent xmlns:mc="http://schemas.openxmlformats.org/markup-compatibility/2006">
+    <mc:Choice xmlns:p14="http://schemas.microsoft.com/office/powerpoint/2010/main" Requires="p14">
+      <p:transition spd="slow" p14:dur="2000" advTm="0"/>
+    </mc:Choice>
+    <mc:Fallback>
+      <p:transition spd="slow" advTm="0"/>
+    </mc:Fallback>
+  </mc:AlternateContent>
+</p:sld>
+</file>
+
+<file path=ppt/slides/slide14.xml><?xml version="1.0" encoding="utf-8"?>
+<p:sld xmlns:a="http://schemas.openxmlformats.org/drawingml/2006/main" xmlns:r="http://schemas.openxmlformats.org/officeDocument/2006/relationships" xmlns:p="http://schemas.openxmlformats.org/presentationml/2006/main">
+  <p:cSld>
+    <p:spTree>
+      <p:nvGrpSpPr>
+        <p:cNvPr id="1" name=""/>
+        <p:cNvGrpSpPr/>
+        <p:nvPr/>
+      </p:nvGrpSpPr>
+      <p:grpSpPr>
+        <a:xfrm>
+          <a:off x="0" y="0"/>
+          <a:ext cx="0" cy="0"/>
+          <a:chOff x="0" y="0"/>
+          <a:chExt cx="0" cy="0"/>
+        </a:xfrm>
+      </p:grpSpPr>
+      <p:sp>
+        <p:nvSpPr>
+          <p:cNvPr id="4" name="Fundo">
+            <a:extLst>
+              <a:ext uri="{FF2B5EF4-FFF2-40B4-BE49-F238E27FC236}">
+                <a16:creationId xmlns:a16="http://schemas.microsoft.com/office/drawing/2014/main" id="{9B55D78D-62EC-4E80-81D7-505F7BFC2C3E}"/>
+              </a:ext>
+            </a:extLst>
+          </p:cNvPr>
+          <p:cNvSpPr/>
+          <p:nvPr/>
+        </p:nvSpPr>
+        <p:spPr>
+          <a:xfrm>
+            <a:off x="0" y="0"/>
+            <a:ext cx="12192000" cy="6854371"/>
+          </a:xfrm>
+          <a:prstGeom prst="rect">
+            <a:avLst/>
+          </a:prstGeom>
+          <a:gradFill flip="none" rotWithShape="1">
+            <a:gsLst>
+              <a:gs pos="0">
+                <a:schemeClr val="bg2">
+                  <a:lumMod val="25000"/>
+                </a:schemeClr>
+              </a:gs>
+              <a:gs pos="94000">
+                <a:schemeClr val="tx1">
+                  <a:lumMod val="95000"/>
+                  <a:lumOff val="5000"/>
+                </a:schemeClr>
+              </a:gs>
+            </a:gsLst>
+            <a:lin ang="2700000" scaled="1"/>
+            <a:tileRect/>
+          </a:gradFill>
+        </p:spPr>
+        <p:style>
+          <a:lnRef idx="2">
+            <a:schemeClr val="accent1">
+              <a:shade val="50000"/>
+            </a:schemeClr>
+          </a:lnRef>
+          <a:fillRef idx="1">
+            <a:schemeClr val="accent1"/>
+          </a:fillRef>
+          <a:effectRef idx="0">
+            <a:schemeClr val="accent1"/>
+          </a:effectRef>
+          <a:fontRef idx="minor">
+            <a:schemeClr val="lt1"/>
+          </a:fontRef>
+        </p:style>
+        <p:txBody>
+          <a:bodyPr rtlCol="0" anchor="ctr"/>
+          <a:lstStyle/>
+          <a:p>
+            <a:pPr algn="ctr"/>
+            <a:endParaRPr lang="pt-BR" dirty="0"/>
+          </a:p>
+        </p:txBody>
+      </p:sp>
+      <p:sp>
+        <p:nvSpPr>
+          <p:cNvPr id="6" name="CaixaDeTexto 5">
+            <a:extLst>
+              <a:ext uri="{FF2B5EF4-FFF2-40B4-BE49-F238E27FC236}">
+                <a16:creationId xmlns:a16="http://schemas.microsoft.com/office/drawing/2014/main" id="{4C31A814-AE50-4479-9E23-0A971AA9FE1C}"/>
+              </a:ext>
+            </a:extLst>
+          </p:cNvPr>
+          <p:cNvSpPr txBox="1"/>
+          <p:nvPr/>
+        </p:nvSpPr>
+        <p:spPr>
+          <a:xfrm>
+            <a:off x="4578508" y="4171950"/>
+            <a:ext cx="3422491" cy="1107996"/>
+          </a:xfrm>
+          <a:prstGeom prst="rect">
+            <a:avLst/>
+          </a:prstGeom>
+          <a:noFill/>
+        </p:spPr>
+        <p:txBody>
+          <a:bodyPr wrap="square" rtlCol="0">
+            <a:spAutoFit/>
+          </a:bodyPr>
+          <a:lstStyle/>
+          <a:p>
+            <a:pPr algn="ctr"/>
+            <a:r>
+              <a:rPr lang="pt-BR" sz="6600" dirty="0">
+                <a:solidFill>
+                  <a:schemeClr val="accent3"/>
+                </a:solidFill>
+                <a:latin typeface="Consolas" panose="020B0609020204030204" pitchFamily="49" charset="0"/>
+              </a:rPr>
+              <a:t>Puzzle</a:t>
+            </a:r>
+          </a:p>
+        </p:txBody>
+      </p:sp>
+      <p:sp>
+        <p:nvSpPr>
+          <p:cNvPr id="5" name="CaixaDeTexto 4">
+            <a:extLst>
+              <a:ext uri="{FF2B5EF4-FFF2-40B4-BE49-F238E27FC236}">
+                <a16:creationId xmlns:a16="http://schemas.microsoft.com/office/drawing/2014/main" id="{3727047C-3756-49AD-94B4-C71EB85F7675}"/>
+              </a:ext>
+            </a:extLst>
+          </p:cNvPr>
+          <p:cNvSpPr txBox="1"/>
+          <p:nvPr/>
+        </p:nvSpPr>
+        <p:spPr>
+          <a:xfrm>
+            <a:off x="5150009" y="4463534"/>
+            <a:ext cx="1891982" cy="707886"/>
+          </a:xfrm>
+          <a:prstGeom prst="rect">
+            <a:avLst/>
+          </a:prstGeom>
+          <a:noFill/>
+        </p:spPr>
+        <p:txBody>
+          <a:bodyPr wrap="square" rtlCol="0">
+            <a:spAutoFit/>
+          </a:bodyPr>
+          <a:lstStyle/>
+          <a:p>
+            <a:pPr algn="ctr"/>
+            <a:r>
+              <a:rPr lang="pt-BR" sz="4000" dirty="0">
+                <a:solidFill>
+                  <a:schemeClr val="accent6"/>
+                </a:solidFill>
+                <a:latin typeface="Consolas" panose="020B0609020204030204" pitchFamily="49" charset="0"/>
+              </a:rPr>
+              <a:t>Puzzle</a:t>
+            </a:r>
+          </a:p>
+        </p:txBody>
+      </p:sp>
+    </p:spTree>
+    <p:extLst>
+      <p:ext uri="{BB962C8B-B14F-4D97-AF65-F5344CB8AC3E}">
+        <p14:creationId xmlns:p14="http://schemas.microsoft.com/office/powerpoint/2010/main" val="2450182205"/>
+      </p:ext>
+    </p:extLst>
+  </p:cSld>
+  <p:clrMapOvr>
+    <a:masterClrMapping/>
+  </p:clrMapOvr>
+  <mc:AlternateContent xmlns:mc="http://schemas.openxmlformats.org/markup-compatibility/2006">
+    <mc:Choice xmlns:p14="http://schemas.microsoft.com/office/powerpoint/2010/main" Requires="p14">
+      <p:transition spd="slow" p14:dur="2000" advTm="0"/>
+    </mc:Choice>
+    <mc:Fallback>
+      <p:transition spd="slow" advTm="0"/>
+    </mc:Fallback>
+  </mc:AlternateContent>
+</p:sld>
+</file>
+
+<file path=ppt/slides/slide15.xml><?xml version="1.0" encoding="utf-8"?>
+<p:sld xmlns:a="http://schemas.openxmlformats.org/drawingml/2006/main" xmlns:r="http://schemas.openxmlformats.org/officeDocument/2006/relationships" xmlns:p="http://schemas.openxmlformats.org/presentationml/2006/main">
+  <p:cSld>
+    <p:spTree>
+      <p:nvGrpSpPr>
+        <p:cNvPr id="1" name=""/>
+        <p:cNvGrpSpPr/>
+        <p:nvPr/>
+      </p:nvGrpSpPr>
+      <p:grpSpPr>
+        <a:xfrm>
+          <a:off x="0" y="0"/>
+          <a:ext cx="0" cy="0"/>
+          <a:chOff x="0" y="0"/>
+          <a:chExt cx="0" cy="0"/>
+        </a:xfrm>
+      </p:grpSpPr>
+      <p:sp>
+        <p:nvSpPr>
+          <p:cNvPr id="4" name="Fundo">
+            <a:extLst>
+              <a:ext uri="{FF2B5EF4-FFF2-40B4-BE49-F238E27FC236}">
+                <a16:creationId xmlns:a16="http://schemas.microsoft.com/office/drawing/2014/main" id="{9B55D78D-62EC-4E80-81D7-505F7BFC2C3E}"/>
+              </a:ext>
+            </a:extLst>
+          </p:cNvPr>
+          <p:cNvSpPr/>
+          <p:nvPr/>
+        </p:nvSpPr>
+        <p:spPr>
+          <a:xfrm>
+            <a:off x="0" y="0"/>
+            <a:ext cx="12192000" cy="6854371"/>
+          </a:xfrm>
+          <a:prstGeom prst="rect">
+            <a:avLst/>
+          </a:prstGeom>
+          <a:gradFill flip="none" rotWithShape="1">
+            <a:gsLst>
+              <a:gs pos="0">
+                <a:schemeClr val="bg2">
+                  <a:lumMod val="25000"/>
+                </a:schemeClr>
+              </a:gs>
+              <a:gs pos="94000">
+                <a:schemeClr val="tx1">
+                  <a:lumMod val="95000"/>
+                  <a:lumOff val="5000"/>
+                </a:schemeClr>
+              </a:gs>
+            </a:gsLst>
+            <a:lin ang="2700000" scaled="1"/>
+            <a:tileRect/>
+          </a:gradFill>
+        </p:spPr>
+        <p:style>
+          <a:lnRef idx="2">
+            <a:schemeClr val="accent1">
+              <a:shade val="50000"/>
+            </a:schemeClr>
+          </a:lnRef>
+          <a:fillRef idx="1">
+            <a:schemeClr val="accent1"/>
+          </a:fillRef>
+          <a:effectRef idx="0">
+            <a:schemeClr val="accent1"/>
+          </a:effectRef>
+          <a:fontRef idx="minor">
+            <a:schemeClr val="lt1"/>
+          </a:fontRef>
+        </p:style>
+        <p:txBody>
+          <a:bodyPr rtlCol="0" anchor="ctr"/>
+          <a:lstStyle/>
+          <a:p>
+            <a:pPr algn="ctr"/>
+            <a:endParaRPr lang="pt-BR" dirty="0"/>
+          </a:p>
+        </p:txBody>
+      </p:sp>
+      <p:sp>
+        <p:nvSpPr>
+          <p:cNvPr id="6" name="CaixaDeTexto 5">
+            <a:extLst>
+              <a:ext uri="{FF2B5EF4-FFF2-40B4-BE49-F238E27FC236}">
+                <a16:creationId xmlns:a16="http://schemas.microsoft.com/office/drawing/2014/main" id="{59B0663C-2BD1-4DB7-A433-13E318FC34C4}"/>
+              </a:ext>
+            </a:extLst>
+          </p:cNvPr>
+          <p:cNvSpPr txBox="1"/>
+          <p:nvPr/>
+        </p:nvSpPr>
+        <p:spPr>
+          <a:xfrm>
+            <a:off x="5235733" y="4387334"/>
+            <a:ext cx="2088991" cy="707886"/>
+          </a:xfrm>
+          <a:prstGeom prst="rect">
+            <a:avLst/>
+          </a:prstGeom>
+          <a:noFill/>
+        </p:spPr>
+        <p:txBody>
+          <a:bodyPr wrap="square" rtlCol="0">
+            <a:spAutoFit/>
+          </a:bodyPr>
+          <a:lstStyle/>
+          <a:p>
+            <a:pPr algn="ctr"/>
+            <a:r>
+              <a:rPr lang="pt-BR" sz="4000" dirty="0">
+                <a:solidFill>
+                  <a:srgbClr val="00B050"/>
+                </a:solidFill>
+                <a:latin typeface="Arial Black" panose="020B0A04020102020204" pitchFamily="34" charset="0"/>
+              </a:rPr>
+              <a:t>Puzzle</a:t>
+            </a:r>
+          </a:p>
+        </p:txBody>
+      </p:sp>
+      <p:sp>
+        <p:nvSpPr>
+          <p:cNvPr id="5" name="CaixaDeTexto 4">
+            <a:extLst>
+              <a:ext uri="{FF2B5EF4-FFF2-40B4-BE49-F238E27FC236}">
+                <a16:creationId xmlns:a16="http://schemas.microsoft.com/office/drawing/2014/main" id="{3727047C-3756-49AD-94B4-C71EB85F7675}"/>
+              </a:ext>
+            </a:extLst>
+          </p:cNvPr>
+          <p:cNvSpPr txBox="1"/>
+          <p:nvPr/>
+        </p:nvSpPr>
+        <p:spPr>
+          <a:xfrm>
+            <a:off x="5150008" y="4463534"/>
+            <a:ext cx="2088991" cy="707886"/>
+          </a:xfrm>
+          <a:prstGeom prst="rect">
+            <a:avLst/>
+          </a:prstGeom>
+          <a:noFill/>
+        </p:spPr>
+        <p:txBody>
+          <a:bodyPr wrap="square" rtlCol="0">
+            <a:spAutoFit/>
+          </a:bodyPr>
+          <a:lstStyle/>
+          <a:p>
+            <a:pPr algn="ctr"/>
+            <a:r>
+              <a:rPr lang="pt-BR" sz="4000" dirty="0">
+                <a:solidFill>
+                  <a:schemeClr val="accent6"/>
+                </a:solidFill>
+                <a:latin typeface="Arial Black" panose="020B0A04020102020204" pitchFamily="34" charset="0"/>
+              </a:rPr>
+              <a:t>Puzzle</a:t>
+            </a:r>
+          </a:p>
+        </p:txBody>
+      </p:sp>
+      <p:sp>
+        <p:nvSpPr>
+          <p:cNvPr id="7" name="CaixaDeTexto 6">
+            <a:extLst>
+              <a:ext uri="{FF2B5EF4-FFF2-40B4-BE49-F238E27FC236}">
+                <a16:creationId xmlns:a16="http://schemas.microsoft.com/office/drawing/2014/main" id="{16E94206-6420-4D90-966C-1D825520DF41}"/>
+              </a:ext>
+            </a:extLst>
+          </p:cNvPr>
+          <p:cNvSpPr txBox="1"/>
+          <p:nvPr/>
+        </p:nvSpPr>
+        <p:spPr>
+          <a:xfrm>
+            <a:off x="5043724" y="4336018"/>
+            <a:ext cx="2088991" cy="707886"/>
+          </a:xfrm>
+          <a:prstGeom prst="rect">
+            <a:avLst/>
+          </a:prstGeom>
+          <a:noFill/>
+        </p:spPr>
+        <p:txBody>
+          <a:bodyPr wrap="square" rtlCol="0">
+            <a:spAutoFit/>
+          </a:bodyPr>
+          <a:lstStyle/>
+          <a:p>
+            <a:pPr algn="ctr"/>
+            <a:r>
+              <a:rPr lang="pt-BR" sz="4000" dirty="0">
+                <a:solidFill>
+                  <a:srgbClr val="00CC00"/>
+                </a:solidFill>
+                <a:latin typeface="Arial Black" panose="020B0A04020102020204" pitchFamily="34" charset="0"/>
+              </a:rPr>
+              <a:t>Puzzle</a:t>
+            </a:r>
+          </a:p>
+        </p:txBody>
+      </p:sp>
+    </p:spTree>
+    <p:extLst>
+      <p:ext uri="{BB962C8B-B14F-4D97-AF65-F5344CB8AC3E}">
+        <p14:creationId xmlns:p14="http://schemas.microsoft.com/office/powerpoint/2010/main" val="3324676242"/>
+      </p:ext>
+    </p:extLst>
+  </p:cSld>
+  <p:clrMapOvr>
+    <a:masterClrMapping/>
+  </p:clrMapOvr>
+  <mc:AlternateContent xmlns:mc="http://schemas.openxmlformats.org/markup-compatibility/2006">
+    <mc:Choice xmlns:p14="http://schemas.microsoft.com/office/powerpoint/2010/main" Requires="p14">
+      <p:transition spd="slow" p14:dur="2000" advTm="0"/>
+    </mc:Choice>
+    <mc:Fallback>
+      <p:transition spd="slow" advTm="0"/>
+    </mc:Fallback>
+  </mc:AlternateContent>
+</p:sld>
+</file>
+
+<file path=ppt/slides/slide16.xml><?xml version="1.0" encoding="utf-8"?>
+<p:sld xmlns:a="http://schemas.openxmlformats.org/drawingml/2006/main" xmlns:r="http://schemas.openxmlformats.org/officeDocument/2006/relationships" xmlns:p="http://schemas.openxmlformats.org/presentationml/2006/main">
+  <p:cSld>
+    <p:spTree>
+      <p:nvGrpSpPr>
+        <p:cNvPr id="1" name=""/>
+        <p:cNvGrpSpPr/>
+        <p:nvPr/>
+      </p:nvGrpSpPr>
+      <p:grpSpPr>
+        <a:xfrm>
+          <a:off x="0" y="0"/>
+          <a:ext cx="0" cy="0"/>
+          <a:chOff x="0" y="0"/>
+          <a:chExt cx="0" cy="0"/>
+        </a:xfrm>
+      </p:grpSpPr>
+      <p:sp>
+        <p:nvSpPr>
+          <p:cNvPr id="4" name="Fundo">
+            <a:extLst>
+              <a:ext uri="{FF2B5EF4-FFF2-40B4-BE49-F238E27FC236}">
+                <a16:creationId xmlns:a16="http://schemas.microsoft.com/office/drawing/2014/main" id="{9B55D78D-62EC-4E80-81D7-505F7BFC2C3E}"/>
+              </a:ext>
+            </a:extLst>
+          </p:cNvPr>
+          <p:cNvSpPr/>
+          <p:nvPr/>
+        </p:nvSpPr>
+        <p:spPr>
+          <a:xfrm>
+            <a:off x="0" y="0"/>
+            <a:ext cx="12192000" cy="6854371"/>
+          </a:xfrm>
+          <a:prstGeom prst="rect">
+            <a:avLst/>
+          </a:prstGeom>
+          <a:gradFill flip="none" rotWithShape="1">
+            <a:gsLst>
+              <a:gs pos="0">
+                <a:schemeClr val="bg2">
+                  <a:lumMod val="25000"/>
+                </a:schemeClr>
+              </a:gs>
+              <a:gs pos="94000">
+                <a:schemeClr val="tx1">
+                  <a:lumMod val="95000"/>
+                  <a:lumOff val="5000"/>
+                </a:schemeClr>
+              </a:gs>
+            </a:gsLst>
+            <a:lin ang="2700000" scaled="1"/>
+            <a:tileRect/>
+          </a:gradFill>
+        </p:spPr>
+        <p:style>
+          <a:lnRef idx="2">
+            <a:schemeClr val="accent1">
+              <a:shade val="50000"/>
+            </a:schemeClr>
+          </a:lnRef>
+          <a:fillRef idx="1">
+            <a:schemeClr val="accent1"/>
+          </a:fillRef>
+          <a:effectRef idx="0">
+            <a:schemeClr val="accent1"/>
+          </a:effectRef>
+          <a:fontRef idx="minor">
+            <a:schemeClr val="lt1"/>
+          </a:fontRef>
+        </p:style>
+        <p:txBody>
+          <a:bodyPr rtlCol="0" anchor="ctr"/>
+          <a:lstStyle/>
+          <a:p>
+            <a:pPr algn="ctr"/>
+            <a:endParaRPr lang="pt-BR" dirty="0"/>
+          </a:p>
+        </p:txBody>
+      </p:sp>
+    </p:spTree>
+    <p:extLst>
+      <p:ext uri="{BB962C8B-B14F-4D97-AF65-F5344CB8AC3E}">
+        <p14:creationId xmlns:p14="http://schemas.microsoft.com/office/powerpoint/2010/main" val="1545063066"/>
+      </p:ext>
+    </p:extLst>
+  </p:cSld>
+  <p:clrMapOvr>
+    <a:masterClrMapping/>
+  </p:clrMapOvr>
+  <mc:AlternateContent xmlns:mc="http://schemas.openxmlformats.org/markup-compatibility/2006">
+    <mc:Choice xmlns:p14="http://schemas.microsoft.com/office/powerpoint/2010/main" Requires="p14">
+      <p:transition spd="slow" p14:dur="2000" advTm="0"/>
+    </mc:Choice>
+    <mc:Fallback>
+      <p:transition spd="slow" advTm="0"/>
+    </mc:Fallback>
+  </mc:AlternateContent>
+</p:sld>
+</file>
+
+<file path=ppt/slides/slide17.xml><?xml version="1.0" encoding="utf-8"?>
+<p:sld xmlns:a="http://schemas.openxmlformats.org/drawingml/2006/main" xmlns:r="http://schemas.openxmlformats.org/officeDocument/2006/relationships" xmlns:p="http://schemas.openxmlformats.org/presentationml/2006/main">
+  <p:cSld>
+    <p:spTree>
+      <p:nvGrpSpPr>
+        <p:cNvPr id="1" name=""/>
+        <p:cNvGrpSpPr/>
+        <p:nvPr/>
+      </p:nvGrpSpPr>
+      <p:grpSpPr>
+        <a:xfrm>
+          <a:off x="0" y="0"/>
+          <a:ext cx="0" cy="0"/>
+          <a:chOff x="0" y="0"/>
+          <a:chExt cx="0" cy="0"/>
+        </a:xfrm>
+      </p:grpSpPr>
+      <p:sp>
+        <p:nvSpPr>
+          <p:cNvPr id="4" name="Fundo">
+            <a:extLst>
+              <a:ext uri="{FF2B5EF4-FFF2-40B4-BE49-F238E27FC236}">
+                <a16:creationId xmlns:a16="http://schemas.microsoft.com/office/drawing/2014/main" id="{9B55D78D-62EC-4E80-81D7-505F7BFC2C3E}"/>
+              </a:ext>
+            </a:extLst>
+          </p:cNvPr>
+          <p:cNvSpPr/>
+          <p:nvPr/>
+        </p:nvSpPr>
+        <p:spPr>
+          <a:xfrm>
+            <a:off x="0" y="0"/>
+            <a:ext cx="12192000" cy="6854371"/>
+          </a:xfrm>
+          <a:prstGeom prst="rect">
+            <a:avLst/>
+          </a:prstGeom>
+          <a:gradFill flip="none" rotWithShape="1">
+            <a:gsLst>
+              <a:gs pos="0">
+                <a:schemeClr val="bg2">
+                  <a:lumMod val="25000"/>
+                </a:schemeClr>
+              </a:gs>
+              <a:gs pos="94000">
+                <a:schemeClr val="tx1">
+                  <a:lumMod val="95000"/>
+                  <a:lumOff val="5000"/>
+                </a:schemeClr>
+              </a:gs>
+            </a:gsLst>
+            <a:lin ang="2700000" scaled="1"/>
+            <a:tileRect/>
+          </a:gradFill>
+        </p:spPr>
+        <p:style>
+          <a:lnRef idx="2">
+            <a:schemeClr val="accent1">
+              <a:shade val="50000"/>
+            </a:schemeClr>
+          </a:lnRef>
+          <a:fillRef idx="1">
+            <a:schemeClr val="accent1"/>
+          </a:fillRef>
+          <a:effectRef idx="0">
+            <a:schemeClr val="accent1"/>
+          </a:effectRef>
+          <a:fontRef idx="minor">
+            <a:schemeClr val="lt1"/>
+          </a:fontRef>
+        </p:style>
+        <p:txBody>
+          <a:bodyPr rtlCol="0" anchor="ctr"/>
+          <a:lstStyle/>
+          <a:p>
+            <a:pPr algn="ctr"/>
+            <a:endParaRPr lang="pt-BR" dirty="0"/>
+          </a:p>
+        </p:txBody>
+      </p:sp>
+      <p:sp>
+        <p:nvSpPr>
+          <p:cNvPr id="5" name="CaixaDeTexto 4">
+            <a:extLst>
+              <a:ext uri="{FF2B5EF4-FFF2-40B4-BE49-F238E27FC236}">
+                <a16:creationId xmlns:a16="http://schemas.microsoft.com/office/drawing/2014/main" id="{3727047C-3756-49AD-94B4-C71EB85F7675}"/>
+              </a:ext>
+            </a:extLst>
+          </p:cNvPr>
+          <p:cNvSpPr txBox="1"/>
+          <p:nvPr/>
+        </p:nvSpPr>
+        <p:spPr>
+          <a:xfrm rot="622985">
+            <a:off x="4556205" y="4175194"/>
+            <a:ext cx="2908141" cy="707886"/>
+          </a:xfrm>
+          <a:prstGeom prst="rect">
+            <a:avLst/>
+          </a:prstGeom>
+          <a:noFill/>
+        </p:spPr>
+        <p:txBody>
+          <a:bodyPr wrap="square" rtlCol="0">
+            <a:spAutoFit/>
+          </a:bodyPr>
+          <a:lstStyle/>
+          <a:p>
+            <a:pPr algn="ctr"/>
+            <a:r>
+              <a:rPr lang="pt-BR" sz="4000" dirty="0">
+                <a:solidFill>
+                  <a:schemeClr val="accent6"/>
+                </a:solidFill>
+                <a:latin typeface="Arial Rounded MT Bold" panose="020F0704030504030204" pitchFamily="34" charset="0"/>
+              </a:rPr>
+              <a:t>Puzzle</a:t>
+            </a:r>
+          </a:p>
+        </p:txBody>
+      </p:sp>
+      <p:cxnSp>
+        <p:nvCxnSpPr>
+          <p:cNvPr id="3" name="Conector reto 2">
+            <a:extLst>
+              <a:ext uri="{FF2B5EF4-FFF2-40B4-BE49-F238E27FC236}">
+                <a16:creationId xmlns:a16="http://schemas.microsoft.com/office/drawing/2014/main" id="{8F163B73-B863-4FEE-894F-C39048EA6614}"/>
+              </a:ext>
+            </a:extLst>
+          </p:cNvPr>
+          <p:cNvCxnSpPr/>
+          <p:nvPr/>
+        </p:nvCxnSpPr>
+        <p:spPr>
+          <a:xfrm>
+            <a:off x="5372100" y="3867150"/>
+            <a:ext cx="333375" cy="1323975"/>
+          </a:xfrm>
+          <a:prstGeom prst="line">
+            <a:avLst/>
+          </a:prstGeom>
+        </p:spPr>
+        <p:style>
+          <a:lnRef idx="1">
+            <a:schemeClr val="accent6"/>
+          </a:lnRef>
+          <a:fillRef idx="0">
+            <a:schemeClr val="accent6"/>
+          </a:fillRef>
+          <a:effectRef idx="0">
+            <a:schemeClr val="accent6"/>
+          </a:effectRef>
+          <a:fontRef idx="minor">
             <a:schemeClr val="tx1"/>
           </a:fontRef>
         </p:style>
       </p:cxnSp>
-      <p:sp>
-        <p:nvSpPr>
-          <p:cNvPr id="9" name="Arthur">
+      <p:cxnSp>
+        <p:nvCxnSpPr>
+          <p:cNvPr id="7" name="Conector reto 6">
+            <a:extLst>
+              <a:ext uri="{FF2B5EF4-FFF2-40B4-BE49-F238E27FC236}">
+                <a16:creationId xmlns:a16="http://schemas.microsoft.com/office/drawing/2014/main" id="{C0522DDE-845F-44A9-80A0-E94F2E67C56F}"/>
+              </a:ext>
+            </a:extLst>
+          </p:cNvPr>
+          <p:cNvCxnSpPr/>
+          <p:nvPr/>
+        </p:nvCxnSpPr>
+        <p:spPr>
+          <a:xfrm flipH="1">
+            <a:off x="5200650" y="4041308"/>
+            <a:ext cx="809625" cy="1266588"/>
+          </a:xfrm>
+          <a:prstGeom prst="line">
+            <a:avLst/>
+          </a:prstGeom>
+        </p:spPr>
+        <p:style>
+          <a:lnRef idx="1">
+            <a:schemeClr val="accent6"/>
+          </a:lnRef>
+          <a:fillRef idx="0">
+            <a:schemeClr val="accent6"/>
+          </a:fillRef>
+          <a:effectRef idx="0">
+            <a:schemeClr val="accent6"/>
+          </a:effectRef>
+          <a:fontRef idx="minor">
+            <a:schemeClr val="tx1"/>
+          </a:fontRef>
+        </p:style>
+      </p:cxnSp>
+      <p:cxnSp>
+        <p:nvCxnSpPr>
+          <p:cNvPr id="9" name="Conector reto 8">
+            <a:extLst>
+              <a:ext uri="{FF2B5EF4-FFF2-40B4-BE49-F238E27FC236}">
+                <a16:creationId xmlns:a16="http://schemas.microsoft.com/office/drawing/2014/main" id="{9A949230-9554-4137-A893-F206BF4268BD}"/>
+              </a:ext>
+            </a:extLst>
+          </p:cNvPr>
+          <p:cNvCxnSpPr/>
+          <p:nvPr/>
+        </p:nvCxnSpPr>
+        <p:spPr>
+          <a:xfrm flipV="1">
+            <a:off x="6296025" y="4041308"/>
+            <a:ext cx="190502" cy="1035517"/>
+          </a:xfrm>
+          <a:prstGeom prst="line">
+            <a:avLst/>
+          </a:prstGeom>
+        </p:spPr>
+        <p:style>
+          <a:lnRef idx="1">
+            <a:schemeClr val="accent6"/>
+          </a:lnRef>
+          <a:fillRef idx="0">
+            <a:schemeClr val="accent6"/>
+          </a:fillRef>
+          <a:effectRef idx="0">
+            <a:schemeClr val="accent6"/>
+          </a:effectRef>
+          <a:fontRef idx="minor">
+            <a:schemeClr val="tx1"/>
+          </a:fontRef>
+        </p:style>
+      </p:cxnSp>
+    </p:spTree>
+    <p:extLst>
+      <p:ext uri="{BB962C8B-B14F-4D97-AF65-F5344CB8AC3E}">
+        <p14:creationId xmlns:p14="http://schemas.microsoft.com/office/powerpoint/2010/main" val="3637211520"/>
+      </p:ext>
+    </p:extLst>
+  </p:cSld>
+  <p:clrMapOvr>
+    <a:masterClrMapping/>
+  </p:clrMapOvr>
+  <mc:AlternateContent xmlns:mc="http://schemas.openxmlformats.org/markup-compatibility/2006">
+    <mc:Choice xmlns:p14="http://schemas.microsoft.com/office/powerpoint/2010/main" Requires="p14">
+      <p:transition spd="slow" p14:dur="2000" advTm="0"/>
+    </mc:Choice>
+    <mc:Fallback>
+      <p:transition spd="slow" advTm="0"/>
+    </mc:Fallback>
+  </mc:AlternateContent>
+</p:sld>
+</file>
+
+<file path=ppt/slides/slide18.xml><?xml version="1.0" encoding="utf-8"?>
+<p:sld xmlns:a="http://schemas.openxmlformats.org/drawingml/2006/main" xmlns:r="http://schemas.openxmlformats.org/officeDocument/2006/relationships" xmlns:p="http://schemas.openxmlformats.org/presentationml/2006/main">
+  <p:cSld>
+    <p:spTree>
+      <p:nvGrpSpPr>
+        <p:cNvPr id="1" name=""/>
+        <p:cNvGrpSpPr/>
+        <p:nvPr/>
+      </p:nvGrpSpPr>
+      <p:grpSpPr>
+        <a:xfrm>
+          <a:off x="0" y="0"/>
+          <a:ext cx="0" cy="0"/>
+          <a:chOff x="0" y="0"/>
+          <a:chExt cx="0" cy="0"/>
+        </a:xfrm>
+      </p:grpSpPr>
+      <p:sp>
+        <p:nvSpPr>
+          <p:cNvPr id="4" name="Fundo">
+            <a:extLst>
+              <a:ext uri="{FF2B5EF4-FFF2-40B4-BE49-F238E27FC236}">
+                <a16:creationId xmlns:a16="http://schemas.microsoft.com/office/drawing/2014/main" id="{9B55D78D-62EC-4E80-81D7-505F7BFC2C3E}"/>
+              </a:ext>
+            </a:extLst>
+          </p:cNvPr>
+          <p:cNvSpPr/>
+          <p:nvPr/>
+        </p:nvSpPr>
+        <p:spPr>
+          <a:xfrm>
+            <a:off x="0" y="0"/>
+            <a:ext cx="12192000" cy="6854371"/>
+          </a:xfrm>
+          <a:prstGeom prst="rect">
+            <a:avLst/>
+          </a:prstGeom>
+          <a:gradFill flip="none" rotWithShape="1">
+            <a:gsLst>
+              <a:gs pos="0">
+                <a:schemeClr val="bg2">
+                  <a:lumMod val="25000"/>
+                </a:schemeClr>
+              </a:gs>
+              <a:gs pos="94000">
+                <a:schemeClr val="tx1">
+                  <a:lumMod val="95000"/>
+                  <a:lumOff val="5000"/>
+                </a:schemeClr>
+              </a:gs>
+            </a:gsLst>
+            <a:lin ang="2700000" scaled="1"/>
+            <a:tileRect/>
+          </a:gradFill>
+        </p:spPr>
+        <p:style>
+          <a:lnRef idx="2">
+            <a:schemeClr val="accent1">
+              <a:shade val="50000"/>
+            </a:schemeClr>
+          </a:lnRef>
+          <a:fillRef idx="1">
+            <a:schemeClr val="accent1"/>
+          </a:fillRef>
+          <a:effectRef idx="0">
+            <a:schemeClr val="accent1"/>
+          </a:effectRef>
+          <a:fontRef idx="minor">
+            <a:schemeClr val="lt1"/>
+          </a:fontRef>
+        </p:style>
+        <p:txBody>
+          <a:bodyPr rtlCol="0" anchor="ctr"/>
+          <a:lstStyle/>
+          <a:p>
+            <a:pPr algn="ctr"/>
+            <a:endParaRPr lang="pt-BR" dirty="0"/>
+          </a:p>
+        </p:txBody>
+      </p:sp>
+      <p:sp>
+        <p:nvSpPr>
+          <p:cNvPr id="5" name="CaixaDeTexto 4">
+            <a:extLst>
+              <a:ext uri="{FF2B5EF4-FFF2-40B4-BE49-F238E27FC236}">
+                <a16:creationId xmlns:a16="http://schemas.microsoft.com/office/drawing/2014/main" id="{3727047C-3756-49AD-94B4-C71EB85F7675}"/>
+              </a:ext>
+            </a:extLst>
+          </p:cNvPr>
+          <p:cNvSpPr txBox="1"/>
+          <p:nvPr/>
+        </p:nvSpPr>
+        <p:spPr>
+          <a:xfrm rot="20700000">
+            <a:off x="5150009" y="4463534"/>
+            <a:ext cx="1891982" cy="707886"/>
+          </a:xfrm>
+          <a:prstGeom prst="rect">
+            <a:avLst/>
+          </a:prstGeom>
+          <a:noFill/>
+        </p:spPr>
+        <p:txBody>
+          <a:bodyPr wrap="square" rtlCol="0">
+            <a:spAutoFit/>
+          </a:bodyPr>
+          <a:lstStyle/>
+          <a:p>
+            <a:pPr algn="ctr"/>
+            <a:r>
+              <a:rPr lang="pt-BR" sz="4000" b="1" dirty="0">
+                <a:ln w="9525">
+                  <a:solidFill>
+                    <a:srgbClr val="002060"/>
+                  </a:solidFill>
+                  <a:prstDash val="solid"/>
+                </a:ln>
+                <a:solidFill>
+                  <a:schemeClr val="accent6">
+                    <a:lumMod val="50000"/>
+                  </a:schemeClr>
+                </a:solidFill>
+                <a:effectLst>
+                  <a:outerShdw blurRad="12700" dist="38100" dir="2700000" algn="tl" rotWithShape="0">
+                    <a:schemeClr val="accent5">
+                      <a:lumMod val="60000"/>
+                      <a:lumOff val="40000"/>
+                    </a:schemeClr>
+                  </a:outerShdw>
+                  <a:reflection blurRad="6350" stA="55000" endA="300" endPos="45500" dir="5400000" sy="-100000" algn="bl" rotWithShape="0"/>
+                </a:effectLst>
+                <a:latin typeface="Bauhaus 93" panose="04030905020B02020C02" pitchFamily="82" charset="0"/>
+              </a:rPr>
+              <a:t>Puzzle</a:t>
+            </a:r>
+            <a:endParaRPr lang="pt-BR" sz="4000" dirty="0">
+              <a:ln w="9525">
+                <a:solidFill>
+                  <a:srgbClr val="002060"/>
+                </a:solidFill>
+                <a:prstDash val="solid"/>
+              </a:ln>
+              <a:solidFill>
+                <a:schemeClr val="accent6">
+                  <a:lumMod val="50000"/>
+                </a:schemeClr>
+              </a:solidFill>
+              <a:effectLst>
+                <a:outerShdw blurRad="12700" dist="38100" dir="2700000" algn="tl" rotWithShape="0">
+                  <a:schemeClr val="accent5">
+                    <a:lumMod val="60000"/>
+                    <a:lumOff val="40000"/>
+                  </a:schemeClr>
+                </a:outerShdw>
+                <a:reflection blurRad="6350" stA="55000" endA="300" endPos="45500" dir="5400000" sy="-100000" algn="bl" rotWithShape="0"/>
+              </a:effectLst>
+              <a:latin typeface="Bauhaus 93" panose="04030905020B02020C02" pitchFamily="82" charset="0"/>
+            </a:endParaRPr>
+          </a:p>
+        </p:txBody>
+      </p:sp>
+    </p:spTree>
+    <p:extLst>
+      <p:ext uri="{BB962C8B-B14F-4D97-AF65-F5344CB8AC3E}">
+        <p14:creationId xmlns:p14="http://schemas.microsoft.com/office/powerpoint/2010/main" val="1115864513"/>
+      </p:ext>
+    </p:extLst>
+  </p:cSld>
+  <p:clrMapOvr>
+    <a:masterClrMapping/>
+  </p:clrMapOvr>
+  <mc:AlternateContent xmlns:mc="http://schemas.openxmlformats.org/markup-compatibility/2006">
+    <mc:Choice xmlns:p14="http://schemas.microsoft.com/office/powerpoint/2010/main" Requires="p14">
+      <p:transition spd="slow" p14:dur="2000" advTm="0"/>
+    </mc:Choice>
+    <mc:Fallback>
+      <p:transition spd="slow" advTm="0"/>
+    </mc:Fallback>
+  </mc:AlternateContent>
+</p:sld>
+</file>
+
+<file path=ppt/slides/slide19.xml><?xml version="1.0" encoding="utf-8"?>
+<p:sld xmlns:a="http://schemas.openxmlformats.org/drawingml/2006/main" xmlns:r="http://schemas.openxmlformats.org/officeDocument/2006/relationships" xmlns:p="http://schemas.openxmlformats.org/presentationml/2006/main">
+  <p:cSld>
+    <p:spTree>
+      <p:nvGrpSpPr>
+        <p:cNvPr id="1" name=""/>
+        <p:cNvGrpSpPr/>
+        <p:nvPr/>
+      </p:nvGrpSpPr>
+      <p:grpSpPr>
+        <a:xfrm>
+          <a:off x="0" y="0"/>
+          <a:ext cx="0" cy="0"/>
+          <a:chOff x="0" y="0"/>
+          <a:chExt cx="0" cy="0"/>
+        </a:xfrm>
+      </p:grpSpPr>
+      <p:sp>
+        <p:nvSpPr>
+          <p:cNvPr id="4" name="Fundo">
+            <a:extLst>
+              <a:ext uri="{FF2B5EF4-FFF2-40B4-BE49-F238E27FC236}">
+                <a16:creationId xmlns:a16="http://schemas.microsoft.com/office/drawing/2014/main" id="{9B55D78D-62EC-4E80-81D7-505F7BFC2C3E}"/>
+              </a:ext>
+            </a:extLst>
+          </p:cNvPr>
+          <p:cNvSpPr/>
+          <p:nvPr/>
+        </p:nvSpPr>
+        <p:spPr>
+          <a:xfrm>
+            <a:off x="0" y="0"/>
+            <a:ext cx="12192000" cy="6854371"/>
+          </a:xfrm>
+          <a:prstGeom prst="rect">
+            <a:avLst/>
+          </a:prstGeom>
+          <a:gradFill flip="none" rotWithShape="1">
+            <a:gsLst>
+              <a:gs pos="0">
+                <a:schemeClr val="bg2">
+                  <a:lumMod val="25000"/>
+                </a:schemeClr>
+              </a:gs>
+              <a:gs pos="94000">
+                <a:schemeClr val="tx1">
+                  <a:lumMod val="95000"/>
+                  <a:lumOff val="5000"/>
+                </a:schemeClr>
+              </a:gs>
+            </a:gsLst>
+            <a:lin ang="2700000" scaled="1"/>
+            <a:tileRect/>
+          </a:gradFill>
+        </p:spPr>
+        <p:style>
+          <a:lnRef idx="2">
+            <a:schemeClr val="accent1">
+              <a:shade val="50000"/>
+            </a:schemeClr>
+          </a:lnRef>
+          <a:fillRef idx="1">
+            <a:schemeClr val="accent1"/>
+          </a:fillRef>
+          <a:effectRef idx="0">
+            <a:schemeClr val="accent1"/>
+          </a:effectRef>
+          <a:fontRef idx="minor">
+            <a:schemeClr val="lt1"/>
+          </a:fontRef>
+        </p:style>
+        <p:txBody>
+          <a:bodyPr rtlCol="0" anchor="ctr"/>
+          <a:lstStyle/>
+          <a:p>
+            <a:pPr algn="ctr"/>
+            <a:endParaRPr lang="pt-BR" dirty="0"/>
+          </a:p>
+        </p:txBody>
+      </p:sp>
+      <p:sp>
+        <p:nvSpPr>
+          <p:cNvPr id="5" name="CaixaDeTexto 4">
+            <a:extLst>
+              <a:ext uri="{FF2B5EF4-FFF2-40B4-BE49-F238E27FC236}">
+                <a16:creationId xmlns:a16="http://schemas.microsoft.com/office/drawing/2014/main" id="{3727047C-3756-49AD-94B4-C71EB85F7675}"/>
+              </a:ext>
+            </a:extLst>
+          </p:cNvPr>
+          <p:cNvSpPr txBox="1"/>
+          <p:nvPr/>
+        </p:nvSpPr>
+        <p:spPr>
+          <a:xfrm>
+            <a:off x="4533900" y="4267200"/>
+            <a:ext cx="3400425" cy="1200329"/>
+          </a:xfrm>
+          <a:prstGeom prst="rect">
+            <a:avLst/>
+          </a:prstGeom>
+          <a:noFill/>
+        </p:spPr>
+        <p:txBody>
+          <a:bodyPr wrap="square" rtlCol="0">
+            <a:spAutoFit/>
+          </a:bodyPr>
+          <a:lstStyle/>
+          <a:p>
+            <a:pPr algn="ctr"/>
+            <a:r>
+              <a:rPr lang="pt-BR" sz="7200" b="1" i="1" u="sng" dirty="0">
+                <a:solidFill>
+                  <a:schemeClr val="accent6"/>
+                </a:solidFill>
+                <a:effectLst>
+                  <a:outerShdw blurRad="38100" dist="38100" dir="2700000" algn="tl">
+                    <a:srgbClr val="000000">
+                      <a:alpha val="43137"/>
+                    </a:srgbClr>
+                  </a:outerShdw>
+                </a:effectLst>
+                <a:latin typeface="Consolas" panose="020B0609020204030204" pitchFamily="49" charset="0"/>
+              </a:rPr>
+              <a:t>Puzzle</a:t>
+            </a:r>
+          </a:p>
+        </p:txBody>
+      </p:sp>
+    </p:spTree>
+    <p:extLst>
+      <p:ext uri="{BB962C8B-B14F-4D97-AF65-F5344CB8AC3E}">
+        <p14:creationId xmlns:p14="http://schemas.microsoft.com/office/powerpoint/2010/main" val="613408984"/>
+      </p:ext>
+    </p:extLst>
+  </p:cSld>
+  <p:clrMapOvr>
+    <a:masterClrMapping/>
+  </p:clrMapOvr>
+  <mc:AlternateContent xmlns:mc="http://schemas.openxmlformats.org/markup-compatibility/2006">
+    <mc:Choice xmlns:p14="http://schemas.microsoft.com/office/powerpoint/2010/main" Requires="p14">
+      <p:transition spd="slow" p14:dur="2000" advTm="0"/>
+    </mc:Choice>
+    <mc:Fallback>
+      <p:transition spd="slow" advTm="0"/>
+    </mc:Fallback>
+  </mc:AlternateContent>
+</p:sld>
+</file>
+
+<file path=ppt/slides/slide2.xml><?xml version="1.0" encoding="utf-8"?>
+<p:sld xmlns:a="http://schemas.openxmlformats.org/drawingml/2006/main" xmlns:r="http://schemas.openxmlformats.org/officeDocument/2006/relationships" xmlns:p="http://schemas.openxmlformats.org/presentationml/2006/main">
+  <p:cSld>
+    <p:spTree>
+      <p:nvGrpSpPr>
+        <p:cNvPr id="1" name=""/>
+        <p:cNvGrpSpPr/>
+        <p:nvPr/>
+      </p:nvGrpSpPr>
+      <p:grpSpPr>
+        <a:xfrm>
+          <a:off x="0" y="0"/>
+          <a:ext cx="0" cy="0"/>
+          <a:chOff x="0" y="0"/>
+          <a:chExt cx="0" cy="0"/>
+        </a:xfrm>
+      </p:grpSpPr>
+      <p:sp>
+        <p:nvSpPr>
+          <p:cNvPr id="5" name="Fundo">
+            <a:extLst>
+              <a:ext uri="{FF2B5EF4-FFF2-40B4-BE49-F238E27FC236}">
+                <a16:creationId xmlns:a16="http://schemas.microsoft.com/office/drawing/2014/main" id="{867321F6-E9B7-49ED-97E2-17FEFC7EF1B1}"/>
+              </a:ext>
+            </a:extLst>
+          </p:cNvPr>
+          <p:cNvSpPr/>
+          <p:nvPr/>
+        </p:nvSpPr>
+        <p:spPr>
+          <a:xfrm>
+            <a:off x="0" y="0"/>
+            <a:ext cx="12192000" cy="6854371"/>
+          </a:xfrm>
+          <a:prstGeom prst="rect">
+            <a:avLst/>
+          </a:prstGeom>
+          <a:gradFill flip="none" rotWithShape="1">
+            <a:gsLst>
+              <a:gs pos="0">
+                <a:schemeClr val="bg2">
+                  <a:lumMod val="25000"/>
+                </a:schemeClr>
+              </a:gs>
+              <a:gs pos="94000">
+                <a:schemeClr val="tx1">
+                  <a:lumMod val="95000"/>
+                  <a:lumOff val="5000"/>
+                </a:schemeClr>
+              </a:gs>
+            </a:gsLst>
+            <a:lin ang="2700000" scaled="1"/>
+            <a:tileRect/>
+          </a:gradFill>
+        </p:spPr>
+        <p:style>
+          <a:lnRef idx="2">
+            <a:schemeClr val="accent1">
+              <a:shade val="50000"/>
+            </a:schemeClr>
+          </a:lnRef>
+          <a:fillRef idx="1">
+            <a:schemeClr val="accent1"/>
+          </a:fillRef>
+          <a:effectRef idx="0">
+            <a:schemeClr val="accent1"/>
+          </a:effectRef>
+          <a:fontRef idx="minor">
+            <a:schemeClr val="lt1"/>
+          </a:fontRef>
+        </p:style>
+        <p:txBody>
+          <a:bodyPr rtlCol="0" anchor="ctr"/>
+          <a:lstStyle/>
+          <a:p>
+            <a:pPr algn="ctr"/>
+            <a:endParaRPr lang="pt-BR" dirty="0"/>
+          </a:p>
+        </p:txBody>
+      </p:sp>
+      <p:pic>
+        <p:nvPicPr>
+          <p:cNvPr id="39" name="Logo BG" descr="Uma imagem contendo objeto, relógio&#10;&#10;Descrição gerada com muito alta confiança">
+            <a:extLst>
+              <a:ext uri="{FF2B5EF4-FFF2-40B4-BE49-F238E27FC236}">
+                <a16:creationId xmlns:a16="http://schemas.microsoft.com/office/drawing/2014/main" id="{7EC06DCB-0632-4EED-AF30-38030510E2E4}"/>
+              </a:ext>
+            </a:extLst>
+          </p:cNvPr>
+          <p:cNvPicPr>
+            <a:picLocks noChangeAspect="1"/>
+          </p:cNvPicPr>
+          <p:nvPr/>
+        </p:nvPicPr>
+        <p:blipFill>
+          <a:blip r:embed="rId2">
+            <a:extLst>
+              <a:ext uri="{28A0092B-C50C-407E-A947-70E740481C1C}">
+                <a14:useLocalDpi xmlns:a14="http://schemas.microsoft.com/office/drawing/2010/main" val="0"/>
+              </a:ext>
+            </a:extLst>
+          </a:blip>
+          <a:stretch>
+            <a:fillRect/>
+          </a:stretch>
+        </p:blipFill>
+        <p:spPr>
+          <a:xfrm>
+            <a:off x="10308982" y="5399747"/>
+            <a:ext cx="1304282" cy="1304282"/>
+          </a:xfrm>
+          <a:prstGeom prst="rect">
+            <a:avLst/>
+          </a:prstGeom>
+        </p:spPr>
+      </p:pic>
+      <p:sp>
+        <p:nvSpPr>
+          <p:cNvPr id="40" name="Vidro">
+            <a:extLst>
+              <a:ext uri="{FF2B5EF4-FFF2-40B4-BE49-F238E27FC236}">
+                <a16:creationId xmlns:a16="http://schemas.microsoft.com/office/drawing/2014/main" id="{955FCC55-414C-4E8E-8C39-F792D8879C36}"/>
+              </a:ext>
+            </a:extLst>
+          </p:cNvPr>
+          <p:cNvSpPr/>
+          <p:nvPr/>
+        </p:nvSpPr>
+        <p:spPr>
+          <a:xfrm>
+            <a:off x="0" y="7258"/>
+            <a:ext cx="12192000" cy="6854371"/>
+          </a:xfrm>
+          <a:prstGeom prst="rect">
+            <a:avLst/>
+          </a:prstGeom>
+          <a:gradFill flip="none" rotWithShape="1">
+            <a:gsLst>
+              <a:gs pos="0">
+                <a:schemeClr val="bg2">
+                  <a:lumMod val="25000"/>
+                  <a:alpha val="0"/>
+                </a:schemeClr>
+              </a:gs>
+              <a:gs pos="94000">
+                <a:schemeClr val="tx1">
+                  <a:lumMod val="95000"/>
+                  <a:lumOff val="5000"/>
+                </a:schemeClr>
+              </a:gs>
+            </a:gsLst>
+            <a:lin ang="2700000" scaled="1"/>
+            <a:tileRect/>
+          </a:gradFill>
+        </p:spPr>
+        <p:style>
+          <a:lnRef idx="2">
+            <a:schemeClr val="accent1">
+              <a:shade val="50000"/>
+            </a:schemeClr>
+          </a:lnRef>
+          <a:fillRef idx="1">
+            <a:schemeClr val="accent1"/>
+          </a:fillRef>
+          <a:effectRef idx="0">
+            <a:schemeClr val="accent1"/>
+          </a:effectRef>
+          <a:fontRef idx="minor">
+            <a:schemeClr val="lt1"/>
+          </a:fontRef>
+        </p:style>
+        <p:txBody>
+          <a:bodyPr rtlCol="0" anchor="ctr"/>
+          <a:lstStyle/>
+          <a:p>
+            <a:pPr algn="ctr"/>
+            <a:endParaRPr lang="pt-BR" dirty="0"/>
+          </a:p>
+        </p:txBody>
+      </p:sp>
+      <p:sp>
+        <p:nvSpPr>
+          <p:cNvPr id="38" name="FundoFake">
+            <a:extLst>
+              <a:ext uri="{FF2B5EF4-FFF2-40B4-BE49-F238E27FC236}">
+                <a16:creationId xmlns:a16="http://schemas.microsoft.com/office/drawing/2014/main" id="{9715B5D3-D37D-4EC5-9685-3DDC9A8F5C2F}"/>
+              </a:ext>
+            </a:extLst>
+          </p:cNvPr>
+          <p:cNvSpPr/>
+          <p:nvPr/>
+        </p:nvSpPr>
+        <p:spPr>
+          <a:xfrm>
+            <a:off x="0" y="3629"/>
+            <a:ext cx="12192000" cy="6854371"/>
+          </a:xfrm>
+          <a:custGeom>
+            <a:avLst/>
+            <a:gdLst>
+              <a:gd name="connsiteX0" fmla="*/ 10964636 w 12192000"/>
+              <a:gd name="connsiteY0" fmla="*/ 5019875 h 6854371"/>
+              <a:gd name="connsiteX1" fmla="*/ 10088186 w 12192000"/>
+              <a:gd name="connsiteY1" fmla="*/ 6530996 h 6854371"/>
+              <a:gd name="connsiteX2" fmla="*/ 11841086 w 12192000"/>
+              <a:gd name="connsiteY2" fmla="*/ 6530996 h 6854371"/>
+              <a:gd name="connsiteX3" fmla="*/ 0 w 12192000"/>
+              <a:gd name="connsiteY3" fmla="*/ 0 h 6854371"/>
+              <a:gd name="connsiteX4" fmla="*/ 12192000 w 12192000"/>
+              <a:gd name="connsiteY4" fmla="*/ 0 h 6854371"/>
+              <a:gd name="connsiteX5" fmla="*/ 12192000 w 12192000"/>
+              <a:gd name="connsiteY5" fmla="*/ 6854371 h 6854371"/>
+              <a:gd name="connsiteX6" fmla="*/ 0 w 12192000"/>
+              <a:gd name="connsiteY6" fmla="*/ 6854371 h 6854371"/>
+            </a:gdLst>
+            <a:ahLst/>
+            <a:cxnLst>
+              <a:cxn ang="0">
+                <a:pos x="connsiteX0" y="connsiteY0"/>
+              </a:cxn>
+              <a:cxn ang="0">
+                <a:pos x="connsiteX1" y="connsiteY1"/>
+              </a:cxn>
+              <a:cxn ang="0">
+                <a:pos x="connsiteX2" y="connsiteY2"/>
+              </a:cxn>
+              <a:cxn ang="0">
+                <a:pos x="connsiteX3" y="connsiteY3"/>
+              </a:cxn>
+              <a:cxn ang="0">
+                <a:pos x="connsiteX4" y="connsiteY4"/>
+              </a:cxn>
+              <a:cxn ang="0">
+                <a:pos x="connsiteX5" y="connsiteY5"/>
+              </a:cxn>
+              <a:cxn ang="0">
+                <a:pos x="connsiteX6" y="connsiteY6"/>
+              </a:cxn>
+            </a:cxnLst>
+            <a:rect l="l" t="t" r="r" b="b"/>
+            <a:pathLst>
+              <a:path w="12192000" h="6854371">
+                <a:moveTo>
+                  <a:pt x="10964636" y="5019875"/>
+                </a:moveTo>
+                <a:lnTo>
+                  <a:pt x="10088186" y="6530996"/>
+                </a:lnTo>
+                <a:lnTo>
+                  <a:pt x="11841086" y="6530996"/>
+                </a:lnTo>
+                <a:close/>
+                <a:moveTo>
+                  <a:pt x="0" y="0"/>
+                </a:moveTo>
+                <a:lnTo>
+                  <a:pt x="12192000" y="0"/>
+                </a:lnTo>
+                <a:lnTo>
+                  <a:pt x="12192000" y="6854371"/>
+                </a:lnTo>
+                <a:lnTo>
+                  <a:pt x="0" y="6854371"/>
+                </a:lnTo>
+                <a:close/>
+              </a:path>
+            </a:pathLst>
+          </a:custGeom>
+          <a:gradFill flip="none" rotWithShape="1">
+            <a:gsLst>
+              <a:gs pos="0">
+                <a:schemeClr val="bg2">
+                  <a:lumMod val="25000"/>
+                </a:schemeClr>
+              </a:gs>
+              <a:gs pos="94000">
+                <a:schemeClr val="tx1">
+                  <a:lumMod val="95000"/>
+                  <a:lumOff val="5000"/>
+                </a:schemeClr>
+              </a:gs>
+            </a:gsLst>
+            <a:lin ang="2700000" scaled="1"/>
+            <a:tileRect/>
+          </a:gradFill>
+          <a:ln>
+            <a:noFill/>
+          </a:ln>
+        </p:spPr>
+        <p:style>
+          <a:lnRef idx="2">
+            <a:schemeClr val="accent1">
+              <a:shade val="50000"/>
+            </a:schemeClr>
+          </a:lnRef>
+          <a:fillRef idx="1">
+            <a:schemeClr val="accent1"/>
+          </a:fillRef>
+          <a:effectRef idx="0">
+            <a:schemeClr val="accent1"/>
+          </a:effectRef>
+          <a:fontRef idx="minor">
+            <a:schemeClr val="lt1"/>
+          </a:fontRef>
+        </p:style>
+        <p:txBody>
+          <a:bodyPr wrap="square" rtlCol="0" anchor="ctr">
+            <a:noAutofit/>
+          </a:bodyPr>
+          <a:lstStyle/>
+          <a:p>
+            <a:pPr algn="ctr"/>
+            <a:endParaRPr lang="pt-BR" u="sng" dirty="0"/>
+          </a:p>
+        </p:txBody>
+      </p:sp>
+      <p:sp>
+        <p:nvSpPr>
+          <p:cNvPr id="9" name="ArthurN">
             <a:extLst>
               <a:ext uri="{FF2B5EF4-FFF2-40B4-BE49-F238E27FC236}">
                 <a16:creationId xmlns:a16="http://schemas.microsoft.com/office/drawing/2014/main" id="{C182FA77-56FF-456D-8B7D-EA353A9FA8FD}"/>
@@ -4401,7 +6293,7 @@
       </p:sp>
       <p:sp>
         <p:nvSpPr>
-          <p:cNvPr id="10" name="Henrique">
+          <p:cNvPr id="10" name="HenriqueN">
             <a:extLst>
               <a:ext uri="{FF2B5EF4-FFF2-40B4-BE49-F238E27FC236}">
                 <a16:creationId xmlns:a16="http://schemas.microsoft.com/office/drawing/2014/main" id="{1AF9CB17-2BD9-4F15-8130-F79A088DAF07}"/>
@@ -4456,7 +6348,7 @@
       </p:sp>
       <p:sp>
         <p:nvSpPr>
-          <p:cNvPr id="11" name="Eu">
+          <p:cNvPr id="11" name="EuN">
             <a:extLst>
               <a:ext uri="{FF2B5EF4-FFF2-40B4-BE49-F238E27FC236}">
                 <a16:creationId xmlns:a16="http://schemas.microsoft.com/office/drawing/2014/main" id="{AD9E5CFB-395D-4789-B928-AC0815FE9398}"/>
@@ -4502,7 +6394,7 @@
       </p:sp>
       <p:sp>
         <p:nvSpPr>
-          <p:cNvPr id="12" name="Cuca">
+          <p:cNvPr id="12" name="LeonN">
             <a:extLst>
               <a:ext uri="{FF2B5EF4-FFF2-40B4-BE49-F238E27FC236}">
                 <a16:creationId xmlns:a16="http://schemas.microsoft.com/office/drawing/2014/main" id="{1EE44264-0A3A-4C57-B7D3-D2BD61D26303}"/>
@@ -4548,7 +6440,7 @@
       </p:sp>
       <p:sp>
         <p:nvSpPr>
-          <p:cNvPr id="13" name="Bondo">
+          <p:cNvPr id="13" name="OliveiraN">
             <a:extLst>
               <a:ext uri="{FF2B5EF4-FFF2-40B4-BE49-F238E27FC236}">
                 <a16:creationId xmlns:a16="http://schemas.microsoft.com/office/drawing/2014/main" id="{172A377C-0A87-471F-A6C9-D633F0452E5C}"/>
@@ -4594,7 +6486,7 @@
       </p:sp>
       <p:sp>
         <p:nvSpPr>
-          <p:cNvPr id="14" name="Samuel">
+          <p:cNvPr id="14" name="SamuelN">
             <a:extLst>
               <a:ext uri="{FF2B5EF4-FFF2-40B4-BE49-F238E27FC236}">
                 <a16:creationId xmlns:a16="http://schemas.microsoft.com/office/drawing/2014/main" id="{556C6A1B-B36E-4309-BF00-18FA5ACACFA4}"/>
@@ -4649,7 +6541,7 @@
       </p:sp>
       <p:sp>
         <p:nvSpPr>
-          <p:cNvPr id="15" name="Gamer">
+          <p:cNvPr id="15" name="MarinN">
             <a:extLst>
               <a:ext uri="{FF2B5EF4-FFF2-40B4-BE49-F238E27FC236}">
                 <a16:creationId xmlns:a16="http://schemas.microsoft.com/office/drawing/2014/main" id="{F1A204AA-5F9B-4385-A472-BD1DC4CB0A33}"/>
@@ -4682,16 +6574,7 @@
                 </a:solidFill>
                 <a:latin typeface="Gill Sans MT" panose="020B0502020104020203" pitchFamily="34" charset="0"/>
               </a:rPr>
-              <a:t>Victor Hugo </a:t>
-            </a:r>
-            <a:r>
-              <a:rPr lang="pt-BR" sz="2400" dirty="0" err="1">
-                <a:solidFill>
-                  <a:schemeClr val="accent6"/>
-                </a:solidFill>
-                <a:latin typeface="Gill Sans MT" panose="020B0502020104020203" pitchFamily="34" charset="0"/>
-              </a:rPr>
-              <a:t>Somba</a:t>
+              <a:t>Victor Hugo Marin</a:t>
             </a:r>
             <a:endParaRPr lang="pt-BR" dirty="0">
               <a:solidFill>
@@ -4760,16 +6643,18 @@
         <p:spPr>
           <a:xfrm>
             <a:off x="1727199" y="2678042"/>
-            <a:ext cx="9213328" cy="0"/>
+            <a:ext cx="7488000" cy="0"/>
           </a:xfrm>
           <a:prstGeom prst="line">
             <a:avLst/>
           </a:prstGeom>
-          <a:ln w="28575">
+          <a:ln w="28575" cap="rnd">
             <a:solidFill>
-              <a:schemeClr val="bg1"/>
+              <a:schemeClr val="bg1">
+                <a:lumMod val="65000"/>
+              </a:schemeClr>
             </a:solidFill>
-            <a:prstDash val="dashDot"/>
+            <a:prstDash val="lgDash"/>
           </a:ln>
         </p:spPr>
         <p:style>
@@ -4802,18 +6687,20 @@
           <p:nvPr/>
         </p:nvCxnSpPr>
         <p:spPr>
-          <a:xfrm>
-            <a:off x="1727199" y="3271939"/>
-            <a:ext cx="9213328" cy="0"/>
+          <a:xfrm flipV="1">
+            <a:off x="1727199" y="3257311"/>
+            <a:ext cx="7488000" cy="0"/>
           </a:xfrm>
           <a:prstGeom prst="line">
             <a:avLst/>
           </a:prstGeom>
-          <a:ln w="28575">
+          <a:ln w="28575" cap="rnd">
             <a:solidFill>
-              <a:schemeClr val="bg1"/>
+              <a:schemeClr val="bg1">
+                <a:lumMod val="65000"/>
+              </a:schemeClr>
             </a:solidFill>
-            <a:prstDash val="dashDot"/>
+            <a:prstDash val="lgDash"/>
           </a:ln>
         </p:spPr>
         <p:style>
@@ -4848,16 +6735,18 @@
         <p:spPr>
           <a:xfrm>
             <a:off x="1727199" y="3821257"/>
-            <a:ext cx="9213328" cy="0"/>
+            <a:ext cx="7488000" cy="0"/>
           </a:xfrm>
           <a:prstGeom prst="line">
             <a:avLst/>
           </a:prstGeom>
-          <a:ln w="28575">
+          <a:ln w="28575" cap="rnd">
             <a:solidFill>
-              <a:schemeClr val="bg1"/>
+              <a:schemeClr val="bg1">
+                <a:lumMod val="65000"/>
+              </a:schemeClr>
             </a:solidFill>
-            <a:prstDash val="dashDot"/>
+            <a:prstDash val="lgDash"/>
           </a:ln>
         </p:spPr>
         <p:style>
@@ -4892,16 +6781,18 @@
         <p:spPr>
           <a:xfrm>
             <a:off x="1727199" y="4324515"/>
-            <a:ext cx="9213328" cy="0"/>
+            <a:ext cx="7488000" cy="0"/>
           </a:xfrm>
           <a:prstGeom prst="line">
             <a:avLst/>
           </a:prstGeom>
-          <a:ln w="28575">
+          <a:ln w="28575" cap="rnd">
             <a:solidFill>
-              <a:schemeClr val="bg1"/>
+              <a:schemeClr val="bg1">
+                <a:lumMod val="65000"/>
+              </a:schemeClr>
             </a:solidFill>
-            <a:prstDash val="dashDot"/>
+            <a:prstDash val="lgDash"/>
           </a:ln>
         </p:spPr>
         <p:style>
@@ -4936,16 +6827,18 @@
         <p:spPr>
           <a:xfrm>
             <a:off x="1727199" y="4887696"/>
-            <a:ext cx="9213328" cy="0"/>
+            <a:ext cx="7488000" cy="0"/>
           </a:xfrm>
           <a:prstGeom prst="line">
             <a:avLst/>
           </a:prstGeom>
-          <a:ln w="28575">
+          <a:ln w="28575" cap="rnd">
             <a:solidFill>
-              <a:schemeClr val="bg1"/>
+              <a:schemeClr val="bg1">
+                <a:lumMod val="65000"/>
+              </a:schemeClr>
             </a:solidFill>
-            <a:prstDash val="dashDot"/>
+            <a:prstDash val="lgDash"/>
           </a:ln>
         </p:spPr>
         <p:style>
@@ -4980,16 +6873,18 @@
         <p:spPr>
           <a:xfrm>
             <a:off x="1727199" y="5487265"/>
-            <a:ext cx="9213328" cy="0"/>
+            <a:ext cx="7488000" cy="0"/>
           </a:xfrm>
           <a:prstGeom prst="line">
             <a:avLst/>
           </a:prstGeom>
-          <a:ln w="28575">
+          <a:ln w="28575" cap="rnd">
             <a:solidFill>
-              <a:schemeClr val="bg1"/>
+              <a:schemeClr val="bg1">
+                <a:lumMod val="65000"/>
+              </a:schemeClr>
             </a:solidFill>
-            <a:prstDash val="dashDot"/>
+            <a:prstDash val="lgDash"/>
           </a:ln>
         </p:spPr>
         <p:style>
@@ -5024,16 +6919,18 @@
         <p:spPr>
           <a:xfrm>
             <a:off x="1727199" y="6037260"/>
-            <a:ext cx="9213328" cy="0"/>
+            <a:ext cx="7488000" cy="0"/>
           </a:xfrm>
           <a:prstGeom prst="line">
             <a:avLst/>
           </a:prstGeom>
-          <a:ln w="28575">
+          <a:ln w="28575" cap="rnd">
             <a:solidFill>
-              <a:schemeClr val="bg1"/>
+              <a:schemeClr val="bg1">
+                <a:lumMod val="65000"/>
+              </a:schemeClr>
             </a:solidFill>
-            <a:prstDash val="dashDot"/>
+            <a:prstDash val="lgDash"/>
           </a:ln>
         </p:spPr>
         <p:style>
@@ -5080,7 +6977,7 @@
           <a:lstStyle/>
           <a:p>
             <a:r>
-              <a:rPr lang="pt-BR" sz="2400" u="sng" dirty="0">
+              <a:rPr lang="pt-BR" sz="2400" dirty="0">
                 <a:solidFill>
                   <a:schemeClr val="bg1"/>
                 </a:solidFill>
@@ -5088,7 +6985,7 @@
               </a:rPr>
               <a:t>Analista de Infraestrutura</a:t>
             </a:r>
-            <a:endParaRPr lang="pt-BR" u="sng" dirty="0">
+            <a:endParaRPr lang="pt-BR" dirty="0">
               <a:solidFill>
                 <a:schemeClr val="bg1"/>
               </a:solidFill>
@@ -5126,7 +7023,7 @@
           <a:lstStyle/>
           <a:p>
             <a:r>
-              <a:rPr lang="pt-BR" sz="2400" u="sng" dirty="0">
+              <a:rPr lang="pt-BR" sz="2400" dirty="0">
                 <a:solidFill>
                   <a:schemeClr val="bg1"/>
                 </a:solidFill>
@@ -5134,7 +7031,7 @@
               </a:rPr>
               <a:t>Analista Desenvolvedor Mobile</a:t>
             </a:r>
-            <a:endParaRPr lang="pt-BR" u="sng" dirty="0">
+            <a:endParaRPr lang="pt-BR" dirty="0">
               <a:solidFill>
                 <a:schemeClr val="bg1"/>
               </a:solidFill>
@@ -5172,7 +7069,7 @@
           <a:lstStyle/>
           <a:p>
             <a:r>
-              <a:rPr lang="pt-BR" sz="2400" u="sng" dirty="0">
+              <a:rPr lang="pt-BR" sz="2400" dirty="0">
                 <a:solidFill>
                   <a:schemeClr val="bg1"/>
                 </a:solidFill>
@@ -5180,7 +7077,7 @@
               </a:rPr>
               <a:t>Analista de Banco de Dados </a:t>
             </a:r>
-            <a:endParaRPr lang="pt-BR" u="sng" dirty="0">
+            <a:endParaRPr lang="pt-BR" dirty="0">
               <a:solidFill>
                 <a:schemeClr val="bg1"/>
               </a:solidFill>
@@ -5191,7 +7088,7 @@
       </p:sp>
       <p:sp>
         <p:nvSpPr>
-          <p:cNvPr id="32" name="Cuca">
+          <p:cNvPr id="32" name="Leon">
             <a:extLst>
               <a:ext uri="{FF2B5EF4-FFF2-40B4-BE49-F238E27FC236}">
                 <a16:creationId xmlns:a16="http://schemas.microsoft.com/office/drawing/2014/main" id="{BE872BD2-CAB8-4A1A-A1BF-946AD8A388B3}"/>
@@ -5218,7 +7115,7 @@
           <a:lstStyle/>
           <a:p>
             <a:r>
-              <a:rPr lang="pt-BR" sz="2400" u="sng" dirty="0">
+              <a:rPr lang="pt-BR" sz="2400" dirty="0">
                 <a:solidFill>
                   <a:schemeClr val="bg1"/>
                 </a:solidFill>
@@ -5226,7 +7123,7 @@
               </a:rPr>
               <a:t>Analista de Sistemas</a:t>
             </a:r>
-            <a:endParaRPr lang="pt-BR" u="sng" dirty="0">
+            <a:endParaRPr lang="pt-BR" dirty="0">
               <a:solidFill>
                 <a:schemeClr val="bg1"/>
               </a:solidFill>
@@ -5237,7 +7134,7 @@
       </p:sp>
       <p:sp>
         <p:nvSpPr>
-          <p:cNvPr id="33" name="Bondo">
+          <p:cNvPr id="33" name="Oliveira">
             <a:extLst>
               <a:ext uri="{FF2B5EF4-FFF2-40B4-BE49-F238E27FC236}">
                 <a16:creationId xmlns:a16="http://schemas.microsoft.com/office/drawing/2014/main" id="{711774C4-AC8C-425E-A481-D3B9EACEEE9F}"/>
@@ -5264,7 +7161,7 @@
           <a:lstStyle/>
           <a:p>
             <a:r>
-              <a:rPr lang="pt-BR" sz="2400" u="sng" dirty="0">
+              <a:rPr lang="pt-BR" sz="2400" dirty="0">
                 <a:solidFill>
                   <a:schemeClr val="bg1"/>
                 </a:solidFill>
@@ -5273,7 +7170,7 @@
               <a:t>Analista desenvolvedor </a:t>
             </a:r>
             <a:r>
-              <a:rPr lang="pt-BR" sz="2400" u="sng" dirty="0" err="1">
+              <a:rPr lang="pt-BR" sz="2400" dirty="0" err="1">
                 <a:solidFill>
                   <a:schemeClr val="bg1"/>
                 </a:solidFill>
@@ -5281,7 +7178,7 @@
               </a:rPr>
               <a:t>Frontend</a:t>
             </a:r>
-            <a:endParaRPr lang="pt-BR" u="sng" dirty="0">
+            <a:endParaRPr lang="pt-BR" dirty="0">
               <a:solidFill>
                 <a:schemeClr val="bg1"/>
               </a:solidFill>
@@ -5319,7 +7216,7 @@
           <a:lstStyle/>
           <a:p>
             <a:r>
-              <a:rPr lang="pt-BR" sz="2400" u="sng" dirty="0">
+              <a:rPr lang="pt-BR" sz="2400" dirty="0">
                 <a:solidFill>
                   <a:schemeClr val="bg1"/>
                 </a:solidFill>
@@ -5328,7 +7225,7 @@
               <a:t>Analista desenvolvedor </a:t>
             </a:r>
             <a:r>
-              <a:rPr lang="pt-BR" sz="2400" u="sng" dirty="0" err="1">
+              <a:rPr lang="pt-BR" sz="2400" dirty="0" err="1">
                 <a:solidFill>
                   <a:schemeClr val="bg1"/>
                 </a:solidFill>
@@ -5336,7 +7233,7 @@
               </a:rPr>
               <a:t>Backend</a:t>
             </a:r>
-            <a:endParaRPr lang="pt-BR" u="sng" dirty="0">
+            <a:endParaRPr lang="pt-BR" dirty="0">
               <a:solidFill>
                 <a:schemeClr val="bg1"/>
               </a:solidFill>
@@ -5347,7 +7244,7 @@
       </p:sp>
       <p:sp>
         <p:nvSpPr>
-          <p:cNvPr id="35" name="Gamer">
+          <p:cNvPr id="35" name="Marin">
             <a:extLst>
               <a:ext uri="{FF2B5EF4-FFF2-40B4-BE49-F238E27FC236}">
                 <a16:creationId xmlns:a16="http://schemas.microsoft.com/office/drawing/2014/main" id="{4E6ADEA3-0B7A-42FA-AA31-2C452B250A25}"/>
@@ -5374,7 +7271,7 @@
           <a:lstStyle/>
           <a:p>
             <a:r>
-              <a:rPr lang="pt-BR" sz="2400" u="sng" dirty="0">
+              <a:rPr lang="pt-BR" sz="2400" dirty="0">
                 <a:solidFill>
                   <a:schemeClr val="bg1"/>
                 </a:solidFill>
@@ -5383,7 +7280,7 @@
               <a:t>Analista desenvolvedor </a:t>
             </a:r>
             <a:r>
-              <a:rPr lang="pt-BR" sz="2400" u="sng" dirty="0" err="1">
+              <a:rPr lang="pt-BR" sz="2400" dirty="0" err="1">
                 <a:solidFill>
                   <a:schemeClr val="bg1"/>
                 </a:solidFill>
@@ -5391,12 +7288,244 @@
               </a:rPr>
               <a:t>Backend</a:t>
             </a:r>
-            <a:endParaRPr lang="pt-BR" sz="2400" u="sng" dirty="0">
+            <a:endParaRPr lang="pt-BR" sz="2400" dirty="0">
               <a:solidFill>
                 <a:schemeClr val="bg1"/>
               </a:solidFill>
               <a:latin typeface="Gill Sans MT" panose="020B0502020104020203" pitchFamily="34" charset="0"/>
             </a:endParaRPr>
+          </a:p>
+        </p:txBody>
+      </p:sp>
+      <p:sp>
+        <p:nvSpPr>
+          <p:cNvPr id="124" name="TriG">
+            <a:extLst>
+              <a:ext uri="{FF2B5EF4-FFF2-40B4-BE49-F238E27FC236}">
+                <a16:creationId xmlns:a16="http://schemas.microsoft.com/office/drawing/2014/main" id="{47DB6CF2-6F24-48BE-B3D9-4F35D9AA823D}"/>
+              </a:ext>
+            </a:extLst>
+          </p:cNvPr>
+          <p:cNvSpPr/>
+          <p:nvPr/>
+        </p:nvSpPr>
+        <p:spPr>
+          <a:xfrm>
+            <a:off x="10088186" y="5027133"/>
+            <a:ext cx="1752900" cy="1511121"/>
+          </a:xfrm>
+          <a:prstGeom prst="triangle">
+            <a:avLst/>
+          </a:prstGeom>
+          <a:solidFill>
+            <a:schemeClr val="bg1">
+              <a:alpha val="0"/>
+            </a:schemeClr>
+          </a:solidFill>
+          <a:ln w="50800">
+            <a:solidFill>
+              <a:schemeClr val="bg1">
+                <a:lumMod val="50000"/>
+              </a:schemeClr>
+            </a:solidFill>
+          </a:ln>
+        </p:spPr>
+        <p:style>
+          <a:lnRef idx="2">
+            <a:schemeClr val="accent1">
+              <a:shade val="50000"/>
+            </a:schemeClr>
+          </a:lnRef>
+          <a:fillRef idx="1">
+            <a:schemeClr val="accent1"/>
+          </a:fillRef>
+          <a:effectRef idx="0">
+            <a:schemeClr val="accent1"/>
+          </a:effectRef>
+          <a:fontRef idx="minor">
+            <a:schemeClr val="lt1"/>
+          </a:fontRef>
+        </p:style>
+        <p:txBody>
+          <a:bodyPr rtlCol="0" anchor="ctr"/>
+          <a:lstStyle/>
+          <a:p>
+            <a:pPr algn="ctr"/>
+            <a:endParaRPr lang="pt-BR"/>
+          </a:p>
+        </p:txBody>
+      </p:sp>
+      <p:sp>
+        <p:nvSpPr>
+          <p:cNvPr id="125" name="TriPB">
+            <a:extLst>
+              <a:ext uri="{FF2B5EF4-FFF2-40B4-BE49-F238E27FC236}">
+                <a16:creationId xmlns:a16="http://schemas.microsoft.com/office/drawing/2014/main" id="{74708896-C274-4AD8-A557-4E1EF3CF3BF3}"/>
+              </a:ext>
+            </a:extLst>
+          </p:cNvPr>
+          <p:cNvSpPr/>
+          <p:nvPr/>
+        </p:nvSpPr>
+        <p:spPr>
+          <a:xfrm rot="10800000">
+            <a:off x="9688549" y="5123088"/>
+            <a:ext cx="765142" cy="659605"/>
+          </a:xfrm>
+          <a:prstGeom prst="triangle">
+            <a:avLst/>
+          </a:prstGeom>
+          <a:solidFill>
+            <a:schemeClr val="bg1">
+              <a:alpha val="0"/>
+            </a:schemeClr>
+          </a:solidFill>
+          <a:ln w="50800">
+            <a:solidFill>
+              <a:schemeClr val="bg1">
+                <a:lumMod val="50000"/>
+              </a:schemeClr>
+            </a:solidFill>
+          </a:ln>
+        </p:spPr>
+        <p:style>
+          <a:lnRef idx="2">
+            <a:schemeClr val="accent1">
+              <a:shade val="50000"/>
+            </a:schemeClr>
+          </a:lnRef>
+          <a:fillRef idx="1">
+            <a:schemeClr val="accent1"/>
+          </a:fillRef>
+          <a:effectRef idx="0">
+            <a:schemeClr val="accent1"/>
+          </a:effectRef>
+          <a:fontRef idx="minor">
+            <a:schemeClr val="lt1"/>
+          </a:fontRef>
+        </p:style>
+        <p:txBody>
+          <a:bodyPr rtlCol="0" anchor="ctr"/>
+          <a:lstStyle/>
+          <a:p>
+            <a:pPr algn="ctr"/>
+            <a:endParaRPr lang="pt-BR"/>
+          </a:p>
+        </p:txBody>
+      </p:sp>
+      <p:sp>
+        <p:nvSpPr>
+          <p:cNvPr id="41" name="TriPU">
+            <a:extLst>
+              <a:ext uri="{FF2B5EF4-FFF2-40B4-BE49-F238E27FC236}">
+                <a16:creationId xmlns:a16="http://schemas.microsoft.com/office/drawing/2014/main" id="{25A58445-D0B2-45FB-847E-889CD13EDB01}"/>
+              </a:ext>
+            </a:extLst>
+          </p:cNvPr>
+          <p:cNvSpPr/>
+          <p:nvPr/>
+        </p:nvSpPr>
+        <p:spPr>
+          <a:xfrm rot="5400000">
+            <a:off x="283922" y="359647"/>
+            <a:ext cx="840028" cy="724162"/>
+          </a:xfrm>
+          <a:prstGeom prst="triangle">
+            <a:avLst/>
+          </a:prstGeom>
+          <a:solidFill>
+            <a:schemeClr val="bg1">
+              <a:alpha val="0"/>
+            </a:schemeClr>
+          </a:solidFill>
+          <a:ln w="50800">
+            <a:solidFill>
+              <a:schemeClr val="bg1">
+                <a:lumMod val="50000"/>
+              </a:schemeClr>
+            </a:solidFill>
+          </a:ln>
+        </p:spPr>
+        <p:style>
+          <a:lnRef idx="2">
+            <a:schemeClr val="accent1">
+              <a:shade val="50000"/>
+            </a:schemeClr>
+          </a:lnRef>
+          <a:fillRef idx="1">
+            <a:schemeClr val="accent1"/>
+          </a:fillRef>
+          <a:effectRef idx="0">
+            <a:schemeClr val="accent1"/>
+          </a:effectRef>
+          <a:fontRef idx="minor">
+            <a:schemeClr val="lt1"/>
+          </a:fontRef>
+        </p:style>
+        <p:txBody>
+          <a:bodyPr rtlCol="0" anchor="ctr"/>
+          <a:lstStyle/>
+          <a:p>
+            <a:pPr algn="ctr"/>
+            <a:endParaRPr lang="pt-BR"/>
+          </a:p>
+        </p:txBody>
+      </p:sp>
+      <p:sp>
+        <p:nvSpPr>
+          <p:cNvPr id="42" name="TriPR">
+            <a:extLst>
+              <a:ext uri="{FF2B5EF4-FFF2-40B4-BE49-F238E27FC236}">
+                <a16:creationId xmlns:a16="http://schemas.microsoft.com/office/drawing/2014/main" id="{A4D31395-BDA2-4190-B6B1-17C79AF7A251}"/>
+              </a:ext>
+            </a:extLst>
+          </p:cNvPr>
+          <p:cNvSpPr/>
+          <p:nvPr/>
+        </p:nvSpPr>
+        <p:spPr>
+          <a:xfrm rot="16200000">
+            <a:off x="256573" y="830471"/>
+            <a:ext cx="1236581" cy="1066017"/>
+          </a:xfrm>
+          <a:prstGeom prst="triangle">
+            <a:avLst/>
+          </a:prstGeom>
+          <a:solidFill>
+            <a:schemeClr val="bg1">
+              <a:alpha val="0"/>
+            </a:schemeClr>
+          </a:solidFill>
+          <a:ln w="50800">
+            <a:solidFill>
+              <a:schemeClr val="bg1">
+                <a:lumMod val="50000"/>
+              </a:schemeClr>
+            </a:solidFill>
+          </a:ln>
+        </p:spPr>
+        <p:style>
+          <a:lnRef idx="2">
+            <a:schemeClr val="accent1">
+              <a:shade val="50000"/>
+            </a:schemeClr>
+          </a:lnRef>
+          <a:fillRef idx="1">
+            <a:schemeClr val="accent1"/>
+          </a:fillRef>
+          <a:effectRef idx="0">
+            <a:schemeClr val="accent1"/>
+          </a:effectRef>
+          <a:fontRef idx="minor">
+            <a:schemeClr val="lt1"/>
+          </a:fontRef>
+        </p:style>
+        <p:txBody>
+          <a:bodyPr rtlCol="0" anchor="ctr"/>
+          <a:lstStyle/>
+          <a:p>
+            <a:pPr algn="ctr"/>
+            <a:endParaRPr lang="pt-BR"/>
           </a:p>
         </p:txBody>
       </p:sp>
@@ -6397,6 +8526,366 @@
                                   </p:childTnLst>
                                 </p:cTn>
                               </p:par>
+                              <p:par>
+                                <p:cTn id="89" presetID="10" presetClass="entr" presetSubtype="0" fill="hold" grpId="0" nodeType="withEffect">
+                                  <p:stCondLst>
+                                    <p:cond delay="100"/>
+                                  </p:stCondLst>
+                                  <p:childTnLst>
+                                    <p:set>
+                                      <p:cBhvr>
+                                        <p:cTn id="90" dur="1" fill="hold">
+                                          <p:stCondLst>
+                                            <p:cond delay="0"/>
+                                          </p:stCondLst>
+                                        </p:cTn>
+                                        <p:tgtEl>
+                                          <p:spTgt spid="125"/>
+                                        </p:tgtEl>
+                                        <p:attrNameLst>
+                                          <p:attrName>style.visibility</p:attrName>
+                                        </p:attrNameLst>
+                                      </p:cBhvr>
+                                      <p:to>
+                                        <p:strVal val="visible"/>
+                                      </p:to>
+                                    </p:set>
+                                    <p:animEffect transition="in" filter="fade">
+                                      <p:cBhvr>
+                                        <p:cTn id="91" dur="750"/>
+                                        <p:tgtEl>
+                                          <p:spTgt spid="125"/>
+                                        </p:tgtEl>
+                                      </p:cBhvr>
+                                    </p:animEffect>
+                                  </p:childTnLst>
+                                </p:cTn>
+                              </p:par>
+                              <p:par>
+                                <p:cTn id="92" presetID="42" presetClass="path" presetSubtype="0" accel="50000" decel="50000" fill="hold" grpId="1" nodeType="withEffect">
+                                  <p:stCondLst>
+                                    <p:cond delay="0"/>
+                                  </p:stCondLst>
+                                  <p:childTnLst>
+                                    <p:animMotion origin="layout" path="M -1.66667E-6 -0.22778 L -1.66667E-6 1.11111E-6 " pathEditMode="relative" rAng="0" ptsTypes="AA">
+                                      <p:cBhvr>
+                                        <p:cTn id="93" dur="1250" fill="hold"/>
+                                        <p:tgtEl>
+                                          <p:spTgt spid="125"/>
+                                        </p:tgtEl>
+                                        <p:attrNameLst>
+                                          <p:attrName>ppt_x</p:attrName>
+                                          <p:attrName>ppt_y</p:attrName>
+                                        </p:attrNameLst>
+                                      </p:cBhvr>
+                                      <p:rCtr x="0" y="11389"/>
+                                    </p:animMotion>
+                                  </p:childTnLst>
+                                </p:cTn>
+                              </p:par>
+                              <p:par>
+                                <p:cTn id="94" presetID="10" presetClass="entr" presetSubtype="0" fill="hold" grpId="0" nodeType="withEffect">
+                                  <p:stCondLst>
+                                    <p:cond delay="0"/>
+                                  </p:stCondLst>
+                                  <p:childTnLst>
+                                    <p:set>
+                                      <p:cBhvr>
+                                        <p:cTn id="95" dur="1" fill="hold">
+                                          <p:stCondLst>
+                                            <p:cond delay="0"/>
+                                          </p:stCondLst>
+                                        </p:cTn>
+                                        <p:tgtEl>
+                                          <p:spTgt spid="124"/>
+                                        </p:tgtEl>
+                                        <p:attrNameLst>
+                                          <p:attrName>style.visibility</p:attrName>
+                                        </p:attrNameLst>
+                                      </p:cBhvr>
+                                      <p:to>
+                                        <p:strVal val="visible"/>
+                                      </p:to>
+                                    </p:set>
+                                    <p:animEffect transition="in" filter="fade">
+                                      <p:cBhvr>
+                                        <p:cTn id="96" dur="750"/>
+                                        <p:tgtEl>
+                                          <p:spTgt spid="124"/>
+                                        </p:tgtEl>
+                                      </p:cBhvr>
+                                    </p:animEffect>
+                                  </p:childTnLst>
+                                </p:cTn>
+                              </p:par>
+                              <p:par>
+                                <p:cTn id="97" presetID="64" presetClass="path" presetSubtype="0" accel="50000" decel="50000" fill="hold" grpId="1" nodeType="withEffect">
+                                  <p:stCondLst>
+                                    <p:cond delay="0"/>
+                                  </p:stCondLst>
+                                  <p:childTnLst>
+                                    <p:animMotion origin="layout" path="M 1.04167E-6 0.27824 L 1.04167E-6 2.96296E-6 " pathEditMode="relative" rAng="0" ptsTypes="AA">
+                                      <p:cBhvr>
+                                        <p:cTn id="98" dur="1250" fill="hold"/>
+                                        <p:tgtEl>
+                                          <p:spTgt spid="124"/>
+                                        </p:tgtEl>
+                                        <p:attrNameLst>
+                                          <p:attrName>ppt_x</p:attrName>
+                                          <p:attrName>ppt_y</p:attrName>
+                                        </p:attrNameLst>
+                                      </p:cBhvr>
+                                      <p:rCtr x="0" y="-13912"/>
+                                    </p:animMotion>
+                                  </p:childTnLst>
+                                </p:cTn>
+                              </p:par>
+                              <p:par>
+                                <p:cTn id="99" presetID="10" presetClass="entr" presetSubtype="0" fill="hold" grpId="0" nodeType="withEffect">
+                                  <p:stCondLst>
+                                    <p:cond delay="0"/>
+                                  </p:stCondLst>
+                                  <p:childTnLst>
+                                    <p:set>
+                                      <p:cBhvr>
+                                        <p:cTn id="100" dur="1" fill="hold">
+                                          <p:stCondLst>
+                                            <p:cond delay="0"/>
+                                          </p:stCondLst>
+                                        </p:cTn>
+                                        <p:tgtEl>
+                                          <p:spTgt spid="41"/>
+                                        </p:tgtEl>
+                                        <p:attrNameLst>
+                                          <p:attrName>style.visibility</p:attrName>
+                                        </p:attrNameLst>
+                                      </p:cBhvr>
+                                      <p:to>
+                                        <p:strVal val="visible"/>
+                                      </p:to>
+                                    </p:set>
+                                    <p:animEffect transition="in" filter="fade">
+                                      <p:cBhvr>
+                                        <p:cTn id="101" dur="750"/>
+                                        <p:tgtEl>
+                                          <p:spTgt spid="41"/>
+                                        </p:tgtEl>
+                                      </p:cBhvr>
+                                    </p:animEffect>
+                                  </p:childTnLst>
+                                </p:cTn>
+                              </p:par>
+                              <p:par>
+                                <p:cTn id="102" presetID="64" presetClass="path" presetSubtype="0" accel="50000" decel="50000" fill="hold" grpId="1" nodeType="withEffect">
+                                  <p:stCondLst>
+                                    <p:cond delay="0"/>
+                                  </p:stCondLst>
+                                  <p:childTnLst>
+                                    <p:animMotion origin="layout" path="M -2.29167E-6 0.18704 L -2.29167E-6 -4.07407E-6 " pathEditMode="relative" rAng="0" ptsTypes="AA">
+                                      <p:cBhvr>
+                                        <p:cTn id="103" dur="2000" fill="hold"/>
+                                        <p:tgtEl>
+                                          <p:spTgt spid="41"/>
+                                        </p:tgtEl>
+                                        <p:attrNameLst>
+                                          <p:attrName>ppt_x</p:attrName>
+                                          <p:attrName>ppt_y</p:attrName>
+                                        </p:attrNameLst>
+                                      </p:cBhvr>
+                                      <p:rCtr x="0" y="-9352"/>
+                                    </p:animMotion>
+                                  </p:childTnLst>
+                                </p:cTn>
+                              </p:par>
+                              <p:par>
+                                <p:cTn id="104" presetID="10" presetClass="entr" presetSubtype="0" fill="hold" grpId="0" nodeType="withEffect">
+                                  <p:stCondLst>
+                                    <p:cond delay="0"/>
+                                  </p:stCondLst>
+                                  <p:childTnLst>
+                                    <p:set>
+                                      <p:cBhvr>
+                                        <p:cTn id="105" dur="1" fill="hold">
+                                          <p:stCondLst>
+                                            <p:cond delay="0"/>
+                                          </p:stCondLst>
+                                        </p:cTn>
+                                        <p:tgtEl>
+                                          <p:spTgt spid="42"/>
+                                        </p:tgtEl>
+                                        <p:attrNameLst>
+                                          <p:attrName>style.visibility</p:attrName>
+                                        </p:attrNameLst>
+                                      </p:cBhvr>
+                                      <p:to>
+                                        <p:strVal val="visible"/>
+                                      </p:to>
+                                    </p:set>
+                                    <p:animEffect transition="in" filter="fade">
+                                      <p:cBhvr>
+                                        <p:cTn id="106" dur="750"/>
+                                        <p:tgtEl>
+                                          <p:spTgt spid="42"/>
+                                        </p:tgtEl>
+                                      </p:cBhvr>
+                                    </p:animEffect>
+                                  </p:childTnLst>
+                                </p:cTn>
+                              </p:par>
+                              <p:par>
+                                <p:cTn id="107" presetID="35" presetClass="path" presetSubtype="0" accel="50000" decel="50000" fill="hold" grpId="1" nodeType="withEffect">
+                                  <p:stCondLst>
+                                    <p:cond delay="0"/>
+                                  </p:stCondLst>
+                                  <p:childTnLst>
+                                    <p:animMotion origin="layout" path="M 0.0849 -2.59259E-6 L -4.79167E-6 -2.59259E-6 " pathEditMode="relative" rAng="0" ptsTypes="AA">
+                                      <p:cBhvr>
+                                        <p:cTn id="108" dur="2000" fill="hold"/>
+                                        <p:tgtEl>
+                                          <p:spTgt spid="42"/>
+                                        </p:tgtEl>
+                                        <p:attrNameLst>
+                                          <p:attrName>ppt_x</p:attrName>
+                                          <p:attrName>ppt_y</p:attrName>
+                                        </p:attrNameLst>
+                                      </p:cBhvr>
+                                      <p:rCtr x="-4245" y="0"/>
+                                    </p:animMotion>
+                                  </p:childTnLst>
+                                </p:cTn>
+                              </p:par>
+                            </p:childTnLst>
+                          </p:cTn>
+                        </p:par>
+                        <p:par>
+                          <p:cTn id="109" fill="hold">
+                            <p:stCondLst>
+                              <p:cond delay="5000"/>
+                            </p:stCondLst>
+                            <p:childTnLst>
+                              <p:par>
+                                <p:cTn id="110" presetID="10" presetClass="entr" presetSubtype="0" fill="hold" nodeType="afterEffect">
+                                  <p:stCondLst>
+                                    <p:cond delay="0"/>
+                                  </p:stCondLst>
+                                  <p:childTnLst>
+                                    <p:set>
+                                      <p:cBhvr>
+                                        <p:cTn id="111" dur="1" fill="hold">
+                                          <p:stCondLst>
+                                            <p:cond delay="0"/>
+                                          </p:stCondLst>
+                                        </p:cTn>
+                                        <p:tgtEl>
+                                          <p:spTgt spid="39"/>
+                                        </p:tgtEl>
+                                        <p:attrNameLst>
+                                          <p:attrName>style.visibility</p:attrName>
+                                        </p:attrNameLst>
+                                      </p:cBhvr>
+                                      <p:to>
+                                        <p:strVal val="visible"/>
+                                      </p:to>
+                                    </p:set>
+                                    <p:animEffect transition="in" filter="fade">
+                                      <p:cBhvr>
+                                        <p:cTn id="112" dur="1000"/>
+                                        <p:tgtEl>
+                                          <p:spTgt spid="39"/>
+                                        </p:tgtEl>
+                                      </p:cBhvr>
+                                    </p:animEffect>
+                                  </p:childTnLst>
+                                </p:cTn>
+                              </p:par>
+                              <p:par>
+                                <p:cTn id="113" presetID="63" presetClass="path" presetSubtype="0" accel="50000" decel="50000" fill="hold" nodeType="withEffect">
+                                  <p:stCondLst>
+                                    <p:cond delay="0"/>
+                                  </p:stCondLst>
+                                  <p:childTnLst>
+                                    <p:animMotion origin="layout" path="M -0.28125 2.96296E-6 L -1.66667E-6 2.96296E-6 " pathEditMode="relative" rAng="0" ptsTypes="AA">
+                                      <p:cBhvr>
+                                        <p:cTn id="114" dur="1000" fill="hold"/>
+                                        <p:tgtEl>
+                                          <p:spTgt spid="39"/>
+                                        </p:tgtEl>
+                                        <p:attrNameLst>
+                                          <p:attrName>ppt_x</p:attrName>
+                                          <p:attrName>ppt_y</p:attrName>
+                                        </p:attrNameLst>
+                                      </p:cBhvr>
+                                      <p:rCtr x="14063" y="0"/>
+                                    </p:animMotion>
+                                  </p:childTnLst>
+                                </p:cTn>
+                              </p:par>
+                              <p:par>
+                                <p:cTn id="115" presetID="42" presetClass="path" presetSubtype="0" repeatCount="indefinite" accel="50000" decel="50000" autoRev="1" fill="hold" grpId="2" nodeType="withEffect">
+                                  <p:stCondLst>
+                                    <p:cond delay="0"/>
+                                  </p:stCondLst>
+                                  <p:childTnLst>
+                                    <p:animMotion origin="layout" path="M -1.45833E-6 1.48148E-6 L -2.29167E-6 0.00625 " pathEditMode="relative" rAng="0" ptsTypes="AA">
+                                      <p:cBhvr>
+                                        <p:cTn id="116" dur="3000" fill="hold"/>
+                                        <p:tgtEl>
+                                          <p:spTgt spid="41"/>
+                                        </p:tgtEl>
+                                        <p:attrNameLst>
+                                          <p:attrName>ppt_x</p:attrName>
+                                          <p:attrName>ppt_y</p:attrName>
+                                        </p:attrNameLst>
+                                      </p:cBhvr>
+                                      <p:rCtr x="26" y="579"/>
+                                    </p:animMotion>
+                                  </p:childTnLst>
+                                </p:cTn>
+                              </p:par>
+                              <p:par>
+                                <p:cTn id="117" presetID="63" presetClass="path" presetSubtype="0" repeatCount="indefinite" accel="50000" decel="50000" autoRev="1" fill="hold" grpId="2" nodeType="withEffect">
+                                  <p:stCondLst>
+                                    <p:cond delay="0"/>
+                                  </p:stCondLst>
+                                  <p:childTnLst>
+                                    <p:animMotion origin="layout" path="M -4.79167E-6 -2.59259E-6 L 0.00795 -2.59259E-6 " pathEditMode="relative" rAng="0" ptsTypes="AA">
+                                      <p:cBhvr>
+                                        <p:cTn id="118" dur="3000" fill="hold"/>
+                                        <p:tgtEl>
+                                          <p:spTgt spid="42"/>
+                                        </p:tgtEl>
+                                        <p:attrNameLst>
+                                          <p:attrName>ppt_x</p:attrName>
+                                          <p:attrName>ppt_y</p:attrName>
+                                        </p:attrNameLst>
+                                      </p:cBhvr>
+                                      <p:rCtr x="391" y="0"/>
+                                    </p:animMotion>
+                                  </p:childTnLst>
+                                </p:cTn>
+                              </p:par>
+                              <p:par>
+                                <p:cTn id="119" presetID="42" presetClass="path" presetSubtype="0" repeatCount="indefinite" accel="50000" decel="50000" autoRev="1" fill="hold" grpId="2" nodeType="withEffect">
+                                  <p:stCondLst>
+                                    <p:cond delay="0"/>
+                                  </p:stCondLst>
+                                  <p:childTnLst>
+                                    <p:animMotion origin="layout" path="M -1.66667E-6 1.11111E-6 L 0.00078 0.01389 " pathEditMode="relative" rAng="0" ptsTypes="AA">
+                                      <p:cBhvr>
+                                        <p:cTn id="120" dur="5000" fill="hold"/>
+                                        <p:tgtEl>
+                                          <p:spTgt spid="125"/>
+                                        </p:tgtEl>
+                                        <p:attrNameLst>
+                                          <p:attrName>ppt_x</p:attrName>
+                                          <p:attrName>ppt_y</p:attrName>
+                                        </p:attrNameLst>
+                                      </p:cBhvr>
+                                      <p:rCtr x="39" y="694"/>
+                                    </p:animMotion>
+                                  </p:childTnLst>
+                                </p:cTn>
+                              </p:par>
                             </p:childTnLst>
                           </p:cTn>
                         </p:par>
@@ -6448,8 +8937,3206 @@
       <p:bldP spid="33" grpId="0"/>
       <p:bldP spid="34" grpId="0"/>
       <p:bldP spid="35" grpId="0"/>
+      <p:bldP spid="124" grpId="0" animBg="1"/>
+      <p:bldP spid="124" grpId="1" animBg="1"/>
+      <p:bldP spid="125" grpId="0" animBg="1"/>
+      <p:bldP spid="125" grpId="1" animBg="1"/>
+      <p:bldP spid="125" grpId="2" animBg="1"/>
+      <p:bldP spid="41" grpId="0" animBg="1"/>
+      <p:bldP spid="41" grpId="1" animBg="1"/>
+      <p:bldP spid="41" grpId="2" animBg="1"/>
+      <p:bldP spid="42" grpId="0" animBg="1"/>
+      <p:bldP spid="42" grpId="1" animBg="1"/>
+      <p:bldP spid="42" grpId="2" animBg="1"/>
     </p:bldLst>
   </p:timing>
+</p:sld>
+</file>
+
+<file path=ppt/slides/slide20.xml><?xml version="1.0" encoding="utf-8"?>
+<p:sld xmlns:a="http://schemas.openxmlformats.org/drawingml/2006/main" xmlns:r="http://schemas.openxmlformats.org/officeDocument/2006/relationships" xmlns:p="http://schemas.openxmlformats.org/presentationml/2006/main">
+  <p:cSld>
+    <p:spTree>
+      <p:nvGrpSpPr>
+        <p:cNvPr id="1" name=""/>
+        <p:cNvGrpSpPr/>
+        <p:nvPr/>
+      </p:nvGrpSpPr>
+      <p:grpSpPr>
+        <a:xfrm>
+          <a:off x="0" y="0"/>
+          <a:ext cx="0" cy="0"/>
+          <a:chOff x="0" y="0"/>
+          <a:chExt cx="0" cy="0"/>
+        </a:xfrm>
+      </p:grpSpPr>
+      <p:sp>
+        <p:nvSpPr>
+          <p:cNvPr id="4" name="Fundo">
+            <a:extLst>
+              <a:ext uri="{FF2B5EF4-FFF2-40B4-BE49-F238E27FC236}">
+                <a16:creationId xmlns:a16="http://schemas.microsoft.com/office/drawing/2014/main" id="{9B55D78D-62EC-4E80-81D7-505F7BFC2C3E}"/>
+              </a:ext>
+            </a:extLst>
+          </p:cNvPr>
+          <p:cNvSpPr/>
+          <p:nvPr/>
+        </p:nvSpPr>
+        <p:spPr>
+          <a:xfrm>
+            <a:off x="0" y="0"/>
+            <a:ext cx="12192000" cy="6854371"/>
+          </a:xfrm>
+          <a:prstGeom prst="rect">
+            <a:avLst/>
+          </a:prstGeom>
+          <a:gradFill flip="none" rotWithShape="1">
+            <a:gsLst>
+              <a:gs pos="0">
+                <a:schemeClr val="bg2">
+                  <a:lumMod val="25000"/>
+                </a:schemeClr>
+              </a:gs>
+              <a:gs pos="94000">
+                <a:schemeClr val="tx1">
+                  <a:lumMod val="95000"/>
+                  <a:lumOff val="5000"/>
+                </a:schemeClr>
+              </a:gs>
+            </a:gsLst>
+            <a:lin ang="2700000" scaled="1"/>
+            <a:tileRect/>
+          </a:gradFill>
+        </p:spPr>
+        <p:style>
+          <a:lnRef idx="2">
+            <a:schemeClr val="accent1">
+              <a:shade val="50000"/>
+            </a:schemeClr>
+          </a:lnRef>
+          <a:fillRef idx="1">
+            <a:schemeClr val="accent1"/>
+          </a:fillRef>
+          <a:effectRef idx="0">
+            <a:schemeClr val="accent1"/>
+          </a:effectRef>
+          <a:fontRef idx="minor">
+            <a:schemeClr val="lt1"/>
+          </a:fontRef>
+        </p:style>
+        <p:txBody>
+          <a:bodyPr rtlCol="0" anchor="ctr"/>
+          <a:lstStyle/>
+          <a:p>
+            <a:pPr algn="ctr"/>
+            <a:endParaRPr lang="pt-BR" dirty="0"/>
+          </a:p>
+        </p:txBody>
+      </p:sp>
+      <p:pic>
+        <p:nvPicPr>
+          <p:cNvPr id="13" name="Logo BG" descr="Uma imagem contendo objeto, relógio&#10;&#10;Descrição gerada com muito alta confiança">
+            <a:extLst>
+              <a:ext uri="{FF2B5EF4-FFF2-40B4-BE49-F238E27FC236}">
+                <a16:creationId xmlns:a16="http://schemas.microsoft.com/office/drawing/2014/main" id="{C909A617-CDB2-4AFB-941C-484F1ADC1469}"/>
+              </a:ext>
+            </a:extLst>
+          </p:cNvPr>
+          <p:cNvPicPr>
+            <a:picLocks noChangeAspect="1"/>
+          </p:cNvPicPr>
+          <p:nvPr/>
+        </p:nvPicPr>
+        <p:blipFill>
+          <a:blip r:embed="rId2">
+            <a:extLst>
+              <a:ext uri="{28A0092B-C50C-407E-A947-70E740481C1C}">
+                <a14:useLocalDpi xmlns:a14="http://schemas.microsoft.com/office/drawing/2010/main" val="0"/>
+              </a:ext>
+            </a:extLst>
+          </a:blip>
+          <a:stretch>
+            <a:fillRect/>
+          </a:stretch>
+        </p:blipFill>
+        <p:spPr>
+          <a:xfrm>
+            <a:off x="10308982" y="5399747"/>
+            <a:ext cx="1304282" cy="1304282"/>
+          </a:xfrm>
+          <a:prstGeom prst="rect">
+            <a:avLst/>
+          </a:prstGeom>
+        </p:spPr>
+      </p:pic>
+      <p:sp>
+        <p:nvSpPr>
+          <p:cNvPr id="15" name="Vidro">
+            <a:extLst>
+              <a:ext uri="{FF2B5EF4-FFF2-40B4-BE49-F238E27FC236}">
+                <a16:creationId xmlns:a16="http://schemas.microsoft.com/office/drawing/2014/main" id="{9F6746B1-3097-46BD-AFB2-594D871B95B5}"/>
+              </a:ext>
+            </a:extLst>
+          </p:cNvPr>
+          <p:cNvSpPr/>
+          <p:nvPr/>
+        </p:nvSpPr>
+        <p:spPr>
+          <a:xfrm>
+            <a:off x="0" y="7258"/>
+            <a:ext cx="12192000" cy="6854371"/>
+          </a:xfrm>
+          <a:prstGeom prst="rect">
+            <a:avLst/>
+          </a:prstGeom>
+          <a:gradFill flip="none" rotWithShape="1">
+            <a:gsLst>
+              <a:gs pos="0">
+                <a:schemeClr val="bg2">
+                  <a:lumMod val="25000"/>
+                  <a:alpha val="0"/>
+                </a:schemeClr>
+              </a:gs>
+              <a:gs pos="94000">
+                <a:schemeClr val="tx1">
+                  <a:lumMod val="95000"/>
+                  <a:lumOff val="5000"/>
+                </a:schemeClr>
+              </a:gs>
+            </a:gsLst>
+            <a:lin ang="2700000" scaled="1"/>
+            <a:tileRect/>
+          </a:gradFill>
+        </p:spPr>
+        <p:style>
+          <a:lnRef idx="2">
+            <a:schemeClr val="accent1">
+              <a:shade val="50000"/>
+            </a:schemeClr>
+          </a:lnRef>
+          <a:fillRef idx="1">
+            <a:schemeClr val="accent1"/>
+          </a:fillRef>
+          <a:effectRef idx="0">
+            <a:schemeClr val="accent1"/>
+          </a:effectRef>
+          <a:fontRef idx="minor">
+            <a:schemeClr val="lt1"/>
+          </a:fontRef>
+        </p:style>
+        <p:txBody>
+          <a:bodyPr rtlCol="0" anchor="ctr"/>
+          <a:lstStyle/>
+          <a:p>
+            <a:pPr algn="ctr"/>
+            <a:endParaRPr lang="pt-BR" dirty="0"/>
+          </a:p>
+        </p:txBody>
+      </p:sp>
+      <p:sp>
+        <p:nvSpPr>
+          <p:cNvPr id="14" name="FundoFake">
+            <a:extLst>
+              <a:ext uri="{FF2B5EF4-FFF2-40B4-BE49-F238E27FC236}">
+                <a16:creationId xmlns:a16="http://schemas.microsoft.com/office/drawing/2014/main" id="{FF346EAE-0B89-403A-8A07-98967D173DA9}"/>
+              </a:ext>
+            </a:extLst>
+          </p:cNvPr>
+          <p:cNvSpPr/>
+          <p:nvPr/>
+        </p:nvSpPr>
+        <p:spPr>
+          <a:xfrm>
+            <a:off x="0" y="3629"/>
+            <a:ext cx="12192000" cy="6854371"/>
+          </a:xfrm>
+          <a:custGeom>
+            <a:avLst/>
+            <a:gdLst>
+              <a:gd name="connsiteX0" fmla="*/ 10964636 w 12192000"/>
+              <a:gd name="connsiteY0" fmla="*/ 5019875 h 6854371"/>
+              <a:gd name="connsiteX1" fmla="*/ 10088186 w 12192000"/>
+              <a:gd name="connsiteY1" fmla="*/ 6530996 h 6854371"/>
+              <a:gd name="connsiteX2" fmla="*/ 11841086 w 12192000"/>
+              <a:gd name="connsiteY2" fmla="*/ 6530996 h 6854371"/>
+              <a:gd name="connsiteX3" fmla="*/ 0 w 12192000"/>
+              <a:gd name="connsiteY3" fmla="*/ 0 h 6854371"/>
+              <a:gd name="connsiteX4" fmla="*/ 12192000 w 12192000"/>
+              <a:gd name="connsiteY4" fmla="*/ 0 h 6854371"/>
+              <a:gd name="connsiteX5" fmla="*/ 12192000 w 12192000"/>
+              <a:gd name="connsiteY5" fmla="*/ 6854371 h 6854371"/>
+              <a:gd name="connsiteX6" fmla="*/ 0 w 12192000"/>
+              <a:gd name="connsiteY6" fmla="*/ 6854371 h 6854371"/>
+            </a:gdLst>
+            <a:ahLst/>
+            <a:cxnLst>
+              <a:cxn ang="0">
+                <a:pos x="connsiteX0" y="connsiteY0"/>
+              </a:cxn>
+              <a:cxn ang="0">
+                <a:pos x="connsiteX1" y="connsiteY1"/>
+              </a:cxn>
+              <a:cxn ang="0">
+                <a:pos x="connsiteX2" y="connsiteY2"/>
+              </a:cxn>
+              <a:cxn ang="0">
+                <a:pos x="connsiteX3" y="connsiteY3"/>
+              </a:cxn>
+              <a:cxn ang="0">
+                <a:pos x="connsiteX4" y="connsiteY4"/>
+              </a:cxn>
+              <a:cxn ang="0">
+                <a:pos x="connsiteX5" y="connsiteY5"/>
+              </a:cxn>
+              <a:cxn ang="0">
+                <a:pos x="connsiteX6" y="connsiteY6"/>
+              </a:cxn>
+            </a:cxnLst>
+            <a:rect l="l" t="t" r="r" b="b"/>
+            <a:pathLst>
+              <a:path w="12192000" h="6854371">
+                <a:moveTo>
+                  <a:pt x="10964636" y="5019875"/>
+                </a:moveTo>
+                <a:lnTo>
+                  <a:pt x="10088186" y="6530996"/>
+                </a:lnTo>
+                <a:lnTo>
+                  <a:pt x="11841086" y="6530996"/>
+                </a:lnTo>
+                <a:close/>
+                <a:moveTo>
+                  <a:pt x="0" y="0"/>
+                </a:moveTo>
+                <a:lnTo>
+                  <a:pt x="12192000" y="0"/>
+                </a:lnTo>
+                <a:lnTo>
+                  <a:pt x="12192000" y="6854371"/>
+                </a:lnTo>
+                <a:lnTo>
+                  <a:pt x="0" y="6854371"/>
+                </a:lnTo>
+                <a:close/>
+              </a:path>
+            </a:pathLst>
+          </a:custGeom>
+          <a:gradFill flip="none" rotWithShape="1">
+            <a:gsLst>
+              <a:gs pos="0">
+                <a:schemeClr val="bg2">
+                  <a:lumMod val="25000"/>
+                </a:schemeClr>
+              </a:gs>
+              <a:gs pos="94000">
+                <a:schemeClr val="tx1">
+                  <a:lumMod val="95000"/>
+                  <a:lumOff val="5000"/>
+                </a:schemeClr>
+              </a:gs>
+            </a:gsLst>
+            <a:lin ang="2700000" scaled="1"/>
+            <a:tileRect/>
+          </a:gradFill>
+          <a:ln>
+            <a:noFill/>
+          </a:ln>
+        </p:spPr>
+        <p:style>
+          <a:lnRef idx="2">
+            <a:schemeClr val="accent1">
+              <a:shade val="50000"/>
+            </a:schemeClr>
+          </a:lnRef>
+          <a:fillRef idx="1">
+            <a:schemeClr val="accent1"/>
+          </a:fillRef>
+          <a:effectRef idx="0">
+            <a:schemeClr val="accent1"/>
+          </a:effectRef>
+          <a:fontRef idx="minor">
+            <a:schemeClr val="lt1"/>
+          </a:fontRef>
+        </p:style>
+        <p:txBody>
+          <a:bodyPr wrap="square" rtlCol="0" anchor="ctr">
+            <a:noAutofit/>
+          </a:bodyPr>
+          <a:lstStyle/>
+          <a:p>
+            <a:pPr algn="ctr"/>
+            <a:endParaRPr lang="pt-BR" u="sng" dirty="0"/>
+          </a:p>
+        </p:txBody>
+      </p:sp>
+      <p:pic>
+        <p:nvPicPr>
+          <p:cNvPr id="2" name="Imagem 1">
+            <a:extLst>
+              <a:ext uri="{FF2B5EF4-FFF2-40B4-BE49-F238E27FC236}">
+                <a16:creationId xmlns:a16="http://schemas.microsoft.com/office/drawing/2014/main" id="{5034AE3C-95F5-412A-8CA2-3FF0CF0F5B16}"/>
+              </a:ext>
+            </a:extLst>
+          </p:cNvPr>
+          <p:cNvPicPr>
+            <a:picLocks noChangeAspect="1"/>
+          </p:cNvPicPr>
+          <p:nvPr/>
+        </p:nvPicPr>
+        <p:blipFill>
+          <a:blip r:embed="rId3"/>
+          <a:stretch>
+            <a:fillRect/>
+          </a:stretch>
+        </p:blipFill>
+        <p:spPr>
+          <a:xfrm>
+            <a:off x="4114800" y="4260264"/>
+            <a:ext cx="3962400" cy="1114425"/>
+          </a:xfrm>
+          <a:prstGeom prst="rect">
+            <a:avLst/>
+          </a:prstGeom>
+        </p:spPr>
+      </p:pic>
+      <p:pic>
+        <p:nvPicPr>
+          <p:cNvPr id="3" name="Imagem 2">
+            <a:extLst>
+              <a:ext uri="{FF2B5EF4-FFF2-40B4-BE49-F238E27FC236}">
+                <a16:creationId xmlns:a16="http://schemas.microsoft.com/office/drawing/2014/main" id="{14757E94-8B89-440D-AF35-093C5BF011D9}"/>
+              </a:ext>
+            </a:extLst>
+          </p:cNvPr>
+          <p:cNvPicPr>
+            <a:picLocks noChangeAspect="1"/>
+          </p:cNvPicPr>
+          <p:nvPr/>
+        </p:nvPicPr>
+        <p:blipFill>
+          <a:blip r:embed="rId4"/>
+          <a:stretch>
+            <a:fillRect/>
+          </a:stretch>
+        </p:blipFill>
+        <p:spPr>
+          <a:xfrm>
+            <a:off x="3886200" y="755064"/>
+            <a:ext cx="4419600" cy="3505200"/>
+          </a:xfrm>
+          <a:prstGeom prst="rect">
+            <a:avLst/>
+          </a:prstGeom>
+        </p:spPr>
+      </p:pic>
+      <p:cxnSp>
+        <p:nvCxnSpPr>
+          <p:cNvPr id="7" name="Conector reto 6">
+            <a:extLst>
+              <a:ext uri="{FF2B5EF4-FFF2-40B4-BE49-F238E27FC236}">
+                <a16:creationId xmlns:a16="http://schemas.microsoft.com/office/drawing/2014/main" id="{511E48EF-BDB5-4551-AEFA-BA2A1B0B51D5}"/>
+              </a:ext>
+            </a:extLst>
+          </p:cNvPr>
+          <p:cNvCxnSpPr/>
+          <p:nvPr/>
+        </p:nvCxnSpPr>
+        <p:spPr>
+          <a:xfrm>
+            <a:off x="5133975" y="447675"/>
+            <a:ext cx="0" cy="5810250"/>
+          </a:xfrm>
+          <a:prstGeom prst="line">
+            <a:avLst/>
+          </a:prstGeom>
+          <a:ln w="28575" cap="rnd">
+            <a:solidFill>
+              <a:schemeClr val="bg1">
+                <a:lumMod val="65000"/>
+              </a:schemeClr>
+            </a:solidFill>
+            <a:prstDash val="lgDash"/>
+          </a:ln>
+        </p:spPr>
+        <p:style>
+          <a:lnRef idx="1">
+            <a:schemeClr val="accent1"/>
+          </a:lnRef>
+          <a:fillRef idx="0">
+            <a:schemeClr val="accent1"/>
+          </a:fillRef>
+          <a:effectRef idx="0">
+            <a:schemeClr val="accent1"/>
+          </a:effectRef>
+          <a:fontRef idx="minor">
+            <a:schemeClr val="tx1"/>
+          </a:fontRef>
+        </p:style>
+      </p:cxnSp>
+      <p:sp>
+        <p:nvSpPr>
+          <p:cNvPr id="8" name="CaixaDeTexto 7">
+            <a:extLst>
+              <a:ext uri="{FF2B5EF4-FFF2-40B4-BE49-F238E27FC236}">
+                <a16:creationId xmlns:a16="http://schemas.microsoft.com/office/drawing/2014/main" id="{F58F9A33-B3B9-49E7-A6E3-9293CC0BB985}"/>
+              </a:ext>
+            </a:extLst>
+          </p:cNvPr>
+          <p:cNvSpPr txBox="1"/>
+          <p:nvPr/>
+        </p:nvSpPr>
+        <p:spPr>
+          <a:xfrm>
+            <a:off x="5238750" y="2419350"/>
+            <a:ext cx="3848100" cy="461665"/>
+          </a:xfrm>
+          <a:prstGeom prst="rect">
+            <a:avLst/>
+          </a:prstGeom>
+          <a:noFill/>
+        </p:spPr>
+        <p:txBody>
+          <a:bodyPr wrap="square" rtlCol="0">
+            <a:spAutoFit/>
+          </a:bodyPr>
+          <a:lstStyle/>
+          <a:p>
+            <a:r>
+              <a:rPr lang="pt-BR" sz="2400" dirty="0">
+                <a:solidFill>
+                  <a:schemeClr val="accent6"/>
+                </a:solidFill>
+              </a:rPr>
+              <a:t>Telefone: </a:t>
+            </a:r>
+            <a:r>
+              <a:rPr lang="pt-BR" sz="2400" dirty="0">
+                <a:solidFill>
+                  <a:schemeClr val="bg1"/>
+                </a:solidFill>
+              </a:rPr>
+              <a:t>(11) 3834-4111</a:t>
+            </a:r>
+            <a:endParaRPr lang="pt-BR" dirty="0">
+              <a:solidFill>
+                <a:schemeClr val="bg1"/>
+              </a:solidFill>
+            </a:endParaRPr>
+          </a:p>
+        </p:txBody>
+      </p:sp>
+      <p:sp>
+        <p:nvSpPr>
+          <p:cNvPr id="9" name="CaixaDeTexto 8">
+            <a:extLst>
+              <a:ext uri="{FF2B5EF4-FFF2-40B4-BE49-F238E27FC236}">
+                <a16:creationId xmlns:a16="http://schemas.microsoft.com/office/drawing/2014/main" id="{54113D1F-890C-4E65-8C2F-585157B12FEC}"/>
+              </a:ext>
+            </a:extLst>
+          </p:cNvPr>
+          <p:cNvSpPr txBox="1"/>
+          <p:nvPr/>
+        </p:nvSpPr>
+        <p:spPr>
+          <a:xfrm>
+            <a:off x="5238750" y="3033415"/>
+            <a:ext cx="5143495" cy="830997"/>
+          </a:xfrm>
+          <a:prstGeom prst="rect">
+            <a:avLst/>
+          </a:prstGeom>
+          <a:noFill/>
+        </p:spPr>
+        <p:txBody>
+          <a:bodyPr wrap="square" rtlCol="0">
+            <a:spAutoFit/>
+          </a:bodyPr>
+          <a:lstStyle/>
+          <a:p>
+            <a:r>
+              <a:rPr lang="pt-BR" sz="2400" dirty="0">
+                <a:solidFill>
+                  <a:schemeClr val="accent6"/>
+                </a:solidFill>
+              </a:rPr>
+              <a:t>Endereço: </a:t>
+            </a:r>
+            <a:r>
+              <a:rPr lang="pt-BR" sz="2400" dirty="0">
+                <a:solidFill>
+                  <a:schemeClr val="bg1"/>
+                </a:solidFill>
+              </a:rPr>
+              <a:t>Av. Brig. Faria Lima, 3477 - Itaim Bibi, São Paulo - SP</a:t>
+            </a:r>
+            <a:endParaRPr lang="pt-BR" dirty="0">
+              <a:solidFill>
+                <a:schemeClr val="bg1"/>
+              </a:solidFill>
+            </a:endParaRPr>
+          </a:p>
+        </p:txBody>
+      </p:sp>
+      <p:sp>
+        <p:nvSpPr>
+          <p:cNvPr id="10" name="CaixaDeTexto 9">
+            <a:extLst>
+              <a:ext uri="{FF2B5EF4-FFF2-40B4-BE49-F238E27FC236}">
+                <a16:creationId xmlns:a16="http://schemas.microsoft.com/office/drawing/2014/main" id="{5F14446B-29A4-4938-AF5C-2B66699229D4}"/>
+              </a:ext>
+            </a:extLst>
+          </p:cNvPr>
+          <p:cNvSpPr txBox="1"/>
+          <p:nvPr/>
+        </p:nvSpPr>
+        <p:spPr>
+          <a:xfrm>
+            <a:off x="5238750" y="4016812"/>
+            <a:ext cx="5676897" cy="461665"/>
+          </a:xfrm>
+          <a:prstGeom prst="rect">
+            <a:avLst/>
+          </a:prstGeom>
+          <a:noFill/>
+        </p:spPr>
+        <p:txBody>
+          <a:bodyPr wrap="square" rtlCol="0">
+            <a:spAutoFit/>
+          </a:bodyPr>
+          <a:lstStyle/>
+          <a:p>
+            <a:r>
+              <a:rPr lang="pt-BR" sz="2400" dirty="0">
+                <a:solidFill>
+                  <a:schemeClr val="accent6"/>
+                </a:solidFill>
+              </a:rPr>
+              <a:t>E-mail: </a:t>
+            </a:r>
+            <a:r>
+              <a:rPr lang="pt-BR" sz="2400" dirty="0">
+                <a:solidFill>
+                  <a:schemeClr val="bg1"/>
+                </a:solidFill>
+              </a:rPr>
+              <a:t>contatopuzzlesolutions@gmail.com</a:t>
+            </a:r>
+            <a:endParaRPr lang="pt-BR" dirty="0">
+              <a:solidFill>
+                <a:schemeClr val="bg1"/>
+              </a:solidFill>
+            </a:endParaRPr>
+          </a:p>
+        </p:txBody>
+      </p:sp>
+      <p:sp>
+        <p:nvSpPr>
+          <p:cNvPr id="11" name="TriG">
+            <a:extLst>
+              <a:ext uri="{FF2B5EF4-FFF2-40B4-BE49-F238E27FC236}">
+                <a16:creationId xmlns:a16="http://schemas.microsoft.com/office/drawing/2014/main" id="{3E604A38-6FED-4CEE-AF35-2ACF68248111}"/>
+              </a:ext>
+            </a:extLst>
+          </p:cNvPr>
+          <p:cNvSpPr/>
+          <p:nvPr/>
+        </p:nvSpPr>
+        <p:spPr>
+          <a:xfrm>
+            <a:off x="10088186" y="5027133"/>
+            <a:ext cx="1752900" cy="1511121"/>
+          </a:xfrm>
+          <a:prstGeom prst="triangle">
+            <a:avLst/>
+          </a:prstGeom>
+          <a:solidFill>
+            <a:schemeClr val="bg1">
+              <a:alpha val="0"/>
+            </a:schemeClr>
+          </a:solidFill>
+          <a:ln w="50800">
+            <a:solidFill>
+              <a:schemeClr val="bg1">
+                <a:lumMod val="50000"/>
+              </a:schemeClr>
+            </a:solidFill>
+          </a:ln>
+        </p:spPr>
+        <p:style>
+          <a:lnRef idx="2">
+            <a:schemeClr val="accent1">
+              <a:shade val="50000"/>
+            </a:schemeClr>
+          </a:lnRef>
+          <a:fillRef idx="1">
+            <a:schemeClr val="accent1"/>
+          </a:fillRef>
+          <a:effectRef idx="0">
+            <a:schemeClr val="accent1"/>
+          </a:effectRef>
+          <a:fontRef idx="minor">
+            <a:schemeClr val="lt1"/>
+          </a:fontRef>
+        </p:style>
+        <p:txBody>
+          <a:bodyPr rtlCol="0" anchor="ctr"/>
+          <a:lstStyle/>
+          <a:p>
+            <a:pPr algn="ctr"/>
+            <a:endParaRPr lang="pt-BR"/>
+          </a:p>
+        </p:txBody>
+      </p:sp>
+      <p:sp>
+        <p:nvSpPr>
+          <p:cNvPr id="12" name="TriPB">
+            <a:extLst>
+              <a:ext uri="{FF2B5EF4-FFF2-40B4-BE49-F238E27FC236}">
+                <a16:creationId xmlns:a16="http://schemas.microsoft.com/office/drawing/2014/main" id="{6C2760FE-501D-426F-9B2A-8E53DB9478DE}"/>
+              </a:ext>
+            </a:extLst>
+          </p:cNvPr>
+          <p:cNvSpPr/>
+          <p:nvPr/>
+        </p:nvSpPr>
+        <p:spPr>
+          <a:xfrm rot="10800000">
+            <a:off x="9688549" y="5123088"/>
+            <a:ext cx="765142" cy="659605"/>
+          </a:xfrm>
+          <a:prstGeom prst="triangle">
+            <a:avLst/>
+          </a:prstGeom>
+          <a:solidFill>
+            <a:schemeClr val="bg1">
+              <a:alpha val="0"/>
+            </a:schemeClr>
+          </a:solidFill>
+          <a:ln w="50800">
+            <a:solidFill>
+              <a:schemeClr val="bg1">
+                <a:lumMod val="50000"/>
+              </a:schemeClr>
+            </a:solidFill>
+          </a:ln>
+        </p:spPr>
+        <p:style>
+          <a:lnRef idx="2">
+            <a:schemeClr val="accent1">
+              <a:shade val="50000"/>
+            </a:schemeClr>
+          </a:lnRef>
+          <a:fillRef idx="1">
+            <a:schemeClr val="accent1"/>
+          </a:fillRef>
+          <a:effectRef idx="0">
+            <a:schemeClr val="accent1"/>
+          </a:effectRef>
+          <a:fontRef idx="minor">
+            <a:schemeClr val="lt1"/>
+          </a:fontRef>
+        </p:style>
+        <p:txBody>
+          <a:bodyPr rtlCol="0" anchor="ctr"/>
+          <a:lstStyle/>
+          <a:p>
+            <a:pPr algn="ctr"/>
+            <a:endParaRPr lang="pt-BR"/>
+          </a:p>
+        </p:txBody>
+      </p:sp>
+    </p:spTree>
+    <p:extLst>
+      <p:ext uri="{BB962C8B-B14F-4D97-AF65-F5344CB8AC3E}">
+        <p14:creationId xmlns:p14="http://schemas.microsoft.com/office/powerpoint/2010/main" val="1726127639"/>
+      </p:ext>
+    </p:extLst>
+  </p:cSld>
+  <p:clrMapOvr>
+    <a:masterClrMapping/>
+  </p:clrMapOvr>
+  <p:timing>
+    <p:tnLst>
+      <p:par>
+        <p:cTn id="1" dur="indefinite" restart="never" nodeType="tmRoot">
+          <p:childTnLst>
+            <p:seq concurrent="1" nextAc="seek">
+              <p:cTn id="2" dur="indefinite" nodeType="mainSeq">
+                <p:childTnLst>
+                  <p:par>
+                    <p:cTn id="3" fill="hold">
+                      <p:stCondLst>
+                        <p:cond delay="indefinite"/>
+                        <p:cond evt="onBegin" delay="0">
+                          <p:tn val="2"/>
+                        </p:cond>
+                      </p:stCondLst>
+                      <p:childTnLst>
+                        <p:par>
+                          <p:cTn id="4" fill="hold">
+                            <p:stCondLst>
+                              <p:cond delay="0"/>
+                            </p:stCondLst>
+                            <p:childTnLst>
+                              <p:par>
+                                <p:cTn id="5" presetID="4" presetClass="entr" presetSubtype="32" fill="hold" nodeType="withEffect">
+                                  <p:stCondLst>
+                                    <p:cond delay="0"/>
+                                  </p:stCondLst>
+                                  <p:childTnLst>
+                                    <p:set>
+                                      <p:cBhvr>
+                                        <p:cTn id="6" dur="1" fill="hold">
+                                          <p:stCondLst>
+                                            <p:cond delay="0"/>
+                                          </p:stCondLst>
+                                        </p:cTn>
+                                        <p:tgtEl>
+                                          <p:spTgt spid="3"/>
+                                        </p:tgtEl>
+                                        <p:attrNameLst>
+                                          <p:attrName>style.visibility</p:attrName>
+                                        </p:attrNameLst>
+                                      </p:cBhvr>
+                                      <p:to>
+                                        <p:strVal val="visible"/>
+                                      </p:to>
+                                    </p:set>
+                                    <p:animEffect transition="in" filter="box(out)">
+                                      <p:cBhvr>
+                                        <p:cTn id="7" dur="2000"/>
+                                        <p:tgtEl>
+                                          <p:spTgt spid="3"/>
+                                        </p:tgtEl>
+                                      </p:cBhvr>
+                                    </p:animEffect>
+                                  </p:childTnLst>
+                                </p:cTn>
+                              </p:par>
+                            </p:childTnLst>
+                          </p:cTn>
+                        </p:par>
+                        <p:par>
+                          <p:cTn id="8" fill="hold">
+                            <p:stCondLst>
+                              <p:cond delay="2000"/>
+                            </p:stCondLst>
+                            <p:childTnLst>
+                              <p:par>
+                                <p:cTn id="9" presetID="35" presetClass="path" presetSubtype="0" accel="50000" decel="50000" fill="hold" nodeType="afterEffect">
+                                  <p:stCondLst>
+                                    <p:cond delay="250"/>
+                                  </p:stCondLst>
+                                  <p:childTnLst>
+                                    <p:animMotion origin="layout" path="M 0 -7.40741E-7 L -0.27969 -7.40741E-7 " pathEditMode="relative" rAng="0" ptsTypes="AA">
+                                      <p:cBhvr>
+                                        <p:cTn id="10" dur="2000" fill="hold"/>
+                                        <p:tgtEl>
+                                          <p:spTgt spid="3"/>
+                                        </p:tgtEl>
+                                        <p:attrNameLst>
+                                          <p:attrName>ppt_x</p:attrName>
+                                          <p:attrName>ppt_y</p:attrName>
+                                        </p:attrNameLst>
+                                      </p:cBhvr>
+                                      <p:rCtr x="-13984" y="0"/>
+                                    </p:animMotion>
+                                  </p:childTnLst>
+                                </p:cTn>
+                              </p:par>
+                              <p:par>
+                                <p:cTn id="11" presetID="35" presetClass="path" presetSubtype="0" accel="50000" decel="50000" fill="hold" nodeType="withEffect">
+                                  <p:stCondLst>
+                                    <p:cond delay="250"/>
+                                  </p:stCondLst>
+                                  <p:childTnLst>
+                                    <p:animMotion origin="layout" path="M 0 3.7037E-6 L -0.27969 3.7037E-6 " pathEditMode="relative" rAng="0" ptsTypes="AA">
+                                      <p:cBhvr>
+                                        <p:cTn id="12" dur="2000" fill="hold"/>
+                                        <p:tgtEl>
+                                          <p:spTgt spid="2"/>
+                                        </p:tgtEl>
+                                        <p:attrNameLst>
+                                          <p:attrName>ppt_x</p:attrName>
+                                          <p:attrName>ppt_y</p:attrName>
+                                        </p:attrNameLst>
+                                      </p:cBhvr>
+                                      <p:rCtr x="-13984" y="0"/>
+                                    </p:animMotion>
+                                  </p:childTnLst>
+                                </p:cTn>
+                              </p:par>
+                            </p:childTnLst>
+                          </p:cTn>
+                        </p:par>
+                        <p:par>
+                          <p:cTn id="13" fill="hold">
+                            <p:stCondLst>
+                              <p:cond delay="4250"/>
+                            </p:stCondLst>
+                            <p:childTnLst>
+                              <p:par>
+                                <p:cTn id="14" presetID="10" presetClass="entr" presetSubtype="0" fill="hold" nodeType="afterEffect">
+                                  <p:stCondLst>
+                                    <p:cond delay="0"/>
+                                  </p:stCondLst>
+                                  <p:childTnLst>
+                                    <p:set>
+                                      <p:cBhvr>
+                                        <p:cTn id="15" dur="1" fill="hold">
+                                          <p:stCondLst>
+                                            <p:cond delay="0"/>
+                                          </p:stCondLst>
+                                        </p:cTn>
+                                        <p:tgtEl>
+                                          <p:spTgt spid="7"/>
+                                        </p:tgtEl>
+                                        <p:attrNameLst>
+                                          <p:attrName>style.visibility</p:attrName>
+                                        </p:attrNameLst>
+                                      </p:cBhvr>
+                                      <p:to>
+                                        <p:strVal val="visible"/>
+                                      </p:to>
+                                    </p:set>
+                                    <p:animEffect transition="in" filter="fade">
+                                      <p:cBhvr>
+                                        <p:cTn id="16" dur="500"/>
+                                        <p:tgtEl>
+                                          <p:spTgt spid="7"/>
+                                        </p:tgtEl>
+                                      </p:cBhvr>
+                                    </p:animEffect>
+                                  </p:childTnLst>
+                                </p:cTn>
+                              </p:par>
+                            </p:childTnLst>
+                          </p:cTn>
+                        </p:par>
+                        <p:par>
+                          <p:cTn id="17" fill="hold">
+                            <p:stCondLst>
+                              <p:cond delay="4750"/>
+                            </p:stCondLst>
+                            <p:childTnLst>
+                              <p:par>
+                                <p:cTn id="18" presetID="22" presetClass="entr" presetSubtype="8" fill="hold" grpId="0" nodeType="afterEffect">
+                                  <p:stCondLst>
+                                    <p:cond delay="0"/>
+                                  </p:stCondLst>
+                                  <p:childTnLst>
+                                    <p:set>
+                                      <p:cBhvr>
+                                        <p:cTn id="19" dur="1" fill="hold">
+                                          <p:stCondLst>
+                                            <p:cond delay="0"/>
+                                          </p:stCondLst>
+                                        </p:cTn>
+                                        <p:tgtEl>
+                                          <p:spTgt spid="8"/>
+                                        </p:tgtEl>
+                                        <p:attrNameLst>
+                                          <p:attrName>style.visibility</p:attrName>
+                                        </p:attrNameLst>
+                                      </p:cBhvr>
+                                      <p:to>
+                                        <p:strVal val="visible"/>
+                                      </p:to>
+                                    </p:set>
+                                    <p:animEffect transition="in" filter="wipe(left)">
+                                      <p:cBhvr>
+                                        <p:cTn id="20" dur="750"/>
+                                        <p:tgtEl>
+                                          <p:spTgt spid="8"/>
+                                        </p:tgtEl>
+                                      </p:cBhvr>
+                                    </p:animEffect>
+                                  </p:childTnLst>
+                                </p:cTn>
+                              </p:par>
+                              <p:par>
+                                <p:cTn id="21" presetID="22" presetClass="entr" presetSubtype="8" fill="hold" grpId="0" nodeType="withEffect">
+                                  <p:stCondLst>
+                                    <p:cond delay="0"/>
+                                  </p:stCondLst>
+                                  <p:childTnLst>
+                                    <p:set>
+                                      <p:cBhvr>
+                                        <p:cTn id="22" dur="1" fill="hold">
+                                          <p:stCondLst>
+                                            <p:cond delay="0"/>
+                                          </p:stCondLst>
+                                        </p:cTn>
+                                        <p:tgtEl>
+                                          <p:spTgt spid="9"/>
+                                        </p:tgtEl>
+                                        <p:attrNameLst>
+                                          <p:attrName>style.visibility</p:attrName>
+                                        </p:attrNameLst>
+                                      </p:cBhvr>
+                                      <p:to>
+                                        <p:strVal val="visible"/>
+                                      </p:to>
+                                    </p:set>
+                                    <p:animEffect transition="in" filter="wipe(left)">
+                                      <p:cBhvr>
+                                        <p:cTn id="23" dur="750"/>
+                                        <p:tgtEl>
+                                          <p:spTgt spid="9"/>
+                                        </p:tgtEl>
+                                      </p:cBhvr>
+                                    </p:animEffect>
+                                  </p:childTnLst>
+                                </p:cTn>
+                              </p:par>
+                              <p:par>
+                                <p:cTn id="24" presetID="22" presetClass="entr" presetSubtype="8" fill="hold" grpId="0" nodeType="withEffect">
+                                  <p:stCondLst>
+                                    <p:cond delay="0"/>
+                                  </p:stCondLst>
+                                  <p:childTnLst>
+                                    <p:set>
+                                      <p:cBhvr>
+                                        <p:cTn id="25" dur="1" fill="hold">
+                                          <p:stCondLst>
+                                            <p:cond delay="0"/>
+                                          </p:stCondLst>
+                                        </p:cTn>
+                                        <p:tgtEl>
+                                          <p:spTgt spid="10"/>
+                                        </p:tgtEl>
+                                        <p:attrNameLst>
+                                          <p:attrName>style.visibility</p:attrName>
+                                        </p:attrNameLst>
+                                      </p:cBhvr>
+                                      <p:to>
+                                        <p:strVal val="visible"/>
+                                      </p:to>
+                                    </p:set>
+                                    <p:animEffect transition="in" filter="wipe(left)">
+                                      <p:cBhvr>
+                                        <p:cTn id="26" dur="750"/>
+                                        <p:tgtEl>
+                                          <p:spTgt spid="10"/>
+                                        </p:tgtEl>
+                                      </p:cBhvr>
+                                    </p:animEffect>
+                                  </p:childTnLst>
+                                </p:cTn>
+                              </p:par>
+                              <p:par>
+                                <p:cTn id="27" presetID="10" presetClass="entr" presetSubtype="0" fill="hold" grpId="0" nodeType="withEffect">
+                                  <p:stCondLst>
+                                    <p:cond delay="100"/>
+                                  </p:stCondLst>
+                                  <p:childTnLst>
+                                    <p:set>
+                                      <p:cBhvr>
+                                        <p:cTn id="28" dur="1" fill="hold">
+                                          <p:stCondLst>
+                                            <p:cond delay="0"/>
+                                          </p:stCondLst>
+                                        </p:cTn>
+                                        <p:tgtEl>
+                                          <p:spTgt spid="12"/>
+                                        </p:tgtEl>
+                                        <p:attrNameLst>
+                                          <p:attrName>style.visibility</p:attrName>
+                                        </p:attrNameLst>
+                                      </p:cBhvr>
+                                      <p:to>
+                                        <p:strVal val="visible"/>
+                                      </p:to>
+                                    </p:set>
+                                    <p:animEffect transition="in" filter="fade">
+                                      <p:cBhvr>
+                                        <p:cTn id="29" dur="750"/>
+                                        <p:tgtEl>
+                                          <p:spTgt spid="12"/>
+                                        </p:tgtEl>
+                                      </p:cBhvr>
+                                    </p:animEffect>
+                                  </p:childTnLst>
+                                </p:cTn>
+                              </p:par>
+                              <p:par>
+                                <p:cTn id="30" presetID="42" presetClass="path" presetSubtype="0" accel="50000" decel="50000" fill="hold" grpId="1" nodeType="withEffect">
+                                  <p:stCondLst>
+                                    <p:cond delay="0"/>
+                                  </p:stCondLst>
+                                  <p:childTnLst>
+                                    <p:animMotion origin="layout" path="M -1.66667E-6 -0.22778 L -1.66667E-6 1.11111E-6 " pathEditMode="relative" rAng="0" ptsTypes="AA">
+                                      <p:cBhvr>
+                                        <p:cTn id="31" dur="1250" fill="hold"/>
+                                        <p:tgtEl>
+                                          <p:spTgt spid="12"/>
+                                        </p:tgtEl>
+                                        <p:attrNameLst>
+                                          <p:attrName>ppt_x</p:attrName>
+                                          <p:attrName>ppt_y</p:attrName>
+                                        </p:attrNameLst>
+                                      </p:cBhvr>
+                                      <p:rCtr x="0" y="11389"/>
+                                    </p:animMotion>
+                                  </p:childTnLst>
+                                </p:cTn>
+                              </p:par>
+                              <p:par>
+                                <p:cTn id="32" presetID="10" presetClass="entr" presetSubtype="0" fill="hold" grpId="0" nodeType="withEffect">
+                                  <p:stCondLst>
+                                    <p:cond delay="0"/>
+                                  </p:stCondLst>
+                                  <p:childTnLst>
+                                    <p:set>
+                                      <p:cBhvr>
+                                        <p:cTn id="33" dur="1" fill="hold">
+                                          <p:stCondLst>
+                                            <p:cond delay="0"/>
+                                          </p:stCondLst>
+                                        </p:cTn>
+                                        <p:tgtEl>
+                                          <p:spTgt spid="11"/>
+                                        </p:tgtEl>
+                                        <p:attrNameLst>
+                                          <p:attrName>style.visibility</p:attrName>
+                                        </p:attrNameLst>
+                                      </p:cBhvr>
+                                      <p:to>
+                                        <p:strVal val="visible"/>
+                                      </p:to>
+                                    </p:set>
+                                    <p:animEffect transition="in" filter="fade">
+                                      <p:cBhvr>
+                                        <p:cTn id="34" dur="750"/>
+                                        <p:tgtEl>
+                                          <p:spTgt spid="11"/>
+                                        </p:tgtEl>
+                                      </p:cBhvr>
+                                    </p:animEffect>
+                                  </p:childTnLst>
+                                </p:cTn>
+                              </p:par>
+                              <p:par>
+                                <p:cTn id="35" presetID="64" presetClass="path" presetSubtype="0" accel="50000" decel="50000" fill="hold" grpId="1" nodeType="withEffect">
+                                  <p:stCondLst>
+                                    <p:cond delay="0"/>
+                                  </p:stCondLst>
+                                  <p:childTnLst>
+                                    <p:animMotion origin="layout" path="M 1.04167E-6 0.27824 L 1.04167E-6 2.96296E-6 " pathEditMode="relative" rAng="0" ptsTypes="AA">
+                                      <p:cBhvr>
+                                        <p:cTn id="36" dur="1250" fill="hold"/>
+                                        <p:tgtEl>
+                                          <p:spTgt spid="11"/>
+                                        </p:tgtEl>
+                                        <p:attrNameLst>
+                                          <p:attrName>ppt_x</p:attrName>
+                                          <p:attrName>ppt_y</p:attrName>
+                                        </p:attrNameLst>
+                                      </p:cBhvr>
+                                      <p:rCtr x="0" y="-13912"/>
+                                    </p:animMotion>
+                                  </p:childTnLst>
+                                </p:cTn>
+                              </p:par>
+                            </p:childTnLst>
+                          </p:cTn>
+                        </p:par>
+                        <p:par>
+                          <p:cTn id="37" fill="hold">
+                            <p:stCondLst>
+                              <p:cond delay="6000"/>
+                            </p:stCondLst>
+                            <p:childTnLst>
+                              <p:par>
+                                <p:cTn id="38" presetID="10" presetClass="entr" presetSubtype="0" fill="hold" nodeType="afterEffect">
+                                  <p:stCondLst>
+                                    <p:cond delay="0"/>
+                                  </p:stCondLst>
+                                  <p:childTnLst>
+                                    <p:set>
+                                      <p:cBhvr>
+                                        <p:cTn id="39" dur="1" fill="hold">
+                                          <p:stCondLst>
+                                            <p:cond delay="0"/>
+                                          </p:stCondLst>
+                                        </p:cTn>
+                                        <p:tgtEl>
+                                          <p:spTgt spid="13"/>
+                                        </p:tgtEl>
+                                        <p:attrNameLst>
+                                          <p:attrName>style.visibility</p:attrName>
+                                        </p:attrNameLst>
+                                      </p:cBhvr>
+                                      <p:to>
+                                        <p:strVal val="visible"/>
+                                      </p:to>
+                                    </p:set>
+                                    <p:animEffect transition="in" filter="fade">
+                                      <p:cBhvr>
+                                        <p:cTn id="40" dur="1000"/>
+                                        <p:tgtEl>
+                                          <p:spTgt spid="13"/>
+                                        </p:tgtEl>
+                                      </p:cBhvr>
+                                    </p:animEffect>
+                                  </p:childTnLst>
+                                </p:cTn>
+                              </p:par>
+                              <p:par>
+                                <p:cTn id="41" presetID="63" presetClass="path" presetSubtype="0" accel="50000" decel="50000" fill="hold" nodeType="withEffect">
+                                  <p:stCondLst>
+                                    <p:cond delay="0"/>
+                                  </p:stCondLst>
+                                  <p:childTnLst>
+                                    <p:animMotion origin="layout" path="M -0.28125 2.96296E-6 L -1.66667E-6 2.96296E-6 " pathEditMode="relative" rAng="0" ptsTypes="AA">
+                                      <p:cBhvr>
+                                        <p:cTn id="42" dur="1000" fill="hold"/>
+                                        <p:tgtEl>
+                                          <p:spTgt spid="13"/>
+                                        </p:tgtEl>
+                                        <p:attrNameLst>
+                                          <p:attrName>ppt_x</p:attrName>
+                                          <p:attrName>ppt_y</p:attrName>
+                                        </p:attrNameLst>
+                                      </p:cBhvr>
+                                      <p:rCtr x="14063" y="0"/>
+                                    </p:animMotion>
+                                  </p:childTnLst>
+                                </p:cTn>
+                              </p:par>
+                              <p:par>
+                                <p:cTn id="43" presetID="42" presetClass="path" presetSubtype="0" repeatCount="indefinite" accel="50000" decel="50000" autoRev="1" fill="hold" grpId="2" nodeType="withEffect">
+                                  <p:stCondLst>
+                                    <p:cond delay="0"/>
+                                  </p:stCondLst>
+                                  <p:childTnLst>
+                                    <p:animMotion origin="layout" path="M -1.66667E-6 1.11111E-6 L 0.00078 0.01389 " pathEditMode="relative" rAng="0" ptsTypes="AA">
+                                      <p:cBhvr>
+                                        <p:cTn id="44" dur="5000" fill="hold"/>
+                                        <p:tgtEl>
+                                          <p:spTgt spid="12"/>
+                                        </p:tgtEl>
+                                        <p:attrNameLst>
+                                          <p:attrName>ppt_x</p:attrName>
+                                          <p:attrName>ppt_y</p:attrName>
+                                        </p:attrNameLst>
+                                      </p:cBhvr>
+                                      <p:rCtr x="39" y="694"/>
+                                    </p:animMotion>
+                                  </p:childTnLst>
+                                </p:cTn>
+                              </p:par>
+                            </p:childTnLst>
+                          </p:cTn>
+                        </p:par>
+                      </p:childTnLst>
+                    </p:cTn>
+                  </p:par>
+                </p:childTnLst>
+              </p:cTn>
+              <p:prevCondLst>
+                <p:cond evt="onPrev" delay="0">
+                  <p:tgtEl>
+                    <p:sldTgt/>
+                  </p:tgtEl>
+                </p:cond>
+              </p:prevCondLst>
+              <p:nextCondLst>
+                <p:cond evt="onNext" delay="0">
+                  <p:tgtEl>
+                    <p:sldTgt/>
+                  </p:tgtEl>
+                </p:cond>
+              </p:nextCondLst>
+            </p:seq>
+          </p:childTnLst>
+        </p:cTn>
+      </p:par>
+    </p:tnLst>
+    <p:bldLst>
+      <p:bldP spid="8" grpId="0"/>
+      <p:bldP spid="9" grpId="0"/>
+      <p:bldP spid="10" grpId="0"/>
+      <p:bldP spid="11" grpId="0" animBg="1"/>
+      <p:bldP spid="11" grpId="1" animBg="1"/>
+      <p:bldP spid="12" grpId="0" animBg="1"/>
+      <p:bldP spid="12" grpId="1" animBg="1"/>
+      <p:bldP spid="12" grpId="2" animBg="1"/>
+    </p:bldLst>
+  </p:timing>
+</p:sld>
+</file>
+
+<file path=ppt/slides/slide3.xml><?xml version="1.0" encoding="utf-8"?>
+<p:sld xmlns:a="http://schemas.openxmlformats.org/drawingml/2006/main" xmlns:r="http://schemas.openxmlformats.org/officeDocument/2006/relationships" xmlns:p="http://schemas.openxmlformats.org/presentationml/2006/main">
+  <p:cSld>
+    <p:spTree>
+      <p:nvGrpSpPr>
+        <p:cNvPr id="1" name=""/>
+        <p:cNvGrpSpPr/>
+        <p:nvPr/>
+      </p:nvGrpSpPr>
+      <p:grpSpPr>
+        <a:xfrm>
+          <a:off x="0" y="0"/>
+          <a:ext cx="0" cy="0"/>
+          <a:chOff x="0" y="0"/>
+          <a:chExt cx="0" cy="0"/>
+        </a:xfrm>
+      </p:grpSpPr>
+      <p:sp>
+        <p:nvSpPr>
+          <p:cNvPr id="4" name="Fundo">
+            <a:extLst>
+              <a:ext uri="{FF2B5EF4-FFF2-40B4-BE49-F238E27FC236}">
+                <a16:creationId xmlns:a16="http://schemas.microsoft.com/office/drawing/2014/main" id="{9B55D78D-62EC-4E80-81D7-505F7BFC2C3E}"/>
+              </a:ext>
+            </a:extLst>
+          </p:cNvPr>
+          <p:cNvSpPr/>
+          <p:nvPr/>
+        </p:nvSpPr>
+        <p:spPr>
+          <a:xfrm>
+            <a:off x="0" y="0"/>
+            <a:ext cx="12192000" cy="6854371"/>
+          </a:xfrm>
+          <a:prstGeom prst="rect">
+            <a:avLst/>
+          </a:prstGeom>
+          <a:gradFill flip="none" rotWithShape="1">
+            <a:gsLst>
+              <a:gs pos="0">
+                <a:schemeClr val="bg2">
+                  <a:lumMod val="25000"/>
+                </a:schemeClr>
+              </a:gs>
+              <a:gs pos="94000">
+                <a:schemeClr val="tx1">
+                  <a:lumMod val="95000"/>
+                  <a:lumOff val="5000"/>
+                </a:schemeClr>
+              </a:gs>
+            </a:gsLst>
+            <a:lin ang="2700000" scaled="1"/>
+            <a:tileRect/>
+          </a:gradFill>
+        </p:spPr>
+        <p:style>
+          <a:lnRef idx="2">
+            <a:schemeClr val="accent1">
+              <a:shade val="50000"/>
+            </a:schemeClr>
+          </a:lnRef>
+          <a:fillRef idx="1">
+            <a:schemeClr val="accent1"/>
+          </a:fillRef>
+          <a:effectRef idx="0">
+            <a:schemeClr val="accent1"/>
+          </a:effectRef>
+          <a:fontRef idx="minor">
+            <a:schemeClr val="lt1"/>
+          </a:fontRef>
+        </p:style>
+        <p:txBody>
+          <a:bodyPr rtlCol="0" anchor="ctr"/>
+          <a:lstStyle/>
+          <a:p>
+            <a:pPr algn="ctr"/>
+            <a:endParaRPr lang="pt-BR" dirty="0"/>
+          </a:p>
+        </p:txBody>
+      </p:sp>
+      <p:sp>
+        <p:nvSpPr>
+          <p:cNvPr id="5" name="CaixaDeTexto 4">
+            <a:extLst>
+              <a:ext uri="{FF2B5EF4-FFF2-40B4-BE49-F238E27FC236}">
+                <a16:creationId xmlns:a16="http://schemas.microsoft.com/office/drawing/2014/main" id="{3727047C-3756-49AD-94B4-C71EB85F7675}"/>
+              </a:ext>
+            </a:extLst>
+          </p:cNvPr>
+          <p:cNvSpPr txBox="1"/>
+          <p:nvPr/>
+        </p:nvSpPr>
+        <p:spPr>
+          <a:xfrm>
+            <a:off x="5150009" y="4463534"/>
+            <a:ext cx="1891982" cy="707886"/>
+          </a:xfrm>
+          <a:prstGeom prst="rect">
+            <a:avLst/>
+          </a:prstGeom>
+          <a:noFill/>
+        </p:spPr>
+        <p:txBody>
+          <a:bodyPr wrap="square" rtlCol="0">
+            <a:spAutoFit/>
+          </a:bodyPr>
+          <a:lstStyle/>
+          <a:p>
+            <a:pPr algn="ctr"/>
+            <a:r>
+              <a:rPr lang="pt-BR" sz="4000" dirty="0">
+                <a:solidFill>
+                  <a:schemeClr val="accent6"/>
+                </a:solidFill>
+                <a:latin typeface="Consolas" panose="020B0609020204030204" pitchFamily="49" charset="0"/>
+              </a:rPr>
+              <a:t>Puzzle</a:t>
+            </a:r>
+          </a:p>
+        </p:txBody>
+      </p:sp>
+      <p:sp>
+        <p:nvSpPr>
+          <p:cNvPr id="6" name="Retângulo 5">
+            <a:extLst>
+              <a:ext uri="{FF2B5EF4-FFF2-40B4-BE49-F238E27FC236}">
+                <a16:creationId xmlns:a16="http://schemas.microsoft.com/office/drawing/2014/main" id="{A1AAB0A6-5B92-4871-A0FE-4A7B5EC83E0C}"/>
+              </a:ext>
+            </a:extLst>
+          </p:cNvPr>
+          <p:cNvSpPr/>
+          <p:nvPr/>
+        </p:nvSpPr>
+        <p:spPr>
+          <a:xfrm>
+            <a:off x="5019675" y="4619625"/>
+            <a:ext cx="130334" cy="400050"/>
+          </a:xfrm>
+          <a:prstGeom prst="rect">
+            <a:avLst/>
+          </a:prstGeom>
+        </p:spPr>
+        <p:style>
+          <a:lnRef idx="2">
+            <a:schemeClr val="accent6">
+              <a:shade val="50000"/>
+            </a:schemeClr>
+          </a:lnRef>
+          <a:fillRef idx="1">
+            <a:schemeClr val="accent6"/>
+          </a:fillRef>
+          <a:effectRef idx="0">
+            <a:schemeClr val="accent6"/>
+          </a:effectRef>
+          <a:fontRef idx="minor">
+            <a:schemeClr val="lt1"/>
+          </a:fontRef>
+        </p:style>
+        <p:txBody>
+          <a:bodyPr rtlCol="0" anchor="ctr"/>
+          <a:lstStyle/>
+          <a:p>
+            <a:pPr algn="ctr"/>
+            <a:endParaRPr lang="pt-BR"/>
+          </a:p>
+        </p:txBody>
+      </p:sp>
+    </p:spTree>
+    <p:extLst>
+      <p:ext uri="{BB962C8B-B14F-4D97-AF65-F5344CB8AC3E}">
+        <p14:creationId xmlns:p14="http://schemas.microsoft.com/office/powerpoint/2010/main" val="2946033959"/>
+      </p:ext>
+    </p:extLst>
+  </p:cSld>
+  <p:clrMapOvr>
+    <a:masterClrMapping/>
+  </p:clrMapOvr>
+  <mc:AlternateContent xmlns:mc="http://schemas.openxmlformats.org/markup-compatibility/2006">
+    <mc:Choice xmlns:p14="http://schemas.microsoft.com/office/powerpoint/2010/main" Requires="p14">
+      <p:transition spd="slow" p14:dur="2000" advTm="0"/>
+    </mc:Choice>
+    <mc:Fallback>
+      <p:transition spd="slow" advTm="0"/>
+    </mc:Fallback>
+  </mc:AlternateContent>
+  <p:timing>
+    <p:tnLst>
+      <p:par>
+        <p:cTn id="1" dur="indefinite" restart="never" nodeType="tmRoot">
+          <p:childTnLst>
+            <p:seq concurrent="1" nextAc="seek">
+              <p:cTn id="2" dur="indefinite" nodeType="mainSeq">
+                <p:childTnLst>
+                  <p:par>
+                    <p:cTn id="3" fill="hold">
+                      <p:stCondLst>
+                        <p:cond delay="indefinite"/>
+                        <p:cond evt="onBegin" delay="0">
+                          <p:tn val="2"/>
+                        </p:cond>
+                      </p:stCondLst>
+                      <p:childTnLst>
+                        <p:par>
+                          <p:cTn id="4" fill="hold">
+                            <p:stCondLst>
+                              <p:cond delay="0"/>
+                            </p:stCondLst>
+                            <p:childTnLst>
+                              <p:par>
+                                <p:cTn id="5" presetID="10" presetClass="entr" presetSubtype="0" fill="hold" grpId="0" nodeType="withEffect">
+                                  <p:stCondLst>
+                                    <p:cond delay="0"/>
+                                  </p:stCondLst>
+                                  <p:childTnLst>
+                                    <p:set>
+                                      <p:cBhvr>
+                                        <p:cTn id="6" dur="1" fill="hold">
+                                          <p:stCondLst>
+                                            <p:cond delay="0"/>
+                                          </p:stCondLst>
+                                        </p:cTn>
+                                        <p:tgtEl>
+                                          <p:spTgt spid="6"/>
+                                        </p:tgtEl>
+                                        <p:attrNameLst>
+                                          <p:attrName>style.visibility</p:attrName>
+                                        </p:attrNameLst>
+                                      </p:cBhvr>
+                                      <p:to>
+                                        <p:strVal val="visible"/>
+                                      </p:to>
+                                    </p:set>
+                                    <p:animEffect transition="in" filter="fade">
+                                      <p:cBhvr>
+                                        <p:cTn id="7" dur="250"/>
+                                        <p:tgtEl>
+                                          <p:spTgt spid="6"/>
+                                        </p:tgtEl>
+                                      </p:cBhvr>
+                                    </p:animEffect>
+                                  </p:childTnLst>
+                                </p:cTn>
+                              </p:par>
+                            </p:childTnLst>
+                          </p:cTn>
+                        </p:par>
+                        <p:par>
+                          <p:cTn id="8" fill="hold">
+                            <p:stCondLst>
+                              <p:cond delay="250"/>
+                            </p:stCondLst>
+                            <p:childTnLst>
+                              <p:par>
+                                <p:cTn id="9" presetID="10" presetClass="exit" presetSubtype="0" fill="hold" grpId="1" nodeType="afterEffect">
+                                  <p:stCondLst>
+                                    <p:cond delay="0"/>
+                                  </p:stCondLst>
+                                  <p:childTnLst>
+                                    <p:animEffect transition="out" filter="fade">
+                                      <p:cBhvr>
+                                        <p:cTn id="10" dur="250"/>
+                                        <p:tgtEl>
+                                          <p:spTgt spid="6"/>
+                                        </p:tgtEl>
+                                      </p:cBhvr>
+                                    </p:animEffect>
+                                    <p:set>
+                                      <p:cBhvr>
+                                        <p:cTn id="11" dur="1" fill="hold">
+                                          <p:stCondLst>
+                                            <p:cond delay="249"/>
+                                          </p:stCondLst>
+                                        </p:cTn>
+                                        <p:tgtEl>
+                                          <p:spTgt spid="6"/>
+                                        </p:tgtEl>
+                                        <p:attrNameLst>
+                                          <p:attrName>style.visibility</p:attrName>
+                                        </p:attrNameLst>
+                                      </p:cBhvr>
+                                      <p:to>
+                                        <p:strVal val="hidden"/>
+                                      </p:to>
+                                    </p:set>
+                                  </p:childTnLst>
+                                </p:cTn>
+                              </p:par>
+                            </p:childTnLst>
+                          </p:cTn>
+                        </p:par>
+                        <p:par>
+                          <p:cTn id="12" fill="hold">
+                            <p:stCondLst>
+                              <p:cond delay="500"/>
+                            </p:stCondLst>
+                            <p:childTnLst>
+                              <p:par>
+                                <p:cTn id="13" presetID="10" presetClass="entr" presetSubtype="0" fill="hold" grpId="2" nodeType="afterEffect">
+                                  <p:stCondLst>
+                                    <p:cond delay="0"/>
+                                  </p:stCondLst>
+                                  <p:childTnLst>
+                                    <p:set>
+                                      <p:cBhvr>
+                                        <p:cTn id="14" dur="1" fill="hold">
+                                          <p:stCondLst>
+                                            <p:cond delay="0"/>
+                                          </p:stCondLst>
+                                        </p:cTn>
+                                        <p:tgtEl>
+                                          <p:spTgt spid="6"/>
+                                        </p:tgtEl>
+                                        <p:attrNameLst>
+                                          <p:attrName>style.visibility</p:attrName>
+                                        </p:attrNameLst>
+                                      </p:cBhvr>
+                                      <p:to>
+                                        <p:strVal val="visible"/>
+                                      </p:to>
+                                    </p:set>
+                                    <p:animEffect transition="in" filter="fade">
+                                      <p:cBhvr>
+                                        <p:cTn id="15" dur="250"/>
+                                        <p:tgtEl>
+                                          <p:spTgt spid="6"/>
+                                        </p:tgtEl>
+                                      </p:cBhvr>
+                                    </p:animEffect>
+                                  </p:childTnLst>
+                                </p:cTn>
+                              </p:par>
+                            </p:childTnLst>
+                          </p:cTn>
+                        </p:par>
+                        <p:par>
+                          <p:cTn id="16" fill="hold">
+                            <p:stCondLst>
+                              <p:cond delay="750"/>
+                            </p:stCondLst>
+                            <p:childTnLst>
+                              <p:par>
+                                <p:cTn id="17" presetID="63" presetClass="path" presetSubtype="0" fill="hold" grpId="3" nodeType="afterEffect">
+                                  <p:stCondLst>
+                                    <p:cond delay="0"/>
+                                  </p:stCondLst>
+                                  <p:childTnLst>
+                                    <p:animMotion origin="layout" path="M 2.70833E-6 2.22222E-6 L 0.16054 2.22222E-6 " pathEditMode="relative" rAng="0" ptsTypes="AA">
+                                      <p:cBhvr>
+                                        <p:cTn id="18" dur="500" fill="hold"/>
+                                        <p:tgtEl>
+                                          <p:spTgt spid="6"/>
+                                        </p:tgtEl>
+                                        <p:attrNameLst>
+                                          <p:attrName>ppt_x</p:attrName>
+                                          <p:attrName>ppt_y</p:attrName>
+                                        </p:attrNameLst>
+                                      </p:cBhvr>
+                                      <p:rCtr x="8021" y="0"/>
+                                    </p:animMotion>
+                                  </p:childTnLst>
+                                </p:cTn>
+                              </p:par>
+                              <p:par>
+                                <p:cTn id="19" presetID="22" presetClass="entr" presetSubtype="8" fill="hold" grpId="0" nodeType="withEffect">
+                                  <p:stCondLst>
+                                    <p:cond delay="0"/>
+                                  </p:stCondLst>
+                                  <p:childTnLst>
+                                    <p:set>
+                                      <p:cBhvr>
+                                        <p:cTn id="20" dur="1" fill="hold">
+                                          <p:stCondLst>
+                                            <p:cond delay="0"/>
+                                          </p:stCondLst>
+                                        </p:cTn>
+                                        <p:tgtEl>
+                                          <p:spTgt spid="5"/>
+                                        </p:tgtEl>
+                                        <p:attrNameLst>
+                                          <p:attrName>style.visibility</p:attrName>
+                                        </p:attrNameLst>
+                                      </p:cBhvr>
+                                      <p:to>
+                                        <p:strVal val="visible"/>
+                                      </p:to>
+                                    </p:set>
+                                    <p:animEffect transition="in" filter="wipe(left)">
+                                      <p:cBhvr>
+                                        <p:cTn id="21" dur="750"/>
+                                        <p:tgtEl>
+                                          <p:spTgt spid="5"/>
+                                        </p:tgtEl>
+                                      </p:cBhvr>
+                                    </p:animEffect>
+                                  </p:childTnLst>
+                                </p:cTn>
+                              </p:par>
+                            </p:childTnLst>
+                          </p:cTn>
+                        </p:par>
+                        <p:par>
+                          <p:cTn id="22" fill="hold">
+                            <p:stCondLst>
+                              <p:cond delay="1500"/>
+                            </p:stCondLst>
+                            <p:childTnLst>
+                              <p:par>
+                                <p:cTn id="23" presetID="10" presetClass="exit" presetSubtype="0" fill="hold" grpId="4" nodeType="afterEffect">
+                                  <p:stCondLst>
+                                    <p:cond delay="0"/>
+                                  </p:stCondLst>
+                                  <p:childTnLst>
+                                    <p:animEffect transition="out" filter="fade">
+                                      <p:cBhvr>
+                                        <p:cTn id="24" dur="500"/>
+                                        <p:tgtEl>
+                                          <p:spTgt spid="6"/>
+                                        </p:tgtEl>
+                                      </p:cBhvr>
+                                    </p:animEffect>
+                                    <p:set>
+                                      <p:cBhvr>
+                                        <p:cTn id="25" dur="1" fill="hold">
+                                          <p:stCondLst>
+                                            <p:cond delay="499"/>
+                                          </p:stCondLst>
+                                        </p:cTn>
+                                        <p:tgtEl>
+                                          <p:spTgt spid="6"/>
+                                        </p:tgtEl>
+                                        <p:attrNameLst>
+                                          <p:attrName>style.visibility</p:attrName>
+                                        </p:attrNameLst>
+                                      </p:cBhvr>
+                                      <p:to>
+                                        <p:strVal val="hidden"/>
+                                      </p:to>
+                                    </p:set>
+                                  </p:childTnLst>
+                                </p:cTn>
+                              </p:par>
+                            </p:childTnLst>
+                          </p:cTn>
+                        </p:par>
+                      </p:childTnLst>
+                    </p:cTn>
+                  </p:par>
+                </p:childTnLst>
+              </p:cTn>
+              <p:prevCondLst>
+                <p:cond evt="onPrev" delay="0">
+                  <p:tgtEl>
+                    <p:sldTgt/>
+                  </p:tgtEl>
+                </p:cond>
+              </p:prevCondLst>
+              <p:nextCondLst>
+                <p:cond evt="onNext" delay="0">
+                  <p:tgtEl>
+                    <p:sldTgt/>
+                  </p:tgtEl>
+                </p:cond>
+              </p:nextCondLst>
+            </p:seq>
+          </p:childTnLst>
+        </p:cTn>
+      </p:par>
+    </p:tnLst>
+    <p:bldLst>
+      <p:bldP spid="5" grpId="0"/>
+      <p:bldP spid="6" grpId="0" animBg="1"/>
+      <p:bldP spid="6" grpId="1" animBg="1"/>
+      <p:bldP spid="6" grpId="2" animBg="1"/>
+      <p:bldP spid="6" grpId="3" animBg="1"/>
+      <p:bldP spid="6" grpId="4" animBg="1"/>
+    </p:bldLst>
+  </p:timing>
+</p:sld>
+</file>
+
+<file path=ppt/slides/slide4.xml><?xml version="1.0" encoding="utf-8"?>
+<p:sld xmlns:a="http://schemas.openxmlformats.org/drawingml/2006/main" xmlns:r="http://schemas.openxmlformats.org/officeDocument/2006/relationships" xmlns:p="http://schemas.openxmlformats.org/presentationml/2006/main">
+  <p:cSld>
+    <p:spTree>
+      <p:nvGrpSpPr>
+        <p:cNvPr id="1" name=""/>
+        <p:cNvGrpSpPr/>
+        <p:nvPr/>
+      </p:nvGrpSpPr>
+      <p:grpSpPr>
+        <a:xfrm>
+          <a:off x="0" y="0"/>
+          <a:ext cx="0" cy="0"/>
+          <a:chOff x="0" y="0"/>
+          <a:chExt cx="0" cy="0"/>
+        </a:xfrm>
+      </p:grpSpPr>
+      <p:sp>
+        <p:nvSpPr>
+          <p:cNvPr id="4" name="Fundo">
+            <a:extLst>
+              <a:ext uri="{FF2B5EF4-FFF2-40B4-BE49-F238E27FC236}">
+                <a16:creationId xmlns:a16="http://schemas.microsoft.com/office/drawing/2014/main" id="{9B55D78D-62EC-4E80-81D7-505F7BFC2C3E}"/>
+              </a:ext>
+            </a:extLst>
+          </p:cNvPr>
+          <p:cNvSpPr/>
+          <p:nvPr/>
+        </p:nvSpPr>
+        <p:spPr>
+          <a:xfrm>
+            <a:off x="0" y="0"/>
+            <a:ext cx="12192000" cy="6854371"/>
+          </a:xfrm>
+          <a:prstGeom prst="rect">
+            <a:avLst/>
+          </a:prstGeom>
+          <a:gradFill flip="none" rotWithShape="1">
+            <a:gsLst>
+              <a:gs pos="0">
+                <a:schemeClr val="bg2">
+                  <a:lumMod val="25000"/>
+                </a:schemeClr>
+              </a:gs>
+              <a:gs pos="94000">
+                <a:schemeClr val="tx1">
+                  <a:lumMod val="95000"/>
+                  <a:lumOff val="5000"/>
+                </a:schemeClr>
+              </a:gs>
+            </a:gsLst>
+            <a:lin ang="2700000" scaled="1"/>
+            <a:tileRect/>
+          </a:gradFill>
+        </p:spPr>
+        <p:style>
+          <a:lnRef idx="2">
+            <a:schemeClr val="accent1">
+              <a:shade val="50000"/>
+            </a:schemeClr>
+          </a:lnRef>
+          <a:fillRef idx="1">
+            <a:schemeClr val="accent1"/>
+          </a:fillRef>
+          <a:effectRef idx="0">
+            <a:schemeClr val="accent1"/>
+          </a:effectRef>
+          <a:fontRef idx="minor">
+            <a:schemeClr val="lt1"/>
+          </a:fontRef>
+        </p:style>
+        <p:txBody>
+          <a:bodyPr rtlCol="0" anchor="ctr"/>
+          <a:lstStyle/>
+          <a:p>
+            <a:pPr algn="ctr"/>
+            <a:endParaRPr lang="pt-BR" dirty="0"/>
+          </a:p>
+        </p:txBody>
+      </p:sp>
+      <p:sp>
+        <p:nvSpPr>
+          <p:cNvPr id="5" name="CaixaDeTexto 4">
+            <a:extLst>
+              <a:ext uri="{FF2B5EF4-FFF2-40B4-BE49-F238E27FC236}">
+                <a16:creationId xmlns:a16="http://schemas.microsoft.com/office/drawing/2014/main" id="{3727047C-3756-49AD-94B4-C71EB85F7675}"/>
+              </a:ext>
+            </a:extLst>
+          </p:cNvPr>
+          <p:cNvSpPr txBox="1"/>
+          <p:nvPr/>
+        </p:nvSpPr>
+        <p:spPr>
+          <a:xfrm>
+            <a:off x="5150009" y="4463534"/>
+            <a:ext cx="1891982" cy="707886"/>
+          </a:xfrm>
+          <a:prstGeom prst="rect">
+            <a:avLst/>
+          </a:prstGeom>
+          <a:noFill/>
+        </p:spPr>
+        <p:txBody>
+          <a:bodyPr wrap="square" rtlCol="0">
+            <a:spAutoFit/>
+          </a:bodyPr>
+          <a:lstStyle/>
+          <a:p>
+            <a:pPr algn="ctr"/>
+            <a:r>
+              <a:rPr lang="pt-BR" sz="4000" dirty="0">
+                <a:solidFill>
+                  <a:schemeClr val="accent6"/>
+                </a:solidFill>
+                <a:latin typeface="Consolas" panose="020B0609020204030204" pitchFamily="49" charset="0"/>
+              </a:rPr>
+              <a:t>Puzzle</a:t>
+            </a:r>
+          </a:p>
+        </p:txBody>
+      </p:sp>
+    </p:spTree>
+    <p:extLst>
+      <p:ext uri="{BB962C8B-B14F-4D97-AF65-F5344CB8AC3E}">
+        <p14:creationId xmlns:p14="http://schemas.microsoft.com/office/powerpoint/2010/main" val="1069849949"/>
+      </p:ext>
+    </p:extLst>
+  </p:cSld>
+  <p:clrMapOvr>
+    <a:masterClrMapping/>
+  </p:clrMapOvr>
+  <mc:AlternateContent xmlns:mc="http://schemas.openxmlformats.org/markup-compatibility/2006">
+    <mc:Choice xmlns:p14="http://schemas.microsoft.com/office/powerpoint/2010/main" Requires="p14">
+      <p:transition spd="slow" p14:dur="2000" advTm="0"/>
+    </mc:Choice>
+    <mc:Fallback>
+      <p:transition spd="slow" advTm="0"/>
+    </mc:Fallback>
+  </mc:AlternateContent>
+</p:sld>
+</file>
+
+<file path=ppt/slides/slide5.xml><?xml version="1.0" encoding="utf-8"?>
+<p:sld xmlns:a="http://schemas.openxmlformats.org/drawingml/2006/main" xmlns:r="http://schemas.openxmlformats.org/officeDocument/2006/relationships" xmlns:p="http://schemas.openxmlformats.org/presentationml/2006/main">
+  <p:cSld>
+    <p:spTree>
+      <p:nvGrpSpPr>
+        <p:cNvPr id="1" name=""/>
+        <p:cNvGrpSpPr/>
+        <p:nvPr/>
+      </p:nvGrpSpPr>
+      <p:grpSpPr>
+        <a:xfrm>
+          <a:off x="0" y="0"/>
+          <a:ext cx="0" cy="0"/>
+          <a:chOff x="0" y="0"/>
+          <a:chExt cx="0" cy="0"/>
+        </a:xfrm>
+      </p:grpSpPr>
+      <p:sp>
+        <p:nvSpPr>
+          <p:cNvPr id="4" name="Fundo">
+            <a:extLst>
+              <a:ext uri="{FF2B5EF4-FFF2-40B4-BE49-F238E27FC236}">
+                <a16:creationId xmlns:a16="http://schemas.microsoft.com/office/drawing/2014/main" id="{9B55D78D-62EC-4E80-81D7-505F7BFC2C3E}"/>
+              </a:ext>
+            </a:extLst>
+          </p:cNvPr>
+          <p:cNvSpPr/>
+          <p:nvPr/>
+        </p:nvSpPr>
+        <p:spPr>
+          <a:xfrm>
+            <a:off x="0" y="0"/>
+            <a:ext cx="12192000" cy="6854371"/>
+          </a:xfrm>
+          <a:prstGeom prst="rect">
+            <a:avLst/>
+          </a:prstGeom>
+          <a:gradFill flip="none" rotWithShape="1">
+            <a:gsLst>
+              <a:gs pos="0">
+                <a:schemeClr val="bg2">
+                  <a:lumMod val="25000"/>
+                </a:schemeClr>
+              </a:gs>
+              <a:gs pos="94000">
+                <a:schemeClr val="tx1">
+                  <a:lumMod val="95000"/>
+                  <a:lumOff val="5000"/>
+                </a:schemeClr>
+              </a:gs>
+            </a:gsLst>
+            <a:lin ang="2700000" scaled="1"/>
+            <a:tileRect/>
+          </a:gradFill>
+        </p:spPr>
+        <p:style>
+          <a:lnRef idx="2">
+            <a:schemeClr val="accent1">
+              <a:shade val="50000"/>
+            </a:schemeClr>
+          </a:lnRef>
+          <a:fillRef idx="1">
+            <a:schemeClr val="accent1"/>
+          </a:fillRef>
+          <a:effectRef idx="0">
+            <a:schemeClr val="accent1"/>
+          </a:effectRef>
+          <a:fontRef idx="minor">
+            <a:schemeClr val="lt1"/>
+          </a:fontRef>
+        </p:style>
+        <p:txBody>
+          <a:bodyPr rtlCol="0" anchor="ctr"/>
+          <a:lstStyle/>
+          <a:p>
+            <a:pPr algn="ctr"/>
+            <a:endParaRPr lang="pt-BR" dirty="0"/>
+          </a:p>
+        </p:txBody>
+      </p:sp>
+      <p:sp>
+        <p:nvSpPr>
+          <p:cNvPr id="5" name="CaixaDeTexto 4">
+            <a:extLst>
+              <a:ext uri="{FF2B5EF4-FFF2-40B4-BE49-F238E27FC236}">
+                <a16:creationId xmlns:a16="http://schemas.microsoft.com/office/drawing/2014/main" id="{3727047C-3756-49AD-94B4-C71EB85F7675}"/>
+              </a:ext>
+            </a:extLst>
+          </p:cNvPr>
+          <p:cNvSpPr txBox="1"/>
+          <p:nvPr/>
+        </p:nvSpPr>
+        <p:spPr>
+          <a:xfrm rot="436831">
+            <a:off x="5150009" y="4432757"/>
+            <a:ext cx="1891982" cy="769441"/>
+          </a:xfrm>
+          <a:prstGeom prst="rect">
+            <a:avLst/>
+          </a:prstGeom>
+          <a:noFill/>
+        </p:spPr>
+        <p:txBody>
+          <a:bodyPr wrap="square" rtlCol="0">
+            <a:spAutoFit/>
+          </a:bodyPr>
+          <a:lstStyle/>
+          <a:p>
+            <a:pPr algn="ctr"/>
+            <a:r>
+              <a:rPr lang="pt-BR" sz="4400" i="1" dirty="0">
+                <a:solidFill>
+                  <a:schemeClr val="accent6"/>
+                </a:solidFill>
+                <a:latin typeface="Gill Sans MT" panose="020B0502020104020203" pitchFamily="34" charset="0"/>
+              </a:rPr>
+              <a:t>Puzzle</a:t>
+            </a:r>
+          </a:p>
+        </p:txBody>
+      </p:sp>
+    </p:spTree>
+    <p:extLst>
+      <p:ext uri="{BB962C8B-B14F-4D97-AF65-F5344CB8AC3E}">
+        <p14:creationId xmlns:p14="http://schemas.microsoft.com/office/powerpoint/2010/main" val="1745252062"/>
+      </p:ext>
+    </p:extLst>
+  </p:cSld>
+  <p:clrMapOvr>
+    <a:masterClrMapping/>
+  </p:clrMapOvr>
+  <mc:AlternateContent xmlns:mc="http://schemas.openxmlformats.org/markup-compatibility/2006">
+    <mc:Choice xmlns:p14="http://schemas.microsoft.com/office/powerpoint/2010/main" Requires="p14">
+      <p:transition spd="slow" p14:dur="2000" advTm="0"/>
+    </mc:Choice>
+    <mc:Fallback>
+      <p:transition spd="slow" advTm="0"/>
+    </mc:Fallback>
+  </mc:AlternateContent>
+</p:sld>
+</file>
+
+<file path=ppt/slides/slide6.xml><?xml version="1.0" encoding="utf-8"?>
+<p:sld xmlns:a="http://schemas.openxmlformats.org/drawingml/2006/main" xmlns:r="http://schemas.openxmlformats.org/officeDocument/2006/relationships" xmlns:p="http://schemas.openxmlformats.org/presentationml/2006/main">
+  <p:cSld>
+    <p:spTree>
+      <p:nvGrpSpPr>
+        <p:cNvPr id="1" name=""/>
+        <p:cNvGrpSpPr/>
+        <p:nvPr/>
+      </p:nvGrpSpPr>
+      <p:grpSpPr>
+        <a:xfrm>
+          <a:off x="0" y="0"/>
+          <a:ext cx="0" cy="0"/>
+          <a:chOff x="0" y="0"/>
+          <a:chExt cx="0" cy="0"/>
+        </a:xfrm>
+      </p:grpSpPr>
+      <p:sp>
+        <p:nvSpPr>
+          <p:cNvPr id="4" name="Fundo">
+            <a:extLst>
+              <a:ext uri="{FF2B5EF4-FFF2-40B4-BE49-F238E27FC236}">
+                <a16:creationId xmlns:a16="http://schemas.microsoft.com/office/drawing/2014/main" id="{9B55D78D-62EC-4E80-81D7-505F7BFC2C3E}"/>
+              </a:ext>
+            </a:extLst>
+          </p:cNvPr>
+          <p:cNvSpPr/>
+          <p:nvPr/>
+        </p:nvSpPr>
+        <p:spPr>
+          <a:xfrm>
+            <a:off x="0" y="0"/>
+            <a:ext cx="12192000" cy="6854371"/>
+          </a:xfrm>
+          <a:prstGeom prst="rect">
+            <a:avLst/>
+          </a:prstGeom>
+          <a:gradFill flip="none" rotWithShape="1">
+            <a:gsLst>
+              <a:gs pos="0">
+                <a:schemeClr val="bg2">
+                  <a:lumMod val="25000"/>
+                </a:schemeClr>
+              </a:gs>
+              <a:gs pos="94000">
+                <a:schemeClr val="tx1">
+                  <a:lumMod val="95000"/>
+                  <a:lumOff val="5000"/>
+                </a:schemeClr>
+              </a:gs>
+            </a:gsLst>
+            <a:lin ang="2700000" scaled="1"/>
+            <a:tileRect/>
+          </a:gradFill>
+        </p:spPr>
+        <p:style>
+          <a:lnRef idx="2">
+            <a:schemeClr val="accent1">
+              <a:shade val="50000"/>
+            </a:schemeClr>
+          </a:lnRef>
+          <a:fillRef idx="1">
+            <a:schemeClr val="accent1"/>
+          </a:fillRef>
+          <a:effectRef idx="0">
+            <a:schemeClr val="accent1"/>
+          </a:effectRef>
+          <a:fontRef idx="minor">
+            <a:schemeClr val="lt1"/>
+          </a:fontRef>
+        </p:style>
+        <p:txBody>
+          <a:bodyPr rtlCol="0" anchor="ctr"/>
+          <a:lstStyle/>
+          <a:p>
+            <a:pPr algn="ctr"/>
+            <a:endParaRPr lang="pt-BR" dirty="0"/>
+          </a:p>
+        </p:txBody>
+      </p:sp>
+      <p:sp>
+        <p:nvSpPr>
+          <p:cNvPr id="5" name="CaixaDeTexto 4">
+            <a:extLst>
+              <a:ext uri="{FF2B5EF4-FFF2-40B4-BE49-F238E27FC236}">
+                <a16:creationId xmlns:a16="http://schemas.microsoft.com/office/drawing/2014/main" id="{3727047C-3756-49AD-94B4-C71EB85F7675}"/>
+              </a:ext>
+            </a:extLst>
+          </p:cNvPr>
+          <p:cNvSpPr txBox="1"/>
+          <p:nvPr/>
+        </p:nvSpPr>
+        <p:spPr>
+          <a:xfrm rot="20947557">
+            <a:off x="5150009" y="4463534"/>
+            <a:ext cx="1891982" cy="707886"/>
+          </a:xfrm>
+          <a:prstGeom prst="rect">
+            <a:avLst/>
+          </a:prstGeom>
+          <a:noFill/>
+        </p:spPr>
+        <p:txBody>
+          <a:bodyPr wrap="square" rtlCol="0">
+            <a:spAutoFit/>
+          </a:bodyPr>
+          <a:lstStyle/>
+          <a:p>
+            <a:pPr algn="ctr"/>
+            <a:r>
+              <a:rPr lang="pt-BR" sz="4000" dirty="0">
+                <a:solidFill>
+                  <a:schemeClr val="accent6">
+                    <a:lumMod val="60000"/>
+                    <a:lumOff val="40000"/>
+                  </a:schemeClr>
+                </a:solidFill>
+                <a:latin typeface="Arial Rounded MT Bold" panose="020F0704030504030204" pitchFamily="34" charset="0"/>
+              </a:rPr>
+              <a:t>Puzzle</a:t>
+            </a:r>
+          </a:p>
+        </p:txBody>
+      </p:sp>
+    </p:spTree>
+    <p:extLst>
+      <p:ext uri="{BB962C8B-B14F-4D97-AF65-F5344CB8AC3E}">
+        <p14:creationId xmlns:p14="http://schemas.microsoft.com/office/powerpoint/2010/main" val="1294176179"/>
+      </p:ext>
+    </p:extLst>
+  </p:cSld>
+  <p:clrMapOvr>
+    <a:masterClrMapping/>
+  </p:clrMapOvr>
+  <mc:AlternateContent xmlns:mc="http://schemas.openxmlformats.org/markup-compatibility/2006">
+    <mc:Choice xmlns:p14="http://schemas.microsoft.com/office/powerpoint/2010/main" Requires="p14">
+      <p:transition spd="slow" p14:dur="2000" advTm="0"/>
+    </mc:Choice>
+    <mc:Fallback>
+      <p:transition spd="slow" advTm="0"/>
+    </mc:Fallback>
+  </mc:AlternateContent>
+</p:sld>
+</file>
+
+<file path=ppt/slides/slide7.xml><?xml version="1.0" encoding="utf-8"?>
+<p:sld xmlns:a="http://schemas.openxmlformats.org/drawingml/2006/main" xmlns:r="http://schemas.openxmlformats.org/officeDocument/2006/relationships" xmlns:p="http://schemas.openxmlformats.org/presentationml/2006/main">
+  <p:cSld>
+    <p:spTree>
+      <p:nvGrpSpPr>
+        <p:cNvPr id="1" name=""/>
+        <p:cNvGrpSpPr/>
+        <p:nvPr/>
+      </p:nvGrpSpPr>
+      <p:grpSpPr>
+        <a:xfrm>
+          <a:off x="0" y="0"/>
+          <a:ext cx="0" cy="0"/>
+          <a:chOff x="0" y="0"/>
+          <a:chExt cx="0" cy="0"/>
+        </a:xfrm>
+      </p:grpSpPr>
+      <p:sp>
+        <p:nvSpPr>
+          <p:cNvPr id="4" name="Fundo">
+            <a:extLst>
+              <a:ext uri="{FF2B5EF4-FFF2-40B4-BE49-F238E27FC236}">
+                <a16:creationId xmlns:a16="http://schemas.microsoft.com/office/drawing/2014/main" id="{9B55D78D-62EC-4E80-81D7-505F7BFC2C3E}"/>
+              </a:ext>
+            </a:extLst>
+          </p:cNvPr>
+          <p:cNvSpPr/>
+          <p:nvPr/>
+        </p:nvSpPr>
+        <p:spPr>
+          <a:xfrm>
+            <a:off x="0" y="0"/>
+            <a:ext cx="12192000" cy="6854371"/>
+          </a:xfrm>
+          <a:prstGeom prst="rect">
+            <a:avLst/>
+          </a:prstGeom>
+          <a:gradFill flip="none" rotWithShape="1">
+            <a:gsLst>
+              <a:gs pos="0">
+                <a:schemeClr val="bg2">
+                  <a:lumMod val="25000"/>
+                </a:schemeClr>
+              </a:gs>
+              <a:gs pos="94000">
+                <a:schemeClr val="tx1">
+                  <a:lumMod val="95000"/>
+                  <a:lumOff val="5000"/>
+                </a:schemeClr>
+              </a:gs>
+            </a:gsLst>
+            <a:lin ang="2700000" scaled="1"/>
+            <a:tileRect/>
+          </a:gradFill>
+        </p:spPr>
+        <p:style>
+          <a:lnRef idx="2">
+            <a:schemeClr val="accent1">
+              <a:shade val="50000"/>
+            </a:schemeClr>
+          </a:lnRef>
+          <a:fillRef idx="1">
+            <a:schemeClr val="accent1"/>
+          </a:fillRef>
+          <a:effectRef idx="0">
+            <a:schemeClr val="accent1"/>
+          </a:effectRef>
+          <a:fontRef idx="minor">
+            <a:schemeClr val="lt1"/>
+          </a:fontRef>
+        </p:style>
+        <p:txBody>
+          <a:bodyPr rtlCol="0" anchor="ctr"/>
+          <a:lstStyle/>
+          <a:p>
+            <a:pPr algn="ctr"/>
+            <a:endParaRPr lang="pt-BR" dirty="0"/>
+          </a:p>
+        </p:txBody>
+      </p:sp>
+      <p:sp>
+        <p:nvSpPr>
+          <p:cNvPr id="5" name="CaixaDeTexto 4">
+            <a:extLst>
+              <a:ext uri="{FF2B5EF4-FFF2-40B4-BE49-F238E27FC236}">
+                <a16:creationId xmlns:a16="http://schemas.microsoft.com/office/drawing/2014/main" id="{3727047C-3756-49AD-94B4-C71EB85F7675}"/>
+              </a:ext>
+            </a:extLst>
+          </p:cNvPr>
+          <p:cNvSpPr txBox="1"/>
+          <p:nvPr/>
+        </p:nvSpPr>
+        <p:spPr>
+          <a:xfrm rot="245321">
+            <a:off x="5150009" y="4343400"/>
+            <a:ext cx="2346166" cy="830997"/>
+          </a:xfrm>
+          <a:prstGeom prst="rect">
+            <a:avLst/>
+          </a:prstGeom>
+          <a:noFill/>
+        </p:spPr>
+        <p:txBody>
+          <a:bodyPr wrap="square" rtlCol="0">
+            <a:spAutoFit/>
+          </a:bodyPr>
+          <a:lstStyle/>
+          <a:p>
+            <a:pPr algn="ctr"/>
+            <a:r>
+              <a:rPr lang="pt-BR" sz="4800" dirty="0">
+                <a:solidFill>
+                  <a:srgbClr val="92D050"/>
+                </a:solidFill>
+                <a:latin typeface="Consolas" panose="020B0609020204030204" pitchFamily="49" charset="0"/>
+              </a:rPr>
+              <a:t>Puzzle</a:t>
+            </a:r>
+            <a:endParaRPr lang="pt-BR" sz="4000" dirty="0">
+              <a:solidFill>
+                <a:srgbClr val="92D050"/>
+              </a:solidFill>
+              <a:latin typeface="Consolas" panose="020B0609020204030204" pitchFamily="49" charset="0"/>
+            </a:endParaRPr>
+          </a:p>
+        </p:txBody>
+      </p:sp>
+      <p:cxnSp>
+        <p:nvCxnSpPr>
+          <p:cNvPr id="3" name="Conector reto 2">
+            <a:extLst>
+              <a:ext uri="{FF2B5EF4-FFF2-40B4-BE49-F238E27FC236}">
+                <a16:creationId xmlns:a16="http://schemas.microsoft.com/office/drawing/2014/main" id="{CB1EA302-38CE-41A9-B22C-7656D6656C25}"/>
+              </a:ext>
+            </a:extLst>
+          </p:cNvPr>
+          <p:cNvCxnSpPr/>
+          <p:nvPr/>
+        </p:nvCxnSpPr>
+        <p:spPr>
+          <a:xfrm flipV="1">
+            <a:off x="4848225" y="4305300"/>
+            <a:ext cx="2981325" cy="619125"/>
+          </a:xfrm>
+          <a:prstGeom prst="line">
+            <a:avLst/>
+          </a:prstGeom>
+        </p:spPr>
+        <p:style>
+          <a:lnRef idx="1">
+            <a:schemeClr val="dk1"/>
+          </a:lnRef>
+          <a:fillRef idx="0">
+            <a:schemeClr val="dk1"/>
+          </a:fillRef>
+          <a:effectRef idx="0">
+            <a:schemeClr val="dk1"/>
+          </a:effectRef>
+          <a:fontRef idx="minor">
+            <a:schemeClr val="tx1"/>
+          </a:fontRef>
+        </p:style>
+      </p:cxnSp>
+      <p:cxnSp>
+        <p:nvCxnSpPr>
+          <p:cNvPr id="6" name="Conector reto 5">
+            <a:extLst>
+              <a:ext uri="{FF2B5EF4-FFF2-40B4-BE49-F238E27FC236}">
+                <a16:creationId xmlns:a16="http://schemas.microsoft.com/office/drawing/2014/main" id="{00F744D1-A6A0-484E-B184-12BFC63197F3}"/>
+              </a:ext>
+            </a:extLst>
+          </p:cNvPr>
+          <p:cNvCxnSpPr>
+            <a:cxnSpLocks/>
+          </p:cNvCxnSpPr>
+          <p:nvPr/>
+        </p:nvCxnSpPr>
+        <p:spPr>
+          <a:xfrm>
+            <a:off x="4848225" y="4691063"/>
+            <a:ext cx="2800350" cy="395287"/>
+          </a:xfrm>
+          <a:prstGeom prst="line">
+            <a:avLst/>
+          </a:prstGeom>
+        </p:spPr>
+        <p:style>
+          <a:lnRef idx="1">
+            <a:schemeClr val="dk1"/>
+          </a:lnRef>
+          <a:fillRef idx="0">
+            <a:schemeClr val="dk1"/>
+          </a:fillRef>
+          <a:effectRef idx="0">
+            <a:schemeClr val="dk1"/>
+          </a:effectRef>
+          <a:fontRef idx="minor">
+            <a:schemeClr val="tx1"/>
+          </a:fontRef>
+        </p:style>
+      </p:cxnSp>
+    </p:spTree>
+    <p:extLst>
+      <p:ext uri="{BB962C8B-B14F-4D97-AF65-F5344CB8AC3E}">
+        <p14:creationId xmlns:p14="http://schemas.microsoft.com/office/powerpoint/2010/main" val="2293327702"/>
+      </p:ext>
+    </p:extLst>
+  </p:cSld>
+  <p:clrMapOvr>
+    <a:masterClrMapping/>
+  </p:clrMapOvr>
+  <mc:AlternateContent xmlns:mc="http://schemas.openxmlformats.org/markup-compatibility/2006">
+    <mc:Choice xmlns:p14="http://schemas.microsoft.com/office/powerpoint/2010/main" Requires="p14">
+      <p:transition spd="slow" p14:dur="2000" advTm="0"/>
+    </mc:Choice>
+    <mc:Fallback>
+      <p:transition spd="slow" advTm="0"/>
+    </mc:Fallback>
+  </mc:AlternateContent>
+</p:sld>
+</file>
+
+<file path=ppt/slides/slide8.xml><?xml version="1.0" encoding="utf-8"?>
+<p:sld xmlns:a="http://schemas.openxmlformats.org/drawingml/2006/main" xmlns:r="http://schemas.openxmlformats.org/officeDocument/2006/relationships" xmlns:p="http://schemas.openxmlformats.org/presentationml/2006/main">
+  <p:cSld>
+    <p:spTree>
+      <p:nvGrpSpPr>
+        <p:cNvPr id="1" name=""/>
+        <p:cNvGrpSpPr/>
+        <p:nvPr/>
+      </p:nvGrpSpPr>
+      <p:grpSpPr>
+        <a:xfrm>
+          <a:off x="0" y="0"/>
+          <a:ext cx="0" cy="0"/>
+          <a:chOff x="0" y="0"/>
+          <a:chExt cx="0" cy="0"/>
+        </a:xfrm>
+      </p:grpSpPr>
+      <p:sp>
+        <p:nvSpPr>
+          <p:cNvPr id="4" name="Fundo">
+            <a:extLst>
+              <a:ext uri="{FF2B5EF4-FFF2-40B4-BE49-F238E27FC236}">
+                <a16:creationId xmlns:a16="http://schemas.microsoft.com/office/drawing/2014/main" id="{9B55D78D-62EC-4E80-81D7-505F7BFC2C3E}"/>
+              </a:ext>
+            </a:extLst>
+          </p:cNvPr>
+          <p:cNvSpPr/>
+          <p:nvPr/>
+        </p:nvSpPr>
+        <p:spPr>
+          <a:xfrm>
+            <a:off x="0" y="0"/>
+            <a:ext cx="12192000" cy="6854371"/>
+          </a:xfrm>
+          <a:prstGeom prst="rect">
+            <a:avLst/>
+          </a:prstGeom>
+          <a:gradFill flip="none" rotWithShape="1">
+            <a:gsLst>
+              <a:gs pos="0">
+                <a:schemeClr val="bg2">
+                  <a:lumMod val="25000"/>
+                </a:schemeClr>
+              </a:gs>
+              <a:gs pos="94000">
+                <a:schemeClr val="tx1">
+                  <a:lumMod val="95000"/>
+                  <a:lumOff val="5000"/>
+                </a:schemeClr>
+              </a:gs>
+            </a:gsLst>
+            <a:lin ang="2700000" scaled="1"/>
+            <a:tileRect/>
+          </a:gradFill>
+        </p:spPr>
+        <p:style>
+          <a:lnRef idx="2">
+            <a:schemeClr val="accent1">
+              <a:shade val="50000"/>
+            </a:schemeClr>
+          </a:lnRef>
+          <a:fillRef idx="1">
+            <a:schemeClr val="accent1"/>
+          </a:fillRef>
+          <a:effectRef idx="0">
+            <a:schemeClr val="accent1"/>
+          </a:effectRef>
+          <a:fontRef idx="minor">
+            <a:schemeClr val="lt1"/>
+          </a:fontRef>
+        </p:style>
+        <p:txBody>
+          <a:bodyPr rtlCol="0" anchor="ctr"/>
+          <a:lstStyle/>
+          <a:p>
+            <a:pPr algn="ctr"/>
+            <a:endParaRPr lang="pt-BR" dirty="0"/>
+          </a:p>
+        </p:txBody>
+      </p:sp>
+      <p:sp>
+        <p:nvSpPr>
+          <p:cNvPr id="7" name="CaixaDeTexto 6">
+            <a:extLst>
+              <a:ext uri="{FF2B5EF4-FFF2-40B4-BE49-F238E27FC236}">
+                <a16:creationId xmlns:a16="http://schemas.microsoft.com/office/drawing/2014/main" id="{74828A18-1854-4445-B242-6578E7E09AD0}"/>
+              </a:ext>
+            </a:extLst>
+          </p:cNvPr>
+          <p:cNvSpPr txBox="1"/>
+          <p:nvPr/>
+        </p:nvSpPr>
+        <p:spPr>
+          <a:xfrm rot="20762939">
+            <a:off x="5479856" y="4507483"/>
+            <a:ext cx="1600149" cy="351461"/>
+          </a:xfrm>
+          <a:custGeom>
+            <a:avLst/>
+            <a:gdLst/>
+            <a:ahLst/>
+            <a:cxnLst/>
+            <a:rect l="l" t="t" r="r" b="b"/>
+            <a:pathLst>
+              <a:path w="1600149" h="351461">
+                <a:moveTo>
+                  <a:pt x="166687" y="174572"/>
+                </a:moveTo>
+                <a:lnTo>
+                  <a:pt x="190018" y="185070"/>
+                </a:lnTo>
+                <a:lnTo>
+                  <a:pt x="181175" y="198430"/>
+                </a:lnTo>
+                <a:cubicBezTo>
+                  <a:pt x="170822" y="208619"/>
+                  <a:pt x="157593" y="216876"/>
+                  <a:pt x="141489" y="223203"/>
+                </a:cubicBezTo>
+                <a:lnTo>
+                  <a:pt x="91985" y="231348"/>
+                </a:lnTo>
+                <a:lnTo>
+                  <a:pt x="90199" y="193694"/>
+                </a:lnTo>
+                <a:lnTo>
+                  <a:pt x="144817" y="178217"/>
+                </a:lnTo>
+                <a:lnTo>
+                  <a:pt x="146948" y="173006"/>
+                </a:lnTo>
+                <a:close/>
+                <a:moveTo>
+                  <a:pt x="753345" y="312065"/>
+                </a:moveTo>
+                <a:lnTo>
+                  <a:pt x="753345" y="348300"/>
+                </a:lnTo>
+                <a:lnTo>
+                  <a:pt x="698250" y="348300"/>
+                </a:lnTo>
+                <a:lnTo>
+                  <a:pt x="723596" y="312065"/>
+                </a:lnTo>
+                <a:close/>
+                <a:moveTo>
+                  <a:pt x="1029570" y="312065"/>
+                </a:moveTo>
+                <a:lnTo>
+                  <a:pt x="1029570" y="348300"/>
+                </a:lnTo>
+                <a:lnTo>
+                  <a:pt x="965012" y="348300"/>
+                </a:lnTo>
+                <a:lnTo>
+                  <a:pt x="990358" y="312065"/>
+                </a:lnTo>
+                <a:close/>
+                <a:moveTo>
+                  <a:pt x="678700" y="220435"/>
+                </a:moveTo>
+                <a:lnTo>
+                  <a:pt x="607912" y="312065"/>
+                </a:lnTo>
+                <a:lnTo>
+                  <a:pt x="675595" y="312065"/>
+                </a:lnTo>
+                <a:lnTo>
+                  <a:pt x="650215" y="348300"/>
+                </a:lnTo>
+                <a:lnTo>
+                  <a:pt x="553929" y="348300"/>
+                </a:lnTo>
+                <a:lnTo>
+                  <a:pt x="553929" y="317488"/>
+                </a:lnTo>
+                <a:lnTo>
+                  <a:pt x="627110" y="222881"/>
+                </a:lnTo>
+                <a:close/>
+                <a:moveTo>
+                  <a:pt x="319608" y="100817"/>
+                </a:moveTo>
+                <a:lnTo>
+                  <a:pt x="319608" y="259068"/>
+                </a:lnTo>
+                <a:cubicBezTo>
+                  <a:pt x="319608" y="268558"/>
+                  <a:pt x="320501" y="276862"/>
+                  <a:pt x="322289" y="283980"/>
+                </a:cubicBezTo>
+                <a:lnTo>
+                  <a:pt x="328205" y="297071"/>
+                </a:lnTo>
+                <a:lnTo>
+                  <a:pt x="330661" y="348854"/>
+                </a:lnTo>
+                <a:lnTo>
+                  <a:pt x="320348" y="347129"/>
+                </a:lnTo>
+                <a:cubicBezTo>
+                  <a:pt x="310734" y="343390"/>
+                  <a:pt x="302682" y="337783"/>
+                  <a:pt x="296191" y="330306"/>
+                </a:cubicBezTo>
+                <a:cubicBezTo>
+                  <a:pt x="283209" y="315352"/>
+                  <a:pt x="276718" y="292756"/>
+                  <a:pt x="276718" y="262519"/>
+                </a:cubicBezTo>
+                <a:lnTo>
+                  <a:pt x="276718" y="100817"/>
+                </a:lnTo>
+                <a:close/>
+                <a:moveTo>
+                  <a:pt x="136559" y="31428"/>
+                </a:moveTo>
+                <a:cubicBezTo>
+                  <a:pt x="151184" y="34962"/>
+                  <a:pt x="164043" y="40672"/>
+                  <a:pt x="175136" y="48560"/>
+                </a:cubicBezTo>
+                <a:cubicBezTo>
+                  <a:pt x="186228" y="56448"/>
+                  <a:pt x="195061" y="66637"/>
+                  <a:pt x="201634" y="79126"/>
+                </a:cubicBezTo>
+                <a:cubicBezTo>
+                  <a:pt x="208207" y="91615"/>
+                  <a:pt x="211494" y="106815"/>
+                  <a:pt x="211494" y="124728"/>
+                </a:cubicBezTo>
+                <a:lnTo>
+                  <a:pt x="206921" y="148886"/>
+                </a:lnTo>
+                <a:lnTo>
+                  <a:pt x="180372" y="138572"/>
+                </a:lnTo>
+                <a:lnTo>
+                  <a:pt x="161557" y="137297"/>
+                </a:lnTo>
+                <a:lnTo>
+                  <a:pt x="165892" y="126700"/>
+                </a:lnTo>
+                <a:cubicBezTo>
+                  <a:pt x="165892" y="105994"/>
+                  <a:pt x="159114" y="90136"/>
+                  <a:pt x="145556" y="79126"/>
+                </a:cubicBezTo>
+                <a:cubicBezTo>
+                  <a:pt x="131999" y="68116"/>
+                  <a:pt x="113060" y="62611"/>
+                  <a:pt x="88739" y="62611"/>
+                </a:cubicBezTo>
+                <a:lnTo>
+                  <a:pt x="43877" y="62611"/>
+                </a:lnTo>
+                <a:lnTo>
+                  <a:pt x="43876" y="139741"/>
+                </a:lnTo>
+                <a:lnTo>
+                  <a:pt x="43715" y="139748"/>
+                </a:lnTo>
+                <a:lnTo>
+                  <a:pt x="43876" y="143139"/>
+                </a:lnTo>
+                <a:lnTo>
+                  <a:pt x="43876" y="195225"/>
+                </a:lnTo>
+                <a:lnTo>
+                  <a:pt x="46346" y="195225"/>
+                </a:lnTo>
+                <a:lnTo>
+                  <a:pt x="48124" y="232693"/>
+                </a:lnTo>
+                <a:lnTo>
+                  <a:pt x="43876" y="232693"/>
+                </a:lnTo>
+                <a:lnTo>
+                  <a:pt x="43877" y="348300"/>
+                </a:lnTo>
+                <a:lnTo>
+                  <a:pt x="0" y="348300"/>
+                </a:lnTo>
+                <a:lnTo>
+                  <a:pt x="0" y="26129"/>
+                </a:lnTo>
+                <a:lnTo>
+                  <a:pt x="90711" y="26129"/>
+                </a:lnTo>
+                <a:cubicBezTo>
+                  <a:pt x="106651" y="26129"/>
+                  <a:pt x="121934" y="27896"/>
+                  <a:pt x="136559" y="31428"/>
+                </a:cubicBezTo>
+                <a:close/>
+                <a:moveTo>
+                  <a:pt x="1316306" y="312558"/>
+                </a:moveTo>
+                <a:lnTo>
+                  <a:pt x="1316306" y="348300"/>
+                </a:lnTo>
+                <a:lnTo>
+                  <a:pt x="1297606" y="348300"/>
+                </a:lnTo>
+                <a:lnTo>
+                  <a:pt x="1295911" y="312558"/>
+                </a:lnTo>
+                <a:close/>
+                <a:moveTo>
+                  <a:pt x="475641" y="100818"/>
+                </a:moveTo>
+                <a:lnTo>
+                  <a:pt x="475641" y="348300"/>
+                </a:lnTo>
+                <a:lnTo>
+                  <a:pt x="437187" y="348300"/>
+                </a:lnTo>
+                <a:lnTo>
+                  <a:pt x="435708" y="308368"/>
+                </a:lnTo>
+                <a:cubicBezTo>
+                  <a:pt x="428313" y="316913"/>
+                  <a:pt x="421288" y="324020"/>
+                  <a:pt x="414632" y="329689"/>
+                </a:cubicBezTo>
+                <a:cubicBezTo>
+                  <a:pt x="407977" y="335359"/>
+                  <a:pt x="401363" y="339919"/>
+                  <a:pt x="394790" y="343370"/>
+                </a:cubicBezTo>
+                <a:cubicBezTo>
+                  <a:pt x="388216" y="346821"/>
+                  <a:pt x="381602" y="349245"/>
+                  <a:pt x="374947" y="350641"/>
+                </a:cubicBezTo>
+                <a:lnTo>
+                  <a:pt x="373691" y="350766"/>
+                </a:lnTo>
+                <a:lnTo>
+                  <a:pt x="371974" y="314569"/>
+                </a:lnTo>
+                <a:lnTo>
+                  <a:pt x="377905" y="313667"/>
+                </a:lnTo>
+                <a:cubicBezTo>
+                  <a:pt x="382917" y="312106"/>
+                  <a:pt x="388175" y="309395"/>
+                  <a:pt x="393680" y="305533"/>
+                </a:cubicBezTo>
+                <a:cubicBezTo>
+                  <a:pt x="399186" y="301671"/>
+                  <a:pt x="405102" y="296454"/>
+                  <a:pt x="411428" y="289881"/>
+                </a:cubicBezTo>
+                <a:cubicBezTo>
+                  <a:pt x="417755" y="283307"/>
+                  <a:pt x="424862" y="275008"/>
+                  <a:pt x="432750" y="264984"/>
+                </a:cubicBezTo>
+                <a:lnTo>
+                  <a:pt x="432750" y="100818"/>
+                </a:lnTo>
+                <a:close/>
+                <a:moveTo>
+                  <a:pt x="965430" y="206836"/>
+                </a:moveTo>
+                <a:lnTo>
+                  <a:pt x="884137" y="312065"/>
+                </a:lnTo>
+                <a:lnTo>
+                  <a:pt x="942344" y="312065"/>
+                </a:lnTo>
+                <a:lnTo>
+                  <a:pt x="916965" y="348300"/>
+                </a:lnTo>
+                <a:lnTo>
+                  <a:pt x="830154" y="348300"/>
+                </a:lnTo>
+                <a:lnTo>
+                  <a:pt x="830154" y="317488"/>
+                </a:lnTo>
+                <a:lnTo>
+                  <a:pt x="913855" y="209282"/>
+                </a:lnTo>
+                <a:close/>
+                <a:moveTo>
+                  <a:pt x="745210" y="100817"/>
+                </a:moveTo>
+                <a:lnTo>
+                  <a:pt x="745210" y="134341"/>
+                </a:lnTo>
+                <a:lnTo>
+                  <a:pt x="707592" y="183035"/>
+                </a:lnTo>
+                <a:lnTo>
+                  <a:pt x="656041" y="185480"/>
+                </a:lnTo>
+                <a:lnTo>
+                  <a:pt x="693692" y="136806"/>
+                </a:lnTo>
+                <a:lnTo>
+                  <a:pt x="557380" y="136806"/>
+                </a:lnTo>
+                <a:lnTo>
+                  <a:pt x="557380" y="100817"/>
+                </a:lnTo>
+                <a:close/>
+                <a:moveTo>
+                  <a:pt x="1586861" y="306395"/>
+                </a:moveTo>
+                <a:lnTo>
+                  <a:pt x="1586861" y="341645"/>
+                </a:lnTo>
+                <a:cubicBezTo>
+                  <a:pt x="1575194" y="344931"/>
+                  <a:pt x="1562006" y="347602"/>
+                  <a:pt x="1547298" y="349656"/>
+                </a:cubicBezTo>
+                <a:lnTo>
+                  <a:pt x="1520513" y="351461"/>
+                </a:lnTo>
+                <a:lnTo>
+                  <a:pt x="1501512" y="341445"/>
+                </a:lnTo>
+                <a:cubicBezTo>
+                  <a:pt x="1494132" y="335008"/>
+                  <a:pt x="1488448" y="327021"/>
+                  <a:pt x="1484459" y="317484"/>
+                </a:cubicBezTo>
+                <a:lnTo>
+                  <a:pt x="1483638" y="313519"/>
+                </a:lnTo>
+                <a:lnTo>
+                  <a:pt x="1507736" y="316995"/>
+                </a:lnTo>
+                <a:cubicBezTo>
+                  <a:pt x="1514966" y="316995"/>
+                  <a:pt x="1522197" y="316707"/>
+                  <a:pt x="1529427" y="316132"/>
+                </a:cubicBezTo>
+                <a:cubicBezTo>
+                  <a:pt x="1536658" y="315557"/>
+                  <a:pt x="1543642" y="314776"/>
+                  <a:pt x="1550380" y="313790"/>
+                </a:cubicBezTo>
+                <a:cubicBezTo>
+                  <a:pt x="1557117" y="312804"/>
+                  <a:pt x="1563567" y="311695"/>
+                  <a:pt x="1569730" y="310463"/>
+                </a:cubicBezTo>
+                <a:cubicBezTo>
+                  <a:pt x="1575892" y="309231"/>
+                  <a:pt x="1581603" y="307874"/>
+                  <a:pt x="1586861" y="306395"/>
+                </a:cubicBezTo>
+                <a:close/>
+                <a:moveTo>
+                  <a:pt x="1021435" y="100817"/>
+                </a:moveTo>
+                <a:lnTo>
+                  <a:pt x="1021435" y="134341"/>
+                </a:lnTo>
+                <a:lnTo>
+                  <a:pt x="994322" y="169437"/>
+                </a:lnTo>
+                <a:lnTo>
+                  <a:pt x="942786" y="171881"/>
+                </a:lnTo>
+                <a:lnTo>
+                  <a:pt x="969917" y="136806"/>
+                </a:lnTo>
+                <a:lnTo>
+                  <a:pt x="833605" y="136806"/>
+                </a:lnTo>
+                <a:lnTo>
+                  <a:pt x="833604" y="100817"/>
+                </a:lnTo>
+                <a:close/>
+                <a:moveTo>
+                  <a:pt x="1566791" y="177699"/>
+                </a:moveTo>
+                <a:cubicBezTo>
+                  <a:pt x="1575173" y="181003"/>
+                  <a:pt x="1582270" y="185807"/>
+                  <a:pt x="1588080" y="192113"/>
+                </a:cubicBezTo>
+                <a:lnTo>
+                  <a:pt x="1600149" y="212921"/>
+                </a:lnTo>
+                <a:lnTo>
+                  <a:pt x="1599925" y="226777"/>
+                </a:lnTo>
+                <a:cubicBezTo>
+                  <a:pt x="1599761" y="230886"/>
+                  <a:pt x="1599515" y="234747"/>
+                  <a:pt x="1599186" y="238363"/>
+                </a:cubicBezTo>
+                <a:lnTo>
+                  <a:pt x="1478098" y="238363"/>
+                </a:lnTo>
+                <a:lnTo>
+                  <a:pt x="1480976" y="220636"/>
+                </a:lnTo>
+                <a:lnTo>
+                  <a:pt x="1488805" y="205332"/>
+                </a:lnTo>
+                <a:lnTo>
+                  <a:pt x="1555556" y="205332"/>
+                </a:lnTo>
+                <a:lnTo>
+                  <a:pt x="1552402" y="175610"/>
+                </a:lnTo>
+                <a:close/>
+                <a:moveTo>
+                  <a:pt x="1242021" y="92048"/>
+                </a:moveTo>
+                <a:lnTo>
+                  <a:pt x="1242603" y="104330"/>
+                </a:lnTo>
+                <a:lnTo>
+                  <a:pt x="1242603" y="312558"/>
+                </a:lnTo>
+                <a:lnTo>
+                  <a:pt x="1252479" y="312558"/>
+                </a:lnTo>
+                <a:lnTo>
+                  <a:pt x="1254174" y="348300"/>
+                </a:lnTo>
+                <a:lnTo>
+                  <a:pt x="1117876" y="348300"/>
+                </a:lnTo>
+                <a:lnTo>
+                  <a:pt x="1117876" y="312558"/>
+                </a:lnTo>
+                <a:lnTo>
+                  <a:pt x="1199220" y="312558"/>
+                </a:lnTo>
+                <a:lnTo>
+                  <a:pt x="1199220" y="94078"/>
+                </a:lnTo>
+                <a:close/>
+                <a:moveTo>
+                  <a:pt x="1538795" y="104515"/>
+                </a:moveTo>
+                <a:cubicBezTo>
+                  <a:pt x="1552105" y="109938"/>
+                  <a:pt x="1563321" y="117620"/>
+                  <a:pt x="1572441" y="127562"/>
+                </a:cubicBezTo>
+                <a:lnTo>
+                  <a:pt x="1582331" y="144870"/>
+                </a:lnTo>
+                <a:lnTo>
+                  <a:pt x="1538313" y="139195"/>
+                </a:lnTo>
+                <a:lnTo>
+                  <a:pt x="1527465" y="142101"/>
+                </a:lnTo>
+                <a:lnTo>
+                  <a:pt x="1519568" y="136190"/>
+                </a:lnTo>
+                <a:cubicBezTo>
+                  <a:pt x="1511351" y="132492"/>
+                  <a:pt x="1501820" y="130643"/>
+                  <a:pt x="1490974" y="130644"/>
+                </a:cubicBezTo>
+                <a:cubicBezTo>
+                  <a:pt x="1481607" y="130643"/>
+                  <a:pt x="1473062" y="132451"/>
+                  <a:pt x="1465338" y="136066"/>
+                </a:cubicBezTo>
+                <a:cubicBezTo>
+                  <a:pt x="1457615" y="139681"/>
+                  <a:pt x="1450959" y="144776"/>
+                  <a:pt x="1445372" y="151349"/>
+                </a:cubicBezTo>
+                <a:cubicBezTo>
+                  <a:pt x="1439785" y="157922"/>
+                  <a:pt x="1435266" y="165811"/>
+                  <a:pt x="1431815" y="175013"/>
+                </a:cubicBezTo>
+                <a:cubicBezTo>
+                  <a:pt x="1428364" y="184215"/>
+                  <a:pt x="1426227" y="194322"/>
+                  <a:pt x="1425406" y="205332"/>
+                </a:cubicBezTo>
+                <a:lnTo>
+                  <a:pt x="1445876" y="205332"/>
+                </a:lnTo>
+                <a:lnTo>
+                  <a:pt x="1437301" y="223324"/>
+                </a:lnTo>
+                <a:lnTo>
+                  <a:pt x="1435737" y="238362"/>
+                </a:lnTo>
+                <a:lnTo>
+                  <a:pt x="1425406" y="238363"/>
+                </a:lnTo>
+                <a:cubicBezTo>
+                  <a:pt x="1425406" y="251016"/>
+                  <a:pt x="1427173" y="262201"/>
+                  <a:pt x="1430706" y="271917"/>
+                </a:cubicBezTo>
+                <a:lnTo>
+                  <a:pt x="1432403" y="274558"/>
+                </a:lnTo>
+                <a:lnTo>
+                  <a:pt x="1441701" y="326513"/>
+                </a:lnTo>
+                <a:lnTo>
+                  <a:pt x="1452880" y="345060"/>
+                </a:lnTo>
+                <a:lnTo>
+                  <a:pt x="1446851" y="344110"/>
+                </a:lnTo>
+                <a:cubicBezTo>
+                  <a:pt x="1431568" y="338358"/>
+                  <a:pt x="1419038" y="330018"/>
+                  <a:pt x="1409260" y="319090"/>
+                </a:cubicBezTo>
+                <a:cubicBezTo>
+                  <a:pt x="1399482" y="308162"/>
+                  <a:pt x="1392252" y="294769"/>
+                  <a:pt x="1387569" y="278911"/>
+                </a:cubicBezTo>
+                <a:cubicBezTo>
+                  <a:pt x="1382885" y="263053"/>
+                  <a:pt x="1380543" y="245100"/>
+                  <a:pt x="1380544" y="225051"/>
+                </a:cubicBezTo>
+                <a:cubicBezTo>
+                  <a:pt x="1380544" y="207633"/>
+                  <a:pt x="1383050" y="191158"/>
+                  <a:pt x="1388062" y="175629"/>
+                </a:cubicBezTo>
+                <a:cubicBezTo>
+                  <a:pt x="1393074" y="160100"/>
+                  <a:pt x="1400387" y="146460"/>
+                  <a:pt x="1410000" y="134711"/>
+                </a:cubicBezTo>
+                <a:cubicBezTo>
+                  <a:pt x="1419613" y="122961"/>
+                  <a:pt x="1431404" y="113635"/>
+                  <a:pt x="1445372" y="106733"/>
+                </a:cubicBezTo>
+                <a:cubicBezTo>
+                  <a:pt x="1459340" y="99832"/>
+                  <a:pt x="1475198" y="96380"/>
+                  <a:pt x="1492946" y="96380"/>
+                </a:cubicBezTo>
+                <a:cubicBezTo>
+                  <a:pt x="1510201" y="96380"/>
+                  <a:pt x="1525483" y="99092"/>
+                  <a:pt x="1538795" y="104515"/>
+                </a:cubicBezTo>
+                <a:close/>
+                <a:moveTo>
+                  <a:pt x="1242603" y="1"/>
+                </a:moveTo>
+                <a:lnTo>
+                  <a:pt x="1242603" y="56731"/>
+                </a:lnTo>
+                <a:lnTo>
+                  <a:pt x="1199220" y="58789"/>
+                </a:lnTo>
+                <a:lnTo>
+                  <a:pt x="1199220" y="35249"/>
+                </a:lnTo>
+                <a:lnTo>
+                  <a:pt x="1126010" y="35249"/>
+                </a:lnTo>
+                <a:lnTo>
+                  <a:pt x="1126010" y="0"/>
+                </a:lnTo>
+                <a:close/>
+              </a:path>
+            </a:pathLst>
+          </a:custGeom>
+          <a:solidFill>
+            <a:srgbClr val="00CC00"/>
+          </a:solidFill>
+          <a:ln w="0">
+            <a:noFill/>
+          </a:ln>
+          <a:effectLst>
+            <a:outerShdw blurRad="38100" dist="25400" dir="5400000" algn="ctr" rotWithShape="0">
+              <a:schemeClr val="accent6">
+                <a:alpha val="43000"/>
+              </a:schemeClr>
+            </a:outerShdw>
+          </a:effectLst>
+        </p:spPr>
+        <p:txBody>
+          <a:bodyPr rot="0" spcFirstLastPara="0" vertOverflow="overflow" horzOverflow="overflow" vert="horz" wrap="square" lIns="91440" tIns="45720" rIns="91440" bIns="45720" numCol="1" spcCol="0" rtlCol="0" fromWordArt="0" anchor="t" anchorCtr="0" forceAA="0" compatLnSpc="1">
+            <a:prstTxWarp prst="textNoShape">
+              <a:avLst/>
+            </a:prstTxWarp>
+            <a:noAutofit/>
+          </a:bodyPr>
+          <a:lstStyle/>
+          <a:p>
+            <a:pPr algn="ctr"/>
+            <a:endParaRPr lang="pt-BR" sz="4000" dirty="0">
+              <a:ln w="0"/>
+              <a:solidFill>
+                <a:srgbClr val="00CC00"/>
+              </a:solidFill>
+              <a:effectLst>
+                <a:outerShdw blurRad="38100" dist="25400" dir="5400000" algn="ctr" rotWithShape="0">
+                  <a:schemeClr val="accent6">
+                    <a:alpha val="43000"/>
+                  </a:schemeClr>
+                </a:outerShdw>
+              </a:effectLst>
+              <a:latin typeface="Consolas" panose="020B0609020204030204" pitchFamily="49" charset="0"/>
+            </a:endParaRPr>
+          </a:p>
+        </p:txBody>
+      </p:sp>
+    </p:spTree>
+    <p:extLst>
+      <p:ext uri="{BB962C8B-B14F-4D97-AF65-F5344CB8AC3E}">
+        <p14:creationId xmlns:p14="http://schemas.microsoft.com/office/powerpoint/2010/main" val="2405204345"/>
+      </p:ext>
+    </p:extLst>
+  </p:cSld>
+  <p:clrMapOvr>
+    <a:masterClrMapping/>
+  </p:clrMapOvr>
+  <mc:AlternateContent xmlns:mc="http://schemas.openxmlformats.org/markup-compatibility/2006">
+    <mc:Choice xmlns:p14="http://schemas.microsoft.com/office/powerpoint/2010/main" Requires="p14">
+      <p:transition spd="slow" p14:dur="2000" advTm="0"/>
+    </mc:Choice>
+    <mc:Fallback>
+      <p:transition spd="slow" advTm="0"/>
+    </mc:Fallback>
+  </mc:AlternateContent>
+</p:sld>
+</file>
+
+<file path=ppt/slides/slide9.xml><?xml version="1.0" encoding="utf-8"?>
+<p:sld xmlns:a="http://schemas.openxmlformats.org/drawingml/2006/main" xmlns:r="http://schemas.openxmlformats.org/officeDocument/2006/relationships" xmlns:p="http://schemas.openxmlformats.org/presentationml/2006/main">
+  <p:cSld>
+    <p:spTree>
+      <p:nvGrpSpPr>
+        <p:cNvPr id="1" name=""/>
+        <p:cNvGrpSpPr/>
+        <p:nvPr/>
+      </p:nvGrpSpPr>
+      <p:grpSpPr>
+        <a:xfrm>
+          <a:off x="0" y="0"/>
+          <a:ext cx="0" cy="0"/>
+          <a:chOff x="0" y="0"/>
+          <a:chExt cx="0" cy="0"/>
+        </a:xfrm>
+      </p:grpSpPr>
+      <p:sp>
+        <p:nvSpPr>
+          <p:cNvPr id="4" name="Fundo">
+            <a:extLst>
+              <a:ext uri="{FF2B5EF4-FFF2-40B4-BE49-F238E27FC236}">
+                <a16:creationId xmlns:a16="http://schemas.microsoft.com/office/drawing/2014/main" id="{9B55D78D-62EC-4E80-81D7-505F7BFC2C3E}"/>
+              </a:ext>
+            </a:extLst>
+          </p:cNvPr>
+          <p:cNvSpPr/>
+          <p:nvPr/>
+        </p:nvSpPr>
+        <p:spPr>
+          <a:xfrm>
+            <a:off x="0" y="0"/>
+            <a:ext cx="12192000" cy="6854371"/>
+          </a:xfrm>
+          <a:prstGeom prst="rect">
+            <a:avLst/>
+          </a:prstGeom>
+          <a:gradFill flip="none" rotWithShape="1">
+            <a:gsLst>
+              <a:gs pos="0">
+                <a:schemeClr val="bg2">
+                  <a:lumMod val="25000"/>
+                </a:schemeClr>
+              </a:gs>
+              <a:gs pos="94000">
+                <a:schemeClr val="tx1">
+                  <a:lumMod val="95000"/>
+                  <a:lumOff val="5000"/>
+                </a:schemeClr>
+              </a:gs>
+            </a:gsLst>
+            <a:lin ang="2700000" scaled="1"/>
+            <a:tileRect/>
+          </a:gradFill>
+        </p:spPr>
+        <p:style>
+          <a:lnRef idx="2">
+            <a:schemeClr val="accent1">
+              <a:shade val="50000"/>
+            </a:schemeClr>
+          </a:lnRef>
+          <a:fillRef idx="1">
+            <a:schemeClr val="accent1"/>
+          </a:fillRef>
+          <a:effectRef idx="0">
+            <a:schemeClr val="accent1"/>
+          </a:effectRef>
+          <a:fontRef idx="minor">
+            <a:schemeClr val="lt1"/>
+          </a:fontRef>
+        </p:style>
+        <p:txBody>
+          <a:bodyPr rtlCol="0" anchor="ctr"/>
+          <a:lstStyle/>
+          <a:p>
+            <a:pPr algn="ctr"/>
+            <a:endParaRPr lang="pt-BR" dirty="0"/>
+          </a:p>
+        </p:txBody>
+      </p:sp>
+    </p:spTree>
+    <p:extLst>
+      <p:ext uri="{BB962C8B-B14F-4D97-AF65-F5344CB8AC3E}">
+        <p14:creationId xmlns:p14="http://schemas.microsoft.com/office/powerpoint/2010/main" val="3184876837"/>
+      </p:ext>
+    </p:extLst>
+  </p:cSld>
+  <p:clrMapOvr>
+    <a:masterClrMapping/>
+  </p:clrMapOvr>
+  <mc:AlternateContent xmlns:mc="http://schemas.openxmlformats.org/markup-compatibility/2006">
+    <mc:Choice xmlns:p14="http://schemas.microsoft.com/office/powerpoint/2010/main" Requires="p14">
+      <p:transition spd="slow" p14:dur="2000" advTm="0"/>
+    </mc:Choice>
+    <mc:Fallback>
+      <p:transition spd="slow" advTm="0"/>
+    </mc:Fallback>
+  </mc:AlternateContent>
 </p:sld>
 </file>
 

--- a/Apresentação.pptx
+++ b/Apresentação.pptx
@@ -38,7 +38,14 @@
     <p:sldId id="289" r:id="rId32"/>
     <p:sldId id="283" r:id="rId33"/>
     <p:sldId id="275" r:id="rId34"/>
-    <p:sldId id="291" r:id="rId35"/>
+    <p:sldId id="296" r:id="rId35"/>
+    <p:sldId id="297" r:id="rId36"/>
+    <p:sldId id="292" r:id="rId37"/>
+    <p:sldId id="293" r:id="rId38"/>
+    <p:sldId id="294" r:id="rId39"/>
+    <p:sldId id="295" r:id="rId40"/>
+    <p:sldId id="298" r:id="rId41"/>
+    <p:sldId id="299" r:id="rId42"/>
   </p:sldIdLst>
   <p:sldSz cx="12192000" cy="6858000"/>
   <p:notesSz cx="6858000" cy="9144000"/>
@@ -139,7 +146,18 @@
   </p:defaultTextStyle>
   <p:extLst>
     <p:ext uri="{EFAFB233-063F-42B5-8137-9DF3F51BA10A}">
-      <p15:sldGuideLst xmlns:p15="http://schemas.microsoft.com/office/powerpoint/2012/main"/>
+      <p15:sldGuideLst xmlns:p15="http://schemas.microsoft.com/office/powerpoint/2012/main">
+        <p15:guide id="1" orient="horz" pos="2160" userDrawn="1">
+          <p15:clr>
+            <a:srgbClr val="A4A3A4"/>
+          </p15:clr>
+        </p15:guide>
+        <p15:guide id="2" pos="3840" userDrawn="1">
+          <p15:clr>
+            <a:srgbClr val="A4A3A4"/>
+          </p15:clr>
+        </p15:guide>
+      </p15:sldGuideLst>
     </p:ext>
   </p:extLst>
 </p:presentation>
@@ -292,7 +310,7 @@
           <a:p>
             <a:fld id="{AC8D3769-05E3-4F8B-A913-731DA401BF75}" type="datetimeFigureOut">
               <a:rPr lang="pt-BR" smtClean="0"/>
-              <a:t>24/08/2018</a:t>
+              <a:t>30/08/2018</a:t>
             </a:fld>
             <a:endParaRPr lang="pt-BR"/>
           </a:p>
@@ -490,7 +508,7 @@
           <a:p>
             <a:fld id="{AC8D3769-05E3-4F8B-A913-731DA401BF75}" type="datetimeFigureOut">
               <a:rPr lang="pt-BR" smtClean="0"/>
-              <a:t>24/08/2018</a:t>
+              <a:t>30/08/2018</a:t>
             </a:fld>
             <a:endParaRPr lang="pt-BR"/>
           </a:p>
@@ -698,7 +716,7 @@
           <a:p>
             <a:fld id="{AC8D3769-05E3-4F8B-A913-731DA401BF75}" type="datetimeFigureOut">
               <a:rPr lang="pt-BR" smtClean="0"/>
-              <a:t>24/08/2018</a:t>
+              <a:t>30/08/2018</a:t>
             </a:fld>
             <a:endParaRPr lang="pt-BR"/>
           </a:p>
@@ -896,7 +914,7 @@
           <a:p>
             <a:fld id="{AC8D3769-05E3-4F8B-A913-731DA401BF75}" type="datetimeFigureOut">
               <a:rPr lang="pt-BR" smtClean="0"/>
-              <a:t>24/08/2018</a:t>
+              <a:t>30/08/2018</a:t>
             </a:fld>
             <a:endParaRPr lang="pt-BR"/>
           </a:p>
@@ -1171,7 +1189,7 @@
           <a:p>
             <a:fld id="{AC8D3769-05E3-4F8B-A913-731DA401BF75}" type="datetimeFigureOut">
               <a:rPr lang="pt-BR" smtClean="0"/>
-              <a:t>24/08/2018</a:t>
+              <a:t>30/08/2018</a:t>
             </a:fld>
             <a:endParaRPr lang="pt-BR"/>
           </a:p>
@@ -1436,7 +1454,7 @@
           <a:p>
             <a:fld id="{AC8D3769-05E3-4F8B-A913-731DA401BF75}" type="datetimeFigureOut">
               <a:rPr lang="pt-BR" smtClean="0"/>
-              <a:t>24/08/2018</a:t>
+              <a:t>30/08/2018</a:t>
             </a:fld>
             <a:endParaRPr lang="pt-BR"/>
           </a:p>
@@ -1848,7 +1866,7 @@
           <a:p>
             <a:fld id="{AC8D3769-05E3-4F8B-A913-731DA401BF75}" type="datetimeFigureOut">
               <a:rPr lang="pt-BR" smtClean="0"/>
-              <a:t>24/08/2018</a:t>
+              <a:t>30/08/2018</a:t>
             </a:fld>
             <a:endParaRPr lang="pt-BR"/>
           </a:p>
@@ -1989,7 +2007,7 @@
           <a:p>
             <a:fld id="{AC8D3769-05E3-4F8B-A913-731DA401BF75}" type="datetimeFigureOut">
               <a:rPr lang="pt-BR" smtClean="0"/>
-              <a:t>24/08/2018</a:t>
+              <a:t>30/08/2018</a:t>
             </a:fld>
             <a:endParaRPr lang="pt-BR"/>
           </a:p>
@@ -2102,7 +2120,7 @@
           <a:p>
             <a:fld id="{AC8D3769-05E3-4F8B-A913-731DA401BF75}" type="datetimeFigureOut">
               <a:rPr lang="pt-BR" smtClean="0"/>
-              <a:t>24/08/2018</a:t>
+              <a:t>30/08/2018</a:t>
             </a:fld>
             <a:endParaRPr lang="pt-BR"/>
           </a:p>
@@ -2413,7 +2431,7 @@
           <a:p>
             <a:fld id="{AC8D3769-05E3-4F8B-A913-731DA401BF75}" type="datetimeFigureOut">
               <a:rPr lang="pt-BR" smtClean="0"/>
-              <a:t>24/08/2018</a:t>
+              <a:t>30/08/2018</a:t>
             </a:fld>
             <a:endParaRPr lang="pt-BR"/>
           </a:p>
@@ -2701,7 +2719,7 @@
           <a:p>
             <a:fld id="{AC8D3769-05E3-4F8B-A913-731DA401BF75}" type="datetimeFigureOut">
               <a:rPr lang="pt-BR" smtClean="0"/>
-              <a:t>24/08/2018</a:t>
+              <a:t>30/08/2018</a:t>
             </a:fld>
             <a:endParaRPr lang="pt-BR"/>
           </a:p>
@@ -2942,7 +2960,7 @@
           <a:p>
             <a:fld id="{AC8D3769-05E3-4F8B-A913-731DA401BF75}" type="datetimeFigureOut">
               <a:rPr lang="pt-BR" smtClean="0"/>
-              <a:t>24/08/2018</a:t>
+              <a:t>30/08/2018</a:t>
             </a:fld>
             <a:endParaRPr lang="pt-BR"/>
           </a:p>
@@ -3543,6 +3561,13 @@
             <a:avLst/>
           </a:prstGeom>
           <a:noFill/>
+          <a:effectLst>
+            <a:outerShdw blurRad="50800" dist="38100" dir="2700000" algn="tl" rotWithShape="0">
+              <a:prstClr val="black">
+                <a:alpha val="40000"/>
+              </a:prstClr>
+            </a:outerShdw>
+          </a:effectLst>
         </p:spPr>
         <p:txBody>
           <a:bodyPr wrap="square" rtlCol="0">
@@ -3611,6 +3636,13 @@
             <a:avLst/>
           </a:prstGeom>
           <a:noFill/>
+          <a:effectLst>
+            <a:outerShdw blurRad="50800" dist="38100" dir="2700000" algn="tl" rotWithShape="0">
+              <a:prstClr val="black">
+                <a:alpha val="40000"/>
+              </a:prstClr>
+            </a:outerShdw>
+          </a:effectLst>
         </p:spPr>
         <p:txBody>
           <a:bodyPr wrap="square" rtlCol="0">
@@ -3661,6 +3693,13 @@
             <a:avLst/>
           </a:prstGeom>
           <a:noFill/>
+          <a:effectLst>
+            <a:outerShdw blurRad="50800" dist="38100" dir="2700000" algn="tl" rotWithShape="0">
+              <a:prstClr val="black">
+                <a:alpha val="40000"/>
+              </a:prstClr>
+            </a:outerShdw>
+          </a:effectLst>
         </p:spPr>
         <p:txBody>
           <a:bodyPr wrap="square" rtlCol="0">
@@ -3719,6 +3758,13 @@
             <a:prstDash val="lgDash"/>
             <a:round/>
           </a:ln>
+          <a:effectLst>
+            <a:outerShdw blurRad="50800" dist="38100" dir="2700000" algn="tl" rotWithShape="0">
+              <a:prstClr val="black">
+                <a:alpha val="40000"/>
+              </a:prstClr>
+            </a:outerShdw>
+          </a:effectLst>
         </p:spPr>
         <p:style>
           <a:lnRef idx="1">
@@ -3766,6 +3812,13 @@
             <a:prstDash val="lgDash"/>
             <a:round/>
           </a:ln>
+          <a:effectLst>
+            <a:outerShdw blurRad="50800" dist="38100" dir="2700000" algn="tl" rotWithShape="0">
+              <a:prstClr val="black">
+                <a:alpha val="40000"/>
+              </a:prstClr>
+            </a:outerShdw>
+          </a:effectLst>
         </p:spPr>
         <p:style>
           <a:lnRef idx="1">
@@ -3813,6 +3866,13 @@
             <a:prstDash val="lgDash"/>
             <a:round/>
           </a:ln>
+          <a:effectLst>
+            <a:outerShdw blurRad="50800" dist="38100" dir="2700000" algn="tl" rotWithShape="0">
+              <a:prstClr val="black">
+                <a:alpha val="40000"/>
+              </a:prstClr>
+            </a:outerShdw>
+          </a:effectLst>
         </p:spPr>
         <p:style>
           <a:lnRef idx="1">
@@ -9514,6 +9574,7 @@
           <a:ln>
             <a:noFill/>
           </a:ln>
+          <a:effectLst/>
         </p:spPr>
         <p:style>
           <a:lnRef idx="2">
@@ -9921,6 +9982,13 @@
             <a:avLst/>
           </a:prstGeom>
           <a:noFill/>
+          <a:effectLst>
+            <a:outerShdw blurRad="50800" dist="38100" dir="2700000" algn="tl" rotWithShape="0">
+              <a:prstClr val="black">
+                <a:alpha val="40000"/>
+              </a:prstClr>
+            </a:outerShdw>
+          </a:effectLst>
         </p:spPr>
         <p:txBody>
           <a:bodyPr wrap="square" rtlCol="0">
@@ -9971,6 +10039,13 @@
             </a:solidFill>
             <a:prstDash val="lgDash"/>
           </a:ln>
+          <a:effectLst>
+            <a:outerShdw blurRad="50800" dist="38100" dir="2700000" algn="tl" rotWithShape="0">
+              <a:prstClr val="black">
+                <a:alpha val="40000"/>
+              </a:prstClr>
+            </a:outerShdw>
+          </a:effectLst>
         </p:spPr>
         <p:style>
           <a:lnRef idx="1">
@@ -10017,6 +10092,13 @@
             </a:solidFill>
             <a:prstDash val="lgDash"/>
           </a:ln>
+          <a:effectLst>
+            <a:outerShdw blurRad="50800" dist="38100" dir="2700000" algn="tl" rotWithShape="0">
+              <a:prstClr val="black">
+                <a:alpha val="40000"/>
+              </a:prstClr>
+            </a:outerShdw>
+          </a:effectLst>
         </p:spPr>
         <p:style>
           <a:lnRef idx="1">
@@ -10063,6 +10145,13 @@
             </a:solidFill>
             <a:prstDash val="lgDash"/>
           </a:ln>
+          <a:effectLst>
+            <a:outerShdw blurRad="50800" dist="38100" dir="2700000" algn="tl" rotWithShape="0">
+              <a:prstClr val="black">
+                <a:alpha val="40000"/>
+              </a:prstClr>
+            </a:outerShdw>
+          </a:effectLst>
         </p:spPr>
         <p:style>
           <a:lnRef idx="1">
@@ -10109,6 +10198,13 @@
             </a:solidFill>
             <a:prstDash val="lgDash"/>
           </a:ln>
+          <a:effectLst>
+            <a:outerShdw blurRad="50800" dist="38100" dir="2700000" algn="tl" rotWithShape="0">
+              <a:prstClr val="black">
+                <a:alpha val="40000"/>
+              </a:prstClr>
+            </a:outerShdw>
+          </a:effectLst>
         </p:spPr>
         <p:style>
           <a:lnRef idx="1">
@@ -10155,6 +10251,13 @@
             </a:solidFill>
             <a:prstDash val="lgDash"/>
           </a:ln>
+          <a:effectLst>
+            <a:outerShdw blurRad="50800" dist="38100" dir="2700000" algn="tl" rotWithShape="0">
+              <a:prstClr val="black">
+                <a:alpha val="40000"/>
+              </a:prstClr>
+            </a:outerShdw>
+          </a:effectLst>
         </p:spPr>
         <p:style>
           <a:lnRef idx="1">
@@ -10201,6 +10304,13 @@
             </a:solidFill>
             <a:prstDash val="lgDash"/>
           </a:ln>
+          <a:effectLst>
+            <a:outerShdw blurRad="50800" dist="38100" dir="2700000" algn="tl" rotWithShape="0">
+              <a:prstClr val="black">
+                <a:alpha val="40000"/>
+              </a:prstClr>
+            </a:outerShdw>
+          </a:effectLst>
         </p:spPr>
         <p:style>
           <a:lnRef idx="1">
@@ -10247,6 +10357,13 @@
             </a:solidFill>
             <a:prstDash val="lgDash"/>
           </a:ln>
+          <a:effectLst>
+            <a:outerShdw blurRad="50800" dist="38100" dir="2700000" algn="tl" rotWithShape="0">
+              <a:prstClr val="black">
+                <a:alpha val="40000"/>
+              </a:prstClr>
+            </a:outerShdw>
+          </a:effectLst>
         </p:spPr>
         <p:style>
           <a:lnRef idx="1">
@@ -10644,6 +10761,13 @@
               </a:schemeClr>
             </a:solidFill>
           </a:ln>
+          <a:effectLst>
+            <a:outerShdw blurRad="50800" dist="38100" dir="2700000" algn="tl" rotWithShape="0">
+              <a:prstClr val="black">
+                <a:alpha val="40000"/>
+              </a:prstClr>
+            </a:outerShdw>
+          </a:effectLst>
         </p:spPr>
         <p:style>
           <a:lnRef idx="2">
@@ -10702,6 +10826,13 @@
               </a:schemeClr>
             </a:solidFill>
           </a:ln>
+          <a:effectLst>
+            <a:outerShdw blurRad="50800" dist="38100" dir="2700000" algn="tl" rotWithShape="0">
+              <a:prstClr val="black">
+                <a:alpha val="40000"/>
+              </a:prstClr>
+            </a:outerShdw>
+          </a:effectLst>
         </p:spPr>
         <p:style>
           <a:lnRef idx="2">
@@ -10760,6 +10891,13 @@
               </a:schemeClr>
             </a:solidFill>
           </a:ln>
+          <a:effectLst>
+            <a:outerShdw blurRad="50800" dist="38100" dir="2700000" algn="tl" rotWithShape="0">
+              <a:prstClr val="black">
+                <a:alpha val="40000"/>
+              </a:prstClr>
+            </a:outerShdw>
+          </a:effectLst>
         </p:spPr>
         <p:style>
           <a:lnRef idx="2">
@@ -10818,6 +10956,13 @@
               </a:schemeClr>
             </a:solidFill>
           </a:ln>
+          <a:effectLst>
+            <a:outerShdw blurRad="50800" dist="38100" dir="2700000" algn="tl" rotWithShape="0">
+              <a:prstClr val="black">
+                <a:alpha val="40000"/>
+              </a:prstClr>
+            </a:outerShdw>
+          </a:effectLst>
         </p:spPr>
         <p:style>
           <a:lnRef idx="2">
@@ -19481,10 +19626,10 @@
       </p:sp>
       <p:sp>
         <p:nvSpPr>
-          <p:cNvPr id="16" name="FundoFake">
+          <p:cNvPr id="18" name="FundoFake">
             <a:extLst>
               <a:ext uri="{FF2B5EF4-FFF2-40B4-BE49-F238E27FC236}">
-                <a16:creationId xmlns:a16="http://schemas.microsoft.com/office/drawing/2014/main" id="{BF26B02E-A4D7-4514-9717-DE5E0E1B70FB}"/>
+                <a16:creationId xmlns:a16="http://schemas.microsoft.com/office/drawing/2014/main" id="{79D04D6B-F44C-4378-B223-462F55A66D79}"/>
               </a:ext>
             </a:extLst>
           </p:cNvPr>
@@ -19505,16 +19650,22 @@
               <a:gd name="connsiteY1" fmla="*/ 6530996 h 6854371"/>
               <a:gd name="connsiteX2" fmla="*/ 11841086 w 12192000"/>
               <a:gd name="connsiteY2" fmla="*/ 6530996 h 6854371"/>
-              <a:gd name="connsiteX3" fmla="*/ 0 w 12192000"/>
-              <a:gd name="connsiteY3" fmla="*/ 0 h 6854371"/>
-              <a:gd name="connsiteX4" fmla="*/ 9124785 w 12192000"/>
-              <a:gd name="connsiteY4" fmla="*/ 0 h 6854371"/>
-              <a:gd name="connsiteX5" fmla="*/ 12192000 w 12192000"/>
-              <a:gd name="connsiteY5" fmla="*/ 3067215 h 6854371"/>
-              <a:gd name="connsiteX6" fmla="*/ 12192000 w 12192000"/>
-              <a:gd name="connsiteY6" fmla="*/ 6854371 h 6854371"/>
-              <a:gd name="connsiteX7" fmla="*/ 0 w 12192000"/>
-              <a:gd name="connsiteY7" fmla="*/ 6854371 h 6854371"/>
+              <a:gd name="connsiteX3" fmla="*/ 341855 w 12192000"/>
+              <a:gd name="connsiteY3" fmla="*/ 265518 h 6854371"/>
+              <a:gd name="connsiteX4" fmla="*/ 341855 w 12192000"/>
+              <a:gd name="connsiteY4" fmla="*/ 1105546 h 6854371"/>
+              <a:gd name="connsiteX5" fmla="*/ 1066017 w 12192000"/>
+              <a:gd name="connsiteY5" fmla="*/ 685532 h 6854371"/>
+              <a:gd name="connsiteX6" fmla="*/ 0 w 12192000"/>
+              <a:gd name="connsiteY6" fmla="*/ 0 h 6854371"/>
+              <a:gd name="connsiteX7" fmla="*/ 9124785 w 12192000"/>
+              <a:gd name="connsiteY7" fmla="*/ 0 h 6854371"/>
+              <a:gd name="connsiteX8" fmla="*/ 12192000 w 12192000"/>
+              <a:gd name="connsiteY8" fmla="*/ 3067215 h 6854371"/>
+              <a:gd name="connsiteX9" fmla="*/ 12192000 w 12192000"/>
+              <a:gd name="connsiteY9" fmla="*/ 6854371 h 6854371"/>
+              <a:gd name="connsiteX10" fmla="*/ 0 w 12192000"/>
+              <a:gd name="connsiteY10" fmla="*/ 6854371 h 6854371"/>
             </a:gdLst>
             <a:ahLst/>
             <a:cxnLst>
@@ -19541,6 +19692,15 @@
               </a:cxn>
               <a:cxn ang="0">
                 <a:pos x="connsiteX7" y="connsiteY7"/>
+              </a:cxn>
+              <a:cxn ang="0">
+                <a:pos x="connsiteX8" y="connsiteY8"/>
+              </a:cxn>
+              <a:cxn ang="0">
+                <a:pos x="connsiteX9" y="connsiteY9"/>
+              </a:cxn>
+              <a:cxn ang="0">
+                <a:pos x="connsiteX10" y="connsiteY10"/>
               </a:cxn>
             </a:cxnLst>
             <a:rect l="l" t="t" r="r" b="b"/>
@@ -19554,6 +19714,16 @@
                 </a:lnTo>
                 <a:lnTo>
                   <a:pt x="11841086" y="6530996"/>
+                </a:lnTo>
+                <a:close/>
+                <a:moveTo>
+                  <a:pt x="341855" y="265518"/>
+                </a:moveTo>
+                <a:lnTo>
+                  <a:pt x="341855" y="1105546"/>
+                </a:lnTo>
+                <a:lnTo>
+                  <a:pt x="1066017" y="685532"/>
                 </a:lnTo>
                 <a:close/>
                 <a:moveTo>
@@ -19619,70 +19789,10 @@
           <a:lstStyle/>
           <a:p>
             <a:pPr algn="ctr"/>
-            <a:endParaRPr lang="pt-BR" u="sng" dirty="0"/>
+            <a:endParaRPr lang="pt-BR" dirty="0"/>
           </a:p>
         </p:txBody>
       </p:sp>
-      <p:pic>
-        <p:nvPicPr>
-          <p:cNvPr id="2" name="Imagem 1">
-            <a:extLst>
-              <a:ext uri="{FF2B5EF4-FFF2-40B4-BE49-F238E27FC236}">
-                <a16:creationId xmlns:a16="http://schemas.microsoft.com/office/drawing/2014/main" id="{5034AE3C-95F5-412A-8CA2-3FF0CF0F5B16}"/>
-              </a:ext>
-            </a:extLst>
-          </p:cNvPr>
-          <p:cNvPicPr>
-            <a:picLocks noChangeAspect="1"/>
-          </p:cNvPicPr>
-          <p:nvPr/>
-        </p:nvPicPr>
-        <p:blipFill>
-          <a:blip r:embed="rId2"/>
-          <a:stretch>
-            <a:fillRect/>
-          </a:stretch>
-        </p:blipFill>
-        <p:spPr>
-          <a:xfrm>
-            <a:off x="4114800" y="4260264"/>
-            <a:ext cx="3962400" cy="1114425"/>
-          </a:xfrm>
-          <a:prstGeom prst="rect">
-            <a:avLst/>
-          </a:prstGeom>
-        </p:spPr>
-      </p:pic>
-      <p:pic>
-        <p:nvPicPr>
-          <p:cNvPr id="3" name="Imagem 2">
-            <a:extLst>
-              <a:ext uri="{FF2B5EF4-FFF2-40B4-BE49-F238E27FC236}">
-                <a16:creationId xmlns:a16="http://schemas.microsoft.com/office/drawing/2014/main" id="{14757E94-8B89-440D-AF35-093C5BF011D9}"/>
-              </a:ext>
-            </a:extLst>
-          </p:cNvPr>
-          <p:cNvPicPr>
-            <a:picLocks noChangeAspect="1"/>
-          </p:cNvPicPr>
-          <p:nvPr/>
-        </p:nvPicPr>
-        <p:blipFill>
-          <a:blip r:embed="rId3"/>
-          <a:stretch>
-            <a:fillRect/>
-          </a:stretch>
-        </p:blipFill>
-        <p:spPr>
-          <a:xfrm>
-            <a:off x="3886200" y="755064"/>
-            <a:ext cx="4419600" cy="3505200"/>
-          </a:xfrm>
-          <a:prstGeom prst="rect">
-            <a:avLst/>
-          </a:prstGeom>
-        </p:spPr>
-      </p:pic>
       <p:cxnSp>
         <p:nvCxnSpPr>
           <p:cNvPr id="7" name="Conector reto 6">
@@ -19711,6 +19821,13 @@
             </a:solidFill>
             <a:prstDash val="lgDash"/>
           </a:ln>
+          <a:effectLst>
+            <a:outerShdw blurRad="50800" dist="38100" dir="2700000" algn="tl" rotWithShape="0">
+              <a:prstClr val="black">
+                <a:alpha val="40000"/>
+              </a:prstClr>
+            </a:outerShdw>
+          </a:effectLst>
         </p:spPr>
         <p:style>
           <a:lnRef idx="1">
@@ -19748,6 +19865,13 @@
             <a:avLst/>
           </a:prstGeom>
           <a:noFill/>
+          <a:effectLst>
+            <a:outerShdw blurRad="50800" dist="38100" dir="2700000" algn="tl" rotWithShape="0">
+              <a:prstClr val="black">
+                <a:alpha val="40000"/>
+              </a:prstClr>
+            </a:outerShdw>
+          </a:effectLst>
         </p:spPr>
         <p:txBody>
           <a:bodyPr wrap="square" rtlCol="0">
@@ -19800,6 +19924,13 @@
             <a:avLst/>
           </a:prstGeom>
           <a:noFill/>
+          <a:effectLst>
+            <a:outerShdw blurRad="50800" dist="38100" dir="2700000" algn="tl" rotWithShape="0">
+              <a:prstClr val="black">
+                <a:alpha val="40000"/>
+              </a:prstClr>
+            </a:outerShdw>
+          </a:effectLst>
         </p:spPr>
         <p:txBody>
           <a:bodyPr wrap="square" rtlCol="0">
@@ -19852,6 +19983,13 @@
             <a:avLst/>
           </a:prstGeom>
           <a:noFill/>
+          <a:effectLst>
+            <a:outerShdw blurRad="50800" dist="38100" dir="2700000" algn="tl" rotWithShape="0">
+              <a:prstClr val="black">
+                <a:alpha val="40000"/>
+              </a:prstClr>
+            </a:outerShdw>
+          </a:effectLst>
         </p:spPr>
         <p:txBody>
           <a:bodyPr wrap="square" rtlCol="0">
@@ -19904,6 +20042,13 @@
             <a:avLst/>
           </a:prstGeom>
           <a:noFill/>
+          <a:effectLst>
+            <a:outerShdw blurRad="50800" dist="38100" dir="2700000" algn="tl" rotWithShape="0">
+              <a:prstClr val="black">
+                <a:alpha val="40000"/>
+              </a:prstClr>
+            </a:outerShdw>
+          </a:effectLst>
         </p:spPr>
         <p:txBody>
           <a:bodyPr wrap="square" rtlCol="0">
@@ -19956,6 +20101,13 @@
             <a:avLst/>
           </a:prstGeom>
           <a:noFill/>
+          <a:effectLst>
+            <a:outerShdw blurRad="50800" dist="38100" dir="2700000" algn="tl" rotWithShape="0">
+              <a:prstClr val="black">
+                <a:alpha val="40000"/>
+              </a:prstClr>
+            </a:outerShdw>
+          </a:effectLst>
         </p:spPr>
         <p:txBody>
           <a:bodyPr wrap="square" rtlCol="0">
@@ -20011,6 +20163,13 @@
               </a:schemeClr>
             </a:solidFill>
           </a:ln>
+          <a:effectLst>
+            <a:outerShdw blurRad="50800" dist="38100" dir="2700000" algn="tl" rotWithShape="0">
+              <a:prstClr val="black">
+                <a:alpha val="40000"/>
+              </a:prstClr>
+            </a:outerShdw>
+          </a:effectLst>
         </p:spPr>
         <p:style>
           <a:lnRef idx="2">
@@ -20069,6 +20228,13 @@
               </a:schemeClr>
             </a:solidFill>
           </a:ln>
+          <a:effectLst>
+            <a:outerShdw blurRad="50800" dist="38100" dir="2700000" algn="tl" rotWithShape="0">
+              <a:prstClr val="black">
+                <a:alpha val="40000"/>
+              </a:prstClr>
+            </a:outerShdw>
+          </a:effectLst>
         </p:spPr>
         <p:style>
           <a:lnRef idx="2">
@@ -20095,6 +20261,219 @@
           </a:p>
         </p:txBody>
       </p:sp>
+      <p:pic>
+        <p:nvPicPr>
+          <p:cNvPr id="1028" name="Picture 4" descr="https://cdn.discordapp.com/attachments/307246776547540992/483428058221641740/o_cucao_ta_de_pika_dura_uhuuuuuuuuuuuuuuuuuuuuu.png">
+            <a:extLst>
+              <a:ext uri="{FF2B5EF4-FFF2-40B4-BE49-F238E27FC236}">
+                <a16:creationId xmlns:a16="http://schemas.microsoft.com/office/drawing/2014/main" id="{26234F8B-CB3E-4062-9153-4D8FB99B4B9B}"/>
+              </a:ext>
+            </a:extLst>
+          </p:cNvPr>
+          <p:cNvPicPr>
+            <a:picLocks noChangeAspect="1" noChangeArrowheads="1"/>
+          </p:cNvPicPr>
+          <p:nvPr/>
+        </p:nvPicPr>
+        <p:blipFill>
+          <a:blip r:embed="rId2">
+            <a:extLst>
+              <a:ext uri="{28A0092B-C50C-407E-A947-70E740481C1C}">
+                <a14:useLocalDpi xmlns:a14="http://schemas.microsoft.com/office/drawing/2010/main" val="0"/>
+              </a:ext>
+            </a:extLst>
+          </a:blip>
+          <a:srcRect/>
+          <a:stretch>
+            <a:fillRect/>
+          </a:stretch>
+        </p:blipFill>
+        <p:spPr bwMode="auto">
+          <a:xfrm>
+            <a:off x="3901811" y="710585"/>
+            <a:ext cx="4388378" cy="3351753"/>
+          </a:xfrm>
+          <a:prstGeom prst="rect">
+            <a:avLst/>
+          </a:prstGeom>
+          <a:noFill/>
+          <a:effectLst>
+            <a:outerShdw blurRad="50800" dist="38100" dir="2700000" algn="tl" rotWithShape="0">
+              <a:prstClr val="black">
+                <a:alpha val="40000"/>
+              </a:prstClr>
+            </a:outerShdw>
+          </a:effectLst>
+          <a:extLst>
+            <a:ext uri="{909E8E84-426E-40DD-AFC4-6F175D3DCCD1}">
+              <a14:hiddenFill xmlns:a14="http://schemas.microsoft.com/office/drawing/2010/main">
+                <a:solidFill>
+                  <a:srgbClr val="FFFFFF"/>
+                </a:solidFill>
+              </a14:hiddenFill>
+            </a:ext>
+          </a:extLst>
+        </p:spPr>
+      </p:pic>
+      <p:pic>
+        <p:nvPicPr>
+          <p:cNvPr id="2" name="Imagem 1">
+            <a:extLst>
+              <a:ext uri="{FF2B5EF4-FFF2-40B4-BE49-F238E27FC236}">
+                <a16:creationId xmlns:a16="http://schemas.microsoft.com/office/drawing/2014/main" id="{5034AE3C-95F5-412A-8CA2-3FF0CF0F5B16}"/>
+              </a:ext>
+            </a:extLst>
+          </p:cNvPr>
+          <p:cNvPicPr>
+            <a:picLocks noChangeAspect="1"/>
+          </p:cNvPicPr>
+          <p:nvPr/>
+        </p:nvPicPr>
+        <p:blipFill>
+          <a:blip r:embed="rId3"/>
+          <a:stretch>
+            <a:fillRect/>
+          </a:stretch>
+        </p:blipFill>
+        <p:spPr>
+          <a:xfrm>
+            <a:off x="4114800" y="4260264"/>
+            <a:ext cx="3962400" cy="1114425"/>
+          </a:xfrm>
+          <a:prstGeom prst="rect">
+            <a:avLst/>
+          </a:prstGeom>
+        </p:spPr>
+      </p:pic>
+      <p:pic>
+        <p:nvPicPr>
+          <p:cNvPr id="5" name="Imagem 4" descr="Uma imagem contendo kit de primeiros socorros, objeto, texto, sinal&#10;&#10;Descrição gerada com muito alta confiança">
+            <a:extLst>
+              <a:ext uri="{FF2B5EF4-FFF2-40B4-BE49-F238E27FC236}">
+                <a16:creationId xmlns:a16="http://schemas.microsoft.com/office/drawing/2014/main" id="{27471F8F-95DB-429B-B6E0-2BFE53F30AB1}"/>
+              </a:ext>
+            </a:extLst>
+          </p:cNvPr>
+          <p:cNvPicPr>
+            <a:picLocks noChangeAspect="1"/>
+          </p:cNvPicPr>
+          <p:nvPr/>
+        </p:nvPicPr>
+        <p:blipFill>
+          <a:blip r:embed="rId4">
+            <a:extLst>
+              <a:ext uri="{28A0092B-C50C-407E-A947-70E740481C1C}">
+                <a14:useLocalDpi xmlns:a14="http://schemas.microsoft.com/office/drawing/2010/main" val="0"/>
+              </a:ext>
+            </a:extLst>
+          </a:blip>
+          <a:stretch>
+            <a:fillRect/>
+          </a:stretch>
+        </p:blipFill>
+        <p:spPr>
+          <a:xfrm>
+            <a:off x="6715951" y="2529504"/>
+            <a:ext cx="2790826" cy="1635250"/>
+          </a:xfrm>
+          <a:prstGeom prst="rect">
+            <a:avLst/>
+          </a:prstGeom>
+          <a:effectLst>
+            <a:outerShdw blurRad="50800" dist="38100" dir="2700000" algn="tl" rotWithShape="0">
+              <a:prstClr val="black">
+                <a:alpha val="40000"/>
+              </a:prstClr>
+            </a:outerShdw>
+          </a:effectLst>
+        </p:spPr>
+      </p:pic>
+      <p:pic>
+        <p:nvPicPr>
+          <p:cNvPr id="13" name="Imagem 12" descr="Uma imagem contendo sinal, parar, ao ar livre, céu&#10;&#10;Descrição gerada com muito alta confiança">
+            <a:extLst>
+              <a:ext uri="{FF2B5EF4-FFF2-40B4-BE49-F238E27FC236}">
+                <a16:creationId xmlns:a16="http://schemas.microsoft.com/office/drawing/2014/main" id="{57AB5290-BECC-45E8-9265-6CBEC6F6B99D}"/>
+              </a:ext>
+            </a:extLst>
+          </p:cNvPr>
+          <p:cNvPicPr>
+            <a:picLocks noChangeAspect="1"/>
+          </p:cNvPicPr>
+          <p:nvPr/>
+        </p:nvPicPr>
+        <p:blipFill>
+          <a:blip r:embed="rId5">
+            <a:extLst>
+              <a:ext uri="{28A0092B-C50C-407E-A947-70E740481C1C}">
+                <a14:useLocalDpi xmlns:a14="http://schemas.microsoft.com/office/drawing/2010/main" val="0"/>
+              </a:ext>
+            </a:extLst>
+          </a:blip>
+          <a:stretch>
+            <a:fillRect/>
+          </a:stretch>
+        </p:blipFill>
+        <p:spPr>
+          <a:xfrm>
+            <a:off x="7218396" y="408229"/>
+            <a:ext cx="1785937" cy="1714500"/>
+          </a:xfrm>
+          <a:prstGeom prst="rect">
+            <a:avLst/>
+          </a:prstGeom>
+          <a:effectLst>
+            <a:outerShdw blurRad="50800" dist="38100" dir="2700000" algn="tl" rotWithShape="0">
+              <a:prstClr val="black">
+                <a:alpha val="40000"/>
+              </a:prstClr>
+            </a:outerShdw>
+          </a:effectLst>
+        </p:spPr>
+      </p:pic>
+      <p:pic>
+        <p:nvPicPr>
+          <p:cNvPr id="22" name="Imagem 21">
+            <a:extLst>
+              <a:ext uri="{FF2B5EF4-FFF2-40B4-BE49-F238E27FC236}">
+                <a16:creationId xmlns:a16="http://schemas.microsoft.com/office/drawing/2014/main" id="{75A6321B-4C7C-43D3-BB57-3462E7C1EAAA}"/>
+              </a:ext>
+            </a:extLst>
+          </p:cNvPr>
+          <p:cNvPicPr>
+            <a:picLocks noChangeAspect="1"/>
+          </p:cNvPicPr>
+          <p:nvPr/>
+        </p:nvPicPr>
+        <p:blipFill>
+          <a:blip r:embed="rId6">
+            <a:extLst>
+              <a:ext uri="{28A0092B-C50C-407E-A947-70E740481C1C}">
+                <a14:useLocalDpi xmlns:a14="http://schemas.microsoft.com/office/drawing/2010/main" val="0"/>
+              </a:ext>
+            </a:extLst>
+          </a:blip>
+          <a:stretch>
+            <a:fillRect/>
+          </a:stretch>
+        </p:blipFill>
+        <p:spPr>
+          <a:xfrm>
+            <a:off x="7144574" y="4493281"/>
+            <a:ext cx="1933580" cy="1933580"/>
+          </a:xfrm>
+          <a:prstGeom prst="rect">
+            <a:avLst/>
+          </a:prstGeom>
+          <a:effectLst>
+            <a:outerShdw blurRad="50800" dist="38100" dir="2700000" algn="tl" rotWithShape="0">
+              <a:prstClr val="black">
+                <a:alpha val="40000"/>
+              </a:prstClr>
+            </a:outerShdw>
+          </a:effectLst>
+        </p:spPr>
+      </p:pic>
     </p:spTree>
     <p:extLst>
       <p:ext uri="{BB962C8B-B14F-4D97-AF65-F5344CB8AC3E}">
@@ -20173,7 +20552,7 @@
                             </p:stCondLst>
                             <p:childTnLst>
                               <p:par>
-                                <p:cTn id="9" presetID="4" presetClass="entr" presetSubtype="32" fill="hold" nodeType="afterEffect">
+                                <p:cTn id="9" presetID="8" presetClass="entr" presetSubtype="32" fill="hold" nodeType="afterEffect">
                                   <p:stCondLst>
                                     <p:cond delay="0"/>
                                   </p:stCondLst>
@@ -20186,7 +20565,7 @@
                                           </p:stCondLst>
                                         </p:cTn>
                                         <p:tgtEl>
-                                          <p:spTgt spid="3"/>
+                                          <p:spTgt spid="1028"/>
                                         </p:tgtEl>
                                         <p:attrNameLst>
                                           <p:attrName>style.visibility</p:attrName>
@@ -20196,11 +20575,11 @@
                                         <p:strVal val="visible"/>
                                       </p:to>
                                     </p:set>
-                                    <p:animEffect transition="in" filter="box(out)">
+                                    <p:animEffect transition="in" filter="diamond(out)">
                                       <p:cBhvr>
-                                        <p:cTn id="11" dur="2000"/>
+                                        <p:cTn id="11" dur="1750"/>
                                         <p:tgtEl>
-                                          <p:spTgt spid="3"/>
+                                          <p:spTgt spid="1028"/>
                                         </p:tgtEl>
                                       </p:cBhvr>
                                     </p:animEffect>
@@ -20213,20 +20592,20 @@
                         <p:par>
                           <p:cTn id="12" fill="hold">
                             <p:stCondLst>
-                              <p:cond delay="3000"/>
+                              <p:cond delay="2750"/>
                             </p:stCondLst>
                             <p:childTnLst>
                               <p:par>
                                 <p:cTn id="13" presetID="35" presetClass="path" presetSubtype="0" accel="50000" decel="50000" fill="hold" nodeType="afterEffect">
                                   <p:stCondLst>
-                                    <p:cond delay="250"/>
+                                    <p:cond delay="0"/>
                                   </p:stCondLst>
                                   <p:childTnLst>
-                                    <p:animMotion origin="layout" path="M 0 -7.40741E-7 L -0.27969 -7.40741E-7 " pathEditMode="relative" rAng="0" ptsTypes="AA">
+                                    <p:animMotion origin="layout" path="M 0 3.7037E-6 L -0.27969 3.7037E-6 " pathEditMode="relative" rAng="0" ptsTypes="AA">
                                       <p:cBhvr>
                                         <p:cTn id="14" dur="2000" fill="hold"/>
                                         <p:tgtEl>
-                                          <p:spTgt spid="3"/>
+                                          <p:spTgt spid="2"/>
                                         </p:tgtEl>
                                         <p:attrNameLst>
                                           <p:attrName>ppt_x</p:attrName>
@@ -20241,21 +20620,21 @@
                               <p:par>
                                 <p:cTn id="15" presetID="35" presetClass="path" presetSubtype="0" accel="50000" decel="50000" fill="hold" nodeType="withEffect">
                                   <p:stCondLst>
-                                    <p:cond delay="250"/>
+                                    <p:cond delay="0"/>
                                   </p:stCondLst>
                                   <p:childTnLst>
-                                    <p:animMotion origin="layout" path="M 0 3.7037E-6 L -0.27969 3.7037E-6 " pathEditMode="relative" rAng="0" ptsTypes="AA">
+                                    <p:animMotion origin="layout" path="M 0 3.33333E-6 L -0.28503 3.33333E-6 " pathEditMode="relative" rAng="0" ptsTypes="AA">
                                       <p:cBhvr>
                                         <p:cTn id="16" dur="2000" fill="hold"/>
                                         <p:tgtEl>
-                                          <p:spTgt spid="2"/>
+                                          <p:spTgt spid="1028"/>
                                         </p:tgtEl>
                                         <p:attrNameLst>
                                           <p:attrName>ppt_x</p:attrName>
                                           <p:attrName>ppt_y</p:attrName>
                                         </p:attrNameLst>
                                       </p:cBhvr>
-                                      <p:rCtr x="-13984" y="0"/>
+                                      <p:rCtr x="-14258" y="0"/>
                                     </p:animMotion>
                                   </p:childTnLst>
                                 </p:cTn>
@@ -20266,7 +20645,7 @@
                         <p:par>
                           <p:cTn id="17" fill="hold">
                             <p:stCondLst>
-                              <p:cond delay="5250"/>
+                              <p:cond delay="4750"/>
                             </p:stCondLst>
                             <p:childTnLst>
                               <p:par>
@@ -20310,7 +20689,7 @@
                         <p:par>
                           <p:cTn id="21" fill="hold">
                             <p:stCondLst>
-                              <p:cond delay="5750"/>
+                              <p:cond delay="5250"/>
                             </p:stCondLst>
                             <p:childTnLst>
                               <p:par>
@@ -20643,7 +21022,7 @@
                         <p:par>
                           <p:cTn id="50" fill="hold">
                             <p:stCondLst>
-                              <p:cond delay="7000"/>
+                              <p:cond delay="6500"/>
                             </p:stCondLst>
                             <p:childTnLst>
                               <p:par>
@@ -20696,6 +21075,313 @@
                       </p:childTnLst>
                     </p:cTn>
                   </p:par>
+                  <p:par>
+                    <p:cTn id="55" fill="hold">
+                      <p:stCondLst>
+                        <p:cond delay="indefinite"/>
+                      </p:stCondLst>
+                      <p:childTnLst>
+                        <p:par>
+                          <p:cTn id="56" fill="hold">
+                            <p:stCondLst>
+                              <p:cond delay="0"/>
+                            </p:stCondLst>
+                            <p:childTnLst>
+                              <p:par>
+                                <p:cTn id="57" presetID="10" presetClass="exit" presetSubtype="0" fill="hold" grpId="1" nodeType="clickEffect">
+                                  <p:stCondLst>
+                                    <p:cond delay="0"/>
+                                  </p:stCondLst>
+                                  <p:childTnLst>
+                                    <p:animEffect transition="out" filter="fade">
+                                      <p:cBhvr>
+                                        <p:cTn id="58" dur="500"/>
+                                        <p:tgtEl>
+                                          <p:spTgt spid="8"/>
+                                        </p:tgtEl>
+                                      </p:cBhvr>
+                                    </p:animEffect>
+                                    <p:set>
+                                      <p:cBhvr>
+                                        <p:cTn id="59" dur="1" fill="hold">
+                                          <p:stCondLst>
+                                            <p:cond delay="499"/>
+                                          </p:stCondLst>
+                                        </p:cTn>
+                                        <p:tgtEl>
+                                          <p:spTgt spid="8"/>
+                                        </p:tgtEl>
+                                        <p:attrNameLst>
+                                          <p:attrName>style.visibility</p:attrName>
+                                        </p:attrNameLst>
+                                      </p:cBhvr>
+                                      <p:to>
+                                        <p:strVal val="hidden"/>
+                                      </p:to>
+                                    </p:set>
+                                  </p:childTnLst>
+                                </p:cTn>
+                              </p:par>
+                              <p:par>
+                                <p:cTn id="60" presetID="10" presetClass="exit" presetSubtype="0" fill="hold" grpId="1" nodeType="withEffect">
+                                  <p:stCondLst>
+                                    <p:cond delay="0"/>
+                                  </p:stCondLst>
+                                  <p:childTnLst>
+                                    <p:animEffect transition="out" filter="fade">
+                                      <p:cBhvr>
+                                        <p:cTn id="61" dur="500"/>
+                                        <p:tgtEl>
+                                          <p:spTgt spid="9"/>
+                                        </p:tgtEl>
+                                      </p:cBhvr>
+                                    </p:animEffect>
+                                    <p:set>
+                                      <p:cBhvr>
+                                        <p:cTn id="62" dur="1" fill="hold">
+                                          <p:stCondLst>
+                                            <p:cond delay="499"/>
+                                          </p:stCondLst>
+                                        </p:cTn>
+                                        <p:tgtEl>
+                                          <p:spTgt spid="9"/>
+                                        </p:tgtEl>
+                                        <p:attrNameLst>
+                                          <p:attrName>style.visibility</p:attrName>
+                                        </p:attrNameLst>
+                                      </p:cBhvr>
+                                      <p:to>
+                                        <p:strVal val="hidden"/>
+                                      </p:to>
+                                    </p:set>
+                                  </p:childTnLst>
+                                </p:cTn>
+                              </p:par>
+                              <p:par>
+                                <p:cTn id="63" presetID="10" presetClass="exit" presetSubtype="0" fill="hold" grpId="1" nodeType="withEffect">
+                                  <p:stCondLst>
+                                    <p:cond delay="0"/>
+                                  </p:stCondLst>
+                                  <p:childTnLst>
+                                    <p:animEffect transition="out" filter="fade">
+                                      <p:cBhvr>
+                                        <p:cTn id="64" dur="500"/>
+                                        <p:tgtEl>
+                                          <p:spTgt spid="10"/>
+                                        </p:tgtEl>
+                                      </p:cBhvr>
+                                    </p:animEffect>
+                                    <p:set>
+                                      <p:cBhvr>
+                                        <p:cTn id="65" dur="1" fill="hold">
+                                          <p:stCondLst>
+                                            <p:cond delay="499"/>
+                                          </p:stCondLst>
+                                        </p:cTn>
+                                        <p:tgtEl>
+                                          <p:spTgt spid="10"/>
+                                        </p:tgtEl>
+                                        <p:attrNameLst>
+                                          <p:attrName>style.visibility</p:attrName>
+                                        </p:attrNameLst>
+                                      </p:cBhvr>
+                                      <p:to>
+                                        <p:strVal val="hidden"/>
+                                      </p:to>
+                                    </p:set>
+                                  </p:childTnLst>
+                                </p:cTn>
+                              </p:par>
+                              <p:par>
+                                <p:cTn id="66" presetID="10" presetClass="exit" presetSubtype="0" fill="hold" grpId="1" nodeType="withEffect">
+                                  <p:stCondLst>
+                                    <p:cond delay="0"/>
+                                  </p:stCondLst>
+                                  <p:childTnLst>
+                                    <p:animEffect transition="out" filter="fade">
+                                      <p:cBhvr>
+                                        <p:cTn id="67" dur="500"/>
+                                        <p:tgtEl>
+                                          <p:spTgt spid="29"/>
+                                        </p:tgtEl>
+                                      </p:cBhvr>
+                                    </p:animEffect>
+                                    <p:set>
+                                      <p:cBhvr>
+                                        <p:cTn id="68" dur="1" fill="hold">
+                                          <p:stCondLst>
+                                            <p:cond delay="499"/>
+                                          </p:stCondLst>
+                                        </p:cTn>
+                                        <p:tgtEl>
+                                          <p:spTgt spid="29"/>
+                                        </p:tgtEl>
+                                        <p:attrNameLst>
+                                          <p:attrName>style.visibility</p:attrName>
+                                        </p:attrNameLst>
+                                      </p:cBhvr>
+                                      <p:to>
+                                        <p:strVal val="hidden"/>
+                                      </p:to>
+                                    </p:set>
+                                  </p:childTnLst>
+                                </p:cTn>
+                              </p:par>
+                              <p:par>
+                                <p:cTn id="69" presetID="10" presetClass="exit" presetSubtype="0" fill="hold" grpId="1" nodeType="withEffect">
+                                  <p:stCondLst>
+                                    <p:cond delay="0"/>
+                                  </p:stCondLst>
+                                  <p:childTnLst>
+                                    <p:animEffect transition="out" filter="fade">
+                                      <p:cBhvr>
+                                        <p:cTn id="70" dur="500"/>
+                                        <p:tgtEl>
+                                          <p:spTgt spid="30"/>
+                                        </p:tgtEl>
+                                      </p:cBhvr>
+                                    </p:animEffect>
+                                    <p:set>
+                                      <p:cBhvr>
+                                        <p:cTn id="71" dur="1" fill="hold">
+                                          <p:stCondLst>
+                                            <p:cond delay="499"/>
+                                          </p:stCondLst>
+                                        </p:cTn>
+                                        <p:tgtEl>
+                                          <p:spTgt spid="30"/>
+                                        </p:tgtEl>
+                                        <p:attrNameLst>
+                                          <p:attrName>style.visibility</p:attrName>
+                                        </p:attrNameLst>
+                                      </p:cBhvr>
+                                      <p:to>
+                                        <p:strVal val="hidden"/>
+                                      </p:to>
+                                    </p:set>
+                                  </p:childTnLst>
+                                </p:cTn>
+                              </p:par>
+                            </p:childTnLst>
+                          </p:cTn>
+                        </p:par>
+                        <p:par>
+                          <p:cTn id="72" fill="hold">
+                            <p:stCondLst>
+                              <p:cond delay="500"/>
+                            </p:stCondLst>
+                            <p:childTnLst>
+                              <p:par>
+                                <p:cTn id="73" presetID="10" presetClass="entr" presetSubtype="0" fill="hold" nodeType="afterEffect">
+                                  <p:stCondLst>
+                                    <p:cond delay="0"/>
+                                  </p:stCondLst>
+                                  <p:childTnLst>
+                                    <p:set>
+                                      <p:cBhvr>
+                                        <p:cTn id="74" dur="1" fill="hold">
+                                          <p:stCondLst>
+                                            <p:cond delay="0"/>
+                                          </p:stCondLst>
+                                        </p:cTn>
+                                        <p:tgtEl>
+                                          <p:spTgt spid="13"/>
+                                        </p:tgtEl>
+                                        <p:attrNameLst>
+                                          <p:attrName>style.visibility</p:attrName>
+                                        </p:attrNameLst>
+                                      </p:cBhvr>
+                                      <p:to>
+                                        <p:strVal val="visible"/>
+                                      </p:to>
+                                    </p:set>
+                                    <p:animEffect transition="in" filter="fade">
+                                      <p:cBhvr>
+                                        <p:cTn id="75" dur="500"/>
+                                        <p:tgtEl>
+                                          <p:spTgt spid="13"/>
+                                        </p:tgtEl>
+                                      </p:cBhvr>
+                                    </p:animEffect>
+                                  </p:childTnLst>
+                                </p:cTn>
+                              </p:par>
+                              <p:par>
+                                <p:cTn id="76" presetID="10" presetClass="entr" presetSubtype="0" fill="hold" nodeType="withEffect">
+                                  <p:stCondLst>
+                                    <p:cond delay="250"/>
+                                  </p:stCondLst>
+                                  <p:childTnLst>
+                                    <p:set>
+                                      <p:cBhvr>
+                                        <p:cTn id="77" dur="1" fill="hold">
+                                          <p:stCondLst>
+                                            <p:cond delay="0"/>
+                                          </p:stCondLst>
+                                        </p:cTn>
+                                        <p:tgtEl>
+                                          <p:spTgt spid="5"/>
+                                        </p:tgtEl>
+                                        <p:attrNameLst>
+                                          <p:attrName>style.visibility</p:attrName>
+                                        </p:attrNameLst>
+                                      </p:cBhvr>
+                                      <p:to>
+                                        <p:strVal val="visible"/>
+                                      </p:to>
+                                    </p:set>
+                                    <p:animEffect transition="in" filter="fade">
+                                      <p:cBhvr>
+                                        <p:cTn id="78" dur="500"/>
+                                        <p:tgtEl>
+                                          <p:spTgt spid="5"/>
+                                        </p:tgtEl>
+                                      </p:cBhvr>
+                                    </p:animEffect>
+                                  </p:childTnLst>
+                                </p:cTn>
+                              </p:par>
+                              <p:par>
+                                <p:cTn id="79" presetID="10" presetClass="entr" presetSubtype="0" fill="hold" nodeType="withEffect">
+                                  <p:stCondLst>
+                                    <p:cond delay="500"/>
+                                  </p:stCondLst>
+                                  <p:childTnLst>
+                                    <p:set>
+                                      <p:cBhvr>
+                                        <p:cTn id="80" dur="1" fill="hold">
+                                          <p:stCondLst>
+                                            <p:cond delay="0"/>
+                                          </p:stCondLst>
+                                        </p:cTn>
+                                        <p:tgtEl>
+                                          <p:spTgt spid="22"/>
+                                        </p:tgtEl>
+                                        <p:attrNameLst>
+                                          <p:attrName>style.visibility</p:attrName>
+                                        </p:attrNameLst>
+                                      </p:cBhvr>
+                                      <p:to>
+                                        <p:strVal val="visible"/>
+                                      </p:to>
+                                    </p:set>
+                                    <p:animEffect transition="in" filter="fade">
+                                      <p:cBhvr>
+                                        <p:cTn id="81" dur="500"/>
+                                        <p:tgtEl>
+                                          <p:spTgt spid="22"/>
+                                        </p:tgtEl>
+                                      </p:cBhvr>
+                                    </p:animEffect>
+                                  </p:childTnLst>
+                                </p:cTn>
+                              </p:par>
+                            </p:childTnLst>
+                          </p:cTn>
+                        </p:par>
+                      </p:childTnLst>
+                    </p:cTn>
+                  </p:par>
                 </p:childTnLst>
               </p:cTn>
               <p:prevCondLst>
@@ -20720,10 +21406,15 @@
     <p:bldLst>
       <p:bldP spid="28" grpId="0" animBg="1"/>
       <p:bldP spid="8" grpId="0"/>
+      <p:bldP spid="8" grpId="1"/>
       <p:bldP spid="9" grpId="0"/>
+      <p:bldP spid="9" grpId="1"/>
       <p:bldP spid="10" grpId="0"/>
+      <p:bldP spid="10" grpId="1"/>
       <p:bldP spid="29" grpId="0"/>
+      <p:bldP spid="29" grpId="1"/>
       <p:bldP spid="30" grpId="0"/>
+      <p:bldP spid="30" grpId="1"/>
       <p:bldP spid="15" grpId="0" animBg="1"/>
       <p:bldP spid="15" grpId="1" animBg="1"/>
       <p:bldP spid="15" grpId="2" animBg="1"/>
@@ -21040,6 +21731,13 @@
             <a:avLst/>
           </a:prstGeom>
           <a:noFill/>
+          <a:effectLst>
+            <a:outerShdw blurRad="50800" dist="38100" dir="2700000" algn="tl" rotWithShape="0">
+              <a:prstClr val="black">
+                <a:alpha val="40000"/>
+              </a:prstClr>
+            </a:outerShdw>
+          </a:effectLst>
         </p:spPr>
         <p:txBody>
           <a:bodyPr wrap="square" rtlCol="0">
@@ -21055,124 +21753,8 @@
                 </a:solidFill>
                 <a:latin typeface="Gill Sans MT" panose="020B0502020104020203" pitchFamily="34" charset="0"/>
               </a:rPr>
-              <a:t>Livraria Scrolls</a:t>
+              <a:t>Nosso Cliente</a:t>
             </a:r>
-          </a:p>
-        </p:txBody>
-      </p:sp>
-      <p:sp>
-        <p:nvSpPr>
-          <p:cNvPr id="14" name="TriG">
-            <a:extLst>
-              <a:ext uri="{FF2B5EF4-FFF2-40B4-BE49-F238E27FC236}">
-                <a16:creationId xmlns:a16="http://schemas.microsoft.com/office/drawing/2014/main" id="{800BDCFD-CF00-4A4E-AAF4-4242DAEA1EAC}"/>
-              </a:ext>
-            </a:extLst>
-          </p:cNvPr>
-          <p:cNvSpPr/>
-          <p:nvPr/>
-        </p:nvSpPr>
-        <p:spPr>
-          <a:xfrm>
-            <a:off x="10088186" y="5027133"/>
-            <a:ext cx="1752900" cy="1511121"/>
-          </a:xfrm>
-          <a:prstGeom prst="triangle">
-            <a:avLst/>
-          </a:prstGeom>
-          <a:solidFill>
-            <a:schemeClr val="bg1">
-              <a:alpha val="0"/>
-            </a:schemeClr>
-          </a:solidFill>
-          <a:ln w="50800">
-            <a:solidFill>
-              <a:schemeClr val="bg1">
-                <a:lumMod val="50000"/>
-              </a:schemeClr>
-            </a:solidFill>
-          </a:ln>
-        </p:spPr>
-        <p:style>
-          <a:lnRef idx="2">
-            <a:schemeClr val="accent1">
-              <a:shade val="50000"/>
-            </a:schemeClr>
-          </a:lnRef>
-          <a:fillRef idx="1">
-            <a:schemeClr val="accent1"/>
-          </a:fillRef>
-          <a:effectRef idx="0">
-            <a:schemeClr val="accent1"/>
-          </a:effectRef>
-          <a:fontRef idx="minor">
-            <a:schemeClr val="lt1"/>
-          </a:fontRef>
-        </p:style>
-        <p:txBody>
-          <a:bodyPr rtlCol="0" anchor="ctr"/>
-          <a:lstStyle/>
-          <a:p>
-            <a:pPr algn="ctr"/>
-            <a:endParaRPr lang="pt-BR" u="sng"/>
-          </a:p>
-        </p:txBody>
-      </p:sp>
-      <p:sp>
-        <p:nvSpPr>
-          <p:cNvPr id="15" name="TriPB">
-            <a:extLst>
-              <a:ext uri="{FF2B5EF4-FFF2-40B4-BE49-F238E27FC236}">
-                <a16:creationId xmlns:a16="http://schemas.microsoft.com/office/drawing/2014/main" id="{D23B4FEA-0F88-4F72-A6BA-40B5F096FE58}"/>
-              </a:ext>
-            </a:extLst>
-          </p:cNvPr>
-          <p:cNvSpPr/>
-          <p:nvPr/>
-        </p:nvSpPr>
-        <p:spPr>
-          <a:xfrm rot="10800000">
-            <a:off x="9688549" y="5123088"/>
-            <a:ext cx="765142" cy="659605"/>
-          </a:xfrm>
-          <a:prstGeom prst="triangle">
-            <a:avLst/>
-          </a:prstGeom>
-          <a:solidFill>
-            <a:schemeClr val="bg1">
-              <a:alpha val="0"/>
-            </a:schemeClr>
-          </a:solidFill>
-          <a:ln w="50800">
-            <a:solidFill>
-              <a:schemeClr val="bg1">
-                <a:lumMod val="50000"/>
-              </a:schemeClr>
-            </a:solidFill>
-          </a:ln>
-        </p:spPr>
-        <p:style>
-          <a:lnRef idx="2">
-            <a:schemeClr val="accent1">
-              <a:shade val="50000"/>
-            </a:schemeClr>
-          </a:lnRef>
-          <a:fillRef idx="1">
-            <a:schemeClr val="accent1"/>
-          </a:fillRef>
-          <a:effectRef idx="0">
-            <a:schemeClr val="accent1"/>
-          </a:effectRef>
-          <a:fontRef idx="minor">
-            <a:schemeClr val="lt1"/>
-          </a:fontRef>
-        </p:style>
-        <p:txBody>
-          <a:bodyPr rtlCol="0" anchor="ctr"/>
-          <a:lstStyle/>
-          <a:p>
-            <a:pPr algn="ctr"/>
-            <a:endParaRPr lang="pt-BR" u="sng"/>
           </a:p>
         </p:txBody>
       </p:sp>
@@ -21208,6 +21790,13 @@
               </a:schemeClr>
             </a:solidFill>
           </a:ln>
+          <a:effectLst>
+            <a:outerShdw blurRad="50800" dist="38100" dir="2700000" algn="tl" rotWithShape="0">
+              <a:prstClr val="black">
+                <a:alpha val="40000"/>
+              </a:prstClr>
+            </a:outerShdw>
+          </a:effectLst>
         </p:spPr>
         <p:style>
           <a:lnRef idx="2">
@@ -21266,6 +21855,13 @@
               </a:schemeClr>
             </a:solidFill>
           </a:ln>
+          <a:effectLst>
+            <a:outerShdw blurRad="50800" dist="38100" dir="2700000" algn="tl" rotWithShape="0">
+              <a:prstClr val="black">
+                <a:alpha val="40000"/>
+              </a:prstClr>
+            </a:outerShdw>
+          </a:effectLst>
         </p:spPr>
         <p:style>
           <a:lnRef idx="2">
@@ -21292,10 +21888,298 @@
           </a:p>
         </p:txBody>
       </p:sp>
+      <p:sp>
+        <p:nvSpPr>
+          <p:cNvPr id="2" name="CaixaDeTexto 1">
+            <a:extLst>
+              <a:ext uri="{FF2B5EF4-FFF2-40B4-BE49-F238E27FC236}">
+                <a16:creationId xmlns:a16="http://schemas.microsoft.com/office/drawing/2014/main" id="{3A798D64-CBB5-4B0F-8537-956A68E6AD63}"/>
+              </a:ext>
+            </a:extLst>
+          </p:cNvPr>
+          <p:cNvSpPr txBox="1"/>
+          <p:nvPr/>
+        </p:nvSpPr>
+        <p:spPr>
+          <a:xfrm>
+            <a:off x="602491" y="2693385"/>
+            <a:ext cx="2697933" cy="4093428"/>
+          </a:xfrm>
+          <a:prstGeom prst="rect">
+            <a:avLst/>
+          </a:prstGeom>
+          <a:noFill/>
+        </p:spPr>
+        <p:txBody>
+          <a:bodyPr wrap="square" rtlCol="0">
+            <a:spAutoFit/>
+          </a:bodyPr>
+          <a:lstStyle/>
+          <a:p>
+            <a:r>
+              <a:rPr lang="pt-BR" sz="2000" dirty="0">
+                <a:solidFill>
+                  <a:schemeClr val="accent6"/>
+                </a:solidFill>
+                <a:effectLst>
+                  <a:outerShdw blurRad="50800" dist="38100" dir="2700000" algn="tl" rotWithShape="0">
+                    <a:prstClr val="black">
+                      <a:alpha val="40000"/>
+                    </a:prstClr>
+                  </a:outerShdw>
+                </a:effectLst>
+                <a:latin typeface="Gill Sans MT" panose="020B0502020104020203" pitchFamily="34" charset="0"/>
+              </a:rPr>
+              <a:t>Situação inicial:</a:t>
+            </a:r>
+          </a:p>
+          <a:p>
+            <a:endParaRPr lang="pt-BR" sz="2000" dirty="0">
+              <a:solidFill>
+                <a:schemeClr val="bg1"/>
+              </a:solidFill>
+              <a:effectLst>
+                <a:outerShdw blurRad="50800" dist="38100" dir="2700000" algn="tl" rotWithShape="0">
+                  <a:prstClr val="black">
+                    <a:alpha val="40000"/>
+                  </a:prstClr>
+                </a:outerShdw>
+              </a:effectLst>
+              <a:latin typeface="Gill Sans MT" panose="020B0502020104020203" pitchFamily="34" charset="0"/>
+            </a:endParaRPr>
+          </a:p>
+          <a:p>
+            <a:pPr marL="342900" indent="-342900">
+              <a:buFontTx/>
+              <a:buChar char="-"/>
+            </a:pPr>
+            <a:r>
+              <a:rPr lang="pt-BR" sz="2000" dirty="0">
+                <a:solidFill>
+                  <a:schemeClr val="bg1"/>
+                </a:solidFill>
+                <a:effectLst>
+                  <a:outerShdw blurRad="50800" dist="38100" dir="2700000" algn="tl" rotWithShape="0">
+                    <a:prstClr val="black">
+                      <a:alpha val="40000"/>
+                    </a:prstClr>
+                  </a:outerShdw>
+                </a:effectLst>
+                <a:latin typeface="Gill Sans MT" panose="020B0502020104020203" pitchFamily="34" charset="0"/>
+              </a:rPr>
+              <a:t>Loja física</a:t>
+            </a:r>
+          </a:p>
+          <a:p>
+            <a:pPr marL="342900" indent="-342900">
+              <a:buFontTx/>
+              <a:buChar char="-"/>
+            </a:pPr>
+            <a:endParaRPr lang="pt-BR" sz="2000" dirty="0">
+              <a:solidFill>
+                <a:schemeClr val="bg1"/>
+              </a:solidFill>
+              <a:effectLst>
+                <a:outerShdw blurRad="50800" dist="38100" dir="2700000" algn="tl" rotWithShape="0">
+                  <a:prstClr val="black">
+                    <a:alpha val="40000"/>
+                  </a:prstClr>
+                </a:outerShdw>
+              </a:effectLst>
+              <a:latin typeface="Gill Sans MT" panose="020B0502020104020203" pitchFamily="34" charset="0"/>
+            </a:endParaRPr>
+          </a:p>
+          <a:p>
+            <a:pPr marL="342900" indent="-342900">
+              <a:buFontTx/>
+              <a:buChar char="-"/>
+            </a:pPr>
+            <a:r>
+              <a:rPr lang="pt-BR" sz="2000" dirty="0">
+                <a:solidFill>
+                  <a:schemeClr val="bg1"/>
+                </a:solidFill>
+                <a:effectLst>
+                  <a:outerShdw blurRad="50800" dist="38100" dir="2700000" algn="tl" rotWithShape="0">
+                    <a:prstClr val="black">
+                      <a:alpha val="40000"/>
+                    </a:prstClr>
+                  </a:outerShdw>
+                </a:effectLst>
+                <a:latin typeface="Gill Sans MT" panose="020B0502020104020203" pitchFamily="34" charset="0"/>
+              </a:rPr>
+              <a:t>Registros em papel</a:t>
+            </a:r>
+          </a:p>
+          <a:p>
+            <a:pPr marL="342900" indent="-342900">
+              <a:buFontTx/>
+              <a:buChar char="-"/>
+            </a:pPr>
+            <a:endParaRPr lang="pt-BR" sz="2000" dirty="0">
+              <a:solidFill>
+                <a:schemeClr val="bg1"/>
+              </a:solidFill>
+              <a:effectLst>
+                <a:outerShdw blurRad="50800" dist="38100" dir="2700000" algn="tl" rotWithShape="0">
+                  <a:prstClr val="black">
+                    <a:alpha val="40000"/>
+                  </a:prstClr>
+                </a:outerShdw>
+              </a:effectLst>
+              <a:latin typeface="Gill Sans MT" panose="020B0502020104020203" pitchFamily="34" charset="0"/>
+            </a:endParaRPr>
+          </a:p>
+          <a:p>
+            <a:pPr marL="342900" indent="-342900">
+              <a:buFontTx/>
+              <a:buChar char="-"/>
+            </a:pPr>
+            <a:r>
+              <a:rPr lang="pt-BR" sz="2000" dirty="0">
+                <a:solidFill>
+                  <a:schemeClr val="bg1"/>
+                </a:solidFill>
+                <a:effectLst>
+                  <a:outerShdw blurRad="50800" dist="38100" dir="2700000" algn="tl" rotWithShape="0">
+                    <a:prstClr val="black">
+                      <a:alpha val="40000"/>
+                    </a:prstClr>
+                  </a:outerShdw>
+                </a:effectLst>
+                <a:latin typeface="Gill Sans MT" panose="020B0502020104020203" pitchFamily="34" charset="0"/>
+              </a:rPr>
+              <a:t>Controle de funcionários manual</a:t>
+            </a:r>
+          </a:p>
+          <a:p>
+            <a:pPr marL="342900" indent="-342900">
+              <a:buFontTx/>
+              <a:buChar char="-"/>
+            </a:pPr>
+            <a:endParaRPr lang="pt-BR" sz="2000" dirty="0">
+              <a:solidFill>
+                <a:schemeClr val="bg1"/>
+              </a:solidFill>
+              <a:effectLst>
+                <a:outerShdw blurRad="50800" dist="38100" dir="2700000" algn="tl" rotWithShape="0">
+                  <a:prstClr val="black">
+                    <a:alpha val="40000"/>
+                  </a:prstClr>
+                </a:outerShdw>
+              </a:effectLst>
+              <a:latin typeface="Gill Sans MT" panose="020B0502020104020203" pitchFamily="34" charset="0"/>
+            </a:endParaRPr>
+          </a:p>
+          <a:p>
+            <a:pPr marL="342900" indent="-342900">
+              <a:buFontTx/>
+              <a:buChar char="-"/>
+            </a:pPr>
+            <a:r>
+              <a:rPr lang="pt-BR" sz="2000" dirty="0">
+                <a:solidFill>
+                  <a:schemeClr val="bg1"/>
+                </a:solidFill>
+                <a:effectLst>
+                  <a:outerShdw blurRad="50800" dist="38100" dir="2700000" algn="tl" rotWithShape="0">
+                    <a:prstClr val="black">
+                      <a:alpha val="40000"/>
+                    </a:prstClr>
+                  </a:outerShdw>
+                </a:effectLst>
+                <a:latin typeface="Gill Sans MT" panose="020B0502020104020203" pitchFamily="34" charset="0"/>
+              </a:rPr>
+              <a:t>Público abrangente pequeno</a:t>
+            </a:r>
+          </a:p>
+          <a:p>
+            <a:pPr marL="342900" indent="-342900">
+              <a:buFontTx/>
+              <a:buChar char="-"/>
+            </a:pPr>
+            <a:endParaRPr lang="pt-BR" sz="2000" dirty="0">
+              <a:solidFill>
+                <a:schemeClr val="bg1"/>
+              </a:solidFill>
+              <a:effectLst>
+                <a:outerShdw blurRad="50800" dist="38100" dir="2700000" algn="tl" rotWithShape="0">
+                  <a:prstClr val="black">
+                    <a:alpha val="40000"/>
+                  </a:prstClr>
+                </a:outerShdw>
+              </a:effectLst>
+              <a:latin typeface="Gill Sans MT" panose="020B0502020104020203" pitchFamily="34" charset="0"/>
+            </a:endParaRPr>
+          </a:p>
+          <a:p>
+            <a:pPr marL="342900" indent="-342900">
+              <a:buFontTx/>
+              <a:buChar char="-"/>
+            </a:pPr>
+            <a:endParaRPr lang="pt-BR" sz="2000" dirty="0">
+              <a:solidFill>
+                <a:schemeClr val="bg1"/>
+              </a:solidFill>
+              <a:effectLst>
+                <a:outerShdw blurRad="50800" dist="38100" dir="2700000" algn="tl" rotWithShape="0">
+                  <a:prstClr val="black">
+                    <a:alpha val="40000"/>
+                  </a:prstClr>
+                </a:outerShdw>
+              </a:effectLst>
+              <a:latin typeface="Gill Sans MT" panose="020B0502020104020203" pitchFamily="34" charset="0"/>
+            </a:endParaRPr>
+          </a:p>
+        </p:txBody>
+      </p:sp>
+      <p:pic>
+        <p:nvPicPr>
+          <p:cNvPr id="35" name="Imagem 34">
+            <a:extLst>
+              <a:ext uri="{FF2B5EF4-FFF2-40B4-BE49-F238E27FC236}">
+                <a16:creationId xmlns:a16="http://schemas.microsoft.com/office/drawing/2014/main" id="{D0E1B20F-FABC-49CF-A98C-50B57F77238A}"/>
+              </a:ext>
+            </a:extLst>
+          </p:cNvPr>
+          <p:cNvPicPr>
+            <a:picLocks noChangeAspect="1"/>
+          </p:cNvPicPr>
+          <p:nvPr/>
+        </p:nvPicPr>
+        <p:blipFill>
+          <a:blip r:embed="rId2">
+            <a:extLst>
+              <a:ext uri="{28A0092B-C50C-407E-A947-70E740481C1C}">
+                <a14:useLocalDpi xmlns:a14="http://schemas.microsoft.com/office/drawing/2010/main" val="0"/>
+              </a:ext>
+            </a:extLst>
+          </a:blip>
+          <a:stretch>
+            <a:fillRect/>
+          </a:stretch>
+        </p:blipFill>
+        <p:spPr>
+          <a:xfrm>
+            <a:off x="4705212" y="1555169"/>
+            <a:ext cx="2781576" cy="2543678"/>
+          </a:xfrm>
+          <a:prstGeom prst="rect">
+            <a:avLst/>
+          </a:prstGeom>
+          <a:effectLst>
+            <a:outerShdw blurRad="50800" dist="38100" dir="2700000" algn="tl" rotWithShape="0">
+              <a:prstClr val="black">
+                <a:alpha val="40000"/>
+              </a:prstClr>
+            </a:outerShdw>
+          </a:effectLst>
+        </p:spPr>
+      </p:pic>
     </p:spTree>
     <p:extLst>
       <p:ext uri="{BB962C8B-B14F-4D97-AF65-F5344CB8AC3E}">
-        <p14:creationId xmlns:p14="http://schemas.microsoft.com/office/powerpoint/2010/main" val="3507988167"/>
+        <p14:creationId xmlns:p14="http://schemas.microsoft.com/office/powerpoint/2010/main" val="1381838798"/>
       </p:ext>
     </p:extLst>
   </p:cSld>
@@ -21382,15 +22266,112 @@
                                   </p:childTnLst>
                                 </p:cTn>
                               </p:par>
+                            </p:childTnLst>
+                          </p:cTn>
+                        </p:par>
+                        <p:par>
+                          <p:cTn id="10" fill="hold">
+                            <p:stCondLst>
+                              <p:cond delay="1000"/>
+                            </p:stCondLst>
+                            <p:childTnLst>
                               <p:par>
-                                <p:cTn id="10" presetID="6" presetClass="entr" presetSubtype="32" fill="hold" grpId="0" nodeType="withEffect">
+                                <p:cTn id="11" presetID="16" presetClass="entr" presetSubtype="42" fill="hold" nodeType="afterEffect">
                                   <p:stCondLst>
                                     <p:cond delay="0"/>
                                   </p:stCondLst>
                                   <p:childTnLst>
                                     <p:set>
                                       <p:cBhvr>
-                                        <p:cTn id="11" dur="1" fill="hold">
+                                        <p:cTn id="12" dur="1" fill="hold">
+                                          <p:stCondLst>
+                                            <p:cond delay="0"/>
+                                          </p:stCondLst>
+                                        </p:cTn>
+                                        <p:tgtEl>
+                                          <p:spTgt spid="35"/>
+                                        </p:tgtEl>
+                                        <p:attrNameLst>
+                                          <p:attrName>style.visibility</p:attrName>
+                                        </p:attrNameLst>
+                                      </p:cBhvr>
+                                      <p:to>
+                                        <p:strVal val="visible"/>
+                                      </p:to>
+                                    </p:set>
+                                    <p:animEffect transition="in" filter="barn(outHorizontal)">
+                                      <p:cBhvr>
+                                        <p:cTn id="13" dur="750"/>
+                                        <p:tgtEl>
+                                          <p:spTgt spid="35"/>
+                                        </p:tgtEl>
+                                      </p:cBhvr>
+                                    </p:animEffect>
+                                  </p:childTnLst>
+                                </p:cTn>
+                              </p:par>
+                            </p:childTnLst>
+                          </p:cTn>
+                        </p:par>
+                        <p:par>
+                          <p:cTn id="14" fill="hold">
+                            <p:stCondLst>
+                              <p:cond delay="1750"/>
+                            </p:stCondLst>
+                            <p:childTnLst>
+                              <p:par>
+                                <p:cTn id="15" presetID="22" presetClass="entr" presetSubtype="8" fill="hold" grpId="0" nodeType="afterEffect">
+                                  <p:stCondLst>
+                                    <p:cond delay="0"/>
+                                  </p:stCondLst>
+                                  <p:childTnLst>
+                                    <p:set>
+                                      <p:cBhvr>
+                                        <p:cTn id="16" dur="1" fill="hold">
+                                          <p:stCondLst>
+                                            <p:cond delay="0"/>
+                                          </p:stCondLst>
+                                        </p:cTn>
+                                        <p:tgtEl>
+                                          <p:spTgt spid="2"/>
+                                        </p:tgtEl>
+                                        <p:attrNameLst>
+                                          <p:attrName>style.visibility</p:attrName>
+                                        </p:attrNameLst>
+                                      </p:cBhvr>
+                                      <p:to>
+                                        <p:strVal val="visible"/>
+                                      </p:to>
+                                    </p:set>
+                                    <p:animEffect transition="in" filter="wipe(left)">
+                                      <p:cBhvr>
+                                        <p:cTn id="17" dur="500"/>
+                                        <p:tgtEl>
+                                          <p:spTgt spid="2"/>
+                                        </p:tgtEl>
+                                      </p:cBhvr>
+                                    </p:animEffect>
+                                  </p:childTnLst>
+                                </p:cTn>
+                              </p:par>
+                            </p:childTnLst>
+                          </p:cTn>
+                        </p:par>
+                        <p:par>
+                          <p:cTn id="18" fill="hold">
+                            <p:stCondLst>
+                              <p:cond delay="2250"/>
+                            </p:stCondLst>
+                            <p:childTnLst>
+                              <p:par>
+                                <p:cTn id="19" presetID="6" presetClass="entr" presetSubtype="32" fill="hold" grpId="0" nodeType="afterEffect">
+                                  <p:stCondLst>
+                                    <p:cond delay="0"/>
+                                  </p:stCondLst>
+                                  <p:childTnLst>
+                                    <p:set>
+                                      <p:cBhvr>
+                                        <p:cTn id="20" dur="1" fill="hold">
                                           <p:stCondLst>
                                             <p:cond delay="0"/>
                                           </p:stCondLst>
@@ -21408,7 +22389,7 @@
                                     </p:set>
                                     <p:animEffect transition="in" filter="circle(out)">
                                       <p:cBhvr>
-                                        <p:cTn id="12" dur="500"/>
+                                        <p:cTn id="21" dur="500"/>
                                         <p:tgtEl>
                                           <p:spTgt spid="7"/>
                                         </p:tgtEl>
@@ -21418,128 +22399,14 @@
                                 </p:cTn>
                               </p:par>
                               <p:par>
-                                <p:cTn id="13" presetID="10" presetClass="entr" presetSubtype="0" fill="hold" grpId="0" nodeType="withEffect">
+                                <p:cTn id="22" presetID="10" presetClass="entr" presetSubtype="0" fill="hold" grpId="0" nodeType="withEffect">
                                   <p:stCondLst>
                                     <p:cond delay="0"/>
                                   </p:stCondLst>
                                   <p:childTnLst>
                                     <p:set>
                                       <p:cBhvr>
-                                        <p:cTn id="14" dur="1" fill="hold">
-                                          <p:stCondLst>
-                                            <p:cond delay="0"/>
-                                          </p:stCondLst>
-                                        </p:cTn>
-                                        <p:tgtEl>
-                                          <p:spTgt spid="15"/>
-                                        </p:tgtEl>
-                                        <p:attrNameLst>
-                                          <p:attrName>style.visibility</p:attrName>
-                                        </p:attrNameLst>
-                                      </p:cBhvr>
-                                      <p:to>
-                                        <p:strVal val="visible"/>
-                                      </p:to>
-                                    </p:set>
-                                    <p:animEffect transition="in" filter="fade">
-                                      <p:cBhvr>
-                                        <p:cTn id="15" dur="1250"/>
-                                        <p:tgtEl>
-                                          <p:spTgt spid="15"/>
-                                        </p:tgtEl>
-                                      </p:cBhvr>
-                                    </p:animEffect>
-                                  </p:childTnLst>
-                                </p:cTn>
-                              </p:par>
-                              <p:par>
-                                <p:cTn id="16" presetID="42" presetClass="path" presetSubtype="0" accel="50000" decel="50000" fill="hold" grpId="1" nodeType="withEffect">
-                                  <p:stCondLst>
-                                    <p:cond delay="0"/>
-                                  </p:stCondLst>
-                                  <p:childTnLst>
-                                    <p:animMotion origin="layout" path="M -1.66667E-6 -0.20995 L -1.66667E-6 1.11111E-6 " pathEditMode="fixed" rAng="0" ptsTypes="AA">
-                                      <p:cBhvr>
-                                        <p:cTn id="17" dur="1250" fill="hold"/>
-                                        <p:tgtEl>
-                                          <p:spTgt spid="15"/>
-                                        </p:tgtEl>
-                                        <p:attrNameLst>
-                                          <p:attrName>ppt_x</p:attrName>
-                                          <p:attrName>ppt_y</p:attrName>
-                                        </p:attrNameLst>
-                                      </p:cBhvr>
-                                      <p:rCtr x="0" y="10486"/>
-                                    </p:animMotion>
-                                  </p:childTnLst>
-                                </p:cTn>
-                              </p:par>
-                              <p:par>
-                                <p:cTn id="18" presetID="10" presetClass="entr" presetSubtype="0" fill="hold" grpId="0" nodeType="withEffect">
-                                  <p:stCondLst>
-                                    <p:cond delay="0"/>
-                                  </p:stCondLst>
-                                  <p:childTnLst>
-                                    <p:set>
-                                      <p:cBhvr>
-                                        <p:cTn id="19" dur="1" fill="hold">
-                                          <p:stCondLst>
-                                            <p:cond delay="0"/>
-                                          </p:stCondLst>
-                                        </p:cTn>
-                                        <p:tgtEl>
-                                          <p:spTgt spid="14"/>
-                                        </p:tgtEl>
-                                        <p:attrNameLst>
-                                          <p:attrName>style.visibility</p:attrName>
-                                        </p:attrNameLst>
-                                      </p:cBhvr>
-                                      <p:to>
-                                        <p:strVal val="visible"/>
-                                      </p:to>
-                                    </p:set>
-                                    <p:animEffect transition="in" filter="fade">
-                                      <p:cBhvr>
-                                        <p:cTn id="20" dur="1250"/>
-                                        <p:tgtEl>
-                                          <p:spTgt spid="14"/>
-                                        </p:tgtEl>
-                                      </p:cBhvr>
-                                    </p:animEffect>
-                                  </p:childTnLst>
-                                </p:cTn>
-                              </p:par>
-                              <p:par>
-                                <p:cTn id="21" presetID="64" presetClass="path" presetSubtype="0" accel="50000" decel="50000" fill="hold" grpId="1" nodeType="withEffect">
-                                  <p:stCondLst>
-                                    <p:cond delay="0"/>
-                                  </p:stCondLst>
-                                  <p:childTnLst>
-                                    <p:animMotion origin="layout" path="M 1.04167E-6 0.27824 L 1.04167E-6 2.96296E-6 " pathEditMode="fixed" rAng="0" ptsTypes="AA">
-                                      <p:cBhvr>
-                                        <p:cTn id="22" dur="1250" fill="hold"/>
-                                        <p:tgtEl>
-                                          <p:spTgt spid="14"/>
-                                        </p:tgtEl>
-                                        <p:attrNameLst>
-                                          <p:attrName>ppt_x</p:attrName>
-                                          <p:attrName>ppt_y</p:attrName>
-                                        </p:attrNameLst>
-                                      </p:cBhvr>
-                                      <p:rCtr x="0" y="-13912"/>
-                                    </p:animMotion>
-                                  </p:childTnLst>
-                                </p:cTn>
-                              </p:par>
-                              <p:par>
-                                <p:cTn id="23" presetID="10" presetClass="entr" presetSubtype="0" fill="hold" grpId="0" nodeType="withEffect">
-                                  <p:stCondLst>
-                                    <p:cond delay="0"/>
-                                  </p:stCondLst>
-                                  <p:childTnLst>
-                                    <p:set>
-                                      <p:cBhvr>
-                                        <p:cTn id="24" dur="1" fill="hold">
+                                        <p:cTn id="23" dur="1" fill="hold">
                                           <p:stCondLst>
                                             <p:cond delay="0"/>
                                           </p:stCondLst>
@@ -21557,7 +22424,7 @@
                                     </p:set>
                                     <p:animEffect transition="in" filter="fade">
                                       <p:cBhvr>
-                                        <p:cTn id="25" dur="1250"/>
+                                        <p:cTn id="24" dur="1250"/>
                                         <p:tgtEl>
                                           <p:spTgt spid="16"/>
                                         </p:tgtEl>
@@ -21567,14 +22434,14 @@
                                 </p:cTn>
                               </p:par>
                               <p:par>
-                                <p:cTn id="26" presetID="63" presetClass="path" presetSubtype="0" accel="50000" decel="50000" fill="hold" grpId="1" nodeType="withEffect">
+                                <p:cTn id="25" presetID="63" presetClass="path" presetSubtype="0" accel="50000" decel="50000" fill="hold" grpId="1" nodeType="withEffect">
                                   <p:stCondLst>
                                     <p:cond delay="0"/>
                                   </p:stCondLst>
                                   <p:childTnLst>
                                     <p:animMotion origin="layout" path="M -0.13372 -4.07407E-6 L 5E-6 -4.07407E-6 " pathEditMode="relative" rAng="0" ptsTypes="AA">
                                       <p:cBhvr>
-                                        <p:cTn id="27" dur="1250" fill="hold"/>
+                                        <p:cTn id="26" dur="1250" fill="hold"/>
                                         <p:tgtEl>
                                           <p:spTgt spid="16"/>
                                         </p:tgtEl>
@@ -21589,14 +22456,14 @@
                                 </p:cTn>
                               </p:par>
                               <p:par>
-                                <p:cTn id="28" presetID="10" presetClass="entr" presetSubtype="0" fill="hold" grpId="0" nodeType="withEffect">
+                                <p:cTn id="27" presetID="10" presetClass="entr" presetSubtype="0" fill="hold" grpId="0" nodeType="withEffect">
                                   <p:stCondLst>
                                     <p:cond delay="0"/>
                                   </p:stCondLst>
                                   <p:childTnLst>
                                     <p:set>
                                       <p:cBhvr>
-                                        <p:cTn id="29" dur="1" fill="hold">
+                                        <p:cTn id="28" dur="1" fill="hold">
                                           <p:stCondLst>
                                             <p:cond delay="0"/>
                                           </p:stCondLst>
@@ -21614,7 +22481,7 @@
                                     </p:set>
                                     <p:animEffect transition="in" filter="fade">
                                       <p:cBhvr>
-                                        <p:cTn id="30" dur="1250"/>
+                                        <p:cTn id="29" dur="1250"/>
                                         <p:tgtEl>
                                           <p:spTgt spid="17"/>
                                         </p:tgtEl>
@@ -21624,14 +22491,14 @@
                                 </p:cTn>
                               </p:par>
                               <p:par>
-                                <p:cTn id="31" presetID="35" presetClass="path" presetSubtype="0" accel="50000" decel="50000" fill="hold" grpId="1" nodeType="withEffect">
+                                <p:cTn id="30" presetID="35" presetClass="path" presetSubtype="0" accel="50000" decel="50000" fill="hold" grpId="1" nodeType="withEffect">
                                   <p:stCondLst>
                                     <p:cond delay="0"/>
                                   </p:stCondLst>
                                   <p:childTnLst>
                                     <p:animMotion origin="layout" path="M 0.12305 -2.59259E-6 L -4.79167E-6 -2.59259E-6 " pathEditMode="fixed" rAng="0" ptsTypes="AA">
                                       <p:cBhvr>
-                                        <p:cTn id="32" dur="1250" fill="hold"/>
+                                        <p:cTn id="31" dur="1250" fill="hold"/>
                                         <p:tgtEl>
                                           <p:spTgt spid="17"/>
                                         </p:tgtEl>
@@ -21649,64 +22516,20 @@
                           </p:cTn>
                         </p:par>
                         <p:par>
-                          <p:cTn id="33" fill="hold">
+                          <p:cTn id="32" fill="hold">
                             <p:stCondLst>
-                              <p:cond delay="1250"/>
+                              <p:cond delay="3500"/>
                             </p:stCondLst>
                             <p:childTnLst>
                               <p:par>
-                                <p:cTn id="34" presetID="64" presetClass="path" presetSubtype="0" repeatCount="indefinite" accel="50000" decel="50000" autoRev="1" fill="hold" grpId="2" nodeType="afterEffect">
-                                  <p:stCondLst>
-                                    <p:cond delay="0"/>
-                                  </p:stCondLst>
-                                  <p:childTnLst>
-                                    <p:animMotion origin="layout" path="M -1.66667E-6 1.11111E-6 L -0.00026 -0.02639 " pathEditMode="relative" rAng="0" ptsTypes="AA">
-                                      <p:cBhvr>
-                                        <p:cTn id="35" dur="7000" fill="hold"/>
-                                        <p:tgtEl>
-                                          <p:spTgt spid="15"/>
-                                        </p:tgtEl>
-                                        <p:attrNameLst>
-                                          <p:attrName>ppt_x</p:attrName>
-                                          <p:attrName>ppt_y</p:attrName>
-                                        </p:attrNameLst>
-                                      </p:cBhvr>
-                                      <p:rCtr x="-13" y="-1319"/>
-                                    </p:animMotion>
-                                  </p:childTnLst>
-                                </p:cTn>
-                              </p:par>
-                              <p:par>
-                                <p:cTn id="36" presetID="42" presetClass="path" presetSubtype="0" repeatCount="indefinite" accel="50000" decel="50000" autoRev="1" fill="hold" grpId="2" nodeType="withEffect">
-                                  <p:stCondLst>
-                                    <p:cond delay="0"/>
-                                  </p:stCondLst>
-                                  <p:childTnLst>
-                                    <p:animMotion origin="layout" path="M 1.04167E-6 2.96296E-6 L 0.00065 0.02106 " pathEditMode="relative" rAng="0" ptsTypes="AA">
-                                      <p:cBhvr>
-                                        <p:cTn id="37" dur="7000" fill="hold"/>
-                                        <p:tgtEl>
-                                          <p:spTgt spid="14"/>
-                                        </p:tgtEl>
-                                        <p:attrNameLst>
-                                          <p:attrName>ppt_x</p:attrName>
-                                          <p:attrName>ppt_y</p:attrName>
-                                        </p:attrNameLst>
-                                      </p:cBhvr>
-                                      <p:rCtr x="26" y="1042"/>
-                                    </p:animMotion>
-                                  </p:childTnLst>
-                                </p:cTn>
-                              </p:par>
-                              <p:par>
-                                <p:cTn id="38" presetID="35" presetClass="path" presetSubtype="0" repeatCount="indefinite" accel="50000" decel="50000" autoRev="1" fill="hold" grpId="2" nodeType="withEffect">
+                                <p:cTn id="33" presetID="35" presetClass="path" presetSubtype="0" repeatCount="indefinite" accel="50000" decel="50000" autoRev="1" fill="hold" grpId="2" nodeType="afterEffect">
                                   <p:stCondLst>
                                     <p:cond delay="0"/>
                                   </p:stCondLst>
                                   <p:childTnLst>
                                     <p:animMotion origin="layout" path="M -2.29167E-6 -4.07407E-6 L -0.01185 0.00024 " pathEditMode="relative" rAng="0" ptsTypes="AA">
                                       <p:cBhvr>
-                                        <p:cTn id="39" dur="7000" fill="hold"/>
+                                        <p:cTn id="34" dur="7000" fill="hold"/>
                                         <p:tgtEl>
                                           <p:spTgt spid="16"/>
                                         </p:tgtEl>
@@ -21721,14 +22544,14 @@
                                 </p:cTn>
                               </p:par>
                               <p:par>
-                                <p:cTn id="40" presetID="63" presetClass="path" presetSubtype="0" repeatCount="indefinite" accel="50000" decel="50000" autoRev="1" fill="hold" grpId="2" nodeType="withEffect">
+                                <p:cTn id="35" presetID="63" presetClass="path" presetSubtype="0" repeatCount="indefinite" accel="50000" decel="50000" autoRev="1" fill="hold" grpId="2" nodeType="withEffect">
                                   <p:stCondLst>
                                     <p:cond delay="0"/>
                                   </p:stCondLst>
                                   <p:childTnLst>
                                     <p:animMotion origin="layout" path="M -4.79167E-6 -2.59259E-6 L 0.02058 -2.59259E-6 " pathEditMode="relative" rAng="0" ptsTypes="AA">
                                       <p:cBhvr>
-                                        <p:cTn id="41" dur="7000" fill="hold"/>
+                                        <p:cTn id="36" dur="7000" fill="hold"/>
                                         <p:tgtEl>
                                           <p:spTgt spid="17"/>
                                         </p:tgtEl>
@@ -21773,18 +22596,5207 @@
       <p:bldP spid="7" grpId="0" animBg="1"/>
       <p:bldP spid="9" grpId="0"/>
       <p:bldP spid="9" grpId="1"/>
-      <p:bldP spid="14" grpId="0" animBg="1"/>
-      <p:bldP spid="14" grpId="1" animBg="1"/>
-      <p:bldP spid="14" grpId="2" animBg="1"/>
-      <p:bldP spid="15" grpId="0" animBg="1"/>
-      <p:bldP spid="15" grpId="1" animBg="1"/>
-      <p:bldP spid="15" grpId="2" animBg="1"/>
       <p:bldP spid="16" grpId="0" animBg="1"/>
       <p:bldP spid="16" grpId="1" animBg="1"/>
       <p:bldP spid="16" grpId="2" animBg="1"/>
       <p:bldP spid="17" grpId="0" animBg="1"/>
       <p:bldP spid="17" grpId="1" animBg="1"/>
       <p:bldP spid="17" grpId="2" animBg="1"/>
+      <p:bldP spid="2" grpId="0"/>
+    </p:bldLst>
+  </p:timing>
+</p:sld>
+</file>
+
+<file path=ppt/slides/slide35.xml><?xml version="1.0" encoding="utf-8"?>
+<p:sld xmlns:a="http://schemas.openxmlformats.org/drawingml/2006/main" xmlns:r="http://schemas.openxmlformats.org/officeDocument/2006/relationships" xmlns:p="http://schemas.openxmlformats.org/presentationml/2006/main">
+  <p:cSld>
+    <p:spTree>
+      <p:nvGrpSpPr>
+        <p:cNvPr id="1" name=""/>
+        <p:cNvGrpSpPr/>
+        <p:nvPr/>
+      </p:nvGrpSpPr>
+      <p:grpSpPr>
+        <a:xfrm>
+          <a:off x="0" y="0"/>
+          <a:ext cx="0" cy="0"/>
+          <a:chOff x="0" y="0"/>
+          <a:chExt cx="0" cy="0"/>
+        </a:xfrm>
+      </p:grpSpPr>
+      <p:sp>
+        <p:nvSpPr>
+          <p:cNvPr id="4" name="Fundo">
+            <a:extLst>
+              <a:ext uri="{FF2B5EF4-FFF2-40B4-BE49-F238E27FC236}">
+                <a16:creationId xmlns:a16="http://schemas.microsoft.com/office/drawing/2014/main" id="{F0BD0E38-1FDC-4648-8983-5103021F8915}"/>
+              </a:ext>
+            </a:extLst>
+          </p:cNvPr>
+          <p:cNvSpPr/>
+          <p:nvPr/>
+        </p:nvSpPr>
+        <p:spPr>
+          <a:xfrm>
+            <a:off x="0" y="0"/>
+            <a:ext cx="12192000" cy="6854371"/>
+          </a:xfrm>
+          <a:prstGeom prst="rect">
+            <a:avLst/>
+          </a:prstGeom>
+          <a:gradFill flip="none" rotWithShape="1">
+            <a:gsLst>
+              <a:gs pos="0">
+                <a:schemeClr val="bg2">
+                  <a:lumMod val="25000"/>
+                </a:schemeClr>
+              </a:gs>
+              <a:gs pos="94000">
+                <a:schemeClr val="tx1">
+                  <a:lumMod val="95000"/>
+                  <a:lumOff val="5000"/>
+                </a:schemeClr>
+              </a:gs>
+            </a:gsLst>
+            <a:lin ang="2700000" scaled="1"/>
+            <a:tileRect/>
+          </a:gradFill>
+        </p:spPr>
+        <p:style>
+          <a:lnRef idx="2">
+            <a:schemeClr val="accent1">
+              <a:shade val="50000"/>
+            </a:schemeClr>
+          </a:lnRef>
+          <a:fillRef idx="1">
+            <a:schemeClr val="accent1"/>
+          </a:fillRef>
+          <a:effectRef idx="0">
+            <a:schemeClr val="accent1"/>
+          </a:effectRef>
+          <a:fontRef idx="minor">
+            <a:schemeClr val="lt1"/>
+          </a:fontRef>
+        </p:style>
+        <p:txBody>
+          <a:bodyPr rtlCol="0" anchor="ctr"/>
+          <a:lstStyle/>
+          <a:p>
+            <a:pPr algn="ctr"/>
+            <a:endParaRPr lang="pt-BR" dirty="0"/>
+          </a:p>
+        </p:txBody>
+      </p:sp>
+      <p:sp>
+        <p:nvSpPr>
+          <p:cNvPr id="7" name="VidroVerde">
+            <a:extLst>
+              <a:ext uri="{FF2B5EF4-FFF2-40B4-BE49-F238E27FC236}">
+                <a16:creationId xmlns:a16="http://schemas.microsoft.com/office/drawing/2014/main" id="{517C7C06-1D11-49BC-81F9-149C180E99FB}"/>
+              </a:ext>
+            </a:extLst>
+          </p:cNvPr>
+          <p:cNvSpPr/>
+          <p:nvPr/>
+        </p:nvSpPr>
+        <p:spPr>
+          <a:xfrm>
+            <a:off x="7527964" y="21727"/>
+            <a:ext cx="4664036" cy="4148724"/>
+          </a:xfrm>
+          <a:prstGeom prst="rect">
+            <a:avLst/>
+          </a:prstGeom>
+          <a:gradFill flip="none" rotWithShape="1">
+            <a:gsLst>
+              <a:gs pos="0">
+                <a:srgbClr val="37B62A"/>
+              </a:gs>
+              <a:gs pos="100000">
+                <a:srgbClr val="08A35C">
+                  <a:alpha val="25000"/>
+                </a:srgbClr>
+              </a:gs>
+            </a:gsLst>
+            <a:lin ang="13500000" scaled="1"/>
+            <a:tileRect/>
+          </a:gradFill>
+        </p:spPr>
+        <p:style>
+          <a:lnRef idx="2">
+            <a:schemeClr val="accent1">
+              <a:shade val="50000"/>
+            </a:schemeClr>
+          </a:lnRef>
+          <a:fillRef idx="1">
+            <a:schemeClr val="accent1"/>
+          </a:fillRef>
+          <a:effectRef idx="0">
+            <a:schemeClr val="accent1"/>
+          </a:effectRef>
+          <a:fontRef idx="minor">
+            <a:schemeClr val="lt1"/>
+          </a:fontRef>
+        </p:style>
+        <p:txBody>
+          <a:bodyPr rtlCol="0" anchor="ctr"/>
+          <a:lstStyle/>
+          <a:p>
+            <a:pPr algn="ctr"/>
+            <a:endParaRPr lang="pt-BR"/>
+          </a:p>
+        </p:txBody>
+      </p:sp>
+      <p:sp>
+        <p:nvSpPr>
+          <p:cNvPr id="8" name="FundoFake">
+            <a:extLst>
+              <a:ext uri="{FF2B5EF4-FFF2-40B4-BE49-F238E27FC236}">
+                <a16:creationId xmlns:a16="http://schemas.microsoft.com/office/drawing/2014/main" id="{07E7DF1C-A8F4-421F-B33F-02164A5DBEA0}"/>
+              </a:ext>
+            </a:extLst>
+          </p:cNvPr>
+          <p:cNvSpPr/>
+          <p:nvPr/>
+        </p:nvSpPr>
+        <p:spPr>
+          <a:xfrm>
+            <a:off x="0" y="21727"/>
+            <a:ext cx="12192000" cy="6854371"/>
+          </a:xfrm>
+          <a:custGeom>
+            <a:avLst/>
+            <a:gdLst>
+              <a:gd name="connsiteX0" fmla="*/ 10964636 w 12192000"/>
+              <a:gd name="connsiteY0" fmla="*/ 5019875 h 6854371"/>
+              <a:gd name="connsiteX1" fmla="*/ 10088186 w 12192000"/>
+              <a:gd name="connsiteY1" fmla="*/ 6530996 h 6854371"/>
+              <a:gd name="connsiteX2" fmla="*/ 11841086 w 12192000"/>
+              <a:gd name="connsiteY2" fmla="*/ 6530996 h 6854371"/>
+              <a:gd name="connsiteX3" fmla="*/ 0 w 12192000"/>
+              <a:gd name="connsiteY3" fmla="*/ 0 h 6854371"/>
+              <a:gd name="connsiteX4" fmla="*/ 9124785 w 12192000"/>
+              <a:gd name="connsiteY4" fmla="*/ 0 h 6854371"/>
+              <a:gd name="connsiteX5" fmla="*/ 12192000 w 12192000"/>
+              <a:gd name="connsiteY5" fmla="*/ 3067215 h 6854371"/>
+              <a:gd name="connsiteX6" fmla="*/ 12192000 w 12192000"/>
+              <a:gd name="connsiteY6" fmla="*/ 6854371 h 6854371"/>
+              <a:gd name="connsiteX7" fmla="*/ 0 w 12192000"/>
+              <a:gd name="connsiteY7" fmla="*/ 6854371 h 6854371"/>
+            </a:gdLst>
+            <a:ahLst/>
+            <a:cxnLst>
+              <a:cxn ang="0">
+                <a:pos x="connsiteX0" y="connsiteY0"/>
+              </a:cxn>
+              <a:cxn ang="0">
+                <a:pos x="connsiteX1" y="connsiteY1"/>
+              </a:cxn>
+              <a:cxn ang="0">
+                <a:pos x="connsiteX2" y="connsiteY2"/>
+              </a:cxn>
+              <a:cxn ang="0">
+                <a:pos x="connsiteX3" y="connsiteY3"/>
+              </a:cxn>
+              <a:cxn ang="0">
+                <a:pos x="connsiteX4" y="connsiteY4"/>
+              </a:cxn>
+              <a:cxn ang="0">
+                <a:pos x="connsiteX5" y="connsiteY5"/>
+              </a:cxn>
+              <a:cxn ang="0">
+                <a:pos x="connsiteX6" y="connsiteY6"/>
+              </a:cxn>
+              <a:cxn ang="0">
+                <a:pos x="connsiteX7" y="connsiteY7"/>
+              </a:cxn>
+            </a:cxnLst>
+            <a:rect l="l" t="t" r="r" b="b"/>
+            <a:pathLst>
+              <a:path w="12192000" h="6854371">
+                <a:moveTo>
+                  <a:pt x="10964636" y="5019875"/>
+                </a:moveTo>
+                <a:lnTo>
+                  <a:pt x="10088186" y="6530996"/>
+                </a:lnTo>
+                <a:lnTo>
+                  <a:pt x="11841086" y="6530996"/>
+                </a:lnTo>
+                <a:close/>
+                <a:moveTo>
+                  <a:pt x="0" y="0"/>
+                </a:moveTo>
+                <a:lnTo>
+                  <a:pt x="9124785" y="0"/>
+                </a:lnTo>
+                <a:lnTo>
+                  <a:pt x="12192000" y="3067215"/>
+                </a:lnTo>
+                <a:lnTo>
+                  <a:pt x="12192000" y="6854371"/>
+                </a:lnTo>
+                <a:lnTo>
+                  <a:pt x="0" y="6854371"/>
+                </a:lnTo>
+                <a:close/>
+              </a:path>
+            </a:pathLst>
+          </a:custGeom>
+          <a:gradFill flip="none" rotWithShape="1">
+            <a:gsLst>
+              <a:gs pos="0">
+                <a:schemeClr val="bg2">
+                  <a:lumMod val="25000"/>
+                </a:schemeClr>
+              </a:gs>
+              <a:gs pos="94000">
+                <a:schemeClr val="tx1">
+                  <a:lumMod val="95000"/>
+                  <a:lumOff val="5000"/>
+                </a:schemeClr>
+              </a:gs>
+            </a:gsLst>
+            <a:lin ang="2700000" scaled="1"/>
+            <a:tileRect/>
+          </a:gradFill>
+          <a:ln>
+            <a:noFill/>
+          </a:ln>
+        </p:spPr>
+        <p:style>
+          <a:lnRef idx="2">
+            <a:schemeClr val="accent1">
+              <a:shade val="50000"/>
+            </a:schemeClr>
+          </a:lnRef>
+          <a:fillRef idx="1">
+            <a:schemeClr val="accent1"/>
+          </a:fillRef>
+          <a:effectRef idx="0">
+            <a:schemeClr val="accent1"/>
+          </a:effectRef>
+          <a:fontRef idx="minor">
+            <a:schemeClr val="lt1"/>
+          </a:fontRef>
+        </p:style>
+        <p:txBody>
+          <a:bodyPr wrap="square" rtlCol="0" anchor="ctr">
+            <a:noAutofit/>
+          </a:bodyPr>
+          <a:lstStyle/>
+          <a:p>
+            <a:pPr algn="ctr"/>
+            <a:endParaRPr lang="pt-BR" u="sng" dirty="0"/>
+          </a:p>
+        </p:txBody>
+      </p:sp>
+      <p:sp>
+        <p:nvSpPr>
+          <p:cNvPr id="9" name="Titulo">
+            <a:extLst>
+              <a:ext uri="{FF2B5EF4-FFF2-40B4-BE49-F238E27FC236}">
+                <a16:creationId xmlns:a16="http://schemas.microsoft.com/office/drawing/2014/main" id="{BD184737-ABB9-4647-8A67-64513CA08A16}"/>
+              </a:ext>
+            </a:extLst>
+          </p:cNvPr>
+          <p:cNvSpPr txBox="1"/>
+          <p:nvPr/>
+        </p:nvSpPr>
+        <p:spPr>
+          <a:xfrm>
+            <a:off x="3498850" y="434505"/>
+            <a:ext cx="5194300" cy="707886"/>
+          </a:xfrm>
+          <a:prstGeom prst="rect">
+            <a:avLst/>
+          </a:prstGeom>
+          <a:noFill/>
+          <a:effectLst>
+            <a:outerShdw blurRad="50800" dist="38100" dir="2700000" algn="tl" rotWithShape="0">
+              <a:prstClr val="black">
+                <a:alpha val="40000"/>
+              </a:prstClr>
+            </a:outerShdw>
+          </a:effectLst>
+        </p:spPr>
+        <p:txBody>
+          <a:bodyPr wrap="square" rtlCol="0">
+            <a:spAutoFit/>
+          </a:bodyPr>
+          <a:lstStyle/>
+          <a:p>
+            <a:pPr algn="ctr"/>
+            <a:r>
+              <a:rPr lang="pt-BR" sz="4000" dirty="0">
+                <a:solidFill>
+                  <a:schemeClr val="accent6"/>
+                </a:solidFill>
+                <a:latin typeface="Gill Sans MT" panose="020B0502020104020203" pitchFamily="34" charset="0"/>
+              </a:rPr>
+              <a:t>Nosso Cliente</a:t>
+            </a:r>
+          </a:p>
+        </p:txBody>
+      </p:sp>
+      <p:sp>
+        <p:nvSpPr>
+          <p:cNvPr id="16" name="TriPU">
+            <a:extLst>
+              <a:ext uri="{FF2B5EF4-FFF2-40B4-BE49-F238E27FC236}">
+                <a16:creationId xmlns:a16="http://schemas.microsoft.com/office/drawing/2014/main" id="{61CD1D94-11B3-453F-93E9-1441E846E32D}"/>
+              </a:ext>
+            </a:extLst>
+          </p:cNvPr>
+          <p:cNvSpPr/>
+          <p:nvPr/>
+        </p:nvSpPr>
+        <p:spPr>
+          <a:xfrm rot="5400000">
+            <a:off x="283922" y="359647"/>
+            <a:ext cx="840028" cy="724162"/>
+          </a:xfrm>
+          <a:prstGeom prst="triangle">
+            <a:avLst/>
+          </a:prstGeom>
+          <a:solidFill>
+            <a:schemeClr val="bg1">
+              <a:alpha val="0"/>
+            </a:schemeClr>
+          </a:solidFill>
+          <a:ln w="50800">
+            <a:solidFill>
+              <a:schemeClr val="bg1">
+                <a:lumMod val="50000"/>
+              </a:schemeClr>
+            </a:solidFill>
+          </a:ln>
+          <a:effectLst>
+            <a:outerShdw blurRad="50800" dist="38100" dir="2700000" algn="tl" rotWithShape="0">
+              <a:prstClr val="black">
+                <a:alpha val="40000"/>
+              </a:prstClr>
+            </a:outerShdw>
+          </a:effectLst>
+        </p:spPr>
+        <p:style>
+          <a:lnRef idx="2">
+            <a:schemeClr val="accent1">
+              <a:shade val="50000"/>
+            </a:schemeClr>
+          </a:lnRef>
+          <a:fillRef idx="1">
+            <a:schemeClr val="accent1"/>
+          </a:fillRef>
+          <a:effectRef idx="0">
+            <a:schemeClr val="accent1"/>
+          </a:effectRef>
+          <a:fontRef idx="minor">
+            <a:schemeClr val="lt1"/>
+          </a:fontRef>
+        </p:style>
+        <p:txBody>
+          <a:bodyPr rtlCol="0" anchor="ctr"/>
+          <a:lstStyle/>
+          <a:p>
+            <a:pPr algn="ctr"/>
+            <a:endParaRPr lang="pt-BR" u="sng"/>
+          </a:p>
+        </p:txBody>
+      </p:sp>
+      <p:sp>
+        <p:nvSpPr>
+          <p:cNvPr id="17" name="TriPR">
+            <a:extLst>
+              <a:ext uri="{FF2B5EF4-FFF2-40B4-BE49-F238E27FC236}">
+                <a16:creationId xmlns:a16="http://schemas.microsoft.com/office/drawing/2014/main" id="{869CEF93-465D-44EC-BCD7-723BA03E84D1}"/>
+              </a:ext>
+            </a:extLst>
+          </p:cNvPr>
+          <p:cNvSpPr/>
+          <p:nvPr/>
+        </p:nvSpPr>
+        <p:spPr>
+          <a:xfrm rot="16200000">
+            <a:off x="256573" y="830471"/>
+            <a:ext cx="1236581" cy="1066017"/>
+          </a:xfrm>
+          <a:prstGeom prst="triangle">
+            <a:avLst/>
+          </a:prstGeom>
+          <a:solidFill>
+            <a:schemeClr val="bg1">
+              <a:alpha val="0"/>
+            </a:schemeClr>
+          </a:solidFill>
+          <a:ln w="50800">
+            <a:solidFill>
+              <a:schemeClr val="bg1">
+                <a:lumMod val="50000"/>
+              </a:schemeClr>
+            </a:solidFill>
+          </a:ln>
+          <a:effectLst>
+            <a:outerShdw blurRad="50800" dist="38100" dir="2700000" algn="tl" rotWithShape="0">
+              <a:prstClr val="black">
+                <a:alpha val="40000"/>
+              </a:prstClr>
+            </a:outerShdw>
+          </a:effectLst>
+        </p:spPr>
+        <p:style>
+          <a:lnRef idx="2">
+            <a:schemeClr val="accent1">
+              <a:shade val="50000"/>
+            </a:schemeClr>
+          </a:lnRef>
+          <a:fillRef idx="1">
+            <a:schemeClr val="accent1"/>
+          </a:fillRef>
+          <a:effectRef idx="0">
+            <a:schemeClr val="accent1"/>
+          </a:effectRef>
+          <a:fontRef idx="minor">
+            <a:schemeClr val="lt1"/>
+          </a:fontRef>
+        </p:style>
+        <p:txBody>
+          <a:bodyPr rtlCol="0" anchor="ctr"/>
+          <a:lstStyle/>
+          <a:p>
+            <a:pPr algn="ctr"/>
+            <a:endParaRPr lang="pt-BR" u="sng"/>
+          </a:p>
+        </p:txBody>
+      </p:sp>
+      <p:pic>
+        <p:nvPicPr>
+          <p:cNvPr id="3" name="Imagem 2">
+            <a:extLst>
+              <a:ext uri="{FF2B5EF4-FFF2-40B4-BE49-F238E27FC236}">
+                <a16:creationId xmlns:a16="http://schemas.microsoft.com/office/drawing/2014/main" id="{19DDCDB2-574C-4918-83A2-17A57850C4CA}"/>
+              </a:ext>
+            </a:extLst>
+          </p:cNvPr>
+          <p:cNvPicPr>
+            <a:picLocks noChangeAspect="1"/>
+          </p:cNvPicPr>
+          <p:nvPr/>
+        </p:nvPicPr>
+        <p:blipFill>
+          <a:blip r:embed="rId2">
+            <a:extLst>
+              <a:ext uri="{28A0092B-C50C-407E-A947-70E740481C1C}">
+                <a14:useLocalDpi xmlns:a14="http://schemas.microsoft.com/office/drawing/2010/main" val="0"/>
+              </a:ext>
+            </a:extLst>
+          </a:blip>
+          <a:stretch>
+            <a:fillRect/>
+          </a:stretch>
+        </p:blipFill>
+        <p:spPr>
+          <a:xfrm>
+            <a:off x="4705212" y="1555169"/>
+            <a:ext cx="2781576" cy="2543678"/>
+          </a:xfrm>
+          <a:prstGeom prst="rect">
+            <a:avLst/>
+          </a:prstGeom>
+          <a:effectLst>
+            <a:outerShdw blurRad="50800" dist="38100" dir="2700000" algn="tl" rotWithShape="0">
+              <a:prstClr val="black">
+                <a:alpha val="40000"/>
+              </a:prstClr>
+            </a:outerShdw>
+          </a:effectLst>
+        </p:spPr>
+      </p:pic>
+      <p:sp>
+        <p:nvSpPr>
+          <p:cNvPr id="2" name="CaixaDeTexto 1">
+            <a:extLst>
+              <a:ext uri="{FF2B5EF4-FFF2-40B4-BE49-F238E27FC236}">
+                <a16:creationId xmlns:a16="http://schemas.microsoft.com/office/drawing/2014/main" id="{3A798D64-CBB5-4B0F-8537-956A68E6AD63}"/>
+              </a:ext>
+            </a:extLst>
+          </p:cNvPr>
+          <p:cNvSpPr txBox="1"/>
+          <p:nvPr/>
+        </p:nvSpPr>
+        <p:spPr>
+          <a:xfrm>
+            <a:off x="8193387" y="2536515"/>
+            <a:ext cx="3015562" cy="4401205"/>
+          </a:xfrm>
+          <a:prstGeom prst="rect">
+            <a:avLst/>
+          </a:prstGeom>
+          <a:noFill/>
+        </p:spPr>
+        <p:txBody>
+          <a:bodyPr wrap="square" rtlCol="0">
+            <a:spAutoFit/>
+          </a:bodyPr>
+          <a:lstStyle/>
+          <a:p>
+            <a:pPr algn="r"/>
+            <a:r>
+              <a:rPr lang="pt-BR" sz="2000" dirty="0">
+                <a:solidFill>
+                  <a:schemeClr val="accent6"/>
+                </a:solidFill>
+                <a:effectLst>
+                  <a:outerShdw blurRad="50800" dist="38100" dir="2700000" algn="tl" rotWithShape="0">
+                    <a:prstClr val="black">
+                      <a:alpha val="40000"/>
+                    </a:prstClr>
+                  </a:outerShdw>
+                </a:effectLst>
+                <a:latin typeface="Gill Sans MT" panose="020B0502020104020203" pitchFamily="34" charset="0"/>
+              </a:rPr>
+              <a:t>Nosso objetivo:</a:t>
+            </a:r>
+          </a:p>
+          <a:p>
+            <a:pPr algn="r"/>
+            <a:endParaRPr lang="pt-BR" sz="2000" dirty="0">
+              <a:solidFill>
+                <a:schemeClr val="bg1"/>
+              </a:solidFill>
+              <a:effectLst>
+                <a:outerShdw blurRad="50800" dist="38100" dir="2700000" algn="tl" rotWithShape="0">
+                  <a:prstClr val="black">
+                    <a:alpha val="40000"/>
+                  </a:prstClr>
+                </a:outerShdw>
+              </a:effectLst>
+              <a:latin typeface="Gill Sans MT" panose="020B0502020104020203" pitchFamily="34" charset="0"/>
+            </a:endParaRPr>
+          </a:p>
+          <a:p>
+            <a:pPr marL="342900" indent="-342900" algn="r">
+              <a:buFontTx/>
+              <a:buChar char="-"/>
+            </a:pPr>
+            <a:r>
+              <a:rPr lang="pt-BR" sz="2000" dirty="0">
+                <a:solidFill>
+                  <a:schemeClr val="bg1"/>
+                </a:solidFill>
+                <a:effectLst>
+                  <a:outerShdw blurRad="50800" dist="38100" dir="2700000" algn="tl" rotWithShape="0">
+                    <a:prstClr val="black">
+                      <a:alpha val="40000"/>
+                    </a:prstClr>
+                  </a:outerShdw>
+                </a:effectLst>
+                <a:latin typeface="Gill Sans MT" panose="020B0502020104020203" pitchFamily="34" charset="0"/>
+              </a:rPr>
+              <a:t>Criar um loja virtual</a:t>
+            </a:r>
+          </a:p>
+          <a:p>
+            <a:pPr marL="342900" indent="-342900" algn="r">
+              <a:buFontTx/>
+              <a:buChar char="-"/>
+            </a:pPr>
+            <a:endParaRPr lang="pt-BR" sz="2000" dirty="0">
+              <a:solidFill>
+                <a:schemeClr val="bg1"/>
+              </a:solidFill>
+              <a:effectLst>
+                <a:outerShdw blurRad="50800" dist="38100" dir="2700000" algn="tl" rotWithShape="0">
+                  <a:prstClr val="black">
+                    <a:alpha val="40000"/>
+                  </a:prstClr>
+                </a:outerShdw>
+              </a:effectLst>
+              <a:latin typeface="Gill Sans MT" panose="020B0502020104020203" pitchFamily="34" charset="0"/>
+            </a:endParaRPr>
+          </a:p>
+          <a:p>
+            <a:pPr marL="342900" indent="-342900" algn="r">
+              <a:buFontTx/>
+              <a:buChar char="-"/>
+            </a:pPr>
+            <a:r>
+              <a:rPr lang="pt-BR" sz="2000" dirty="0">
+                <a:solidFill>
+                  <a:schemeClr val="bg1"/>
+                </a:solidFill>
+                <a:effectLst>
+                  <a:outerShdw blurRad="50800" dist="38100" dir="2700000" algn="tl" rotWithShape="0">
+                    <a:prstClr val="black">
+                      <a:alpha val="40000"/>
+                    </a:prstClr>
+                  </a:outerShdw>
+                </a:effectLst>
+                <a:latin typeface="Gill Sans MT" panose="020B0502020104020203" pitchFamily="34" charset="0"/>
+              </a:rPr>
+              <a:t>Gerenciar dados de forma segura e eficiente</a:t>
+            </a:r>
+          </a:p>
+          <a:p>
+            <a:pPr marL="342900" indent="-342900" algn="r">
+              <a:buFontTx/>
+              <a:buChar char="-"/>
+            </a:pPr>
+            <a:endParaRPr lang="pt-BR" sz="2000" dirty="0">
+              <a:solidFill>
+                <a:schemeClr val="bg1"/>
+              </a:solidFill>
+              <a:effectLst>
+                <a:outerShdw blurRad="50800" dist="38100" dir="2700000" algn="tl" rotWithShape="0">
+                  <a:prstClr val="black">
+                    <a:alpha val="40000"/>
+                  </a:prstClr>
+                </a:outerShdw>
+              </a:effectLst>
+              <a:latin typeface="Gill Sans MT" panose="020B0502020104020203" pitchFamily="34" charset="0"/>
+            </a:endParaRPr>
+          </a:p>
+          <a:p>
+            <a:pPr marL="342900" indent="-342900" algn="r">
+              <a:buFontTx/>
+              <a:buChar char="-"/>
+            </a:pPr>
+            <a:r>
+              <a:rPr lang="pt-BR" sz="2000" dirty="0">
+                <a:solidFill>
+                  <a:schemeClr val="bg1"/>
+                </a:solidFill>
+                <a:effectLst>
+                  <a:outerShdw blurRad="50800" dist="38100" dir="2700000" algn="tl" rotWithShape="0">
+                    <a:prstClr val="black">
+                      <a:alpha val="40000"/>
+                    </a:prstClr>
+                  </a:outerShdw>
+                </a:effectLst>
+                <a:latin typeface="Gill Sans MT" panose="020B0502020104020203" pitchFamily="34" charset="0"/>
+              </a:rPr>
+              <a:t>Criar ambiente de trabalho mais moderno</a:t>
+            </a:r>
+          </a:p>
+          <a:p>
+            <a:pPr marL="342900" indent="-342900" algn="r">
+              <a:buFontTx/>
+              <a:buChar char="-"/>
+            </a:pPr>
+            <a:endParaRPr lang="pt-BR" sz="2000" dirty="0">
+              <a:solidFill>
+                <a:schemeClr val="bg1"/>
+              </a:solidFill>
+              <a:effectLst>
+                <a:outerShdw blurRad="50800" dist="38100" dir="2700000" algn="tl" rotWithShape="0">
+                  <a:prstClr val="black">
+                    <a:alpha val="40000"/>
+                  </a:prstClr>
+                </a:outerShdw>
+              </a:effectLst>
+              <a:latin typeface="Gill Sans MT" panose="020B0502020104020203" pitchFamily="34" charset="0"/>
+            </a:endParaRPr>
+          </a:p>
+          <a:p>
+            <a:pPr marL="342900" indent="-342900" algn="r">
+              <a:buFontTx/>
+              <a:buChar char="-"/>
+            </a:pPr>
+            <a:r>
+              <a:rPr lang="pt-BR" sz="2000" dirty="0">
+                <a:solidFill>
+                  <a:schemeClr val="bg1"/>
+                </a:solidFill>
+                <a:effectLst>
+                  <a:outerShdw blurRad="50800" dist="38100" dir="2700000" algn="tl" rotWithShape="0">
+                    <a:prstClr val="black">
+                      <a:alpha val="40000"/>
+                    </a:prstClr>
+                  </a:outerShdw>
+                </a:effectLst>
+                <a:latin typeface="Gill Sans MT" panose="020B0502020104020203" pitchFamily="34" charset="0"/>
+              </a:rPr>
+              <a:t>Atrair um público maior</a:t>
+            </a:r>
+          </a:p>
+          <a:p>
+            <a:pPr marL="342900" indent="-342900" algn="r">
+              <a:buFontTx/>
+              <a:buChar char="-"/>
+            </a:pPr>
+            <a:endParaRPr lang="pt-BR" sz="2000" dirty="0">
+              <a:solidFill>
+                <a:schemeClr val="bg1"/>
+              </a:solidFill>
+              <a:effectLst>
+                <a:outerShdw blurRad="50800" dist="38100" dir="2700000" algn="tl" rotWithShape="0">
+                  <a:prstClr val="black">
+                    <a:alpha val="40000"/>
+                  </a:prstClr>
+                </a:outerShdw>
+              </a:effectLst>
+              <a:latin typeface="Gill Sans MT" panose="020B0502020104020203" pitchFamily="34" charset="0"/>
+            </a:endParaRPr>
+          </a:p>
+          <a:p>
+            <a:pPr marL="342900" indent="-342900" algn="r">
+              <a:buFontTx/>
+              <a:buChar char="-"/>
+            </a:pPr>
+            <a:endParaRPr lang="pt-BR" sz="2000" dirty="0">
+              <a:solidFill>
+                <a:schemeClr val="bg1"/>
+              </a:solidFill>
+              <a:effectLst>
+                <a:outerShdw blurRad="50800" dist="38100" dir="2700000" algn="tl" rotWithShape="0">
+                  <a:prstClr val="black">
+                    <a:alpha val="40000"/>
+                  </a:prstClr>
+                </a:outerShdw>
+              </a:effectLst>
+              <a:latin typeface="Gill Sans MT" panose="020B0502020104020203" pitchFamily="34" charset="0"/>
+            </a:endParaRPr>
+          </a:p>
+        </p:txBody>
+      </p:sp>
+    </p:spTree>
+    <p:extLst>
+      <p:ext uri="{BB962C8B-B14F-4D97-AF65-F5344CB8AC3E}">
+        <p14:creationId xmlns:p14="http://schemas.microsoft.com/office/powerpoint/2010/main" val="2593808884"/>
+      </p:ext>
+    </p:extLst>
+  </p:cSld>
+  <p:clrMapOvr>
+    <a:masterClrMapping/>
+  </p:clrMapOvr>
+  <mc:AlternateContent xmlns:mc="http://schemas.openxmlformats.org/markup-compatibility/2006" xmlns:p159="http://schemas.microsoft.com/office/powerpoint/2015/09/main">
+    <mc:Choice Requires="p159">
+      <p:transition xmlns:p14="http://schemas.microsoft.com/office/powerpoint/2010/main" spd="slow" p14:dur="2000">
+        <p159:morph option="byChar"/>
+      </p:transition>
+    </mc:Choice>
+    <mc:Fallback xmlns="">
+      <p:transition spd="slow">
+        <p:fade/>
+      </p:transition>
+    </mc:Fallback>
+  </mc:AlternateContent>
+  <p:timing>
+    <p:tnLst>
+      <p:par>
+        <p:cTn id="1" dur="indefinite" restart="never" nodeType="tmRoot">
+          <p:childTnLst>
+            <p:seq concurrent="1" nextAc="seek">
+              <p:cTn id="2" dur="indefinite" nodeType="mainSeq">
+                <p:childTnLst>
+                  <p:par>
+                    <p:cTn id="3" fill="hold">
+                      <p:stCondLst>
+                        <p:cond delay="indefinite"/>
+                        <p:cond evt="onBegin" delay="0">
+                          <p:tn val="2"/>
+                        </p:cond>
+                      </p:stCondLst>
+                      <p:childTnLst>
+                        <p:par>
+                          <p:cTn id="4" fill="hold">
+                            <p:stCondLst>
+                              <p:cond delay="0"/>
+                            </p:stCondLst>
+                            <p:childTnLst>
+                              <p:par>
+                                <p:cTn id="5" presetID="35" presetClass="path" presetSubtype="0" repeatCount="indefinite" accel="50000" decel="50000" autoRev="1" fill="hold" grpId="0" nodeType="withEffect">
+                                  <p:stCondLst>
+                                    <p:cond delay="0"/>
+                                  </p:stCondLst>
+                                  <p:childTnLst>
+                                    <p:animMotion origin="layout" path="M -2.29167E-6 -4.07407E-6 L -0.01185 0.00024 " pathEditMode="relative" rAng="0" ptsTypes="AA">
+                                      <p:cBhvr>
+                                        <p:cTn id="6" dur="7000" fill="hold"/>
+                                        <p:tgtEl>
+                                          <p:spTgt spid="16"/>
+                                        </p:tgtEl>
+                                        <p:attrNameLst>
+                                          <p:attrName>ppt_x</p:attrName>
+                                          <p:attrName>ppt_y</p:attrName>
+                                        </p:attrNameLst>
+                                      </p:cBhvr>
+                                      <p:rCtr x="-599" y="0"/>
+                                    </p:animMotion>
+                                  </p:childTnLst>
+                                </p:cTn>
+                              </p:par>
+                              <p:par>
+                                <p:cTn id="7" presetID="63" presetClass="path" presetSubtype="0" repeatCount="indefinite" accel="50000" decel="50000" autoRev="1" fill="hold" grpId="0" nodeType="withEffect">
+                                  <p:stCondLst>
+                                    <p:cond delay="0"/>
+                                  </p:stCondLst>
+                                  <p:childTnLst>
+                                    <p:animMotion origin="layout" path="M -4.79167E-6 -2.59259E-6 L 0.02058 -2.59259E-6 " pathEditMode="relative" rAng="0" ptsTypes="AA">
+                                      <p:cBhvr>
+                                        <p:cTn id="8" dur="7000" fill="hold"/>
+                                        <p:tgtEl>
+                                          <p:spTgt spid="17"/>
+                                        </p:tgtEl>
+                                        <p:attrNameLst>
+                                          <p:attrName>ppt_x</p:attrName>
+                                          <p:attrName>ppt_y</p:attrName>
+                                        </p:attrNameLst>
+                                      </p:cBhvr>
+                                      <p:rCtr x="1029" y="0"/>
+                                    </p:animMotion>
+                                  </p:childTnLst>
+                                </p:cTn>
+                              </p:par>
+                            </p:childTnLst>
+                          </p:cTn>
+                        </p:par>
+                      </p:childTnLst>
+                    </p:cTn>
+                  </p:par>
+                </p:childTnLst>
+              </p:cTn>
+              <p:prevCondLst>
+                <p:cond evt="onPrev" delay="0">
+                  <p:tgtEl>
+                    <p:sldTgt/>
+                  </p:tgtEl>
+                </p:cond>
+              </p:prevCondLst>
+              <p:nextCondLst>
+                <p:cond evt="onNext" delay="0">
+                  <p:tgtEl>
+                    <p:sldTgt/>
+                  </p:tgtEl>
+                </p:cond>
+              </p:nextCondLst>
+            </p:seq>
+          </p:childTnLst>
+        </p:cTn>
+      </p:par>
+    </p:tnLst>
+    <p:bldLst>
+      <p:bldP spid="16" grpId="0" animBg="1"/>
+      <p:bldP spid="17" grpId="0" animBg="1"/>
+    </p:bldLst>
+  </p:timing>
+</p:sld>
+</file>
+
+<file path=ppt/slides/slide36.xml><?xml version="1.0" encoding="utf-8"?>
+<p:sld xmlns:a="http://schemas.openxmlformats.org/drawingml/2006/main" xmlns:r="http://schemas.openxmlformats.org/officeDocument/2006/relationships" xmlns:p="http://schemas.openxmlformats.org/presentationml/2006/main">
+  <p:cSld>
+    <p:spTree>
+      <p:nvGrpSpPr>
+        <p:cNvPr id="1" name=""/>
+        <p:cNvGrpSpPr/>
+        <p:nvPr/>
+      </p:nvGrpSpPr>
+      <p:grpSpPr>
+        <a:xfrm>
+          <a:off x="0" y="0"/>
+          <a:ext cx="0" cy="0"/>
+          <a:chOff x="0" y="0"/>
+          <a:chExt cx="0" cy="0"/>
+        </a:xfrm>
+      </p:grpSpPr>
+      <p:sp>
+        <p:nvSpPr>
+          <p:cNvPr id="4" name="Fundo">
+            <a:extLst>
+              <a:ext uri="{FF2B5EF4-FFF2-40B4-BE49-F238E27FC236}">
+                <a16:creationId xmlns:a16="http://schemas.microsoft.com/office/drawing/2014/main" id="{520E2F2A-5C87-47C5-9CB7-A79FDF8822A8}"/>
+              </a:ext>
+            </a:extLst>
+          </p:cNvPr>
+          <p:cNvSpPr/>
+          <p:nvPr/>
+        </p:nvSpPr>
+        <p:spPr>
+          <a:xfrm>
+            <a:off x="0" y="0"/>
+            <a:ext cx="12192000" cy="6854371"/>
+          </a:xfrm>
+          <a:prstGeom prst="rect">
+            <a:avLst/>
+          </a:prstGeom>
+          <a:gradFill flip="none" rotWithShape="1">
+            <a:gsLst>
+              <a:gs pos="0">
+                <a:schemeClr val="bg2">
+                  <a:lumMod val="25000"/>
+                </a:schemeClr>
+              </a:gs>
+              <a:gs pos="94000">
+                <a:schemeClr val="tx1">
+                  <a:lumMod val="95000"/>
+                  <a:lumOff val="5000"/>
+                </a:schemeClr>
+              </a:gs>
+            </a:gsLst>
+            <a:lin ang="2700000" scaled="1"/>
+            <a:tileRect/>
+          </a:gradFill>
+        </p:spPr>
+        <p:style>
+          <a:lnRef idx="2">
+            <a:schemeClr val="accent1">
+              <a:shade val="50000"/>
+            </a:schemeClr>
+          </a:lnRef>
+          <a:fillRef idx="1">
+            <a:schemeClr val="accent1"/>
+          </a:fillRef>
+          <a:effectRef idx="0">
+            <a:schemeClr val="accent1"/>
+          </a:effectRef>
+          <a:fontRef idx="minor">
+            <a:schemeClr val="lt1"/>
+          </a:fontRef>
+        </p:style>
+        <p:txBody>
+          <a:bodyPr rtlCol="0" anchor="ctr"/>
+          <a:lstStyle/>
+          <a:p>
+            <a:pPr algn="ctr"/>
+            <a:endParaRPr lang="pt-BR" u="sng" dirty="0"/>
+          </a:p>
+        </p:txBody>
+      </p:sp>
+      <p:sp>
+        <p:nvSpPr>
+          <p:cNvPr id="5" name="VidroVerde">
+            <a:extLst>
+              <a:ext uri="{FF2B5EF4-FFF2-40B4-BE49-F238E27FC236}">
+                <a16:creationId xmlns:a16="http://schemas.microsoft.com/office/drawing/2014/main" id="{1E13A96B-DB1A-4825-8FDE-0F237B8FB0D5}"/>
+              </a:ext>
+            </a:extLst>
+          </p:cNvPr>
+          <p:cNvSpPr/>
+          <p:nvPr/>
+        </p:nvSpPr>
+        <p:spPr>
+          <a:xfrm>
+            <a:off x="7527964" y="21727"/>
+            <a:ext cx="4664036" cy="4148724"/>
+          </a:xfrm>
+          <a:prstGeom prst="rect">
+            <a:avLst/>
+          </a:prstGeom>
+          <a:gradFill flip="none" rotWithShape="1">
+            <a:gsLst>
+              <a:gs pos="0">
+                <a:srgbClr val="37B62A"/>
+              </a:gs>
+              <a:gs pos="100000">
+                <a:srgbClr val="08A35C">
+                  <a:alpha val="25000"/>
+                </a:srgbClr>
+              </a:gs>
+            </a:gsLst>
+            <a:lin ang="13500000" scaled="1"/>
+            <a:tileRect/>
+          </a:gradFill>
+        </p:spPr>
+        <p:style>
+          <a:lnRef idx="2">
+            <a:schemeClr val="accent1">
+              <a:shade val="50000"/>
+            </a:schemeClr>
+          </a:lnRef>
+          <a:fillRef idx="1">
+            <a:schemeClr val="accent1"/>
+          </a:fillRef>
+          <a:effectRef idx="0">
+            <a:schemeClr val="accent1"/>
+          </a:effectRef>
+          <a:fontRef idx="minor">
+            <a:schemeClr val="lt1"/>
+          </a:fontRef>
+        </p:style>
+        <p:txBody>
+          <a:bodyPr rtlCol="0" anchor="ctr"/>
+          <a:lstStyle/>
+          <a:p>
+            <a:pPr algn="ctr"/>
+            <a:endParaRPr lang="pt-BR"/>
+          </a:p>
+        </p:txBody>
+      </p:sp>
+      <p:sp>
+        <p:nvSpPr>
+          <p:cNvPr id="6" name="FundoFake">
+            <a:extLst>
+              <a:ext uri="{FF2B5EF4-FFF2-40B4-BE49-F238E27FC236}">
+                <a16:creationId xmlns:a16="http://schemas.microsoft.com/office/drawing/2014/main" id="{D8DBF1C3-32C4-4E9F-A941-D1951D095AEE}"/>
+              </a:ext>
+            </a:extLst>
+          </p:cNvPr>
+          <p:cNvSpPr/>
+          <p:nvPr/>
+        </p:nvSpPr>
+        <p:spPr>
+          <a:xfrm>
+            <a:off x="0" y="21727"/>
+            <a:ext cx="12192000" cy="6854371"/>
+          </a:xfrm>
+          <a:custGeom>
+            <a:avLst/>
+            <a:gdLst>
+              <a:gd name="connsiteX0" fmla="*/ 10964636 w 12192000"/>
+              <a:gd name="connsiteY0" fmla="*/ 5019875 h 6854371"/>
+              <a:gd name="connsiteX1" fmla="*/ 10088186 w 12192000"/>
+              <a:gd name="connsiteY1" fmla="*/ 6530996 h 6854371"/>
+              <a:gd name="connsiteX2" fmla="*/ 11841086 w 12192000"/>
+              <a:gd name="connsiteY2" fmla="*/ 6530996 h 6854371"/>
+              <a:gd name="connsiteX3" fmla="*/ 341855 w 12192000"/>
+              <a:gd name="connsiteY3" fmla="*/ 265518 h 6854371"/>
+              <a:gd name="connsiteX4" fmla="*/ 341855 w 12192000"/>
+              <a:gd name="connsiteY4" fmla="*/ 1105546 h 6854371"/>
+              <a:gd name="connsiteX5" fmla="*/ 1066017 w 12192000"/>
+              <a:gd name="connsiteY5" fmla="*/ 685532 h 6854371"/>
+              <a:gd name="connsiteX6" fmla="*/ 0 w 12192000"/>
+              <a:gd name="connsiteY6" fmla="*/ 0 h 6854371"/>
+              <a:gd name="connsiteX7" fmla="*/ 9124785 w 12192000"/>
+              <a:gd name="connsiteY7" fmla="*/ 0 h 6854371"/>
+              <a:gd name="connsiteX8" fmla="*/ 12192000 w 12192000"/>
+              <a:gd name="connsiteY8" fmla="*/ 3067215 h 6854371"/>
+              <a:gd name="connsiteX9" fmla="*/ 12192000 w 12192000"/>
+              <a:gd name="connsiteY9" fmla="*/ 6854371 h 6854371"/>
+              <a:gd name="connsiteX10" fmla="*/ 0 w 12192000"/>
+              <a:gd name="connsiteY10" fmla="*/ 6854371 h 6854371"/>
+            </a:gdLst>
+            <a:ahLst/>
+            <a:cxnLst>
+              <a:cxn ang="0">
+                <a:pos x="connsiteX0" y="connsiteY0"/>
+              </a:cxn>
+              <a:cxn ang="0">
+                <a:pos x="connsiteX1" y="connsiteY1"/>
+              </a:cxn>
+              <a:cxn ang="0">
+                <a:pos x="connsiteX2" y="connsiteY2"/>
+              </a:cxn>
+              <a:cxn ang="0">
+                <a:pos x="connsiteX3" y="connsiteY3"/>
+              </a:cxn>
+              <a:cxn ang="0">
+                <a:pos x="connsiteX4" y="connsiteY4"/>
+              </a:cxn>
+              <a:cxn ang="0">
+                <a:pos x="connsiteX5" y="connsiteY5"/>
+              </a:cxn>
+              <a:cxn ang="0">
+                <a:pos x="connsiteX6" y="connsiteY6"/>
+              </a:cxn>
+              <a:cxn ang="0">
+                <a:pos x="connsiteX7" y="connsiteY7"/>
+              </a:cxn>
+              <a:cxn ang="0">
+                <a:pos x="connsiteX8" y="connsiteY8"/>
+              </a:cxn>
+              <a:cxn ang="0">
+                <a:pos x="connsiteX9" y="connsiteY9"/>
+              </a:cxn>
+              <a:cxn ang="0">
+                <a:pos x="connsiteX10" y="connsiteY10"/>
+              </a:cxn>
+            </a:cxnLst>
+            <a:rect l="l" t="t" r="r" b="b"/>
+            <a:pathLst>
+              <a:path w="12192000" h="6854371">
+                <a:moveTo>
+                  <a:pt x="10964636" y="5019875"/>
+                </a:moveTo>
+                <a:lnTo>
+                  <a:pt x="10088186" y="6530996"/>
+                </a:lnTo>
+                <a:lnTo>
+                  <a:pt x="11841086" y="6530996"/>
+                </a:lnTo>
+                <a:close/>
+                <a:moveTo>
+                  <a:pt x="341855" y="265518"/>
+                </a:moveTo>
+                <a:lnTo>
+                  <a:pt x="341855" y="1105546"/>
+                </a:lnTo>
+                <a:lnTo>
+                  <a:pt x="1066017" y="685532"/>
+                </a:lnTo>
+                <a:close/>
+                <a:moveTo>
+                  <a:pt x="0" y="0"/>
+                </a:moveTo>
+                <a:lnTo>
+                  <a:pt x="9124785" y="0"/>
+                </a:lnTo>
+                <a:lnTo>
+                  <a:pt x="12192000" y="3067215"/>
+                </a:lnTo>
+                <a:lnTo>
+                  <a:pt x="12192000" y="6854371"/>
+                </a:lnTo>
+                <a:lnTo>
+                  <a:pt x="0" y="6854371"/>
+                </a:lnTo>
+                <a:close/>
+              </a:path>
+            </a:pathLst>
+          </a:custGeom>
+          <a:gradFill flip="none" rotWithShape="1">
+            <a:gsLst>
+              <a:gs pos="0">
+                <a:schemeClr val="bg2">
+                  <a:lumMod val="25000"/>
+                </a:schemeClr>
+              </a:gs>
+              <a:gs pos="94000">
+                <a:schemeClr val="tx1">
+                  <a:lumMod val="95000"/>
+                  <a:lumOff val="5000"/>
+                </a:schemeClr>
+              </a:gs>
+            </a:gsLst>
+            <a:lin ang="2700000" scaled="1"/>
+            <a:tileRect/>
+          </a:gradFill>
+          <a:ln>
+            <a:noFill/>
+          </a:ln>
+        </p:spPr>
+        <p:style>
+          <a:lnRef idx="2">
+            <a:schemeClr val="accent1">
+              <a:shade val="50000"/>
+            </a:schemeClr>
+          </a:lnRef>
+          <a:fillRef idx="1">
+            <a:schemeClr val="accent1"/>
+          </a:fillRef>
+          <a:effectRef idx="0">
+            <a:schemeClr val="accent1"/>
+          </a:effectRef>
+          <a:fontRef idx="minor">
+            <a:schemeClr val="lt1"/>
+          </a:fontRef>
+        </p:style>
+        <p:txBody>
+          <a:bodyPr wrap="square" rtlCol="0" anchor="ctr">
+            <a:noAutofit/>
+          </a:bodyPr>
+          <a:lstStyle/>
+          <a:p>
+            <a:pPr algn="ctr"/>
+            <a:endParaRPr lang="pt-BR" u="sng" dirty="0"/>
+          </a:p>
+        </p:txBody>
+      </p:sp>
+      <p:sp>
+        <p:nvSpPr>
+          <p:cNvPr id="7" name="Titulo">
+            <a:extLst>
+              <a:ext uri="{FF2B5EF4-FFF2-40B4-BE49-F238E27FC236}">
+                <a16:creationId xmlns:a16="http://schemas.microsoft.com/office/drawing/2014/main" id="{0470234C-E385-4C8D-899D-5895808E6AB1}"/>
+              </a:ext>
+            </a:extLst>
+          </p:cNvPr>
+          <p:cNvSpPr txBox="1"/>
+          <p:nvPr/>
+        </p:nvSpPr>
+        <p:spPr>
+          <a:xfrm>
+            <a:off x="3498850" y="301714"/>
+            <a:ext cx="5194300" cy="1323439"/>
+          </a:xfrm>
+          <a:prstGeom prst="rect">
+            <a:avLst/>
+          </a:prstGeom>
+          <a:noFill/>
+        </p:spPr>
+        <p:txBody>
+          <a:bodyPr wrap="square" rtlCol="0">
+            <a:spAutoFit/>
+          </a:bodyPr>
+          <a:lstStyle/>
+          <a:p>
+            <a:pPr algn="ctr"/>
+            <a:r>
+              <a:rPr lang="pt-BR" sz="4000" dirty="0">
+                <a:solidFill>
+                  <a:schemeClr val="accent6"/>
+                </a:solidFill>
+                <a:latin typeface="Gill Sans MT" panose="020B0502020104020203" pitchFamily="34" charset="0"/>
+              </a:rPr>
+              <a:t>Diagramas de casos de usos</a:t>
+            </a:r>
+          </a:p>
+        </p:txBody>
+      </p:sp>
+      <p:sp>
+        <p:nvSpPr>
+          <p:cNvPr id="8" name="TriG">
+            <a:extLst>
+              <a:ext uri="{FF2B5EF4-FFF2-40B4-BE49-F238E27FC236}">
+                <a16:creationId xmlns:a16="http://schemas.microsoft.com/office/drawing/2014/main" id="{454A50A0-C073-4BCE-B0D2-4AC0B468F550}"/>
+              </a:ext>
+            </a:extLst>
+          </p:cNvPr>
+          <p:cNvSpPr/>
+          <p:nvPr/>
+        </p:nvSpPr>
+        <p:spPr>
+          <a:xfrm>
+            <a:off x="10088186" y="5027133"/>
+            <a:ext cx="1752900" cy="1511121"/>
+          </a:xfrm>
+          <a:prstGeom prst="triangle">
+            <a:avLst/>
+          </a:prstGeom>
+          <a:solidFill>
+            <a:schemeClr val="bg1">
+              <a:alpha val="0"/>
+            </a:schemeClr>
+          </a:solidFill>
+          <a:ln w="50800">
+            <a:solidFill>
+              <a:schemeClr val="bg1">
+                <a:lumMod val="50000"/>
+              </a:schemeClr>
+            </a:solidFill>
+          </a:ln>
+        </p:spPr>
+        <p:style>
+          <a:lnRef idx="2">
+            <a:schemeClr val="accent1">
+              <a:shade val="50000"/>
+            </a:schemeClr>
+          </a:lnRef>
+          <a:fillRef idx="1">
+            <a:schemeClr val="accent1"/>
+          </a:fillRef>
+          <a:effectRef idx="0">
+            <a:schemeClr val="accent1"/>
+          </a:effectRef>
+          <a:fontRef idx="minor">
+            <a:schemeClr val="lt1"/>
+          </a:fontRef>
+        </p:style>
+        <p:txBody>
+          <a:bodyPr rtlCol="0" anchor="ctr"/>
+          <a:lstStyle/>
+          <a:p>
+            <a:pPr algn="ctr"/>
+            <a:endParaRPr lang="pt-BR"/>
+          </a:p>
+        </p:txBody>
+      </p:sp>
+      <p:sp>
+        <p:nvSpPr>
+          <p:cNvPr id="9" name="TriPB">
+            <a:extLst>
+              <a:ext uri="{FF2B5EF4-FFF2-40B4-BE49-F238E27FC236}">
+                <a16:creationId xmlns:a16="http://schemas.microsoft.com/office/drawing/2014/main" id="{BFBAE72D-F572-44F0-BE58-13F53571A8AA}"/>
+              </a:ext>
+            </a:extLst>
+          </p:cNvPr>
+          <p:cNvSpPr/>
+          <p:nvPr/>
+        </p:nvSpPr>
+        <p:spPr>
+          <a:xfrm rot="10800000">
+            <a:off x="9688549" y="5123088"/>
+            <a:ext cx="765142" cy="659605"/>
+          </a:xfrm>
+          <a:prstGeom prst="triangle">
+            <a:avLst/>
+          </a:prstGeom>
+          <a:solidFill>
+            <a:schemeClr val="bg1">
+              <a:alpha val="0"/>
+            </a:schemeClr>
+          </a:solidFill>
+          <a:ln w="50800">
+            <a:solidFill>
+              <a:schemeClr val="bg1">
+                <a:lumMod val="50000"/>
+              </a:schemeClr>
+            </a:solidFill>
+          </a:ln>
+        </p:spPr>
+        <p:style>
+          <a:lnRef idx="2">
+            <a:schemeClr val="accent1">
+              <a:shade val="50000"/>
+            </a:schemeClr>
+          </a:lnRef>
+          <a:fillRef idx="1">
+            <a:schemeClr val="accent1"/>
+          </a:fillRef>
+          <a:effectRef idx="0">
+            <a:schemeClr val="accent1"/>
+          </a:effectRef>
+          <a:fontRef idx="minor">
+            <a:schemeClr val="lt1"/>
+          </a:fontRef>
+        </p:style>
+        <p:txBody>
+          <a:bodyPr rtlCol="0" anchor="ctr"/>
+          <a:lstStyle/>
+          <a:p>
+            <a:pPr algn="ctr"/>
+            <a:endParaRPr lang="pt-BR"/>
+          </a:p>
+        </p:txBody>
+      </p:sp>
+      <p:sp>
+        <p:nvSpPr>
+          <p:cNvPr id="10" name="TriPU">
+            <a:extLst>
+              <a:ext uri="{FF2B5EF4-FFF2-40B4-BE49-F238E27FC236}">
+                <a16:creationId xmlns:a16="http://schemas.microsoft.com/office/drawing/2014/main" id="{5892320B-0624-4D93-9B77-25D8E834C7F7}"/>
+              </a:ext>
+            </a:extLst>
+          </p:cNvPr>
+          <p:cNvSpPr/>
+          <p:nvPr/>
+        </p:nvSpPr>
+        <p:spPr>
+          <a:xfrm rot="5400000">
+            <a:off x="283922" y="359647"/>
+            <a:ext cx="840028" cy="724162"/>
+          </a:xfrm>
+          <a:prstGeom prst="triangle">
+            <a:avLst/>
+          </a:prstGeom>
+          <a:solidFill>
+            <a:schemeClr val="bg1">
+              <a:alpha val="0"/>
+            </a:schemeClr>
+          </a:solidFill>
+          <a:ln w="50800">
+            <a:solidFill>
+              <a:schemeClr val="bg1">
+                <a:lumMod val="50000"/>
+              </a:schemeClr>
+            </a:solidFill>
+          </a:ln>
+        </p:spPr>
+        <p:style>
+          <a:lnRef idx="2">
+            <a:schemeClr val="accent1">
+              <a:shade val="50000"/>
+            </a:schemeClr>
+          </a:lnRef>
+          <a:fillRef idx="1">
+            <a:schemeClr val="accent1"/>
+          </a:fillRef>
+          <a:effectRef idx="0">
+            <a:schemeClr val="accent1"/>
+          </a:effectRef>
+          <a:fontRef idx="minor">
+            <a:schemeClr val="lt1"/>
+          </a:fontRef>
+        </p:style>
+        <p:txBody>
+          <a:bodyPr rtlCol="0" anchor="ctr"/>
+          <a:lstStyle/>
+          <a:p>
+            <a:pPr algn="ctr"/>
+            <a:endParaRPr lang="pt-BR"/>
+          </a:p>
+        </p:txBody>
+      </p:sp>
+      <p:sp>
+        <p:nvSpPr>
+          <p:cNvPr id="11" name="TriPR">
+            <a:extLst>
+              <a:ext uri="{FF2B5EF4-FFF2-40B4-BE49-F238E27FC236}">
+                <a16:creationId xmlns:a16="http://schemas.microsoft.com/office/drawing/2014/main" id="{16FEC564-2964-450C-AAB1-C2B2DD3BDA58}"/>
+              </a:ext>
+            </a:extLst>
+          </p:cNvPr>
+          <p:cNvSpPr/>
+          <p:nvPr/>
+        </p:nvSpPr>
+        <p:spPr>
+          <a:xfrm rot="16200000">
+            <a:off x="256573" y="830471"/>
+            <a:ext cx="1236581" cy="1066017"/>
+          </a:xfrm>
+          <a:prstGeom prst="triangle">
+            <a:avLst/>
+          </a:prstGeom>
+          <a:solidFill>
+            <a:schemeClr val="bg1">
+              <a:alpha val="0"/>
+            </a:schemeClr>
+          </a:solidFill>
+          <a:ln w="50800">
+            <a:solidFill>
+              <a:schemeClr val="bg1">
+                <a:lumMod val="50000"/>
+              </a:schemeClr>
+            </a:solidFill>
+          </a:ln>
+        </p:spPr>
+        <p:style>
+          <a:lnRef idx="2">
+            <a:schemeClr val="accent1">
+              <a:shade val="50000"/>
+            </a:schemeClr>
+          </a:lnRef>
+          <a:fillRef idx="1">
+            <a:schemeClr val="accent1"/>
+          </a:fillRef>
+          <a:effectRef idx="0">
+            <a:schemeClr val="accent1"/>
+          </a:effectRef>
+          <a:fontRef idx="minor">
+            <a:schemeClr val="lt1"/>
+          </a:fontRef>
+        </p:style>
+        <p:txBody>
+          <a:bodyPr rtlCol="0" anchor="ctr"/>
+          <a:lstStyle/>
+          <a:p>
+            <a:pPr algn="ctr"/>
+            <a:endParaRPr lang="pt-BR"/>
+          </a:p>
+        </p:txBody>
+      </p:sp>
+    </p:spTree>
+    <p:extLst>
+      <p:ext uri="{BB962C8B-B14F-4D97-AF65-F5344CB8AC3E}">
+        <p14:creationId xmlns:p14="http://schemas.microsoft.com/office/powerpoint/2010/main" val="3978144549"/>
+      </p:ext>
+    </p:extLst>
+  </p:cSld>
+  <p:clrMapOvr>
+    <a:masterClrMapping/>
+  </p:clrMapOvr>
+  <p:timing>
+    <p:tnLst>
+      <p:par>
+        <p:cTn id="1" dur="indefinite" restart="never" nodeType="tmRoot">
+          <p:childTnLst>
+            <p:seq concurrent="1" nextAc="seek">
+              <p:cTn id="2" dur="indefinite" nodeType="mainSeq">
+                <p:childTnLst>
+                  <p:par>
+                    <p:cTn id="3" fill="hold">
+                      <p:stCondLst>
+                        <p:cond delay="indefinite"/>
+                        <p:cond evt="onBegin" delay="0">
+                          <p:tn val="2"/>
+                        </p:cond>
+                      </p:stCondLst>
+                      <p:childTnLst>
+                        <p:par>
+                          <p:cTn id="4" fill="hold">
+                            <p:stCondLst>
+                              <p:cond delay="0"/>
+                            </p:stCondLst>
+                            <p:childTnLst>
+                              <p:par>
+                                <p:cTn id="5" presetID="10" presetClass="entr" presetSubtype="0" fill="hold" grpId="1" nodeType="afterEffect">
+                                  <p:stCondLst>
+                                    <p:cond delay="0"/>
+                                  </p:stCondLst>
+                                  <p:childTnLst>
+                                    <p:set>
+                                      <p:cBhvr>
+                                        <p:cTn id="6" dur="1" fill="hold">
+                                          <p:stCondLst>
+                                            <p:cond delay="0"/>
+                                          </p:stCondLst>
+                                        </p:cTn>
+                                        <p:tgtEl>
+                                          <p:spTgt spid="7"/>
+                                        </p:tgtEl>
+                                        <p:attrNameLst>
+                                          <p:attrName>style.visibility</p:attrName>
+                                        </p:attrNameLst>
+                                      </p:cBhvr>
+                                      <p:to>
+                                        <p:strVal val="visible"/>
+                                      </p:to>
+                                    </p:set>
+                                    <p:animEffect transition="in" filter="fade">
+                                      <p:cBhvr>
+                                        <p:cTn id="7" dur="1000"/>
+                                        <p:tgtEl>
+                                          <p:spTgt spid="7"/>
+                                        </p:tgtEl>
+                                      </p:cBhvr>
+                                    </p:animEffect>
+                                  </p:childTnLst>
+                                </p:cTn>
+                              </p:par>
+                              <p:par>
+                                <p:cTn id="8" presetID="42" presetClass="path" presetSubtype="0" accel="50000" decel="50000" fill="hold" grpId="0" nodeType="withEffect">
+                                  <p:stCondLst>
+                                    <p:cond delay="0"/>
+                                  </p:stCondLst>
+                                  <p:childTnLst>
+                                    <p:animMotion origin="layout" path="M 0 -0.18519 L 0 7.40741E-7 " pathEditMode="relative" rAng="0" ptsTypes="AA">
+                                      <p:cBhvr>
+                                        <p:cTn id="9" dur="1000" fill="hold"/>
+                                        <p:tgtEl>
+                                          <p:spTgt spid="7"/>
+                                        </p:tgtEl>
+                                        <p:attrNameLst>
+                                          <p:attrName>ppt_x</p:attrName>
+                                          <p:attrName>ppt_y</p:attrName>
+                                        </p:attrNameLst>
+                                      </p:cBhvr>
+                                      <p:rCtr x="0" y="9259"/>
+                                    </p:animMotion>
+                                  </p:childTnLst>
+                                </p:cTn>
+                              </p:par>
+                              <p:par>
+                                <p:cTn id="10" presetID="10" presetClass="entr" presetSubtype="0" fill="hold" grpId="0" nodeType="withEffect">
+                                  <p:stCondLst>
+                                    <p:cond delay="0"/>
+                                  </p:stCondLst>
+                                  <p:childTnLst>
+                                    <p:set>
+                                      <p:cBhvr>
+                                        <p:cTn id="11" dur="1" fill="hold">
+                                          <p:stCondLst>
+                                            <p:cond delay="0"/>
+                                          </p:stCondLst>
+                                        </p:cTn>
+                                        <p:tgtEl>
+                                          <p:spTgt spid="9"/>
+                                        </p:tgtEl>
+                                        <p:attrNameLst>
+                                          <p:attrName>style.visibility</p:attrName>
+                                        </p:attrNameLst>
+                                      </p:cBhvr>
+                                      <p:to>
+                                        <p:strVal val="visible"/>
+                                      </p:to>
+                                    </p:set>
+                                    <p:animEffect transition="in" filter="fade">
+                                      <p:cBhvr>
+                                        <p:cTn id="12" dur="1250"/>
+                                        <p:tgtEl>
+                                          <p:spTgt spid="9"/>
+                                        </p:tgtEl>
+                                      </p:cBhvr>
+                                    </p:animEffect>
+                                  </p:childTnLst>
+                                </p:cTn>
+                              </p:par>
+                              <p:par>
+                                <p:cTn id="13" presetID="42" presetClass="path" presetSubtype="0" accel="50000" decel="50000" fill="hold" grpId="1" nodeType="withEffect">
+                                  <p:stCondLst>
+                                    <p:cond delay="0"/>
+                                  </p:stCondLst>
+                                  <p:childTnLst>
+                                    <p:animMotion origin="layout" path="M -1.66667E-6 -0.20995 L -1.66667E-6 1.11111E-6 " pathEditMode="fixed" rAng="0" ptsTypes="AA">
+                                      <p:cBhvr>
+                                        <p:cTn id="14" dur="1250" fill="hold"/>
+                                        <p:tgtEl>
+                                          <p:spTgt spid="9"/>
+                                        </p:tgtEl>
+                                        <p:attrNameLst>
+                                          <p:attrName>ppt_x</p:attrName>
+                                          <p:attrName>ppt_y</p:attrName>
+                                        </p:attrNameLst>
+                                      </p:cBhvr>
+                                      <p:rCtr x="0" y="10486"/>
+                                    </p:animMotion>
+                                  </p:childTnLst>
+                                </p:cTn>
+                              </p:par>
+                              <p:par>
+                                <p:cTn id="15" presetID="10" presetClass="entr" presetSubtype="0" fill="hold" grpId="0" nodeType="withEffect">
+                                  <p:stCondLst>
+                                    <p:cond delay="0"/>
+                                  </p:stCondLst>
+                                  <p:childTnLst>
+                                    <p:set>
+                                      <p:cBhvr>
+                                        <p:cTn id="16" dur="1" fill="hold">
+                                          <p:stCondLst>
+                                            <p:cond delay="0"/>
+                                          </p:stCondLst>
+                                        </p:cTn>
+                                        <p:tgtEl>
+                                          <p:spTgt spid="8"/>
+                                        </p:tgtEl>
+                                        <p:attrNameLst>
+                                          <p:attrName>style.visibility</p:attrName>
+                                        </p:attrNameLst>
+                                      </p:cBhvr>
+                                      <p:to>
+                                        <p:strVal val="visible"/>
+                                      </p:to>
+                                    </p:set>
+                                    <p:animEffect transition="in" filter="fade">
+                                      <p:cBhvr>
+                                        <p:cTn id="17" dur="1250"/>
+                                        <p:tgtEl>
+                                          <p:spTgt spid="8"/>
+                                        </p:tgtEl>
+                                      </p:cBhvr>
+                                    </p:animEffect>
+                                  </p:childTnLst>
+                                </p:cTn>
+                              </p:par>
+                              <p:par>
+                                <p:cTn id="18" presetID="64" presetClass="path" presetSubtype="0" accel="50000" decel="50000" fill="hold" grpId="1" nodeType="withEffect">
+                                  <p:stCondLst>
+                                    <p:cond delay="0"/>
+                                  </p:stCondLst>
+                                  <p:childTnLst>
+                                    <p:animMotion origin="layout" path="M 1.04167E-6 0.27824 L 1.04167E-6 2.96296E-6 " pathEditMode="fixed" rAng="0" ptsTypes="AA">
+                                      <p:cBhvr>
+                                        <p:cTn id="19" dur="1250" fill="hold"/>
+                                        <p:tgtEl>
+                                          <p:spTgt spid="8"/>
+                                        </p:tgtEl>
+                                        <p:attrNameLst>
+                                          <p:attrName>ppt_x</p:attrName>
+                                          <p:attrName>ppt_y</p:attrName>
+                                        </p:attrNameLst>
+                                      </p:cBhvr>
+                                      <p:rCtr x="0" y="-13912"/>
+                                    </p:animMotion>
+                                  </p:childTnLst>
+                                </p:cTn>
+                              </p:par>
+                              <p:par>
+                                <p:cTn id="20" presetID="10" presetClass="entr" presetSubtype="0" fill="hold" grpId="0" nodeType="withEffect">
+                                  <p:stCondLst>
+                                    <p:cond delay="0"/>
+                                  </p:stCondLst>
+                                  <p:childTnLst>
+                                    <p:set>
+                                      <p:cBhvr>
+                                        <p:cTn id="21" dur="1" fill="hold">
+                                          <p:stCondLst>
+                                            <p:cond delay="0"/>
+                                          </p:stCondLst>
+                                        </p:cTn>
+                                        <p:tgtEl>
+                                          <p:spTgt spid="10"/>
+                                        </p:tgtEl>
+                                        <p:attrNameLst>
+                                          <p:attrName>style.visibility</p:attrName>
+                                        </p:attrNameLst>
+                                      </p:cBhvr>
+                                      <p:to>
+                                        <p:strVal val="visible"/>
+                                      </p:to>
+                                    </p:set>
+                                    <p:animEffect transition="in" filter="fade">
+                                      <p:cBhvr>
+                                        <p:cTn id="22" dur="1250"/>
+                                        <p:tgtEl>
+                                          <p:spTgt spid="10"/>
+                                        </p:tgtEl>
+                                      </p:cBhvr>
+                                    </p:animEffect>
+                                  </p:childTnLst>
+                                </p:cTn>
+                              </p:par>
+                              <p:par>
+                                <p:cTn id="23" presetID="63" presetClass="path" presetSubtype="0" accel="50000" decel="50000" fill="hold" grpId="1" nodeType="withEffect">
+                                  <p:stCondLst>
+                                    <p:cond delay="0"/>
+                                  </p:stCondLst>
+                                  <p:childTnLst>
+                                    <p:animMotion origin="layout" path="M -0.13372 -4.07407E-6 L 5E-6 -4.07407E-6 " pathEditMode="relative" rAng="0" ptsTypes="AA">
+                                      <p:cBhvr>
+                                        <p:cTn id="24" dur="1250" fill="hold"/>
+                                        <p:tgtEl>
+                                          <p:spTgt spid="10"/>
+                                        </p:tgtEl>
+                                        <p:attrNameLst>
+                                          <p:attrName>ppt_x</p:attrName>
+                                          <p:attrName>ppt_y</p:attrName>
+                                        </p:attrNameLst>
+                                      </p:cBhvr>
+                                      <p:rCtr x="6771" y="0"/>
+                                    </p:animMotion>
+                                  </p:childTnLst>
+                                </p:cTn>
+                              </p:par>
+                              <p:par>
+                                <p:cTn id="25" presetID="10" presetClass="entr" presetSubtype="0" fill="hold" grpId="0" nodeType="withEffect">
+                                  <p:stCondLst>
+                                    <p:cond delay="0"/>
+                                  </p:stCondLst>
+                                  <p:childTnLst>
+                                    <p:set>
+                                      <p:cBhvr>
+                                        <p:cTn id="26" dur="1" fill="hold">
+                                          <p:stCondLst>
+                                            <p:cond delay="0"/>
+                                          </p:stCondLst>
+                                        </p:cTn>
+                                        <p:tgtEl>
+                                          <p:spTgt spid="11"/>
+                                        </p:tgtEl>
+                                        <p:attrNameLst>
+                                          <p:attrName>style.visibility</p:attrName>
+                                        </p:attrNameLst>
+                                      </p:cBhvr>
+                                      <p:to>
+                                        <p:strVal val="visible"/>
+                                      </p:to>
+                                    </p:set>
+                                    <p:animEffect transition="in" filter="fade">
+                                      <p:cBhvr>
+                                        <p:cTn id="27" dur="1250"/>
+                                        <p:tgtEl>
+                                          <p:spTgt spid="11"/>
+                                        </p:tgtEl>
+                                      </p:cBhvr>
+                                    </p:animEffect>
+                                  </p:childTnLst>
+                                </p:cTn>
+                              </p:par>
+                              <p:par>
+                                <p:cTn id="28" presetID="35" presetClass="path" presetSubtype="0" accel="50000" decel="50000" fill="hold" grpId="1" nodeType="withEffect">
+                                  <p:stCondLst>
+                                    <p:cond delay="0"/>
+                                  </p:stCondLst>
+                                  <p:childTnLst>
+                                    <p:animMotion origin="layout" path="M 0.12305 -2.59259E-6 L -4.79167E-6 -2.59259E-6 " pathEditMode="fixed" rAng="0" ptsTypes="AA">
+                                      <p:cBhvr>
+                                        <p:cTn id="29" dur="1250" fill="hold"/>
+                                        <p:tgtEl>
+                                          <p:spTgt spid="11"/>
+                                        </p:tgtEl>
+                                        <p:attrNameLst>
+                                          <p:attrName>ppt_x</p:attrName>
+                                          <p:attrName>ppt_y</p:attrName>
+                                        </p:attrNameLst>
+                                      </p:cBhvr>
+                                      <p:rCtr x="-6159" y="0"/>
+                                    </p:animMotion>
+                                  </p:childTnLst>
+                                </p:cTn>
+                              </p:par>
+                              <p:par>
+                                <p:cTn id="30" presetID="6" presetClass="entr" presetSubtype="32" fill="hold" grpId="0" nodeType="withEffect">
+                                  <p:stCondLst>
+                                    <p:cond delay="0"/>
+                                  </p:stCondLst>
+                                  <p:childTnLst>
+                                    <p:set>
+                                      <p:cBhvr>
+                                        <p:cTn id="31" dur="1" fill="hold">
+                                          <p:stCondLst>
+                                            <p:cond delay="0"/>
+                                          </p:stCondLst>
+                                        </p:cTn>
+                                        <p:tgtEl>
+                                          <p:spTgt spid="5"/>
+                                        </p:tgtEl>
+                                        <p:attrNameLst>
+                                          <p:attrName>style.visibility</p:attrName>
+                                        </p:attrNameLst>
+                                      </p:cBhvr>
+                                      <p:to>
+                                        <p:strVal val="visible"/>
+                                      </p:to>
+                                    </p:set>
+                                    <p:animEffect transition="in" filter="circle(out)">
+                                      <p:cBhvr>
+                                        <p:cTn id="32" dur="500"/>
+                                        <p:tgtEl>
+                                          <p:spTgt spid="5"/>
+                                        </p:tgtEl>
+                                      </p:cBhvr>
+                                    </p:animEffect>
+                                  </p:childTnLst>
+                                </p:cTn>
+                              </p:par>
+                            </p:childTnLst>
+                          </p:cTn>
+                        </p:par>
+                        <p:par>
+                          <p:cTn id="33" fill="hold">
+                            <p:stCondLst>
+                              <p:cond delay="1250"/>
+                            </p:stCondLst>
+                            <p:childTnLst>
+                              <p:par>
+                                <p:cTn id="34" presetID="64" presetClass="path" presetSubtype="0" repeatCount="indefinite" accel="50000" decel="50000" autoRev="1" fill="hold" grpId="2" nodeType="afterEffect">
+                                  <p:stCondLst>
+                                    <p:cond delay="0"/>
+                                  </p:stCondLst>
+                                  <p:childTnLst>
+                                    <p:animMotion origin="layout" path="M -1.66667E-6 1.11111E-6 L -0.00026 -0.02639 " pathEditMode="relative" rAng="0" ptsTypes="AA">
+                                      <p:cBhvr>
+                                        <p:cTn id="35" dur="7000" fill="hold"/>
+                                        <p:tgtEl>
+                                          <p:spTgt spid="9"/>
+                                        </p:tgtEl>
+                                        <p:attrNameLst>
+                                          <p:attrName>ppt_x</p:attrName>
+                                          <p:attrName>ppt_y</p:attrName>
+                                        </p:attrNameLst>
+                                      </p:cBhvr>
+                                      <p:rCtr x="-13" y="-1319"/>
+                                    </p:animMotion>
+                                  </p:childTnLst>
+                                </p:cTn>
+                              </p:par>
+                              <p:par>
+                                <p:cTn id="36" presetID="42" presetClass="path" presetSubtype="0" repeatCount="indefinite" accel="50000" decel="50000" autoRev="1" fill="hold" grpId="2" nodeType="withEffect">
+                                  <p:stCondLst>
+                                    <p:cond delay="0"/>
+                                  </p:stCondLst>
+                                  <p:childTnLst>
+                                    <p:animMotion origin="layout" path="M 1.04167E-6 2.96296E-6 L 0.00065 0.02106 " pathEditMode="relative" rAng="0" ptsTypes="AA">
+                                      <p:cBhvr>
+                                        <p:cTn id="37" dur="7000" fill="hold"/>
+                                        <p:tgtEl>
+                                          <p:spTgt spid="8"/>
+                                        </p:tgtEl>
+                                        <p:attrNameLst>
+                                          <p:attrName>ppt_x</p:attrName>
+                                          <p:attrName>ppt_y</p:attrName>
+                                        </p:attrNameLst>
+                                      </p:cBhvr>
+                                      <p:rCtr x="26" y="1042"/>
+                                    </p:animMotion>
+                                  </p:childTnLst>
+                                </p:cTn>
+                              </p:par>
+                              <p:par>
+                                <p:cTn id="38" presetID="35" presetClass="path" presetSubtype="0" repeatCount="indefinite" accel="50000" decel="50000" autoRev="1" fill="hold" grpId="2" nodeType="withEffect">
+                                  <p:stCondLst>
+                                    <p:cond delay="0"/>
+                                  </p:stCondLst>
+                                  <p:childTnLst>
+                                    <p:animMotion origin="layout" path="M -2.29167E-6 -4.07407E-6 L -0.01185 0.00024 " pathEditMode="relative" rAng="0" ptsTypes="AA">
+                                      <p:cBhvr>
+                                        <p:cTn id="39" dur="7000" fill="hold"/>
+                                        <p:tgtEl>
+                                          <p:spTgt spid="10"/>
+                                        </p:tgtEl>
+                                        <p:attrNameLst>
+                                          <p:attrName>ppt_x</p:attrName>
+                                          <p:attrName>ppt_y</p:attrName>
+                                        </p:attrNameLst>
+                                      </p:cBhvr>
+                                      <p:rCtr x="-599" y="0"/>
+                                    </p:animMotion>
+                                  </p:childTnLst>
+                                </p:cTn>
+                              </p:par>
+                              <p:par>
+                                <p:cTn id="40" presetID="63" presetClass="path" presetSubtype="0" repeatCount="indefinite" accel="50000" decel="50000" autoRev="1" fill="hold" grpId="2" nodeType="withEffect">
+                                  <p:stCondLst>
+                                    <p:cond delay="0"/>
+                                  </p:stCondLst>
+                                  <p:childTnLst>
+                                    <p:animMotion origin="layout" path="M -4.79167E-6 -2.59259E-6 L 0.02058 -2.59259E-6 " pathEditMode="relative" rAng="0" ptsTypes="AA">
+                                      <p:cBhvr>
+                                        <p:cTn id="41" dur="7000" fill="hold"/>
+                                        <p:tgtEl>
+                                          <p:spTgt spid="11"/>
+                                        </p:tgtEl>
+                                        <p:attrNameLst>
+                                          <p:attrName>ppt_x</p:attrName>
+                                          <p:attrName>ppt_y</p:attrName>
+                                        </p:attrNameLst>
+                                      </p:cBhvr>
+                                      <p:rCtr x="1029" y="0"/>
+                                    </p:animMotion>
+                                  </p:childTnLst>
+                                </p:cTn>
+                              </p:par>
+                            </p:childTnLst>
+                          </p:cTn>
+                        </p:par>
+                      </p:childTnLst>
+                    </p:cTn>
+                  </p:par>
+                </p:childTnLst>
+              </p:cTn>
+              <p:prevCondLst>
+                <p:cond evt="onPrev" delay="0">
+                  <p:tgtEl>
+                    <p:sldTgt/>
+                  </p:tgtEl>
+                </p:cond>
+              </p:prevCondLst>
+              <p:nextCondLst>
+                <p:cond evt="onNext" delay="0">
+                  <p:tgtEl>
+                    <p:sldTgt/>
+                  </p:tgtEl>
+                </p:cond>
+              </p:nextCondLst>
+            </p:seq>
+          </p:childTnLst>
+        </p:cTn>
+      </p:par>
+    </p:tnLst>
+    <p:bldLst>
+      <p:bldP spid="5" grpId="0" animBg="1"/>
+      <p:bldP spid="7" grpId="0"/>
+      <p:bldP spid="7" grpId="1"/>
+      <p:bldP spid="8" grpId="0" animBg="1"/>
+      <p:bldP spid="8" grpId="1" animBg="1"/>
+      <p:bldP spid="8" grpId="2" animBg="1"/>
+      <p:bldP spid="9" grpId="0" animBg="1"/>
+      <p:bldP spid="9" grpId="1" animBg="1"/>
+      <p:bldP spid="9" grpId="2" animBg="1"/>
+      <p:bldP spid="10" grpId="0" animBg="1"/>
+      <p:bldP spid="10" grpId="1" animBg="1"/>
+      <p:bldP spid="10" grpId="2" animBg="1"/>
+      <p:bldP spid="11" grpId="0" animBg="1"/>
+      <p:bldP spid="11" grpId="1" animBg="1"/>
+      <p:bldP spid="11" grpId="2" animBg="1"/>
+    </p:bldLst>
+  </p:timing>
+</p:sld>
+</file>
+
+<file path=ppt/slides/slide37.xml><?xml version="1.0" encoding="utf-8"?>
+<p:sld xmlns:a="http://schemas.openxmlformats.org/drawingml/2006/main" xmlns:r="http://schemas.openxmlformats.org/officeDocument/2006/relationships" xmlns:p="http://schemas.openxmlformats.org/presentationml/2006/main">
+  <p:cSld>
+    <p:spTree>
+      <p:nvGrpSpPr>
+        <p:cNvPr id="1" name=""/>
+        <p:cNvGrpSpPr/>
+        <p:nvPr/>
+      </p:nvGrpSpPr>
+      <p:grpSpPr>
+        <a:xfrm>
+          <a:off x="0" y="0"/>
+          <a:ext cx="0" cy="0"/>
+          <a:chOff x="0" y="0"/>
+          <a:chExt cx="0" cy="0"/>
+        </a:xfrm>
+      </p:grpSpPr>
+      <p:sp>
+        <p:nvSpPr>
+          <p:cNvPr id="4" name="Fundo">
+            <a:extLst>
+              <a:ext uri="{FF2B5EF4-FFF2-40B4-BE49-F238E27FC236}">
+                <a16:creationId xmlns:a16="http://schemas.microsoft.com/office/drawing/2014/main" id="{9C13411A-FEFC-4C5E-A56A-D7682DB2B28D}"/>
+              </a:ext>
+            </a:extLst>
+          </p:cNvPr>
+          <p:cNvSpPr/>
+          <p:nvPr/>
+        </p:nvSpPr>
+        <p:spPr>
+          <a:xfrm>
+            <a:off x="0" y="0"/>
+            <a:ext cx="12192000" cy="6854371"/>
+          </a:xfrm>
+          <a:prstGeom prst="rect">
+            <a:avLst/>
+          </a:prstGeom>
+          <a:gradFill flip="none" rotWithShape="1">
+            <a:gsLst>
+              <a:gs pos="0">
+                <a:schemeClr val="bg2">
+                  <a:lumMod val="25000"/>
+                </a:schemeClr>
+              </a:gs>
+              <a:gs pos="94000">
+                <a:schemeClr val="tx1">
+                  <a:lumMod val="95000"/>
+                  <a:lumOff val="5000"/>
+                </a:schemeClr>
+              </a:gs>
+            </a:gsLst>
+            <a:lin ang="2700000" scaled="1"/>
+            <a:tileRect/>
+          </a:gradFill>
+        </p:spPr>
+        <p:style>
+          <a:lnRef idx="2">
+            <a:schemeClr val="accent1">
+              <a:shade val="50000"/>
+            </a:schemeClr>
+          </a:lnRef>
+          <a:fillRef idx="1">
+            <a:schemeClr val="accent1"/>
+          </a:fillRef>
+          <a:effectRef idx="0">
+            <a:schemeClr val="accent1"/>
+          </a:effectRef>
+          <a:fontRef idx="minor">
+            <a:schemeClr val="lt1"/>
+          </a:fontRef>
+        </p:style>
+        <p:txBody>
+          <a:bodyPr rtlCol="0" anchor="ctr"/>
+          <a:lstStyle/>
+          <a:p>
+            <a:pPr algn="ctr"/>
+            <a:endParaRPr lang="pt-BR" u="sng" dirty="0"/>
+          </a:p>
+        </p:txBody>
+      </p:sp>
+      <p:sp>
+        <p:nvSpPr>
+          <p:cNvPr id="5" name="VidroVerde">
+            <a:extLst>
+              <a:ext uri="{FF2B5EF4-FFF2-40B4-BE49-F238E27FC236}">
+                <a16:creationId xmlns:a16="http://schemas.microsoft.com/office/drawing/2014/main" id="{691986C3-6618-4EA2-B887-9273FD81E32A}"/>
+              </a:ext>
+            </a:extLst>
+          </p:cNvPr>
+          <p:cNvSpPr/>
+          <p:nvPr/>
+        </p:nvSpPr>
+        <p:spPr>
+          <a:xfrm>
+            <a:off x="7529696" y="0"/>
+            <a:ext cx="4664036" cy="4148724"/>
+          </a:xfrm>
+          <a:prstGeom prst="rect">
+            <a:avLst/>
+          </a:prstGeom>
+          <a:gradFill flip="none" rotWithShape="1">
+            <a:gsLst>
+              <a:gs pos="0">
+                <a:srgbClr val="37B62A"/>
+              </a:gs>
+              <a:gs pos="100000">
+                <a:srgbClr val="08A35C">
+                  <a:alpha val="25000"/>
+                </a:srgbClr>
+              </a:gs>
+            </a:gsLst>
+            <a:lin ang="13500000" scaled="1"/>
+            <a:tileRect/>
+          </a:gradFill>
+        </p:spPr>
+        <p:style>
+          <a:lnRef idx="2">
+            <a:schemeClr val="accent1">
+              <a:shade val="50000"/>
+            </a:schemeClr>
+          </a:lnRef>
+          <a:fillRef idx="1">
+            <a:schemeClr val="accent1"/>
+          </a:fillRef>
+          <a:effectRef idx="0">
+            <a:schemeClr val="accent1"/>
+          </a:effectRef>
+          <a:fontRef idx="minor">
+            <a:schemeClr val="lt1"/>
+          </a:fontRef>
+        </p:style>
+        <p:txBody>
+          <a:bodyPr rtlCol="0" anchor="ctr"/>
+          <a:lstStyle/>
+          <a:p>
+            <a:pPr algn="ctr"/>
+            <a:endParaRPr lang="pt-BR"/>
+          </a:p>
+        </p:txBody>
+      </p:sp>
+      <p:sp>
+        <p:nvSpPr>
+          <p:cNvPr id="6" name="FundoFake">
+            <a:extLst>
+              <a:ext uri="{FF2B5EF4-FFF2-40B4-BE49-F238E27FC236}">
+                <a16:creationId xmlns:a16="http://schemas.microsoft.com/office/drawing/2014/main" id="{79FB3473-7731-4C1C-8406-DE49901B055F}"/>
+              </a:ext>
+            </a:extLst>
+          </p:cNvPr>
+          <p:cNvSpPr/>
+          <p:nvPr/>
+        </p:nvSpPr>
+        <p:spPr>
+          <a:xfrm>
+            <a:off x="0" y="21727"/>
+            <a:ext cx="12192000" cy="6854371"/>
+          </a:xfrm>
+          <a:custGeom>
+            <a:avLst/>
+            <a:gdLst>
+              <a:gd name="connsiteX0" fmla="*/ 10964636 w 12192000"/>
+              <a:gd name="connsiteY0" fmla="*/ 5019875 h 6854371"/>
+              <a:gd name="connsiteX1" fmla="*/ 10088186 w 12192000"/>
+              <a:gd name="connsiteY1" fmla="*/ 6530996 h 6854371"/>
+              <a:gd name="connsiteX2" fmla="*/ 11841086 w 12192000"/>
+              <a:gd name="connsiteY2" fmla="*/ 6530996 h 6854371"/>
+              <a:gd name="connsiteX3" fmla="*/ 341855 w 12192000"/>
+              <a:gd name="connsiteY3" fmla="*/ 265518 h 6854371"/>
+              <a:gd name="connsiteX4" fmla="*/ 341855 w 12192000"/>
+              <a:gd name="connsiteY4" fmla="*/ 1105546 h 6854371"/>
+              <a:gd name="connsiteX5" fmla="*/ 1066017 w 12192000"/>
+              <a:gd name="connsiteY5" fmla="*/ 685532 h 6854371"/>
+              <a:gd name="connsiteX6" fmla="*/ 0 w 12192000"/>
+              <a:gd name="connsiteY6" fmla="*/ 0 h 6854371"/>
+              <a:gd name="connsiteX7" fmla="*/ 9124785 w 12192000"/>
+              <a:gd name="connsiteY7" fmla="*/ 0 h 6854371"/>
+              <a:gd name="connsiteX8" fmla="*/ 12192000 w 12192000"/>
+              <a:gd name="connsiteY8" fmla="*/ 3067215 h 6854371"/>
+              <a:gd name="connsiteX9" fmla="*/ 12192000 w 12192000"/>
+              <a:gd name="connsiteY9" fmla="*/ 6854371 h 6854371"/>
+              <a:gd name="connsiteX10" fmla="*/ 0 w 12192000"/>
+              <a:gd name="connsiteY10" fmla="*/ 6854371 h 6854371"/>
+            </a:gdLst>
+            <a:ahLst/>
+            <a:cxnLst>
+              <a:cxn ang="0">
+                <a:pos x="connsiteX0" y="connsiteY0"/>
+              </a:cxn>
+              <a:cxn ang="0">
+                <a:pos x="connsiteX1" y="connsiteY1"/>
+              </a:cxn>
+              <a:cxn ang="0">
+                <a:pos x="connsiteX2" y="connsiteY2"/>
+              </a:cxn>
+              <a:cxn ang="0">
+                <a:pos x="connsiteX3" y="connsiteY3"/>
+              </a:cxn>
+              <a:cxn ang="0">
+                <a:pos x="connsiteX4" y="connsiteY4"/>
+              </a:cxn>
+              <a:cxn ang="0">
+                <a:pos x="connsiteX5" y="connsiteY5"/>
+              </a:cxn>
+              <a:cxn ang="0">
+                <a:pos x="connsiteX6" y="connsiteY6"/>
+              </a:cxn>
+              <a:cxn ang="0">
+                <a:pos x="connsiteX7" y="connsiteY7"/>
+              </a:cxn>
+              <a:cxn ang="0">
+                <a:pos x="connsiteX8" y="connsiteY8"/>
+              </a:cxn>
+              <a:cxn ang="0">
+                <a:pos x="connsiteX9" y="connsiteY9"/>
+              </a:cxn>
+              <a:cxn ang="0">
+                <a:pos x="connsiteX10" y="connsiteY10"/>
+              </a:cxn>
+            </a:cxnLst>
+            <a:rect l="l" t="t" r="r" b="b"/>
+            <a:pathLst>
+              <a:path w="12192000" h="6854371">
+                <a:moveTo>
+                  <a:pt x="10964636" y="5019875"/>
+                </a:moveTo>
+                <a:lnTo>
+                  <a:pt x="10088186" y="6530996"/>
+                </a:lnTo>
+                <a:lnTo>
+                  <a:pt x="11841086" y="6530996"/>
+                </a:lnTo>
+                <a:close/>
+                <a:moveTo>
+                  <a:pt x="341855" y="265518"/>
+                </a:moveTo>
+                <a:lnTo>
+                  <a:pt x="341855" y="1105546"/>
+                </a:lnTo>
+                <a:lnTo>
+                  <a:pt x="1066017" y="685532"/>
+                </a:lnTo>
+                <a:close/>
+                <a:moveTo>
+                  <a:pt x="0" y="0"/>
+                </a:moveTo>
+                <a:lnTo>
+                  <a:pt x="9124785" y="0"/>
+                </a:lnTo>
+                <a:lnTo>
+                  <a:pt x="12192000" y="3067215"/>
+                </a:lnTo>
+                <a:lnTo>
+                  <a:pt x="12192000" y="6854371"/>
+                </a:lnTo>
+                <a:lnTo>
+                  <a:pt x="0" y="6854371"/>
+                </a:lnTo>
+                <a:close/>
+              </a:path>
+            </a:pathLst>
+          </a:custGeom>
+          <a:gradFill flip="none" rotWithShape="1">
+            <a:gsLst>
+              <a:gs pos="0">
+                <a:schemeClr val="bg2">
+                  <a:lumMod val="25000"/>
+                </a:schemeClr>
+              </a:gs>
+              <a:gs pos="94000">
+                <a:schemeClr val="tx1">
+                  <a:lumMod val="95000"/>
+                  <a:lumOff val="5000"/>
+                </a:schemeClr>
+              </a:gs>
+            </a:gsLst>
+            <a:lin ang="2700000" scaled="1"/>
+            <a:tileRect/>
+          </a:gradFill>
+          <a:ln>
+            <a:noFill/>
+          </a:ln>
+        </p:spPr>
+        <p:style>
+          <a:lnRef idx="2">
+            <a:schemeClr val="accent1">
+              <a:shade val="50000"/>
+            </a:schemeClr>
+          </a:lnRef>
+          <a:fillRef idx="1">
+            <a:schemeClr val="accent1"/>
+          </a:fillRef>
+          <a:effectRef idx="0">
+            <a:schemeClr val="accent1"/>
+          </a:effectRef>
+          <a:fontRef idx="minor">
+            <a:schemeClr val="lt1"/>
+          </a:fontRef>
+        </p:style>
+        <p:txBody>
+          <a:bodyPr wrap="square" rtlCol="0" anchor="ctr">
+            <a:noAutofit/>
+          </a:bodyPr>
+          <a:lstStyle/>
+          <a:p>
+            <a:pPr algn="ctr"/>
+            <a:endParaRPr lang="pt-BR" u="sng" dirty="0"/>
+          </a:p>
+        </p:txBody>
+      </p:sp>
+      <p:sp>
+        <p:nvSpPr>
+          <p:cNvPr id="7" name="Titulo">
+            <a:extLst>
+              <a:ext uri="{FF2B5EF4-FFF2-40B4-BE49-F238E27FC236}">
+                <a16:creationId xmlns:a16="http://schemas.microsoft.com/office/drawing/2014/main" id="{780A33C9-9E11-48BD-927D-5C9D36AA8D29}"/>
+              </a:ext>
+            </a:extLst>
+          </p:cNvPr>
+          <p:cNvSpPr txBox="1"/>
+          <p:nvPr/>
+        </p:nvSpPr>
+        <p:spPr>
+          <a:xfrm>
+            <a:off x="5411987" y="301714"/>
+            <a:ext cx="1368026" cy="707886"/>
+          </a:xfrm>
+          <a:prstGeom prst="rect">
+            <a:avLst/>
+          </a:prstGeom>
+          <a:noFill/>
+          <a:effectLst>
+            <a:outerShdw blurRad="50800" dist="38100" dir="2700000" algn="tl" rotWithShape="0">
+              <a:prstClr val="black">
+                <a:alpha val="40000"/>
+              </a:prstClr>
+            </a:outerShdw>
+          </a:effectLst>
+        </p:spPr>
+        <p:txBody>
+          <a:bodyPr wrap="square" rtlCol="0">
+            <a:spAutoFit/>
+          </a:bodyPr>
+          <a:lstStyle/>
+          <a:p>
+            <a:pPr algn="ctr"/>
+            <a:r>
+              <a:rPr lang="pt-BR" sz="4000" dirty="0">
+                <a:solidFill>
+                  <a:schemeClr val="accent6"/>
+                </a:solidFill>
+                <a:latin typeface="Gill Sans MT" panose="020B0502020104020203" pitchFamily="34" charset="0"/>
+              </a:rPr>
+              <a:t>DER</a:t>
+            </a:r>
+            <a:endParaRPr lang="pt-BR" sz="3600" dirty="0">
+              <a:solidFill>
+                <a:schemeClr val="accent6"/>
+              </a:solidFill>
+              <a:latin typeface="Gill Sans MT" panose="020B0502020104020203" pitchFamily="34" charset="0"/>
+            </a:endParaRPr>
+          </a:p>
+        </p:txBody>
+      </p:sp>
+      <p:sp>
+        <p:nvSpPr>
+          <p:cNvPr id="8" name="TriG">
+            <a:extLst>
+              <a:ext uri="{FF2B5EF4-FFF2-40B4-BE49-F238E27FC236}">
+                <a16:creationId xmlns:a16="http://schemas.microsoft.com/office/drawing/2014/main" id="{AADACAF1-9E30-4F20-B688-7A7EADEF0082}"/>
+              </a:ext>
+            </a:extLst>
+          </p:cNvPr>
+          <p:cNvSpPr/>
+          <p:nvPr/>
+        </p:nvSpPr>
+        <p:spPr>
+          <a:xfrm>
+            <a:off x="10088186" y="5027133"/>
+            <a:ext cx="1752900" cy="1511121"/>
+          </a:xfrm>
+          <a:prstGeom prst="triangle">
+            <a:avLst/>
+          </a:prstGeom>
+          <a:solidFill>
+            <a:schemeClr val="bg1">
+              <a:alpha val="0"/>
+            </a:schemeClr>
+          </a:solidFill>
+          <a:ln w="50800">
+            <a:solidFill>
+              <a:schemeClr val="bg1">
+                <a:lumMod val="50000"/>
+              </a:schemeClr>
+            </a:solidFill>
+          </a:ln>
+          <a:effectLst>
+            <a:outerShdw blurRad="50800" dist="38100" dir="2700000" algn="tl" rotWithShape="0">
+              <a:prstClr val="black">
+                <a:alpha val="40000"/>
+              </a:prstClr>
+            </a:outerShdw>
+          </a:effectLst>
+        </p:spPr>
+        <p:style>
+          <a:lnRef idx="2">
+            <a:schemeClr val="accent1">
+              <a:shade val="50000"/>
+            </a:schemeClr>
+          </a:lnRef>
+          <a:fillRef idx="1">
+            <a:schemeClr val="accent1"/>
+          </a:fillRef>
+          <a:effectRef idx="0">
+            <a:schemeClr val="accent1"/>
+          </a:effectRef>
+          <a:fontRef idx="minor">
+            <a:schemeClr val="lt1"/>
+          </a:fontRef>
+        </p:style>
+        <p:txBody>
+          <a:bodyPr rtlCol="0" anchor="ctr"/>
+          <a:lstStyle/>
+          <a:p>
+            <a:pPr algn="ctr"/>
+            <a:endParaRPr lang="pt-BR"/>
+          </a:p>
+        </p:txBody>
+      </p:sp>
+      <p:sp>
+        <p:nvSpPr>
+          <p:cNvPr id="9" name="TriPB">
+            <a:extLst>
+              <a:ext uri="{FF2B5EF4-FFF2-40B4-BE49-F238E27FC236}">
+                <a16:creationId xmlns:a16="http://schemas.microsoft.com/office/drawing/2014/main" id="{941072CF-8850-4E71-A699-7672CB064464}"/>
+              </a:ext>
+            </a:extLst>
+          </p:cNvPr>
+          <p:cNvSpPr/>
+          <p:nvPr/>
+        </p:nvSpPr>
+        <p:spPr>
+          <a:xfrm rot="10800000">
+            <a:off x="9688549" y="5123088"/>
+            <a:ext cx="765142" cy="659605"/>
+          </a:xfrm>
+          <a:prstGeom prst="triangle">
+            <a:avLst/>
+          </a:prstGeom>
+          <a:solidFill>
+            <a:schemeClr val="bg1">
+              <a:alpha val="0"/>
+            </a:schemeClr>
+          </a:solidFill>
+          <a:ln w="50800">
+            <a:solidFill>
+              <a:schemeClr val="bg1">
+                <a:lumMod val="50000"/>
+              </a:schemeClr>
+            </a:solidFill>
+          </a:ln>
+          <a:effectLst>
+            <a:outerShdw blurRad="50800" dist="38100" dir="2700000" algn="tl" rotWithShape="0">
+              <a:prstClr val="black">
+                <a:alpha val="40000"/>
+              </a:prstClr>
+            </a:outerShdw>
+          </a:effectLst>
+        </p:spPr>
+        <p:style>
+          <a:lnRef idx="2">
+            <a:schemeClr val="accent1">
+              <a:shade val="50000"/>
+            </a:schemeClr>
+          </a:lnRef>
+          <a:fillRef idx="1">
+            <a:schemeClr val="accent1"/>
+          </a:fillRef>
+          <a:effectRef idx="0">
+            <a:schemeClr val="accent1"/>
+          </a:effectRef>
+          <a:fontRef idx="minor">
+            <a:schemeClr val="lt1"/>
+          </a:fontRef>
+        </p:style>
+        <p:txBody>
+          <a:bodyPr rtlCol="0" anchor="ctr"/>
+          <a:lstStyle/>
+          <a:p>
+            <a:pPr algn="ctr"/>
+            <a:endParaRPr lang="pt-BR"/>
+          </a:p>
+        </p:txBody>
+      </p:sp>
+      <p:sp>
+        <p:nvSpPr>
+          <p:cNvPr id="10" name="TriPU">
+            <a:extLst>
+              <a:ext uri="{FF2B5EF4-FFF2-40B4-BE49-F238E27FC236}">
+                <a16:creationId xmlns:a16="http://schemas.microsoft.com/office/drawing/2014/main" id="{55EFC346-139F-4873-8C2B-0F212376D4E6}"/>
+              </a:ext>
+            </a:extLst>
+          </p:cNvPr>
+          <p:cNvSpPr/>
+          <p:nvPr/>
+        </p:nvSpPr>
+        <p:spPr>
+          <a:xfrm rot="5400000">
+            <a:off x="283922" y="359647"/>
+            <a:ext cx="840028" cy="724162"/>
+          </a:xfrm>
+          <a:prstGeom prst="triangle">
+            <a:avLst/>
+          </a:prstGeom>
+          <a:solidFill>
+            <a:schemeClr val="bg1">
+              <a:alpha val="0"/>
+            </a:schemeClr>
+          </a:solidFill>
+          <a:ln w="50800">
+            <a:solidFill>
+              <a:schemeClr val="bg1">
+                <a:lumMod val="50000"/>
+              </a:schemeClr>
+            </a:solidFill>
+          </a:ln>
+          <a:effectLst>
+            <a:outerShdw blurRad="50800" dist="38100" dir="2700000" algn="tl" rotWithShape="0">
+              <a:prstClr val="black">
+                <a:alpha val="40000"/>
+              </a:prstClr>
+            </a:outerShdw>
+          </a:effectLst>
+        </p:spPr>
+        <p:style>
+          <a:lnRef idx="2">
+            <a:schemeClr val="accent1">
+              <a:shade val="50000"/>
+            </a:schemeClr>
+          </a:lnRef>
+          <a:fillRef idx="1">
+            <a:schemeClr val="accent1"/>
+          </a:fillRef>
+          <a:effectRef idx="0">
+            <a:schemeClr val="accent1"/>
+          </a:effectRef>
+          <a:fontRef idx="minor">
+            <a:schemeClr val="lt1"/>
+          </a:fontRef>
+        </p:style>
+        <p:txBody>
+          <a:bodyPr rtlCol="0" anchor="ctr"/>
+          <a:lstStyle/>
+          <a:p>
+            <a:pPr algn="ctr"/>
+            <a:endParaRPr lang="pt-BR"/>
+          </a:p>
+        </p:txBody>
+      </p:sp>
+      <p:sp>
+        <p:nvSpPr>
+          <p:cNvPr id="11" name="TriPR">
+            <a:extLst>
+              <a:ext uri="{FF2B5EF4-FFF2-40B4-BE49-F238E27FC236}">
+                <a16:creationId xmlns:a16="http://schemas.microsoft.com/office/drawing/2014/main" id="{DDB3FFB3-7219-4FF1-BCF5-733AB0CE833E}"/>
+              </a:ext>
+            </a:extLst>
+          </p:cNvPr>
+          <p:cNvSpPr/>
+          <p:nvPr/>
+        </p:nvSpPr>
+        <p:spPr>
+          <a:xfrm rot="16200000">
+            <a:off x="256573" y="830471"/>
+            <a:ext cx="1236581" cy="1066017"/>
+          </a:xfrm>
+          <a:prstGeom prst="triangle">
+            <a:avLst/>
+          </a:prstGeom>
+          <a:solidFill>
+            <a:schemeClr val="bg1">
+              <a:alpha val="0"/>
+            </a:schemeClr>
+          </a:solidFill>
+          <a:ln w="50800">
+            <a:solidFill>
+              <a:schemeClr val="bg1">
+                <a:lumMod val="50000"/>
+              </a:schemeClr>
+            </a:solidFill>
+          </a:ln>
+          <a:effectLst>
+            <a:outerShdw blurRad="50800" dist="38100" dir="2700000" algn="tl" rotWithShape="0">
+              <a:prstClr val="black">
+                <a:alpha val="40000"/>
+              </a:prstClr>
+            </a:outerShdw>
+          </a:effectLst>
+        </p:spPr>
+        <p:style>
+          <a:lnRef idx="2">
+            <a:schemeClr val="accent1">
+              <a:shade val="50000"/>
+            </a:schemeClr>
+          </a:lnRef>
+          <a:fillRef idx="1">
+            <a:schemeClr val="accent1"/>
+          </a:fillRef>
+          <a:effectRef idx="0">
+            <a:schemeClr val="accent1"/>
+          </a:effectRef>
+          <a:fontRef idx="minor">
+            <a:schemeClr val="lt1"/>
+          </a:fontRef>
+        </p:style>
+        <p:txBody>
+          <a:bodyPr rtlCol="0" anchor="ctr"/>
+          <a:lstStyle/>
+          <a:p>
+            <a:pPr algn="ctr"/>
+            <a:endParaRPr lang="pt-BR"/>
+          </a:p>
+        </p:txBody>
+      </p:sp>
+      <p:pic>
+        <p:nvPicPr>
+          <p:cNvPr id="15" name="Imagem 14" descr="Uma imagem contendo texto&#10;&#10;Descrição gerada com muito alta confiança">
+            <a:extLst>
+              <a:ext uri="{FF2B5EF4-FFF2-40B4-BE49-F238E27FC236}">
+                <a16:creationId xmlns:a16="http://schemas.microsoft.com/office/drawing/2014/main" id="{BD8D3700-6109-4CF3-8C67-F1BACDB2240F}"/>
+              </a:ext>
+            </a:extLst>
+          </p:cNvPr>
+          <p:cNvPicPr>
+            <a:picLocks noChangeAspect="1"/>
+          </p:cNvPicPr>
+          <p:nvPr/>
+        </p:nvPicPr>
+        <p:blipFill>
+          <a:blip r:embed="rId2">
+            <a:extLst>
+              <a:ext uri="{28A0092B-C50C-407E-A947-70E740481C1C}">
+                <a14:useLocalDpi xmlns:a14="http://schemas.microsoft.com/office/drawing/2010/main" val="0"/>
+              </a:ext>
+            </a:extLst>
+          </a:blip>
+          <a:stretch>
+            <a:fillRect/>
+          </a:stretch>
+        </p:blipFill>
+        <p:spPr>
+          <a:xfrm>
+            <a:off x="2380490" y="1141742"/>
+            <a:ext cx="7094943" cy="5472990"/>
+          </a:xfrm>
+          <a:prstGeom prst="rect">
+            <a:avLst/>
+          </a:prstGeom>
+          <a:effectLst>
+            <a:outerShdw blurRad="50800" dist="38100" dir="2700000" algn="tl" rotWithShape="0">
+              <a:prstClr val="black">
+                <a:alpha val="40000"/>
+              </a:prstClr>
+            </a:outerShdw>
+          </a:effectLst>
+        </p:spPr>
+      </p:pic>
+      <p:sp>
+        <p:nvSpPr>
+          <p:cNvPr id="12" name="Listra Diagonal 11">
+            <a:extLst>
+              <a:ext uri="{FF2B5EF4-FFF2-40B4-BE49-F238E27FC236}">
+                <a16:creationId xmlns:a16="http://schemas.microsoft.com/office/drawing/2014/main" id="{2A69CFE5-462D-4963-9989-B50C90D3BFD2}"/>
+              </a:ext>
+            </a:extLst>
+          </p:cNvPr>
+          <p:cNvSpPr/>
+          <p:nvPr/>
+        </p:nvSpPr>
+        <p:spPr>
+          <a:xfrm rot="16200000">
+            <a:off x="2376090" y="5582193"/>
+            <a:ext cx="1032538" cy="1032538"/>
+          </a:xfrm>
+          <a:prstGeom prst="diagStripe">
+            <a:avLst/>
+          </a:prstGeom>
+          <a:gradFill flip="none" rotWithShape="1">
+            <a:gsLst>
+              <a:gs pos="0">
+                <a:srgbClr val="22593B">
+                  <a:alpha val="80000"/>
+                </a:srgbClr>
+              </a:gs>
+              <a:gs pos="100000">
+                <a:srgbClr val="33A532"/>
+              </a:gs>
+            </a:gsLst>
+            <a:lin ang="16200000" scaled="1"/>
+            <a:tileRect/>
+          </a:gradFill>
+          <a:ln>
+            <a:noFill/>
+          </a:ln>
+          <a:effectLst>
+            <a:outerShdw blurRad="50800" dist="38100" dir="2700000" algn="tl" rotWithShape="0">
+              <a:prstClr val="black">
+                <a:alpha val="40000"/>
+              </a:prstClr>
+            </a:outerShdw>
+          </a:effectLst>
+        </p:spPr>
+        <p:style>
+          <a:lnRef idx="2">
+            <a:schemeClr val="dk1">
+              <a:shade val="50000"/>
+            </a:schemeClr>
+          </a:lnRef>
+          <a:fillRef idx="1">
+            <a:schemeClr val="dk1"/>
+          </a:fillRef>
+          <a:effectRef idx="0">
+            <a:schemeClr val="dk1"/>
+          </a:effectRef>
+          <a:fontRef idx="minor">
+            <a:schemeClr val="lt1"/>
+          </a:fontRef>
+        </p:style>
+        <p:txBody>
+          <a:bodyPr rtlCol="0" anchor="ctr"/>
+          <a:lstStyle/>
+          <a:p>
+            <a:pPr algn="ctr"/>
+            <a:endParaRPr lang="pt-BR">
+              <a:solidFill>
+                <a:schemeClr val="tx1"/>
+              </a:solidFill>
+            </a:endParaRPr>
+          </a:p>
+        </p:txBody>
+      </p:sp>
+    </p:spTree>
+    <p:extLst>
+      <p:ext uri="{BB962C8B-B14F-4D97-AF65-F5344CB8AC3E}">
+        <p14:creationId xmlns:p14="http://schemas.microsoft.com/office/powerpoint/2010/main" val="4280381455"/>
+      </p:ext>
+    </p:extLst>
+  </p:cSld>
+  <p:clrMapOvr>
+    <a:masterClrMapping/>
+  </p:clrMapOvr>
+  <p:timing>
+    <p:tnLst>
+      <p:par>
+        <p:cTn id="1" dur="indefinite" restart="never" nodeType="tmRoot">
+          <p:childTnLst>
+            <p:seq concurrent="1" nextAc="seek">
+              <p:cTn id="2" dur="indefinite" nodeType="mainSeq">
+                <p:childTnLst>
+                  <p:par>
+                    <p:cTn id="3" fill="hold">
+                      <p:stCondLst>
+                        <p:cond delay="indefinite"/>
+                        <p:cond evt="onBegin" delay="0">
+                          <p:tn val="2"/>
+                        </p:cond>
+                      </p:stCondLst>
+                      <p:childTnLst>
+                        <p:par>
+                          <p:cTn id="4" fill="hold">
+                            <p:stCondLst>
+                              <p:cond delay="0"/>
+                            </p:stCondLst>
+                            <p:childTnLst>
+                              <p:par>
+                                <p:cTn id="5" presetID="10" presetClass="entr" presetSubtype="0" fill="hold" grpId="1" nodeType="afterEffect">
+                                  <p:stCondLst>
+                                    <p:cond delay="0"/>
+                                  </p:stCondLst>
+                                  <p:childTnLst>
+                                    <p:set>
+                                      <p:cBhvr>
+                                        <p:cTn id="6" dur="1" fill="hold">
+                                          <p:stCondLst>
+                                            <p:cond delay="0"/>
+                                          </p:stCondLst>
+                                        </p:cTn>
+                                        <p:tgtEl>
+                                          <p:spTgt spid="7"/>
+                                        </p:tgtEl>
+                                        <p:attrNameLst>
+                                          <p:attrName>style.visibility</p:attrName>
+                                        </p:attrNameLst>
+                                      </p:cBhvr>
+                                      <p:to>
+                                        <p:strVal val="visible"/>
+                                      </p:to>
+                                    </p:set>
+                                    <p:animEffect transition="in" filter="fade">
+                                      <p:cBhvr>
+                                        <p:cTn id="7" dur="1000"/>
+                                        <p:tgtEl>
+                                          <p:spTgt spid="7"/>
+                                        </p:tgtEl>
+                                      </p:cBhvr>
+                                    </p:animEffect>
+                                  </p:childTnLst>
+                                </p:cTn>
+                              </p:par>
+                              <p:par>
+                                <p:cTn id="8" presetID="42" presetClass="path" presetSubtype="0" accel="50000" decel="50000" fill="hold" grpId="0" nodeType="withEffect">
+                                  <p:stCondLst>
+                                    <p:cond delay="0"/>
+                                  </p:stCondLst>
+                                  <p:childTnLst>
+                                    <p:animMotion origin="layout" path="M 0 -0.18518 L 0 -1.85185E-6 " pathEditMode="relative" rAng="0" ptsTypes="AA">
+                                      <p:cBhvr>
+                                        <p:cTn id="9" dur="1000" fill="hold"/>
+                                        <p:tgtEl>
+                                          <p:spTgt spid="7"/>
+                                        </p:tgtEl>
+                                        <p:attrNameLst>
+                                          <p:attrName>ppt_x</p:attrName>
+                                          <p:attrName>ppt_y</p:attrName>
+                                        </p:attrNameLst>
+                                      </p:cBhvr>
+                                      <p:rCtr x="0" y="9259"/>
+                                    </p:animMotion>
+                                  </p:childTnLst>
+                                </p:cTn>
+                              </p:par>
+                            </p:childTnLst>
+                          </p:cTn>
+                        </p:par>
+                        <p:par>
+                          <p:cTn id="10" fill="hold">
+                            <p:stCondLst>
+                              <p:cond delay="1000"/>
+                            </p:stCondLst>
+                            <p:childTnLst>
+                              <p:par>
+                                <p:cTn id="11" presetID="10" presetClass="entr" presetSubtype="0" fill="hold" nodeType="afterEffect">
+                                  <p:stCondLst>
+                                    <p:cond delay="0"/>
+                                  </p:stCondLst>
+                                  <p:childTnLst>
+                                    <p:set>
+                                      <p:cBhvr>
+                                        <p:cTn id="12" dur="1" fill="hold">
+                                          <p:stCondLst>
+                                            <p:cond delay="0"/>
+                                          </p:stCondLst>
+                                        </p:cTn>
+                                        <p:tgtEl>
+                                          <p:spTgt spid="15"/>
+                                        </p:tgtEl>
+                                        <p:attrNameLst>
+                                          <p:attrName>style.visibility</p:attrName>
+                                        </p:attrNameLst>
+                                      </p:cBhvr>
+                                      <p:to>
+                                        <p:strVal val="visible"/>
+                                      </p:to>
+                                    </p:set>
+                                    <p:animEffect transition="in" filter="fade">
+                                      <p:cBhvr>
+                                        <p:cTn id="13" dur="500"/>
+                                        <p:tgtEl>
+                                          <p:spTgt spid="15"/>
+                                        </p:tgtEl>
+                                      </p:cBhvr>
+                                    </p:animEffect>
+                                  </p:childTnLst>
+                                </p:cTn>
+                              </p:par>
+                              <p:par>
+                                <p:cTn id="14" presetID="10" presetClass="entr" presetSubtype="0" fill="hold" grpId="0" nodeType="withEffect">
+                                  <p:stCondLst>
+                                    <p:cond delay="0"/>
+                                  </p:stCondLst>
+                                  <p:childTnLst>
+                                    <p:set>
+                                      <p:cBhvr>
+                                        <p:cTn id="15" dur="1" fill="hold">
+                                          <p:stCondLst>
+                                            <p:cond delay="0"/>
+                                          </p:stCondLst>
+                                        </p:cTn>
+                                        <p:tgtEl>
+                                          <p:spTgt spid="9"/>
+                                        </p:tgtEl>
+                                        <p:attrNameLst>
+                                          <p:attrName>style.visibility</p:attrName>
+                                        </p:attrNameLst>
+                                      </p:cBhvr>
+                                      <p:to>
+                                        <p:strVal val="visible"/>
+                                      </p:to>
+                                    </p:set>
+                                    <p:animEffect transition="in" filter="fade">
+                                      <p:cBhvr>
+                                        <p:cTn id="16" dur="1250"/>
+                                        <p:tgtEl>
+                                          <p:spTgt spid="9"/>
+                                        </p:tgtEl>
+                                      </p:cBhvr>
+                                    </p:animEffect>
+                                  </p:childTnLst>
+                                </p:cTn>
+                              </p:par>
+                              <p:par>
+                                <p:cTn id="17" presetID="42" presetClass="path" presetSubtype="0" accel="50000" decel="50000" fill="hold" grpId="1" nodeType="withEffect">
+                                  <p:stCondLst>
+                                    <p:cond delay="0"/>
+                                  </p:stCondLst>
+                                  <p:childTnLst>
+                                    <p:animMotion origin="layout" path="M -1.66667E-6 -0.20995 L -1.66667E-6 1.11111E-6 " pathEditMode="fixed" rAng="0" ptsTypes="AA">
+                                      <p:cBhvr>
+                                        <p:cTn id="18" dur="1250" fill="hold"/>
+                                        <p:tgtEl>
+                                          <p:spTgt spid="9"/>
+                                        </p:tgtEl>
+                                        <p:attrNameLst>
+                                          <p:attrName>ppt_x</p:attrName>
+                                          <p:attrName>ppt_y</p:attrName>
+                                        </p:attrNameLst>
+                                      </p:cBhvr>
+                                      <p:rCtr x="0" y="10486"/>
+                                    </p:animMotion>
+                                  </p:childTnLst>
+                                </p:cTn>
+                              </p:par>
+                              <p:par>
+                                <p:cTn id="19" presetID="10" presetClass="entr" presetSubtype="0" fill="hold" grpId="0" nodeType="withEffect">
+                                  <p:stCondLst>
+                                    <p:cond delay="0"/>
+                                  </p:stCondLst>
+                                  <p:childTnLst>
+                                    <p:set>
+                                      <p:cBhvr>
+                                        <p:cTn id="20" dur="1" fill="hold">
+                                          <p:stCondLst>
+                                            <p:cond delay="0"/>
+                                          </p:stCondLst>
+                                        </p:cTn>
+                                        <p:tgtEl>
+                                          <p:spTgt spid="8"/>
+                                        </p:tgtEl>
+                                        <p:attrNameLst>
+                                          <p:attrName>style.visibility</p:attrName>
+                                        </p:attrNameLst>
+                                      </p:cBhvr>
+                                      <p:to>
+                                        <p:strVal val="visible"/>
+                                      </p:to>
+                                    </p:set>
+                                    <p:animEffect transition="in" filter="fade">
+                                      <p:cBhvr>
+                                        <p:cTn id="21" dur="1250"/>
+                                        <p:tgtEl>
+                                          <p:spTgt spid="8"/>
+                                        </p:tgtEl>
+                                      </p:cBhvr>
+                                    </p:animEffect>
+                                  </p:childTnLst>
+                                </p:cTn>
+                              </p:par>
+                              <p:par>
+                                <p:cTn id="22" presetID="64" presetClass="path" presetSubtype="0" accel="50000" decel="50000" fill="hold" grpId="1" nodeType="withEffect">
+                                  <p:stCondLst>
+                                    <p:cond delay="0"/>
+                                  </p:stCondLst>
+                                  <p:childTnLst>
+                                    <p:animMotion origin="layout" path="M 1.04167E-6 0.27824 L 1.04167E-6 2.96296E-6 " pathEditMode="fixed" rAng="0" ptsTypes="AA">
+                                      <p:cBhvr>
+                                        <p:cTn id="23" dur="1250" fill="hold"/>
+                                        <p:tgtEl>
+                                          <p:spTgt spid="8"/>
+                                        </p:tgtEl>
+                                        <p:attrNameLst>
+                                          <p:attrName>ppt_x</p:attrName>
+                                          <p:attrName>ppt_y</p:attrName>
+                                        </p:attrNameLst>
+                                      </p:cBhvr>
+                                      <p:rCtr x="0" y="-13912"/>
+                                    </p:animMotion>
+                                  </p:childTnLst>
+                                </p:cTn>
+                              </p:par>
+                              <p:par>
+                                <p:cTn id="24" presetID="10" presetClass="entr" presetSubtype="0" fill="hold" grpId="0" nodeType="withEffect">
+                                  <p:stCondLst>
+                                    <p:cond delay="0"/>
+                                  </p:stCondLst>
+                                  <p:childTnLst>
+                                    <p:set>
+                                      <p:cBhvr>
+                                        <p:cTn id="25" dur="1" fill="hold">
+                                          <p:stCondLst>
+                                            <p:cond delay="0"/>
+                                          </p:stCondLst>
+                                        </p:cTn>
+                                        <p:tgtEl>
+                                          <p:spTgt spid="10"/>
+                                        </p:tgtEl>
+                                        <p:attrNameLst>
+                                          <p:attrName>style.visibility</p:attrName>
+                                        </p:attrNameLst>
+                                      </p:cBhvr>
+                                      <p:to>
+                                        <p:strVal val="visible"/>
+                                      </p:to>
+                                    </p:set>
+                                    <p:animEffect transition="in" filter="fade">
+                                      <p:cBhvr>
+                                        <p:cTn id="26" dur="1250"/>
+                                        <p:tgtEl>
+                                          <p:spTgt spid="10"/>
+                                        </p:tgtEl>
+                                      </p:cBhvr>
+                                    </p:animEffect>
+                                  </p:childTnLst>
+                                </p:cTn>
+                              </p:par>
+                              <p:par>
+                                <p:cTn id="27" presetID="63" presetClass="path" presetSubtype="0" accel="50000" decel="50000" fill="hold" grpId="1" nodeType="withEffect">
+                                  <p:stCondLst>
+                                    <p:cond delay="0"/>
+                                  </p:stCondLst>
+                                  <p:childTnLst>
+                                    <p:animMotion origin="layout" path="M -0.13372 -4.07407E-6 L 5E-6 -4.07407E-6 " pathEditMode="relative" rAng="0" ptsTypes="AA">
+                                      <p:cBhvr>
+                                        <p:cTn id="28" dur="1250" fill="hold"/>
+                                        <p:tgtEl>
+                                          <p:spTgt spid="10"/>
+                                        </p:tgtEl>
+                                        <p:attrNameLst>
+                                          <p:attrName>ppt_x</p:attrName>
+                                          <p:attrName>ppt_y</p:attrName>
+                                        </p:attrNameLst>
+                                      </p:cBhvr>
+                                      <p:rCtr x="6771" y="0"/>
+                                    </p:animMotion>
+                                  </p:childTnLst>
+                                </p:cTn>
+                              </p:par>
+                              <p:par>
+                                <p:cTn id="29" presetID="10" presetClass="entr" presetSubtype="0" fill="hold" grpId="0" nodeType="withEffect">
+                                  <p:stCondLst>
+                                    <p:cond delay="0"/>
+                                  </p:stCondLst>
+                                  <p:childTnLst>
+                                    <p:set>
+                                      <p:cBhvr>
+                                        <p:cTn id="30" dur="1" fill="hold">
+                                          <p:stCondLst>
+                                            <p:cond delay="0"/>
+                                          </p:stCondLst>
+                                        </p:cTn>
+                                        <p:tgtEl>
+                                          <p:spTgt spid="11"/>
+                                        </p:tgtEl>
+                                        <p:attrNameLst>
+                                          <p:attrName>style.visibility</p:attrName>
+                                        </p:attrNameLst>
+                                      </p:cBhvr>
+                                      <p:to>
+                                        <p:strVal val="visible"/>
+                                      </p:to>
+                                    </p:set>
+                                    <p:animEffect transition="in" filter="fade">
+                                      <p:cBhvr>
+                                        <p:cTn id="31" dur="1250"/>
+                                        <p:tgtEl>
+                                          <p:spTgt spid="11"/>
+                                        </p:tgtEl>
+                                      </p:cBhvr>
+                                    </p:animEffect>
+                                  </p:childTnLst>
+                                </p:cTn>
+                              </p:par>
+                              <p:par>
+                                <p:cTn id="32" presetID="35" presetClass="path" presetSubtype="0" accel="50000" decel="50000" fill="hold" grpId="1" nodeType="withEffect">
+                                  <p:stCondLst>
+                                    <p:cond delay="0"/>
+                                  </p:stCondLst>
+                                  <p:childTnLst>
+                                    <p:animMotion origin="layout" path="M 0.12305 -2.59259E-6 L -4.79167E-6 -2.59259E-6 " pathEditMode="fixed" rAng="0" ptsTypes="AA">
+                                      <p:cBhvr>
+                                        <p:cTn id="33" dur="1250" fill="hold"/>
+                                        <p:tgtEl>
+                                          <p:spTgt spid="11"/>
+                                        </p:tgtEl>
+                                        <p:attrNameLst>
+                                          <p:attrName>ppt_x</p:attrName>
+                                          <p:attrName>ppt_y</p:attrName>
+                                        </p:attrNameLst>
+                                      </p:cBhvr>
+                                      <p:rCtr x="-6159" y="0"/>
+                                    </p:animMotion>
+                                  </p:childTnLst>
+                                </p:cTn>
+                              </p:par>
+                            </p:childTnLst>
+                          </p:cTn>
+                        </p:par>
+                        <p:par>
+                          <p:cTn id="34" fill="hold">
+                            <p:stCondLst>
+                              <p:cond delay="2250"/>
+                            </p:stCondLst>
+                            <p:childTnLst>
+                              <p:par>
+                                <p:cTn id="35" presetID="10" presetClass="entr" presetSubtype="0" fill="hold" grpId="0" nodeType="afterEffect">
+                                  <p:stCondLst>
+                                    <p:cond delay="0"/>
+                                  </p:stCondLst>
+                                  <p:childTnLst>
+                                    <p:set>
+                                      <p:cBhvr>
+                                        <p:cTn id="36" dur="1" fill="hold">
+                                          <p:stCondLst>
+                                            <p:cond delay="0"/>
+                                          </p:stCondLst>
+                                        </p:cTn>
+                                        <p:tgtEl>
+                                          <p:spTgt spid="12"/>
+                                        </p:tgtEl>
+                                        <p:attrNameLst>
+                                          <p:attrName>style.visibility</p:attrName>
+                                        </p:attrNameLst>
+                                      </p:cBhvr>
+                                      <p:to>
+                                        <p:strVal val="visible"/>
+                                      </p:to>
+                                    </p:set>
+                                    <p:animEffect transition="in" filter="fade">
+                                      <p:cBhvr>
+                                        <p:cTn id="37" dur="500"/>
+                                        <p:tgtEl>
+                                          <p:spTgt spid="12"/>
+                                        </p:tgtEl>
+                                      </p:cBhvr>
+                                    </p:animEffect>
+                                  </p:childTnLst>
+                                </p:cTn>
+                              </p:par>
+                              <p:par>
+                                <p:cTn id="38" presetID="6" presetClass="entr" presetSubtype="32" fill="hold" grpId="0" nodeType="withEffect">
+                                  <p:stCondLst>
+                                    <p:cond delay="0"/>
+                                  </p:stCondLst>
+                                  <p:childTnLst>
+                                    <p:set>
+                                      <p:cBhvr>
+                                        <p:cTn id="39" dur="1" fill="hold">
+                                          <p:stCondLst>
+                                            <p:cond delay="0"/>
+                                          </p:stCondLst>
+                                        </p:cTn>
+                                        <p:tgtEl>
+                                          <p:spTgt spid="5"/>
+                                        </p:tgtEl>
+                                        <p:attrNameLst>
+                                          <p:attrName>style.visibility</p:attrName>
+                                        </p:attrNameLst>
+                                      </p:cBhvr>
+                                      <p:to>
+                                        <p:strVal val="visible"/>
+                                      </p:to>
+                                    </p:set>
+                                    <p:animEffect transition="in" filter="circle(out)">
+                                      <p:cBhvr>
+                                        <p:cTn id="40" dur="500"/>
+                                        <p:tgtEl>
+                                          <p:spTgt spid="5"/>
+                                        </p:tgtEl>
+                                      </p:cBhvr>
+                                    </p:animEffect>
+                                  </p:childTnLst>
+                                </p:cTn>
+                              </p:par>
+                            </p:childTnLst>
+                          </p:cTn>
+                        </p:par>
+                        <p:par>
+                          <p:cTn id="41" fill="hold">
+                            <p:stCondLst>
+                              <p:cond delay="2750"/>
+                            </p:stCondLst>
+                            <p:childTnLst>
+                              <p:par>
+                                <p:cTn id="42" presetID="64" presetClass="path" presetSubtype="0" repeatCount="indefinite" accel="50000" decel="50000" autoRev="1" fill="hold" grpId="2" nodeType="afterEffect">
+                                  <p:stCondLst>
+                                    <p:cond delay="0"/>
+                                  </p:stCondLst>
+                                  <p:childTnLst>
+                                    <p:animMotion origin="layout" path="M -1.66667E-6 1.11111E-6 L -0.00026 -0.02639 " pathEditMode="relative" rAng="0" ptsTypes="AA">
+                                      <p:cBhvr>
+                                        <p:cTn id="43" dur="7000" fill="hold"/>
+                                        <p:tgtEl>
+                                          <p:spTgt spid="9"/>
+                                        </p:tgtEl>
+                                        <p:attrNameLst>
+                                          <p:attrName>ppt_x</p:attrName>
+                                          <p:attrName>ppt_y</p:attrName>
+                                        </p:attrNameLst>
+                                      </p:cBhvr>
+                                      <p:rCtr x="-13" y="-1319"/>
+                                    </p:animMotion>
+                                  </p:childTnLst>
+                                </p:cTn>
+                              </p:par>
+                              <p:par>
+                                <p:cTn id="44" presetID="42" presetClass="path" presetSubtype="0" repeatCount="indefinite" accel="50000" decel="50000" autoRev="1" fill="hold" grpId="2" nodeType="withEffect">
+                                  <p:stCondLst>
+                                    <p:cond delay="0"/>
+                                  </p:stCondLst>
+                                  <p:childTnLst>
+                                    <p:animMotion origin="layout" path="M 1.04167E-6 2.96296E-6 L 0.00065 0.02106 " pathEditMode="relative" rAng="0" ptsTypes="AA">
+                                      <p:cBhvr>
+                                        <p:cTn id="45" dur="7000" fill="hold"/>
+                                        <p:tgtEl>
+                                          <p:spTgt spid="8"/>
+                                        </p:tgtEl>
+                                        <p:attrNameLst>
+                                          <p:attrName>ppt_x</p:attrName>
+                                          <p:attrName>ppt_y</p:attrName>
+                                        </p:attrNameLst>
+                                      </p:cBhvr>
+                                      <p:rCtr x="26" y="1042"/>
+                                    </p:animMotion>
+                                  </p:childTnLst>
+                                </p:cTn>
+                              </p:par>
+                              <p:par>
+                                <p:cTn id="46" presetID="35" presetClass="path" presetSubtype="0" repeatCount="indefinite" accel="50000" decel="50000" autoRev="1" fill="hold" grpId="2" nodeType="withEffect">
+                                  <p:stCondLst>
+                                    <p:cond delay="0"/>
+                                  </p:stCondLst>
+                                  <p:childTnLst>
+                                    <p:animMotion origin="layout" path="M -2.29167E-6 -4.07407E-6 L -0.01185 0.00024 " pathEditMode="relative" rAng="0" ptsTypes="AA">
+                                      <p:cBhvr>
+                                        <p:cTn id="47" dur="7000" fill="hold"/>
+                                        <p:tgtEl>
+                                          <p:spTgt spid="10"/>
+                                        </p:tgtEl>
+                                        <p:attrNameLst>
+                                          <p:attrName>ppt_x</p:attrName>
+                                          <p:attrName>ppt_y</p:attrName>
+                                        </p:attrNameLst>
+                                      </p:cBhvr>
+                                      <p:rCtr x="-599" y="0"/>
+                                    </p:animMotion>
+                                  </p:childTnLst>
+                                </p:cTn>
+                              </p:par>
+                              <p:par>
+                                <p:cTn id="48" presetID="63" presetClass="path" presetSubtype="0" repeatCount="indefinite" accel="50000" decel="50000" autoRev="1" fill="hold" grpId="2" nodeType="withEffect">
+                                  <p:stCondLst>
+                                    <p:cond delay="0"/>
+                                  </p:stCondLst>
+                                  <p:childTnLst>
+                                    <p:animMotion origin="layout" path="M -4.79167E-6 -2.59259E-6 L 0.02058 -2.59259E-6 " pathEditMode="relative" rAng="0" ptsTypes="AA">
+                                      <p:cBhvr>
+                                        <p:cTn id="49" dur="7000" fill="hold"/>
+                                        <p:tgtEl>
+                                          <p:spTgt spid="11"/>
+                                        </p:tgtEl>
+                                        <p:attrNameLst>
+                                          <p:attrName>ppt_x</p:attrName>
+                                          <p:attrName>ppt_y</p:attrName>
+                                        </p:attrNameLst>
+                                      </p:cBhvr>
+                                      <p:rCtr x="1029" y="0"/>
+                                    </p:animMotion>
+                                  </p:childTnLst>
+                                </p:cTn>
+                              </p:par>
+                            </p:childTnLst>
+                          </p:cTn>
+                        </p:par>
+                      </p:childTnLst>
+                    </p:cTn>
+                  </p:par>
+                </p:childTnLst>
+              </p:cTn>
+              <p:prevCondLst>
+                <p:cond evt="onPrev" delay="0">
+                  <p:tgtEl>
+                    <p:sldTgt/>
+                  </p:tgtEl>
+                </p:cond>
+              </p:prevCondLst>
+              <p:nextCondLst>
+                <p:cond evt="onNext" delay="0">
+                  <p:tgtEl>
+                    <p:sldTgt/>
+                  </p:tgtEl>
+                </p:cond>
+              </p:nextCondLst>
+            </p:seq>
+          </p:childTnLst>
+        </p:cTn>
+      </p:par>
+    </p:tnLst>
+    <p:bldLst>
+      <p:bldP spid="5" grpId="0" animBg="1"/>
+      <p:bldP spid="7" grpId="0"/>
+      <p:bldP spid="7" grpId="1"/>
+      <p:bldP spid="8" grpId="0" animBg="1"/>
+      <p:bldP spid="8" grpId="1" animBg="1"/>
+      <p:bldP spid="8" grpId="2" animBg="1"/>
+      <p:bldP spid="9" grpId="0" animBg="1"/>
+      <p:bldP spid="9" grpId="1" animBg="1"/>
+      <p:bldP spid="9" grpId="2" animBg="1"/>
+      <p:bldP spid="10" grpId="0" animBg="1"/>
+      <p:bldP spid="10" grpId="1" animBg="1"/>
+      <p:bldP spid="10" grpId="2" animBg="1"/>
+      <p:bldP spid="11" grpId="0" animBg="1"/>
+      <p:bldP spid="11" grpId="1" animBg="1"/>
+      <p:bldP spid="11" grpId="2" animBg="1"/>
+      <p:bldP spid="12" grpId="0" animBg="1"/>
+    </p:bldLst>
+  </p:timing>
+</p:sld>
+</file>
+
+<file path=ppt/slides/slide38.xml><?xml version="1.0" encoding="utf-8"?>
+<p:sld xmlns:a="http://schemas.openxmlformats.org/drawingml/2006/main" xmlns:r="http://schemas.openxmlformats.org/officeDocument/2006/relationships" xmlns:p="http://schemas.openxmlformats.org/presentationml/2006/main">
+  <p:cSld>
+    <p:spTree>
+      <p:nvGrpSpPr>
+        <p:cNvPr id="1" name=""/>
+        <p:cNvGrpSpPr/>
+        <p:nvPr/>
+      </p:nvGrpSpPr>
+      <p:grpSpPr>
+        <a:xfrm>
+          <a:off x="0" y="0"/>
+          <a:ext cx="0" cy="0"/>
+          <a:chOff x="0" y="0"/>
+          <a:chExt cx="0" cy="0"/>
+        </a:xfrm>
+      </p:grpSpPr>
+      <p:sp>
+        <p:nvSpPr>
+          <p:cNvPr id="4" name="Fundo">
+            <a:extLst>
+              <a:ext uri="{FF2B5EF4-FFF2-40B4-BE49-F238E27FC236}">
+                <a16:creationId xmlns:a16="http://schemas.microsoft.com/office/drawing/2014/main" id="{E4CF8391-BF83-48C5-94F4-AD8ADFCE3156}"/>
+              </a:ext>
+            </a:extLst>
+          </p:cNvPr>
+          <p:cNvSpPr/>
+          <p:nvPr/>
+        </p:nvSpPr>
+        <p:spPr>
+          <a:xfrm>
+            <a:off x="0" y="0"/>
+            <a:ext cx="12192000" cy="6854371"/>
+          </a:xfrm>
+          <a:prstGeom prst="rect">
+            <a:avLst/>
+          </a:prstGeom>
+          <a:gradFill flip="none" rotWithShape="1">
+            <a:gsLst>
+              <a:gs pos="0">
+                <a:schemeClr val="bg2">
+                  <a:lumMod val="25000"/>
+                </a:schemeClr>
+              </a:gs>
+              <a:gs pos="94000">
+                <a:schemeClr val="tx1">
+                  <a:lumMod val="95000"/>
+                  <a:lumOff val="5000"/>
+                </a:schemeClr>
+              </a:gs>
+            </a:gsLst>
+            <a:lin ang="2700000" scaled="1"/>
+            <a:tileRect/>
+          </a:gradFill>
+        </p:spPr>
+        <p:style>
+          <a:lnRef idx="2">
+            <a:schemeClr val="accent1">
+              <a:shade val="50000"/>
+            </a:schemeClr>
+          </a:lnRef>
+          <a:fillRef idx="1">
+            <a:schemeClr val="accent1"/>
+          </a:fillRef>
+          <a:effectRef idx="0">
+            <a:schemeClr val="accent1"/>
+          </a:effectRef>
+          <a:fontRef idx="minor">
+            <a:schemeClr val="lt1"/>
+          </a:fontRef>
+        </p:style>
+        <p:txBody>
+          <a:bodyPr rtlCol="0" anchor="ctr"/>
+          <a:lstStyle/>
+          <a:p>
+            <a:pPr algn="ctr"/>
+            <a:endParaRPr lang="pt-BR" u="sng" dirty="0"/>
+          </a:p>
+        </p:txBody>
+      </p:sp>
+      <p:sp>
+        <p:nvSpPr>
+          <p:cNvPr id="5" name="VidroVerde">
+            <a:extLst>
+              <a:ext uri="{FF2B5EF4-FFF2-40B4-BE49-F238E27FC236}">
+                <a16:creationId xmlns:a16="http://schemas.microsoft.com/office/drawing/2014/main" id="{1D3BED8E-44FF-4FEA-A47C-0D157D3893AA}"/>
+              </a:ext>
+            </a:extLst>
+          </p:cNvPr>
+          <p:cNvSpPr/>
+          <p:nvPr/>
+        </p:nvSpPr>
+        <p:spPr>
+          <a:xfrm>
+            <a:off x="7527964" y="21727"/>
+            <a:ext cx="4664036" cy="4148724"/>
+          </a:xfrm>
+          <a:prstGeom prst="rect">
+            <a:avLst/>
+          </a:prstGeom>
+          <a:gradFill flip="none" rotWithShape="1">
+            <a:gsLst>
+              <a:gs pos="0">
+                <a:srgbClr val="37B62A"/>
+              </a:gs>
+              <a:gs pos="100000">
+                <a:srgbClr val="08A35C">
+                  <a:alpha val="25000"/>
+                </a:srgbClr>
+              </a:gs>
+            </a:gsLst>
+            <a:lin ang="13500000" scaled="1"/>
+            <a:tileRect/>
+          </a:gradFill>
+        </p:spPr>
+        <p:style>
+          <a:lnRef idx="2">
+            <a:schemeClr val="accent1">
+              <a:shade val="50000"/>
+            </a:schemeClr>
+          </a:lnRef>
+          <a:fillRef idx="1">
+            <a:schemeClr val="accent1"/>
+          </a:fillRef>
+          <a:effectRef idx="0">
+            <a:schemeClr val="accent1"/>
+          </a:effectRef>
+          <a:fontRef idx="minor">
+            <a:schemeClr val="lt1"/>
+          </a:fontRef>
+        </p:style>
+        <p:txBody>
+          <a:bodyPr rtlCol="0" anchor="ctr"/>
+          <a:lstStyle/>
+          <a:p>
+            <a:pPr algn="ctr"/>
+            <a:endParaRPr lang="pt-BR" u="sng"/>
+          </a:p>
+        </p:txBody>
+      </p:sp>
+      <p:sp>
+        <p:nvSpPr>
+          <p:cNvPr id="6" name="FundoFake">
+            <a:extLst>
+              <a:ext uri="{FF2B5EF4-FFF2-40B4-BE49-F238E27FC236}">
+                <a16:creationId xmlns:a16="http://schemas.microsoft.com/office/drawing/2014/main" id="{CE6C0FFB-FD76-4836-A522-15DEA4B9167A}"/>
+              </a:ext>
+            </a:extLst>
+          </p:cNvPr>
+          <p:cNvSpPr/>
+          <p:nvPr/>
+        </p:nvSpPr>
+        <p:spPr>
+          <a:xfrm>
+            <a:off x="0" y="21727"/>
+            <a:ext cx="12192000" cy="6854371"/>
+          </a:xfrm>
+          <a:custGeom>
+            <a:avLst/>
+            <a:gdLst>
+              <a:gd name="connsiteX0" fmla="*/ 10964636 w 12192000"/>
+              <a:gd name="connsiteY0" fmla="*/ 5019875 h 6854371"/>
+              <a:gd name="connsiteX1" fmla="*/ 10088186 w 12192000"/>
+              <a:gd name="connsiteY1" fmla="*/ 6530996 h 6854371"/>
+              <a:gd name="connsiteX2" fmla="*/ 11841086 w 12192000"/>
+              <a:gd name="connsiteY2" fmla="*/ 6530996 h 6854371"/>
+              <a:gd name="connsiteX3" fmla="*/ 341855 w 12192000"/>
+              <a:gd name="connsiteY3" fmla="*/ 265518 h 6854371"/>
+              <a:gd name="connsiteX4" fmla="*/ 341855 w 12192000"/>
+              <a:gd name="connsiteY4" fmla="*/ 1105546 h 6854371"/>
+              <a:gd name="connsiteX5" fmla="*/ 1066017 w 12192000"/>
+              <a:gd name="connsiteY5" fmla="*/ 685532 h 6854371"/>
+              <a:gd name="connsiteX6" fmla="*/ 0 w 12192000"/>
+              <a:gd name="connsiteY6" fmla="*/ 0 h 6854371"/>
+              <a:gd name="connsiteX7" fmla="*/ 9124785 w 12192000"/>
+              <a:gd name="connsiteY7" fmla="*/ 0 h 6854371"/>
+              <a:gd name="connsiteX8" fmla="*/ 12192000 w 12192000"/>
+              <a:gd name="connsiteY8" fmla="*/ 3067215 h 6854371"/>
+              <a:gd name="connsiteX9" fmla="*/ 12192000 w 12192000"/>
+              <a:gd name="connsiteY9" fmla="*/ 6854371 h 6854371"/>
+              <a:gd name="connsiteX10" fmla="*/ 0 w 12192000"/>
+              <a:gd name="connsiteY10" fmla="*/ 6854371 h 6854371"/>
+            </a:gdLst>
+            <a:ahLst/>
+            <a:cxnLst>
+              <a:cxn ang="0">
+                <a:pos x="connsiteX0" y="connsiteY0"/>
+              </a:cxn>
+              <a:cxn ang="0">
+                <a:pos x="connsiteX1" y="connsiteY1"/>
+              </a:cxn>
+              <a:cxn ang="0">
+                <a:pos x="connsiteX2" y="connsiteY2"/>
+              </a:cxn>
+              <a:cxn ang="0">
+                <a:pos x="connsiteX3" y="connsiteY3"/>
+              </a:cxn>
+              <a:cxn ang="0">
+                <a:pos x="connsiteX4" y="connsiteY4"/>
+              </a:cxn>
+              <a:cxn ang="0">
+                <a:pos x="connsiteX5" y="connsiteY5"/>
+              </a:cxn>
+              <a:cxn ang="0">
+                <a:pos x="connsiteX6" y="connsiteY6"/>
+              </a:cxn>
+              <a:cxn ang="0">
+                <a:pos x="connsiteX7" y="connsiteY7"/>
+              </a:cxn>
+              <a:cxn ang="0">
+                <a:pos x="connsiteX8" y="connsiteY8"/>
+              </a:cxn>
+              <a:cxn ang="0">
+                <a:pos x="connsiteX9" y="connsiteY9"/>
+              </a:cxn>
+              <a:cxn ang="0">
+                <a:pos x="connsiteX10" y="connsiteY10"/>
+              </a:cxn>
+            </a:cxnLst>
+            <a:rect l="l" t="t" r="r" b="b"/>
+            <a:pathLst>
+              <a:path w="12192000" h="6854371">
+                <a:moveTo>
+                  <a:pt x="10964636" y="5019875"/>
+                </a:moveTo>
+                <a:lnTo>
+                  <a:pt x="10088186" y="6530996"/>
+                </a:lnTo>
+                <a:lnTo>
+                  <a:pt x="11841086" y="6530996"/>
+                </a:lnTo>
+                <a:close/>
+                <a:moveTo>
+                  <a:pt x="341855" y="265518"/>
+                </a:moveTo>
+                <a:lnTo>
+                  <a:pt x="341855" y="1105546"/>
+                </a:lnTo>
+                <a:lnTo>
+                  <a:pt x="1066017" y="685532"/>
+                </a:lnTo>
+                <a:close/>
+                <a:moveTo>
+                  <a:pt x="0" y="0"/>
+                </a:moveTo>
+                <a:lnTo>
+                  <a:pt x="9124785" y="0"/>
+                </a:lnTo>
+                <a:lnTo>
+                  <a:pt x="12192000" y="3067215"/>
+                </a:lnTo>
+                <a:lnTo>
+                  <a:pt x="12192000" y="6854371"/>
+                </a:lnTo>
+                <a:lnTo>
+                  <a:pt x="0" y="6854371"/>
+                </a:lnTo>
+                <a:close/>
+              </a:path>
+            </a:pathLst>
+          </a:custGeom>
+          <a:gradFill flip="none" rotWithShape="1">
+            <a:gsLst>
+              <a:gs pos="0">
+                <a:schemeClr val="bg2">
+                  <a:lumMod val="25000"/>
+                </a:schemeClr>
+              </a:gs>
+              <a:gs pos="94000">
+                <a:schemeClr val="tx1">
+                  <a:lumMod val="95000"/>
+                  <a:lumOff val="5000"/>
+                </a:schemeClr>
+              </a:gs>
+            </a:gsLst>
+            <a:lin ang="2700000" scaled="1"/>
+            <a:tileRect/>
+          </a:gradFill>
+          <a:ln>
+            <a:noFill/>
+          </a:ln>
+        </p:spPr>
+        <p:style>
+          <a:lnRef idx="2">
+            <a:schemeClr val="accent1">
+              <a:shade val="50000"/>
+            </a:schemeClr>
+          </a:lnRef>
+          <a:fillRef idx="1">
+            <a:schemeClr val="accent1"/>
+          </a:fillRef>
+          <a:effectRef idx="0">
+            <a:schemeClr val="accent1"/>
+          </a:effectRef>
+          <a:fontRef idx="minor">
+            <a:schemeClr val="lt1"/>
+          </a:fontRef>
+        </p:style>
+        <p:txBody>
+          <a:bodyPr wrap="square" rtlCol="0" anchor="ctr">
+            <a:noAutofit/>
+          </a:bodyPr>
+          <a:lstStyle/>
+          <a:p>
+            <a:pPr algn="ctr"/>
+            <a:endParaRPr lang="pt-BR" u="sng" dirty="0"/>
+          </a:p>
+        </p:txBody>
+      </p:sp>
+      <p:sp>
+        <p:nvSpPr>
+          <p:cNvPr id="7" name="Titulo">
+            <a:extLst>
+              <a:ext uri="{FF2B5EF4-FFF2-40B4-BE49-F238E27FC236}">
+                <a16:creationId xmlns:a16="http://schemas.microsoft.com/office/drawing/2014/main" id="{449C8813-DC92-4A00-9EC7-45E372D89A2B}"/>
+              </a:ext>
+            </a:extLst>
+          </p:cNvPr>
+          <p:cNvSpPr txBox="1"/>
+          <p:nvPr/>
+        </p:nvSpPr>
+        <p:spPr>
+          <a:xfrm>
+            <a:off x="3498850" y="434505"/>
+            <a:ext cx="5194300" cy="584775"/>
+          </a:xfrm>
+          <a:prstGeom prst="rect">
+            <a:avLst/>
+          </a:prstGeom>
+          <a:noFill/>
+          <a:effectLst>
+            <a:outerShdw blurRad="50800" dist="38100" dir="2700000" algn="tl" rotWithShape="0">
+              <a:prstClr val="black">
+                <a:alpha val="40000"/>
+              </a:prstClr>
+            </a:outerShdw>
+          </a:effectLst>
+        </p:spPr>
+        <p:txBody>
+          <a:bodyPr wrap="square" rtlCol="0">
+            <a:spAutoFit/>
+          </a:bodyPr>
+          <a:lstStyle/>
+          <a:p>
+            <a:pPr algn="ctr"/>
+            <a:r>
+              <a:rPr lang="pt-BR" sz="3200" dirty="0">
+                <a:solidFill>
+                  <a:schemeClr val="accent6"/>
+                </a:solidFill>
+                <a:latin typeface="Gill Sans MT" panose="020B0502020104020203" pitchFamily="34" charset="0"/>
+              </a:rPr>
+              <a:t>Escritório Scrolls</a:t>
+            </a:r>
+          </a:p>
+        </p:txBody>
+      </p:sp>
+      <p:sp>
+        <p:nvSpPr>
+          <p:cNvPr id="8" name="TriG">
+            <a:extLst>
+              <a:ext uri="{FF2B5EF4-FFF2-40B4-BE49-F238E27FC236}">
+                <a16:creationId xmlns:a16="http://schemas.microsoft.com/office/drawing/2014/main" id="{2B4F9FB4-A6D3-4521-B2D1-CB69C003E69E}"/>
+              </a:ext>
+            </a:extLst>
+          </p:cNvPr>
+          <p:cNvSpPr/>
+          <p:nvPr/>
+        </p:nvSpPr>
+        <p:spPr>
+          <a:xfrm>
+            <a:off x="10088186" y="5027133"/>
+            <a:ext cx="1752900" cy="1511121"/>
+          </a:xfrm>
+          <a:prstGeom prst="triangle">
+            <a:avLst/>
+          </a:prstGeom>
+          <a:solidFill>
+            <a:schemeClr val="bg1">
+              <a:alpha val="0"/>
+            </a:schemeClr>
+          </a:solidFill>
+          <a:ln w="50800">
+            <a:solidFill>
+              <a:schemeClr val="bg1">
+                <a:lumMod val="50000"/>
+              </a:schemeClr>
+            </a:solidFill>
+          </a:ln>
+          <a:effectLst>
+            <a:outerShdw blurRad="50800" dist="38100" dir="2700000" algn="tl" rotWithShape="0">
+              <a:prstClr val="black">
+                <a:alpha val="40000"/>
+              </a:prstClr>
+            </a:outerShdw>
+          </a:effectLst>
+        </p:spPr>
+        <p:style>
+          <a:lnRef idx="2">
+            <a:schemeClr val="accent1">
+              <a:shade val="50000"/>
+            </a:schemeClr>
+          </a:lnRef>
+          <a:fillRef idx="1">
+            <a:schemeClr val="accent1"/>
+          </a:fillRef>
+          <a:effectRef idx="0">
+            <a:schemeClr val="accent1"/>
+          </a:effectRef>
+          <a:fontRef idx="minor">
+            <a:schemeClr val="lt1"/>
+          </a:fontRef>
+        </p:style>
+        <p:txBody>
+          <a:bodyPr rtlCol="0" anchor="ctr"/>
+          <a:lstStyle/>
+          <a:p>
+            <a:pPr algn="ctr"/>
+            <a:endParaRPr lang="pt-BR" u="sng"/>
+          </a:p>
+        </p:txBody>
+      </p:sp>
+      <p:sp>
+        <p:nvSpPr>
+          <p:cNvPr id="9" name="TriPB">
+            <a:extLst>
+              <a:ext uri="{FF2B5EF4-FFF2-40B4-BE49-F238E27FC236}">
+                <a16:creationId xmlns:a16="http://schemas.microsoft.com/office/drawing/2014/main" id="{FBFE9854-8FF4-447E-9AF9-E9566B43D3CE}"/>
+              </a:ext>
+            </a:extLst>
+          </p:cNvPr>
+          <p:cNvSpPr/>
+          <p:nvPr/>
+        </p:nvSpPr>
+        <p:spPr>
+          <a:xfrm rot="10800000">
+            <a:off x="9688549" y="5123088"/>
+            <a:ext cx="765142" cy="659605"/>
+          </a:xfrm>
+          <a:prstGeom prst="triangle">
+            <a:avLst/>
+          </a:prstGeom>
+          <a:solidFill>
+            <a:schemeClr val="bg1">
+              <a:alpha val="0"/>
+            </a:schemeClr>
+          </a:solidFill>
+          <a:ln w="50800">
+            <a:solidFill>
+              <a:schemeClr val="bg1">
+                <a:lumMod val="50000"/>
+              </a:schemeClr>
+            </a:solidFill>
+          </a:ln>
+          <a:effectLst>
+            <a:outerShdw blurRad="50800" dist="38100" dir="2700000" algn="tl" rotWithShape="0">
+              <a:prstClr val="black">
+                <a:alpha val="40000"/>
+              </a:prstClr>
+            </a:outerShdw>
+          </a:effectLst>
+        </p:spPr>
+        <p:style>
+          <a:lnRef idx="2">
+            <a:schemeClr val="accent1">
+              <a:shade val="50000"/>
+            </a:schemeClr>
+          </a:lnRef>
+          <a:fillRef idx="1">
+            <a:schemeClr val="accent1"/>
+          </a:fillRef>
+          <a:effectRef idx="0">
+            <a:schemeClr val="accent1"/>
+          </a:effectRef>
+          <a:fontRef idx="minor">
+            <a:schemeClr val="lt1"/>
+          </a:fontRef>
+        </p:style>
+        <p:txBody>
+          <a:bodyPr rtlCol="0" anchor="ctr"/>
+          <a:lstStyle/>
+          <a:p>
+            <a:pPr algn="ctr"/>
+            <a:endParaRPr lang="pt-BR" u="sng"/>
+          </a:p>
+        </p:txBody>
+      </p:sp>
+      <p:sp>
+        <p:nvSpPr>
+          <p:cNvPr id="10" name="TriPU">
+            <a:extLst>
+              <a:ext uri="{FF2B5EF4-FFF2-40B4-BE49-F238E27FC236}">
+                <a16:creationId xmlns:a16="http://schemas.microsoft.com/office/drawing/2014/main" id="{A37CFC68-D2B4-4816-898B-EDD12AE36C6D}"/>
+              </a:ext>
+            </a:extLst>
+          </p:cNvPr>
+          <p:cNvSpPr/>
+          <p:nvPr/>
+        </p:nvSpPr>
+        <p:spPr>
+          <a:xfrm rot="5400000">
+            <a:off x="283922" y="359647"/>
+            <a:ext cx="840028" cy="724162"/>
+          </a:xfrm>
+          <a:prstGeom prst="triangle">
+            <a:avLst/>
+          </a:prstGeom>
+          <a:solidFill>
+            <a:schemeClr val="bg1">
+              <a:alpha val="0"/>
+            </a:schemeClr>
+          </a:solidFill>
+          <a:ln w="50800">
+            <a:solidFill>
+              <a:schemeClr val="bg1">
+                <a:lumMod val="50000"/>
+              </a:schemeClr>
+            </a:solidFill>
+          </a:ln>
+          <a:effectLst>
+            <a:outerShdw blurRad="50800" dist="38100" dir="2700000" algn="tl" rotWithShape="0">
+              <a:prstClr val="black">
+                <a:alpha val="40000"/>
+              </a:prstClr>
+            </a:outerShdw>
+          </a:effectLst>
+        </p:spPr>
+        <p:style>
+          <a:lnRef idx="2">
+            <a:schemeClr val="accent1">
+              <a:shade val="50000"/>
+            </a:schemeClr>
+          </a:lnRef>
+          <a:fillRef idx="1">
+            <a:schemeClr val="accent1"/>
+          </a:fillRef>
+          <a:effectRef idx="0">
+            <a:schemeClr val="accent1"/>
+          </a:effectRef>
+          <a:fontRef idx="minor">
+            <a:schemeClr val="lt1"/>
+          </a:fontRef>
+        </p:style>
+        <p:txBody>
+          <a:bodyPr rtlCol="0" anchor="ctr"/>
+          <a:lstStyle/>
+          <a:p>
+            <a:pPr algn="ctr"/>
+            <a:endParaRPr lang="pt-BR" u="sng"/>
+          </a:p>
+        </p:txBody>
+      </p:sp>
+      <p:sp>
+        <p:nvSpPr>
+          <p:cNvPr id="11" name="TriPR">
+            <a:extLst>
+              <a:ext uri="{FF2B5EF4-FFF2-40B4-BE49-F238E27FC236}">
+                <a16:creationId xmlns:a16="http://schemas.microsoft.com/office/drawing/2014/main" id="{20AA491E-C5A1-4C07-A01F-2D9F75A6BF10}"/>
+              </a:ext>
+            </a:extLst>
+          </p:cNvPr>
+          <p:cNvSpPr/>
+          <p:nvPr/>
+        </p:nvSpPr>
+        <p:spPr>
+          <a:xfrm rot="16200000">
+            <a:off x="256573" y="830471"/>
+            <a:ext cx="1236581" cy="1066017"/>
+          </a:xfrm>
+          <a:prstGeom prst="triangle">
+            <a:avLst/>
+          </a:prstGeom>
+          <a:solidFill>
+            <a:schemeClr val="bg1">
+              <a:alpha val="0"/>
+            </a:schemeClr>
+          </a:solidFill>
+          <a:ln w="50800">
+            <a:solidFill>
+              <a:schemeClr val="bg1">
+                <a:lumMod val="50000"/>
+              </a:schemeClr>
+            </a:solidFill>
+          </a:ln>
+          <a:effectLst>
+            <a:outerShdw blurRad="50800" dist="38100" dir="2700000" algn="tl" rotWithShape="0">
+              <a:prstClr val="black">
+                <a:alpha val="40000"/>
+              </a:prstClr>
+            </a:outerShdw>
+          </a:effectLst>
+        </p:spPr>
+        <p:style>
+          <a:lnRef idx="2">
+            <a:schemeClr val="accent1">
+              <a:shade val="50000"/>
+            </a:schemeClr>
+          </a:lnRef>
+          <a:fillRef idx="1">
+            <a:schemeClr val="accent1"/>
+          </a:fillRef>
+          <a:effectRef idx="0">
+            <a:schemeClr val="accent1"/>
+          </a:effectRef>
+          <a:fontRef idx="minor">
+            <a:schemeClr val="lt1"/>
+          </a:fontRef>
+        </p:style>
+        <p:txBody>
+          <a:bodyPr rtlCol="0" anchor="ctr"/>
+          <a:lstStyle/>
+          <a:p>
+            <a:pPr algn="ctr"/>
+            <a:endParaRPr lang="pt-BR" u="sng"/>
+          </a:p>
+        </p:txBody>
+      </p:sp>
+    </p:spTree>
+    <p:extLst>
+      <p:ext uri="{BB962C8B-B14F-4D97-AF65-F5344CB8AC3E}">
+        <p14:creationId xmlns:p14="http://schemas.microsoft.com/office/powerpoint/2010/main" val="482044323"/>
+      </p:ext>
+    </p:extLst>
+  </p:cSld>
+  <p:clrMapOvr>
+    <a:masterClrMapping/>
+  </p:clrMapOvr>
+  <p:timing>
+    <p:tnLst>
+      <p:par>
+        <p:cTn id="1" dur="indefinite" restart="never" nodeType="tmRoot">
+          <p:childTnLst>
+            <p:seq concurrent="1" nextAc="seek">
+              <p:cTn id="2" dur="indefinite" nodeType="mainSeq">
+                <p:childTnLst>
+                  <p:par>
+                    <p:cTn id="3" fill="hold">
+                      <p:stCondLst>
+                        <p:cond delay="indefinite"/>
+                        <p:cond evt="onBegin" delay="0">
+                          <p:tn val="2"/>
+                        </p:cond>
+                      </p:stCondLst>
+                      <p:childTnLst>
+                        <p:par>
+                          <p:cTn id="4" fill="hold">
+                            <p:stCondLst>
+                              <p:cond delay="0"/>
+                            </p:stCondLst>
+                            <p:childTnLst>
+                              <p:par>
+                                <p:cTn id="5" presetID="10" presetClass="entr" presetSubtype="0" fill="hold" grpId="1" nodeType="afterEffect">
+                                  <p:stCondLst>
+                                    <p:cond delay="0"/>
+                                  </p:stCondLst>
+                                  <p:childTnLst>
+                                    <p:set>
+                                      <p:cBhvr>
+                                        <p:cTn id="6" dur="1" fill="hold">
+                                          <p:stCondLst>
+                                            <p:cond delay="0"/>
+                                          </p:stCondLst>
+                                        </p:cTn>
+                                        <p:tgtEl>
+                                          <p:spTgt spid="7"/>
+                                        </p:tgtEl>
+                                        <p:attrNameLst>
+                                          <p:attrName>style.visibility</p:attrName>
+                                        </p:attrNameLst>
+                                      </p:cBhvr>
+                                      <p:to>
+                                        <p:strVal val="visible"/>
+                                      </p:to>
+                                    </p:set>
+                                    <p:animEffect transition="in" filter="fade">
+                                      <p:cBhvr>
+                                        <p:cTn id="7" dur="1000"/>
+                                        <p:tgtEl>
+                                          <p:spTgt spid="7"/>
+                                        </p:tgtEl>
+                                      </p:cBhvr>
+                                    </p:animEffect>
+                                  </p:childTnLst>
+                                </p:cTn>
+                              </p:par>
+                              <p:par>
+                                <p:cTn id="8" presetID="42" presetClass="path" presetSubtype="0" accel="50000" decel="50000" fill="hold" grpId="0" nodeType="withEffect">
+                                  <p:stCondLst>
+                                    <p:cond delay="0"/>
+                                  </p:stCondLst>
+                                  <p:childTnLst>
+                                    <p:animMotion origin="layout" path="M 0 -0.18519 L 0 1.48148E-6 " pathEditMode="relative" rAng="0" ptsTypes="AA">
+                                      <p:cBhvr>
+                                        <p:cTn id="9" dur="1000" fill="hold"/>
+                                        <p:tgtEl>
+                                          <p:spTgt spid="7"/>
+                                        </p:tgtEl>
+                                        <p:attrNameLst>
+                                          <p:attrName>ppt_x</p:attrName>
+                                          <p:attrName>ppt_y</p:attrName>
+                                        </p:attrNameLst>
+                                      </p:cBhvr>
+                                      <p:rCtr x="0" y="9259"/>
+                                    </p:animMotion>
+                                  </p:childTnLst>
+                                </p:cTn>
+                              </p:par>
+                              <p:par>
+                                <p:cTn id="10" presetID="10" presetClass="entr" presetSubtype="0" fill="hold" grpId="0" nodeType="withEffect">
+                                  <p:stCondLst>
+                                    <p:cond delay="0"/>
+                                  </p:stCondLst>
+                                  <p:childTnLst>
+                                    <p:set>
+                                      <p:cBhvr>
+                                        <p:cTn id="11" dur="1" fill="hold">
+                                          <p:stCondLst>
+                                            <p:cond delay="0"/>
+                                          </p:stCondLst>
+                                        </p:cTn>
+                                        <p:tgtEl>
+                                          <p:spTgt spid="9"/>
+                                        </p:tgtEl>
+                                        <p:attrNameLst>
+                                          <p:attrName>style.visibility</p:attrName>
+                                        </p:attrNameLst>
+                                      </p:cBhvr>
+                                      <p:to>
+                                        <p:strVal val="visible"/>
+                                      </p:to>
+                                    </p:set>
+                                    <p:animEffect transition="in" filter="fade">
+                                      <p:cBhvr>
+                                        <p:cTn id="12" dur="1250"/>
+                                        <p:tgtEl>
+                                          <p:spTgt spid="9"/>
+                                        </p:tgtEl>
+                                      </p:cBhvr>
+                                    </p:animEffect>
+                                  </p:childTnLst>
+                                </p:cTn>
+                              </p:par>
+                              <p:par>
+                                <p:cTn id="13" presetID="42" presetClass="path" presetSubtype="0" accel="50000" decel="50000" fill="hold" grpId="1" nodeType="withEffect">
+                                  <p:stCondLst>
+                                    <p:cond delay="0"/>
+                                  </p:stCondLst>
+                                  <p:childTnLst>
+                                    <p:animMotion origin="layout" path="M -1.66667E-6 -0.20995 L -1.66667E-6 1.11111E-6 " pathEditMode="fixed" rAng="0" ptsTypes="AA">
+                                      <p:cBhvr>
+                                        <p:cTn id="14" dur="1250" fill="hold"/>
+                                        <p:tgtEl>
+                                          <p:spTgt spid="9"/>
+                                        </p:tgtEl>
+                                        <p:attrNameLst>
+                                          <p:attrName>ppt_x</p:attrName>
+                                          <p:attrName>ppt_y</p:attrName>
+                                        </p:attrNameLst>
+                                      </p:cBhvr>
+                                      <p:rCtr x="0" y="10486"/>
+                                    </p:animMotion>
+                                  </p:childTnLst>
+                                </p:cTn>
+                              </p:par>
+                              <p:par>
+                                <p:cTn id="15" presetID="10" presetClass="entr" presetSubtype="0" fill="hold" grpId="0" nodeType="withEffect">
+                                  <p:stCondLst>
+                                    <p:cond delay="0"/>
+                                  </p:stCondLst>
+                                  <p:childTnLst>
+                                    <p:set>
+                                      <p:cBhvr>
+                                        <p:cTn id="16" dur="1" fill="hold">
+                                          <p:stCondLst>
+                                            <p:cond delay="0"/>
+                                          </p:stCondLst>
+                                        </p:cTn>
+                                        <p:tgtEl>
+                                          <p:spTgt spid="8"/>
+                                        </p:tgtEl>
+                                        <p:attrNameLst>
+                                          <p:attrName>style.visibility</p:attrName>
+                                        </p:attrNameLst>
+                                      </p:cBhvr>
+                                      <p:to>
+                                        <p:strVal val="visible"/>
+                                      </p:to>
+                                    </p:set>
+                                    <p:animEffect transition="in" filter="fade">
+                                      <p:cBhvr>
+                                        <p:cTn id="17" dur="1250"/>
+                                        <p:tgtEl>
+                                          <p:spTgt spid="8"/>
+                                        </p:tgtEl>
+                                      </p:cBhvr>
+                                    </p:animEffect>
+                                  </p:childTnLst>
+                                </p:cTn>
+                              </p:par>
+                              <p:par>
+                                <p:cTn id="18" presetID="64" presetClass="path" presetSubtype="0" accel="50000" decel="50000" fill="hold" grpId="1" nodeType="withEffect">
+                                  <p:stCondLst>
+                                    <p:cond delay="0"/>
+                                  </p:stCondLst>
+                                  <p:childTnLst>
+                                    <p:animMotion origin="layout" path="M 1.04167E-6 0.27824 L 1.04167E-6 2.96296E-6 " pathEditMode="fixed" rAng="0" ptsTypes="AA">
+                                      <p:cBhvr>
+                                        <p:cTn id="19" dur="1250" fill="hold"/>
+                                        <p:tgtEl>
+                                          <p:spTgt spid="8"/>
+                                        </p:tgtEl>
+                                        <p:attrNameLst>
+                                          <p:attrName>ppt_x</p:attrName>
+                                          <p:attrName>ppt_y</p:attrName>
+                                        </p:attrNameLst>
+                                      </p:cBhvr>
+                                      <p:rCtr x="0" y="-13912"/>
+                                    </p:animMotion>
+                                  </p:childTnLst>
+                                </p:cTn>
+                              </p:par>
+                              <p:par>
+                                <p:cTn id="20" presetID="10" presetClass="entr" presetSubtype="0" fill="hold" grpId="0" nodeType="withEffect">
+                                  <p:stCondLst>
+                                    <p:cond delay="0"/>
+                                  </p:stCondLst>
+                                  <p:childTnLst>
+                                    <p:set>
+                                      <p:cBhvr>
+                                        <p:cTn id="21" dur="1" fill="hold">
+                                          <p:stCondLst>
+                                            <p:cond delay="0"/>
+                                          </p:stCondLst>
+                                        </p:cTn>
+                                        <p:tgtEl>
+                                          <p:spTgt spid="10"/>
+                                        </p:tgtEl>
+                                        <p:attrNameLst>
+                                          <p:attrName>style.visibility</p:attrName>
+                                        </p:attrNameLst>
+                                      </p:cBhvr>
+                                      <p:to>
+                                        <p:strVal val="visible"/>
+                                      </p:to>
+                                    </p:set>
+                                    <p:animEffect transition="in" filter="fade">
+                                      <p:cBhvr>
+                                        <p:cTn id="22" dur="1250"/>
+                                        <p:tgtEl>
+                                          <p:spTgt spid="10"/>
+                                        </p:tgtEl>
+                                      </p:cBhvr>
+                                    </p:animEffect>
+                                  </p:childTnLst>
+                                </p:cTn>
+                              </p:par>
+                              <p:par>
+                                <p:cTn id="23" presetID="63" presetClass="path" presetSubtype="0" accel="50000" decel="50000" fill="hold" grpId="1" nodeType="withEffect">
+                                  <p:stCondLst>
+                                    <p:cond delay="0"/>
+                                  </p:stCondLst>
+                                  <p:childTnLst>
+                                    <p:animMotion origin="layout" path="M -0.13372 -4.07407E-6 L 5E-6 -4.07407E-6 " pathEditMode="relative" rAng="0" ptsTypes="AA">
+                                      <p:cBhvr>
+                                        <p:cTn id="24" dur="1250" fill="hold"/>
+                                        <p:tgtEl>
+                                          <p:spTgt spid="10"/>
+                                        </p:tgtEl>
+                                        <p:attrNameLst>
+                                          <p:attrName>ppt_x</p:attrName>
+                                          <p:attrName>ppt_y</p:attrName>
+                                        </p:attrNameLst>
+                                      </p:cBhvr>
+                                      <p:rCtr x="6771" y="0"/>
+                                    </p:animMotion>
+                                  </p:childTnLst>
+                                </p:cTn>
+                              </p:par>
+                              <p:par>
+                                <p:cTn id="25" presetID="10" presetClass="entr" presetSubtype="0" fill="hold" grpId="0" nodeType="withEffect">
+                                  <p:stCondLst>
+                                    <p:cond delay="0"/>
+                                  </p:stCondLst>
+                                  <p:childTnLst>
+                                    <p:set>
+                                      <p:cBhvr>
+                                        <p:cTn id="26" dur="1" fill="hold">
+                                          <p:stCondLst>
+                                            <p:cond delay="0"/>
+                                          </p:stCondLst>
+                                        </p:cTn>
+                                        <p:tgtEl>
+                                          <p:spTgt spid="11"/>
+                                        </p:tgtEl>
+                                        <p:attrNameLst>
+                                          <p:attrName>style.visibility</p:attrName>
+                                        </p:attrNameLst>
+                                      </p:cBhvr>
+                                      <p:to>
+                                        <p:strVal val="visible"/>
+                                      </p:to>
+                                    </p:set>
+                                    <p:animEffect transition="in" filter="fade">
+                                      <p:cBhvr>
+                                        <p:cTn id="27" dur="1250"/>
+                                        <p:tgtEl>
+                                          <p:spTgt spid="11"/>
+                                        </p:tgtEl>
+                                      </p:cBhvr>
+                                    </p:animEffect>
+                                  </p:childTnLst>
+                                </p:cTn>
+                              </p:par>
+                              <p:par>
+                                <p:cTn id="28" presetID="35" presetClass="path" presetSubtype="0" accel="50000" decel="50000" fill="hold" grpId="1" nodeType="withEffect">
+                                  <p:stCondLst>
+                                    <p:cond delay="0"/>
+                                  </p:stCondLst>
+                                  <p:childTnLst>
+                                    <p:animMotion origin="layout" path="M 0.12305 -2.59259E-6 L -4.79167E-6 -2.59259E-6 " pathEditMode="fixed" rAng="0" ptsTypes="AA">
+                                      <p:cBhvr>
+                                        <p:cTn id="29" dur="1250" fill="hold"/>
+                                        <p:tgtEl>
+                                          <p:spTgt spid="11"/>
+                                        </p:tgtEl>
+                                        <p:attrNameLst>
+                                          <p:attrName>ppt_x</p:attrName>
+                                          <p:attrName>ppt_y</p:attrName>
+                                        </p:attrNameLst>
+                                      </p:cBhvr>
+                                      <p:rCtr x="-6159" y="0"/>
+                                    </p:animMotion>
+                                  </p:childTnLst>
+                                </p:cTn>
+                              </p:par>
+                              <p:par>
+                                <p:cTn id="30" presetID="6" presetClass="entr" presetSubtype="32" fill="hold" grpId="0" nodeType="withEffect">
+                                  <p:stCondLst>
+                                    <p:cond delay="0"/>
+                                  </p:stCondLst>
+                                  <p:childTnLst>
+                                    <p:set>
+                                      <p:cBhvr>
+                                        <p:cTn id="31" dur="1" fill="hold">
+                                          <p:stCondLst>
+                                            <p:cond delay="0"/>
+                                          </p:stCondLst>
+                                        </p:cTn>
+                                        <p:tgtEl>
+                                          <p:spTgt spid="5"/>
+                                        </p:tgtEl>
+                                        <p:attrNameLst>
+                                          <p:attrName>style.visibility</p:attrName>
+                                        </p:attrNameLst>
+                                      </p:cBhvr>
+                                      <p:to>
+                                        <p:strVal val="visible"/>
+                                      </p:to>
+                                    </p:set>
+                                    <p:animEffect transition="in" filter="circle(out)">
+                                      <p:cBhvr>
+                                        <p:cTn id="32" dur="500"/>
+                                        <p:tgtEl>
+                                          <p:spTgt spid="5"/>
+                                        </p:tgtEl>
+                                      </p:cBhvr>
+                                    </p:animEffect>
+                                  </p:childTnLst>
+                                </p:cTn>
+                              </p:par>
+                            </p:childTnLst>
+                          </p:cTn>
+                        </p:par>
+                        <p:par>
+                          <p:cTn id="33" fill="hold">
+                            <p:stCondLst>
+                              <p:cond delay="1250"/>
+                            </p:stCondLst>
+                            <p:childTnLst>
+                              <p:par>
+                                <p:cTn id="34" presetID="64" presetClass="path" presetSubtype="0" repeatCount="indefinite" accel="50000" decel="50000" autoRev="1" fill="hold" grpId="2" nodeType="afterEffect">
+                                  <p:stCondLst>
+                                    <p:cond delay="0"/>
+                                  </p:stCondLst>
+                                  <p:childTnLst>
+                                    <p:animMotion origin="layout" path="M -1.66667E-6 1.11111E-6 L -0.00026 -0.02639 " pathEditMode="relative" rAng="0" ptsTypes="AA">
+                                      <p:cBhvr>
+                                        <p:cTn id="35" dur="7000" fill="hold"/>
+                                        <p:tgtEl>
+                                          <p:spTgt spid="9"/>
+                                        </p:tgtEl>
+                                        <p:attrNameLst>
+                                          <p:attrName>ppt_x</p:attrName>
+                                          <p:attrName>ppt_y</p:attrName>
+                                        </p:attrNameLst>
+                                      </p:cBhvr>
+                                      <p:rCtr x="-13" y="-1319"/>
+                                    </p:animMotion>
+                                  </p:childTnLst>
+                                </p:cTn>
+                              </p:par>
+                              <p:par>
+                                <p:cTn id="36" presetID="42" presetClass="path" presetSubtype="0" repeatCount="indefinite" accel="50000" decel="50000" autoRev="1" fill="hold" grpId="2" nodeType="withEffect">
+                                  <p:stCondLst>
+                                    <p:cond delay="0"/>
+                                  </p:stCondLst>
+                                  <p:childTnLst>
+                                    <p:animMotion origin="layout" path="M 1.04167E-6 2.96296E-6 L 0.00065 0.02106 " pathEditMode="relative" rAng="0" ptsTypes="AA">
+                                      <p:cBhvr>
+                                        <p:cTn id="37" dur="7000" fill="hold"/>
+                                        <p:tgtEl>
+                                          <p:spTgt spid="8"/>
+                                        </p:tgtEl>
+                                        <p:attrNameLst>
+                                          <p:attrName>ppt_x</p:attrName>
+                                          <p:attrName>ppt_y</p:attrName>
+                                        </p:attrNameLst>
+                                      </p:cBhvr>
+                                      <p:rCtr x="26" y="1042"/>
+                                    </p:animMotion>
+                                  </p:childTnLst>
+                                </p:cTn>
+                              </p:par>
+                              <p:par>
+                                <p:cTn id="38" presetID="35" presetClass="path" presetSubtype="0" repeatCount="indefinite" accel="50000" decel="50000" autoRev="1" fill="hold" grpId="2" nodeType="withEffect">
+                                  <p:stCondLst>
+                                    <p:cond delay="0"/>
+                                  </p:stCondLst>
+                                  <p:childTnLst>
+                                    <p:animMotion origin="layout" path="M -2.29167E-6 -4.07407E-6 L -0.01185 0.00024 " pathEditMode="relative" rAng="0" ptsTypes="AA">
+                                      <p:cBhvr>
+                                        <p:cTn id="39" dur="7000" fill="hold"/>
+                                        <p:tgtEl>
+                                          <p:spTgt spid="10"/>
+                                        </p:tgtEl>
+                                        <p:attrNameLst>
+                                          <p:attrName>ppt_x</p:attrName>
+                                          <p:attrName>ppt_y</p:attrName>
+                                        </p:attrNameLst>
+                                      </p:cBhvr>
+                                      <p:rCtr x="-599" y="0"/>
+                                    </p:animMotion>
+                                  </p:childTnLst>
+                                </p:cTn>
+                              </p:par>
+                              <p:par>
+                                <p:cTn id="40" presetID="63" presetClass="path" presetSubtype="0" repeatCount="indefinite" accel="50000" decel="50000" autoRev="1" fill="hold" grpId="2" nodeType="withEffect">
+                                  <p:stCondLst>
+                                    <p:cond delay="0"/>
+                                  </p:stCondLst>
+                                  <p:childTnLst>
+                                    <p:animMotion origin="layout" path="M -4.79167E-6 -2.59259E-6 L 0.02058 -2.59259E-6 " pathEditMode="relative" rAng="0" ptsTypes="AA">
+                                      <p:cBhvr>
+                                        <p:cTn id="41" dur="7000" fill="hold"/>
+                                        <p:tgtEl>
+                                          <p:spTgt spid="11"/>
+                                        </p:tgtEl>
+                                        <p:attrNameLst>
+                                          <p:attrName>ppt_x</p:attrName>
+                                          <p:attrName>ppt_y</p:attrName>
+                                        </p:attrNameLst>
+                                      </p:cBhvr>
+                                      <p:rCtr x="1029" y="0"/>
+                                    </p:animMotion>
+                                  </p:childTnLst>
+                                </p:cTn>
+                              </p:par>
+                            </p:childTnLst>
+                          </p:cTn>
+                        </p:par>
+                      </p:childTnLst>
+                    </p:cTn>
+                  </p:par>
+                </p:childTnLst>
+              </p:cTn>
+              <p:prevCondLst>
+                <p:cond evt="onPrev" delay="0">
+                  <p:tgtEl>
+                    <p:sldTgt/>
+                  </p:tgtEl>
+                </p:cond>
+              </p:prevCondLst>
+              <p:nextCondLst>
+                <p:cond evt="onNext" delay="0">
+                  <p:tgtEl>
+                    <p:sldTgt/>
+                  </p:tgtEl>
+                </p:cond>
+              </p:nextCondLst>
+            </p:seq>
+          </p:childTnLst>
+        </p:cTn>
+      </p:par>
+    </p:tnLst>
+    <p:bldLst>
+      <p:bldP spid="5" grpId="0" animBg="1"/>
+      <p:bldP spid="7" grpId="0"/>
+      <p:bldP spid="7" grpId="1"/>
+      <p:bldP spid="8" grpId="0" animBg="1"/>
+      <p:bldP spid="8" grpId="1" animBg="1"/>
+      <p:bldP spid="8" grpId="2" animBg="1"/>
+      <p:bldP spid="9" grpId="0" animBg="1"/>
+      <p:bldP spid="9" grpId="1" animBg="1"/>
+      <p:bldP spid="9" grpId="2" animBg="1"/>
+      <p:bldP spid="10" grpId="0" animBg="1"/>
+      <p:bldP spid="10" grpId="1" animBg="1"/>
+      <p:bldP spid="10" grpId="2" animBg="1"/>
+      <p:bldP spid="11" grpId="0" animBg="1"/>
+      <p:bldP spid="11" grpId="1" animBg="1"/>
+      <p:bldP spid="11" grpId="2" animBg="1"/>
+    </p:bldLst>
+  </p:timing>
+</p:sld>
+</file>
+
+<file path=ppt/slides/slide39.xml><?xml version="1.0" encoding="utf-8"?>
+<p:sld xmlns:a="http://schemas.openxmlformats.org/drawingml/2006/main" xmlns:r="http://schemas.openxmlformats.org/officeDocument/2006/relationships" xmlns:p="http://schemas.openxmlformats.org/presentationml/2006/main">
+  <p:cSld>
+    <p:spTree>
+      <p:nvGrpSpPr>
+        <p:cNvPr id="1" name=""/>
+        <p:cNvGrpSpPr/>
+        <p:nvPr/>
+      </p:nvGrpSpPr>
+      <p:grpSpPr>
+        <a:xfrm>
+          <a:off x="0" y="0"/>
+          <a:ext cx="0" cy="0"/>
+          <a:chOff x="0" y="0"/>
+          <a:chExt cx="0" cy="0"/>
+        </a:xfrm>
+      </p:grpSpPr>
+      <p:sp>
+        <p:nvSpPr>
+          <p:cNvPr id="4" name="Fundo">
+            <a:extLst>
+              <a:ext uri="{FF2B5EF4-FFF2-40B4-BE49-F238E27FC236}">
+                <a16:creationId xmlns:a16="http://schemas.microsoft.com/office/drawing/2014/main" id="{3DB2D938-5744-4C8D-A29D-DDC629FF0E9C}"/>
+              </a:ext>
+            </a:extLst>
+          </p:cNvPr>
+          <p:cNvSpPr/>
+          <p:nvPr/>
+        </p:nvSpPr>
+        <p:spPr>
+          <a:xfrm>
+            <a:off x="0" y="0"/>
+            <a:ext cx="12192000" cy="6854371"/>
+          </a:xfrm>
+          <a:prstGeom prst="rect">
+            <a:avLst/>
+          </a:prstGeom>
+          <a:gradFill flip="none" rotWithShape="1">
+            <a:gsLst>
+              <a:gs pos="0">
+                <a:schemeClr val="bg2">
+                  <a:lumMod val="25000"/>
+                </a:schemeClr>
+              </a:gs>
+              <a:gs pos="94000">
+                <a:schemeClr val="tx1">
+                  <a:lumMod val="95000"/>
+                  <a:lumOff val="5000"/>
+                </a:schemeClr>
+              </a:gs>
+            </a:gsLst>
+            <a:lin ang="2700000" scaled="1"/>
+            <a:tileRect/>
+          </a:gradFill>
+        </p:spPr>
+        <p:style>
+          <a:lnRef idx="2">
+            <a:schemeClr val="accent1">
+              <a:shade val="50000"/>
+            </a:schemeClr>
+          </a:lnRef>
+          <a:fillRef idx="1">
+            <a:schemeClr val="accent1"/>
+          </a:fillRef>
+          <a:effectRef idx="0">
+            <a:schemeClr val="accent1"/>
+          </a:effectRef>
+          <a:fontRef idx="minor">
+            <a:schemeClr val="lt1"/>
+          </a:fontRef>
+        </p:style>
+        <p:txBody>
+          <a:bodyPr rtlCol="0" anchor="ctr"/>
+          <a:lstStyle/>
+          <a:p>
+            <a:pPr algn="ctr"/>
+            <a:endParaRPr lang="pt-BR" u="sng" dirty="0"/>
+          </a:p>
+        </p:txBody>
+      </p:sp>
+      <p:pic>
+        <p:nvPicPr>
+          <p:cNvPr id="1030" name="Picture 6" descr="Imagem relacionada">
+            <a:extLst>
+              <a:ext uri="{FF2B5EF4-FFF2-40B4-BE49-F238E27FC236}">
+                <a16:creationId xmlns:a16="http://schemas.microsoft.com/office/drawing/2014/main" id="{127F64F2-DFA7-4CC1-8FA6-9346D9FB0873}"/>
+              </a:ext>
+            </a:extLst>
+          </p:cNvPr>
+          <p:cNvPicPr>
+            <a:picLocks noChangeAspect="1" noChangeArrowheads="1"/>
+          </p:cNvPicPr>
+          <p:nvPr/>
+        </p:nvPicPr>
+        <p:blipFill>
+          <a:blip r:embed="rId2">
+            <a:extLst>
+              <a:ext uri="{28A0092B-C50C-407E-A947-70E740481C1C}">
+                <a14:useLocalDpi xmlns:a14="http://schemas.microsoft.com/office/drawing/2010/main" val="0"/>
+              </a:ext>
+            </a:extLst>
+          </a:blip>
+          <a:srcRect/>
+          <a:stretch>
+            <a:fillRect/>
+          </a:stretch>
+        </p:blipFill>
+        <p:spPr bwMode="auto">
+          <a:xfrm>
+            <a:off x="2037436" y="1220603"/>
+            <a:ext cx="21492688" cy="4782682"/>
+          </a:xfrm>
+          <a:prstGeom prst="rect">
+            <a:avLst/>
+          </a:prstGeom>
+          <a:noFill/>
+          <a:extLst>
+            <a:ext uri="{909E8E84-426E-40DD-AFC4-6F175D3DCCD1}">
+              <a14:hiddenFill xmlns:a14="http://schemas.microsoft.com/office/drawing/2010/main">
+                <a:solidFill>
+                  <a:srgbClr val="FFFFFF"/>
+                </a:solidFill>
+              </a14:hiddenFill>
+            </a:ext>
+          </a:extLst>
+        </p:spPr>
+      </p:pic>
+      <p:sp>
+        <p:nvSpPr>
+          <p:cNvPr id="25" name="Forma Livre: Forma 24">
+            <a:extLst>
+              <a:ext uri="{FF2B5EF4-FFF2-40B4-BE49-F238E27FC236}">
+                <a16:creationId xmlns:a16="http://schemas.microsoft.com/office/drawing/2014/main" id="{2476A383-D3E5-494C-8A98-D505DDD88A17}"/>
+              </a:ext>
+            </a:extLst>
+          </p:cNvPr>
+          <p:cNvSpPr/>
+          <p:nvPr/>
+        </p:nvSpPr>
+        <p:spPr>
+          <a:xfrm>
+            <a:off x="0" y="-1"/>
+            <a:ext cx="12192000" cy="6854371"/>
+          </a:xfrm>
+          <a:custGeom>
+            <a:avLst/>
+            <a:gdLst>
+              <a:gd name="connsiteX0" fmla="*/ 2616200 w 12192000"/>
+              <a:gd name="connsiteY0" fmla="*/ 1644196 h 6854371"/>
+              <a:gd name="connsiteX1" fmla="*/ 2616200 w 12192000"/>
+              <a:gd name="connsiteY1" fmla="*/ 5568496 h 6854371"/>
+              <a:gd name="connsiteX2" fmla="*/ 9534525 w 12192000"/>
+              <a:gd name="connsiteY2" fmla="*/ 5568496 h 6854371"/>
+              <a:gd name="connsiteX3" fmla="*/ 9534525 w 12192000"/>
+              <a:gd name="connsiteY3" fmla="*/ 1644196 h 6854371"/>
+              <a:gd name="connsiteX4" fmla="*/ 0 w 12192000"/>
+              <a:gd name="connsiteY4" fmla="*/ 0 h 6854371"/>
+              <a:gd name="connsiteX5" fmla="*/ 12192000 w 12192000"/>
+              <a:gd name="connsiteY5" fmla="*/ 0 h 6854371"/>
+              <a:gd name="connsiteX6" fmla="*/ 12192000 w 12192000"/>
+              <a:gd name="connsiteY6" fmla="*/ 6854371 h 6854371"/>
+              <a:gd name="connsiteX7" fmla="*/ 0 w 12192000"/>
+              <a:gd name="connsiteY7" fmla="*/ 6854371 h 6854371"/>
+            </a:gdLst>
+            <a:ahLst/>
+            <a:cxnLst>
+              <a:cxn ang="0">
+                <a:pos x="connsiteX0" y="connsiteY0"/>
+              </a:cxn>
+              <a:cxn ang="0">
+                <a:pos x="connsiteX1" y="connsiteY1"/>
+              </a:cxn>
+              <a:cxn ang="0">
+                <a:pos x="connsiteX2" y="connsiteY2"/>
+              </a:cxn>
+              <a:cxn ang="0">
+                <a:pos x="connsiteX3" y="connsiteY3"/>
+              </a:cxn>
+              <a:cxn ang="0">
+                <a:pos x="connsiteX4" y="connsiteY4"/>
+              </a:cxn>
+              <a:cxn ang="0">
+                <a:pos x="connsiteX5" y="connsiteY5"/>
+              </a:cxn>
+              <a:cxn ang="0">
+                <a:pos x="connsiteX6" y="connsiteY6"/>
+              </a:cxn>
+              <a:cxn ang="0">
+                <a:pos x="connsiteX7" y="connsiteY7"/>
+              </a:cxn>
+            </a:cxnLst>
+            <a:rect l="l" t="t" r="r" b="b"/>
+            <a:pathLst>
+              <a:path w="12192000" h="6854371">
+                <a:moveTo>
+                  <a:pt x="2616200" y="1644196"/>
+                </a:moveTo>
+                <a:lnTo>
+                  <a:pt x="2616200" y="5568496"/>
+                </a:lnTo>
+                <a:lnTo>
+                  <a:pt x="9534525" y="5568496"/>
+                </a:lnTo>
+                <a:lnTo>
+                  <a:pt x="9534525" y="1644196"/>
+                </a:lnTo>
+                <a:close/>
+                <a:moveTo>
+                  <a:pt x="0" y="0"/>
+                </a:moveTo>
+                <a:lnTo>
+                  <a:pt x="12192000" y="0"/>
+                </a:lnTo>
+                <a:lnTo>
+                  <a:pt x="12192000" y="6854371"/>
+                </a:lnTo>
+                <a:lnTo>
+                  <a:pt x="0" y="6854371"/>
+                </a:lnTo>
+                <a:close/>
+              </a:path>
+            </a:pathLst>
+          </a:custGeom>
+          <a:gradFill flip="none" rotWithShape="1">
+            <a:gsLst>
+              <a:gs pos="0">
+                <a:schemeClr val="bg2">
+                  <a:lumMod val="25000"/>
+                </a:schemeClr>
+              </a:gs>
+              <a:gs pos="94000">
+                <a:schemeClr val="tx1">
+                  <a:lumMod val="95000"/>
+                  <a:lumOff val="5000"/>
+                </a:schemeClr>
+              </a:gs>
+            </a:gsLst>
+            <a:lin ang="2700000" scaled="1"/>
+            <a:tileRect/>
+          </a:gradFill>
+          <a:ln>
+            <a:noFill/>
+          </a:ln>
+        </p:spPr>
+        <p:style>
+          <a:lnRef idx="2">
+            <a:schemeClr val="accent1">
+              <a:shade val="50000"/>
+            </a:schemeClr>
+          </a:lnRef>
+          <a:fillRef idx="1">
+            <a:schemeClr val="accent1"/>
+          </a:fillRef>
+          <a:effectRef idx="0">
+            <a:schemeClr val="accent1"/>
+          </a:effectRef>
+          <a:fontRef idx="minor">
+            <a:schemeClr val="lt1"/>
+          </a:fontRef>
+        </p:style>
+        <p:txBody>
+          <a:bodyPr wrap="square" rtlCol="0" anchor="ctr">
+            <a:noAutofit/>
+          </a:bodyPr>
+          <a:lstStyle/>
+          <a:p>
+            <a:pPr algn="ctr"/>
+            <a:endParaRPr lang="pt-BR" u="sng" dirty="0"/>
+          </a:p>
+        </p:txBody>
+      </p:sp>
+      <p:sp>
+        <p:nvSpPr>
+          <p:cNvPr id="7" name="Titulo">
+            <a:extLst>
+              <a:ext uri="{FF2B5EF4-FFF2-40B4-BE49-F238E27FC236}">
+                <a16:creationId xmlns:a16="http://schemas.microsoft.com/office/drawing/2014/main" id="{19AFBE14-B5A5-4681-BDDA-D6705D64DC91}"/>
+              </a:ext>
+            </a:extLst>
+          </p:cNvPr>
+          <p:cNvSpPr txBox="1"/>
+          <p:nvPr/>
+        </p:nvSpPr>
+        <p:spPr>
+          <a:xfrm>
+            <a:off x="3498850" y="434505"/>
+            <a:ext cx="5194300" cy="584775"/>
+          </a:xfrm>
+          <a:prstGeom prst="rect">
+            <a:avLst/>
+          </a:prstGeom>
+          <a:noFill/>
+          <a:effectLst>
+            <a:outerShdw blurRad="50800" dist="38100" dir="2700000" algn="tl" rotWithShape="0">
+              <a:prstClr val="black">
+                <a:alpha val="40000"/>
+              </a:prstClr>
+            </a:outerShdw>
+          </a:effectLst>
+        </p:spPr>
+        <p:txBody>
+          <a:bodyPr wrap="square" rtlCol="0">
+            <a:spAutoFit/>
+          </a:bodyPr>
+          <a:lstStyle/>
+          <a:p>
+            <a:pPr algn="ctr"/>
+            <a:r>
+              <a:rPr lang="pt-BR" sz="3200" dirty="0">
+                <a:solidFill>
+                  <a:schemeClr val="accent6"/>
+                </a:solidFill>
+                <a:latin typeface="Gill Sans MT" panose="020B0502020104020203" pitchFamily="34" charset="0"/>
+              </a:rPr>
+              <a:t>Sistema Online</a:t>
+            </a:r>
+          </a:p>
+        </p:txBody>
+      </p:sp>
+      <p:sp>
+        <p:nvSpPr>
+          <p:cNvPr id="10" name="TriPU">
+            <a:extLst>
+              <a:ext uri="{FF2B5EF4-FFF2-40B4-BE49-F238E27FC236}">
+                <a16:creationId xmlns:a16="http://schemas.microsoft.com/office/drawing/2014/main" id="{3EA8562F-CA46-44FD-AC75-0267A157D254}"/>
+              </a:ext>
+            </a:extLst>
+          </p:cNvPr>
+          <p:cNvSpPr/>
+          <p:nvPr/>
+        </p:nvSpPr>
+        <p:spPr>
+          <a:xfrm rot="5400000">
+            <a:off x="283922" y="359647"/>
+            <a:ext cx="840028" cy="724162"/>
+          </a:xfrm>
+          <a:prstGeom prst="triangle">
+            <a:avLst/>
+          </a:prstGeom>
+          <a:solidFill>
+            <a:schemeClr val="bg1">
+              <a:alpha val="0"/>
+            </a:schemeClr>
+          </a:solidFill>
+          <a:ln w="50800">
+            <a:solidFill>
+              <a:schemeClr val="bg1">
+                <a:lumMod val="50000"/>
+              </a:schemeClr>
+            </a:solidFill>
+          </a:ln>
+          <a:effectLst>
+            <a:outerShdw blurRad="50800" dist="38100" dir="2700000" algn="tl" rotWithShape="0">
+              <a:prstClr val="black">
+                <a:alpha val="40000"/>
+              </a:prstClr>
+            </a:outerShdw>
+          </a:effectLst>
+        </p:spPr>
+        <p:style>
+          <a:lnRef idx="2">
+            <a:schemeClr val="accent1">
+              <a:shade val="50000"/>
+            </a:schemeClr>
+          </a:lnRef>
+          <a:fillRef idx="1">
+            <a:schemeClr val="accent1"/>
+          </a:fillRef>
+          <a:effectRef idx="0">
+            <a:schemeClr val="accent1"/>
+          </a:effectRef>
+          <a:fontRef idx="minor">
+            <a:schemeClr val="lt1"/>
+          </a:fontRef>
+        </p:style>
+        <p:txBody>
+          <a:bodyPr rtlCol="0" anchor="ctr"/>
+          <a:lstStyle/>
+          <a:p>
+            <a:pPr algn="ctr"/>
+            <a:endParaRPr lang="pt-BR" u="sng"/>
+          </a:p>
+        </p:txBody>
+      </p:sp>
+      <p:sp>
+        <p:nvSpPr>
+          <p:cNvPr id="11" name="TriPR">
+            <a:extLst>
+              <a:ext uri="{FF2B5EF4-FFF2-40B4-BE49-F238E27FC236}">
+                <a16:creationId xmlns:a16="http://schemas.microsoft.com/office/drawing/2014/main" id="{4AA5EC3A-7135-4D44-A946-10347D7010F0}"/>
+              </a:ext>
+            </a:extLst>
+          </p:cNvPr>
+          <p:cNvSpPr/>
+          <p:nvPr/>
+        </p:nvSpPr>
+        <p:spPr>
+          <a:xfrm rot="16200000">
+            <a:off x="256573" y="830471"/>
+            <a:ext cx="1236581" cy="1066017"/>
+          </a:xfrm>
+          <a:prstGeom prst="triangle">
+            <a:avLst/>
+          </a:prstGeom>
+          <a:solidFill>
+            <a:schemeClr val="bg1">
+              <a:alpha val="0"/>
+            </a:schemeClr>
+          </a:solidFill>
+          <a:ln w="50800">
+            <a:solidFill>
+              <a:schemeClr val="bg1">
+                <a:lumMod val="50000"/>
+              </a:schemeClr>
+            </a:solidFill>
+          </a:ln>
+          <a:effectLst>
+            <a:outerShdw blurRad="50800" dist="38100" dir="2700000" algn="tl" rotWithShape="0">
+              <a:prstClr val="black">
+                <a:alpha val="40000"/>
+              </a:prstClr>
+            </a:outerShdw>
+          </a:effectLst>
+        </p:spPr>
+        <p:style>
+          <a:lnRef idx="2">
+            <a:schemeClr val="accent1">
+              <a:shade val="50000"/>
+            </a:schemeClr>
+          </a:lnRef>
+          <a:fillRef idx="1">
+            <a:schemeClr val="accent1"/>
+          </a:fillRef>
+          <a:effectRef idx="0">
+            <a:schemeClr val="accent1"/>
+          </a:effectRef>
+          <a:fontRef idx="minor">
+            <a:schemeClr val="lt1"/>
+          </a:fontRef>
+        </p:style>
+        <p:txBody>
+          <a:bodyPr rtlCol="0" anchor="ctr"/>
+          <a:lstStyle/>
+          <a:p>
+            <a:pPr algn="ctr"/>
+            <a:endParaRPr lang="pt-BR" u="sng"/>
+          </a:p>
+        </p:txBody>
+      </p:sp>
+      <p:pic>
+        <p:nvPicPr>
+          <p:cNvPr id="13" name="Imagem 12" descr="Uma imagem contendo equipamentos eletrônicos, mostrador, monitor, captura de tela&#10;&#10;Descrição gerada com muito alta confiança">
+            <a:extLst>
+              <a:ext uri="{FF2B5EF4-FFF2-40B4-BE49-F238E27FC236}">
+                <a16:creationId xmlns:a16="http://schemas.microsoft.com/office/drawing/2014/main" id="{DC3AA750-F2B4-47ED-90CD-BC649FA8EB76}"/>
+              </a:ext>
+            </a:extLst>
+          </p:cNvPr>
+          <p:cNvPicPr>
+            <a:picLocks noChangeAspect="1"/>
+          </p:cNvPicPr>
+          <p:nvPr/>
+        </p:nvPicPr>
+        <p:blipFill>
+          <a:blip r:embed="rId3">
+            <a:extLst>
+              <a:ext uri="{28A0092B-C50C-407E-A947-70E740481C1C}">
+                <a14:useLocalDpi xmlns:a14="http://schemas.microsoft.com/office/drawing/2010/main" val="0"/>
+              </a:ext>
+            </a:extLst>
+          </a:blip>
+          <a:stretch>
+            <a:fillRect/>
+          </a:stretch>
+        </p:blipFill>
+        <p:spPr>
+          <a:xfrm>
+            <a:off x="2380442" y="1363479"/>
+            <a:ext cx="7431115" cy="5245493"/>
+          </a:xfrm>
+          <a:prstGeom prst="rect">
+            <a:avLst/>
+          </a:prstGeom>
+        </p:spPr>
+      </p:pic>
+    </p:spTree>
+    <p:extLst>
+      <p:ext uri="{BB962C8B-B14F-4D97-AF65-F5344CB8AC3E}">
+        <p14:creationId xmlns:p14="http://schemas.microsoft.com/office/powerpoint/2010/main" val="4181225998"/>
+      </p:ext>
+    </p:extLst>
+  </p:cSld>
+  <p:clrMapOvr>
+    <a:masterClrMapping/>
+  </p:clrMapOvr>
+  <p:timing>
+    <p:tnLst>
+      <p:par>
+        <p:cTn id="1" dur="indefinite" restart="never" nodeType="tmRoot">
+          <p:childTnLst>
+            <p:seq concurrent="1" nextAc="seek">
+              <p:cTn id="2" dur="indefinite" nodeType="mainSeq">
+                <p:childTnLst>
+                  <p:par>
+                    <p:cTn id="3" fill="hold">
+                      <p:stCondLst>
+                        <p:cond delay="indefinite"/>
+                        <p:cond evt="onBegin" delay="0">
+                          <p:tn val="2"/>
+                        </p:cond>
+                      </p:stCondLst>
+                      <p:childTnLst>
+                        <p:par>
+                          <p:cTn id="4" fill="hold">
+                            <p:stCondLst>
+                              <p:cond delay="0"/>
+                            </p:stCondLst>
+                            <p:childTnLst>
+                              <p:par>
+                                <p:cTn id="5" presetID="10" presetClass="entr" presetSubtype="0" fill="hold" grpId="1" nodeType="afterEffect">
+                                  <p:stCondLst>
+                                    <p:cond delay="0"/>
+                                  </p:stCondLst>
+                                  <p:childTnLst>
+                                    <p:set>
+                                      <p:cBhvr>
+                                        <p:cTn id="6" dur="1" fill="hold">
+                                          <p:stCondLst>
+                                            <p:cond delay="0"/>
+                                          </p:stCondLst>
+                                        </p:cTn>
+                                        <p:tgtEl>
+                                          <p:spTgt spid="7"/>
+                                        </p:tgtEl>
+                                        <p:attrNameLst>
+                                          <p:attrName>style.visibility</p:attrName>
+                                        </p:attrNameLst>
+                                      </p:cBhvr>
+                                      <p:to>
+                                        <p:strVal val="visible"/>
+                                      </p:to>
+                                    </p:set>
+                                    <p:animEffect transition="in" filter="fade">
+                                      <p:cBhvr>
+                                        <p:cTn id="7" dur="1000"/>
+                                        <p:tgtEl>
+                                          <p:spTgt spid="7"/>
+                                        </p:tgtEl>
+                                      </p:cBhvr>
+                                    </p:animEffect>
+                                  </p:childTnLst>
+                                </p:cTn>
+                              </p:par>
+                              <p:par>
+                                <p:cTn id="8" presetID="42" presetClass="path" presetSubtype="0" accel="50000" decel="50000" fill="hold" grpId="0" nodeType="withEffect">
+                                  <p:stCondLst>
+                                    <p:cond delay="0"/>
+                                  </p:stCondLst>
+                                  <p:childTnLst>
+                                    <p:animMotion origin="layout" path="M 0 -0.18519 L 0 1.48148E-6 " pathEditMode="relative" rAng="0" ptsTypes="AA">
+                                      <p:cBhvr>
+                                        <p:cTn id="9" dur="1000" fill="hold"/>
+                                        <p:tgtEl>
+                                          <p:spTgt spid="7"/>
+                                        </p:tgtEl>
+                                        <p:attrNameLst>
+                                          <p:attrName>ppt_x</p:attrName>
+                                          <p:attrName>ppt_y</p:attrName>
+                                        </p:attrNameLst>
+                                      </p:cBhvr>
+                                      <p:rCtr x="0" y="9259"/>
+                                    </p:animMotion>
+                                  </p:childTnLst>
+                                </p:cTn>
+                              </p:par>
+                              <p:par>
+                                <p:cTn id="10" presetID="35" presetClass="path" presetSubtype="0" accel="50000" decel="50000" fill="hold" nodeType="withEffect">
+                                  <p:stCondLst>
+                                    <p:cond delay="0"/>
+                                  </p:stCondLst>
+                                  <p:childTnLst>
+                                    <p:animMotion origin="layout" path="M 2.5E-6 -3.7037E-7 L -1.06992 -3.7037E-7 " pathEditMode="relative" rAng="0" ptsTypes="AA">
+                                      <p:cBhvr>
+                                        <p:cTn id="11" dur="30000" fill="hold"/>
+                                        <p:tgtEl>
+                                          <p:spTgt spid="1030"/>
+                                        </p:tgtEl>
+                                        <p:attrNameLst>
+                                          <p:attrName>ppt_x</p:attrName>
+                                          <p:attrName>ppt_y</p:attrName>
+                                        </p:attrNameLst>
+                                      </p:cBhvr>
+                                      <p:rCtr x="-53503" y="0"/>
+                                    </p:animMotion>
+                                  </p:childTnLst>
+                                </p:cTn>
+                              </p:par>
+                              <p:par>
+                                <p:cTn id="12" presetID="10" presetClass="entr" presetSubtype="0" fill="hold" grpId="0" nodeType="withEffect">
+                                  <p:stCondLst>
+                                    <p:cond delay="0"/>
+                                  </p:stCondLst>
+                                  <p:childTnLst>
+                                    <p:set>
+                                      <p:cBhvr>
+                                        <p:cTn id="13" dur="1" fill="hold">
+                                          <p:stCondLst>
+                                            <p:cond delay="0"/>
+                                          </p:stCondLst>
+                                        </p:cTn>
+                                        <p:tgtEl>
+                                          <p:spTgt spid="10"/>
+                                        </p:tgtEl>
+                                        <p:attrNameLst>
+                                          <p:attrName>style.visibility</p:attrName>
+                                        </p:attrNameLst>
+                                      </p:cBhvr>
+                                      <p:to>
+                                        <p:strVal val="visible"/>
+                                      </p:to>
+                                    </p:set>
+                                    <p:animEffect transition="in" filter="fade">
+                                      <p:cBhvr>
+                                        <p:cTn id="14" dur="1250"/>
+                                        <p:tgtEl>
+                                          <p:spTgt spid="10"/>
+                                        </p:tgtEl>
+                                      </p:cBhvr>
+                                    </p:animEffect>
+                                  </p:childTnLst>
+                                </p:cTn>
+                              </p:par>
+                              <p:par>
+                                <p:cTn id="15" presetID="63" presetClass="path" presetSubtype="0" accel="50000" decel="50000" fill="hold" grpId="1" nodeType="withEffect">
+                                  <p:stCondLst>
+                                    <p:cond delay="0"/>
+                                  </p:stCondLst>
+                                  <p:childTnLst>
+                                    <p:animMotion origin="layout" path="M -0.13372 -4.07407E-6 L 5E-6 -4.07407E-6 " pathEditMode="relative" rAng="0" ptsTypes="AA">
+                                      <p:cBhvr>
+                                        <p:cTn id="16" dur="1250" fill="hold"/>
+                                        <p:tgtEl>
+                                          <p:spTgt spid="10"/>
+                                        </p:tgtEl>
+                                        <p:attrNameLst>
+                                          <p:attrName>ppt_x</p:attrName>
+                                          <p:attrName>ppt_y</p:attrName>
+                                        </p:attrNameLst>
+                                      </p:cBhvr>
+                                      <p:rCtr x="6771" y="0"/>
+                                    </p:animMotion>
+                                  </p:childTnLst>
+                                </p:cTn>
+                              </p:par>
+                              <p:par>
+                                <p:cTn id="17" presetID="10" presetClass="entr" presetSubtype="0" fill="hold" grpId="0" nodeType="withEffect">
+                                  <p:stCondLst>
+                                    <p:cond delay="0"/>
+                                  </p:stCondLst>
+                                  <p:childTnLst>
+                                    <p:set>
+                                      <p:cBhvr>
+                                        <p:cTn id="18" dur="1" fill="hold">
+                                          <p:stCondLst>
+                                            <p:cond delay="0"/>
+                                          </p:stCondLst>
+                                        </p:cTn>
+                                        <p:tgtEl>
+                                          <p:spTgt spid="11"/>
+                                        </p:tgtEl>
+                                        <p:attrNameLst>
+                                          <p:attrName>style.visibility</p:attrName>
+                                        </p:attrNameLst>
+                                      </p:cBhvr>
+                                      <p:to>
+                                        <p:strVal val="visible"/>
+                                      </p:to>
+                                    </p:set>
+                                    <p:animEffect transition="in" filter="fade">
+                                      <p:cBhvr>
+                                        <p:cTn id="19" dur="1250"/>
+                                        <p:tgtEl>
+                                          <p:spTgt spid="11"/>
+                                        </p:tgtEl>
+                                      </p:cBhvr>
+                                    </p:animEffect>
+                                  </p:childTnLst>
+                                </p:cTn>
+                              </p:par>
+                              <p:par>
+                                <p:cTn id="20" presetID="35" presetClass="path" presetSubtype="0" accel="50000" decel="50000" fill="hold" grpId="1" nodeType="withEffect">
+                                  <p:stCondLst>
+                                    <p:cond delay="0"/>
+                                  </p:stCondLst>
+                                  <p:childTnLst>
+                                    <p:animMotion origin="layout" path="M 0.12305 -2.59259E-6 L -4.79167E-6 -2.59259E-6 " pathEditMode="fixed" rAng="0" ptsTypes="AA">
+                                      <p:cBhvr>
+                                        <p:cTn id="21" dur="1250" fill="hold"/>
+                                        <p:tgtEl>
+                                          <p:spTgt spid="11"/>
+                                        </p:tgtEl>
+                                        <p:attrNameLst>
+                                          <p:attrName>ppt_x</p:attrName>
+                                          <p:attrName>ppt_y</p:attrName>
+                                        </p:attrNameLst>
+                                      </p:cBhvr>
+                                      <p:rCtr x="-6159" y="0"/>
+                                    </p:animMotion>
+                                  </p:childTnLst>
+                                </p:cTn>
+                              </p:par>
+                              <p:par>
+                                <p:cTn id="22" presetID="35" presetClass="path" presetSubtype="0" repeatCount="indefinite" accel="50000" decel="50000" autoRev="1" fill="hold" grpId="2" nodeType="withEffect">
+                                  <p:stCondLst>
+                                    <p:cond delay="0"/>
+                                  </p:stCondLst>
+                                  <p:childTnLst>
+                                    <p:animMotion origin="layout" path="M -2.29167E-6 -4.07407E-6 L -0.01185 0.00024 " pathEditMode="relative" rAng="0" ptsTypes="AA">
+                                      <p:cBhvr>
+                                        <p:cTn id="23" dur="7000" fill="hold"/>
+                                        <p:tgtEl>
+                                          <p:spTgt spid="10"/>
+                                        </p:tgtEl>
+                                        <p:attrNameLst>
+                                          <p:attrName>ppt_x</p:attrName>
+                                          <p:attrName>ppt_y</p:attrName>
+                                        </p:attrNameLst>
+                                      </p:cBhvr>
+                                      <p:rCtr x="-599" y="0"/>
+                                    </p:animMotion>
+                                  </p:childTnLst>
+                                </p:cTn>
+                              </p:par>
+                              <p:par>
+                                <p:cTn id="24" presetID="63" presetClass="path" presetSubtype="0" repeatCount="indefinite" accel="50000" decel="50000" autoRev="1" fill="hold" grpId="2" nodeType="withEffect">
+                                  <p:stCondLst>
+                                    <p:cond delay="0"/>
+                                  </p:stCondLst>
+                                  <p:childTnLst>
+                                    <p:animMotion origin="layout" path="M -4.79167E-6 -2.59259E-6 L 0.02058 -2.59259E-6 " pathEditMode="relative" rAng="0" ptsTypes="AA">
+                                      <p:cBhvr>
+                                        <p:cTn id="25" dur="7000" fill="hold"/>
+                                        <p:tgtEl>
+                                          <p:spTgt spid="11"/>
+                                        </p:tgtEl>
+                                        <p:attrNameLst>
+                                          <p:attrName>ppt_x</p:attrName>
+                                          <p:attrName>ppt_y</p:attrName>
+                                        </p:attrNameLst>
+                                      </p:cBhvr>
+                                      <p:rCtr x="1029" y="0"/>
+                                    </p:animMotion>
+                                  </p:childTnLst>
+                                </p:cTn>
+                              </p:par>
+                            </p:childTnLst>
+                          </p:cTn>
+                        </p:par>
+                      </p:childTnLst>
+                    </p:cTn>
+                  </p:par>
+                </p:childTnLst>
+              </p:cTn>
+              <p:prevCondLst>
+                <p:cond evt="onPrev" delay="0">
+                  <p:tgtEl>
+                    <p:sldTgt/>
+                  </p:tgtEl>
+                </p:cond>
+              </p:prevCondLst>
+              <p:nextCondLst>
+                <p:cond evt="onNext" delay="0">
+                  <p:tgtEl>
+                    <p:sldTgt/>
+                  </p:tgtEl>
+                </p:cond>
+              </p:nextCondLst>
+            </p:seq>
+          </p:childTnLst>
+        </p:cTn>
+      </p:par>
+    </p:tnLst>
+    <p:bldLst>
+      <p:bldP spid="7" grpId="0"/>
+      <p:bldP spid="7" grpId="1"/>
+      <p:bldP spid="10" grpId="0" animBg="1"/>
+      <p:bldP spid="10" grpId="1" animBg="1"/>
+      <p:bldP spid="10" grpId="2" animBg="1"/>
+      <p:bldP spid="11" grpId="0" animBg="1"/>
+      <p:bldP spid="11" grpId="1" animBg="1"/>
+      <p:bldP spid="11" grpId="2" animBg="1"/>
     </p:bldLst>
   </p:timing>
 </p:sld>
@@ -21929,6 +27941,1634 @@
       <p:transition spd="slow" advTm="0"/>
     </mc:Fallback>
   </mc:AlternateContent>
+</p:sld>
+</file>
+
+<file path=ppt/slides/slide40.xml><?xml version="1.0" encoding="utf-8"?>
+<p:sld xmlns:a="http://schemas.openxmlformats.org/drawingml/2006/main" xmlns:r="http://schemas.openxmlformats.org/officeDocument/2006/relationships" xmlns:p="http://schemas.openxmlformats.org/presentationml/2006/main">
+  <p:cSld>
+    <p:spTree>
+      <p:nvGrpSpPr>
+        <p:cNvPr id="1" name=""/>
+        <p:cNvGrpSpPr/>
+        <p:nvPr/>
+      </p:nvGrpSpPr>
+      <p:grpSpPr>
+        <a:xfrm>
+          <a:off x="0" y="0"/>
+          <a:ext cx="0" cy="0"/>
+          <a:chOff x="0" y="0"/>
+          <a:chExt cx="0" cy="0"/>
+        </a:xfrm>
+      </p:grpSpPr>
+      <p:sp>
+        <p:nvSpPr>
+          <p:cNvPr id="4" name="Fundo">
+            <a:extLst>
+              <a:ext uri="{FF2B5EF4-FFF2-40B4-BE49-F238E27FC236}">
+                <a16:creationId xmlns:a16="http://schemas.microsoft.com/office/drawing/2014/main" id="{3DB2D938-5744-4C8D-A29D-DDC629FF0E9C}"/>
+              </a:ext>
+            </a:extLst>
+          </p:cNvPr>
+          <p:cNvSpPr/>
+          <p:nvPr/>
+        </p:nvSpPr>
+        <p:spPr>
+          <a:xfrm>
+            <a:off x="0" y="0"/>
+            <a:ext cx="12192000" cy="6854371"/>
+          </a:xfrm>
+          <a:prstGeom prst="rect">
+            <a:avLst/>
+          </a:prstGeom>
+          <a:gradFill flip="none" rotWithShape="1">
+            <a:gsLst>
+              <a:gs pos="0">
+                <a:schemeClr val="bg2">
+                  <a:lumMod val="25000"/>
+                </a:schemeClr>
+              </a:gs>
+              <a:gs pos="94000">
+                <a:schemeClr val="tx1">
+                  <a:lumMod val="95000"/>
+                  <a:lumOff val="5000"/>
+                </a:schemeClr>
+              </a:gs>
+            </a:gsLst>
+            <a:lin ang="2700000" scaled="1"/>
+            <a:tileRect/>
+          </a:gradFill>
+        </p:spPr>
+        <p:style>
+          <a:lnRef idx="2">
+            <a:schemeClr val="accent1">
+              <a:shade val="50000"/>
+            </a:schemeClr>
+          </a:lnRef>
+          <a:fillRef idx="1">
+            <a:schemeClr val="accent1"/>
+          </a:fillRef>
+          <a:effectRef idx="0">
+            <a:schemeClr val="accent1"/>
+          </a:effectRef>
+          <a:fontRef idx="minor">
+            <a:schemeClr val="lt1"/>
+          </a:fontRef>
+        </p:style>
+        <p:txBody>
+          <a:bodyPr rtlCol="0" anchor="ctr"/>
+          <a:lstStyle/>
+          <a:p>
+            <a:pPr algn="ctr"/>
+            <a:endParaRPr lang="pt-BR" u="sng" dirty="0"/>
+          </a:p>
+        </p:txBody>
+      </p:sp>
+      <p:pic>
+        <p:nvPicPr>
+          <p:cNvPr id="15" name="Picture 6" descr="Imagem relacionada">
+            <a:extLst>
+              <a:ext uri="{FF2B5EF4-FFF2-40B4-BE49-F238E27FC236}">
+                <a16:creationId xmlns:a16="http://schemas.microsoft.com/office/drawing/2014/main" id="{5FFC361A-4A78-4258-96FB-830CDF2A3FAC}"/>
+              </a:ext>
+            </a:extLst>
+          </p:cNvPr>
+          <p:cNvPicPr>
+            <a:picLocks noChangeAspect="1" noChangeArrowheads="1"/>
+          </p:cNvPicPr>
+          <p:nvPr/>
+        </p:nvPicPr>
+        <p:blipFill>
+          <a:blip r:embed="rId2">
+            <a:extLst>
+              <a:ext uri="{28A0092B-C50C-407E-A947-70E740481C1C}">
+                <a14:useLocalDpi xmlns:a14="http://schemas.microsoft.com/office/drawing/2010/main" val="0"/>
+              </a:ext>
+            </a:extLst>
+          </a:blip>
+          <a:srcRect/>
+          <a:stretch>
+            <a:fillRect/>
+          </a:stretch>
+        </p:blipFill>
+        <p:spPr bwMode="auto">
+          <a:xfrm>
+            <a:off x="1970761" y="1453784"/>
+            <a:ext cx="21492688" cy="4782682"/>
+          </a:xfrm>
+          <a:prstGeom prst="rect">
+            <a:avLst/>
+          </a:prstGeom>
+          <a:noFill/>
+          <a:extLst>
+            <a:ext uri="{909E8E84-426E-40DD-AFC4-6F175D3DCCD1}">
+              <a14:hiddenFill xmlns:a14="http://schemas.microsoft.com/office/drawing/2010/main">
+                <a:solidFill>
+                  <a:srgbClr val="FFFFFF"/>
+                </a:solidFill>
+              </a14:hiddenFill>
+            </a:ext>
+          </a:extLst>
+        </p:spPr>
+      </p:pic>
+      <p:sp>
+        <p:nvSpPr>
+          <p:cNvPr id="14" name="Forma Livre: Forma 13">
+            <a:extLst>
+              <a:ext uri="{FF2B5EF4-FFF2-40B4-BE49-F238E27FC236}">
+                <a16:creationId xmlns:a16="http://schemas.microsoft.com/office/drawing/2014/main" id="{56209C48-17A8-4EC6-8800-42B406D57C7E}"/>
+              </a:ext>
+            </a:extLst>
+          </p:cNvPr>
+          <p:cNvSpPr/>
+          <p:nvPr/>
+        </p:nvSpPr>
+        <p:spPr>
+          <a:xfrm>
+            <a:off x="0" y="-1"/>
+            <a:ext cx="12192000" cy="6854371"/>
+          </a:xfrm>
+          <a:custGeom>
+            <a:avLst/>
+            <a:gdLst>
+              <a:gd name="connsiteX0" fmla="*/ 4900611 w 12192000"/>
+              <a:gd name="connsiteY0" fmla="*/ 1916907 h 6854371"/>
+              <a:gd name="connsiteX1" fmla="*/ 4900611 w 12192000"/>
+              <a:gd name="connsiteY1" fmla="*/ 6162676 h 6854371"/>
+              <a:gd name="connsiteX2" fmla="*/ 7289006 w 12192000"/>
+              <a:gd name="connsiteY2" fmla="*/ 6162676 h 6854371"/>
+              <a:gd name="connsiteX3" fmla="*/ 7289006 w 12192000"/>
+              <a:gd name="connsiteY3" fmla="*/ 1916907 h 6854371"/>
+              <a:gd name="connsiteX4" fmla="*/ 0 w 12192000"/>
+              <a:gd name="connsiteY4" fmla="*/ 0 h 6854371"/>
+              <a:gd name="connsiteX5" fmla="*/ 12192000 w 12192000"/>
+              <a:gd name="connsiteY5" fmla="*/ 0 h 6854371"/>
+              <a:gd name="connsiteX6" fmla="*/ 12192000 w 12192000"/>
+              <a:gd name="connsiteY6" fmla="*/ 6854371 h 6854371"/>
+              <a:gd name="connsiteX7" fmla="*/ 0 w 12192000"/>
+              <a:gd name="connsiteY7" fmla="*/ 6854371 h 6854371"/>
+            </a:gdLst>
+            <a:ahLst/>
+            <a:cxnLst>
+              <a:cxn ang="0">
+                <a:pos x="connsiteX0" y="connsiteY0"/>
+              </a:cxn>
+              <a:cxn ang="0">
+                <a:pos x="connsiteX1" y="connsiteY1"/>
+              </a:cxn>
+              <a:cxn ang="0">
+                <a:pos x="connsiteX2" y="connsiteY2"/>
+              </a:cxn>
+              <a:cxn ang="0">
+                <a:pos x="connsiteX3" y="connsiteY3"/>
+              </a:cxn>
+              <a:cxn ang="0">
+                <a:pos x="connsiteX4" y="connsiteY4"/>
+              </a:cxn>
+              <a:cxn ang="0">
+                <a:pos x="connsiteX5" y="connsiteY5"/>
+              </a:cxn>
+              <a:cxn ang="0">
+                <a:pos x="connsiteX6" y="connsiteY6"/>
+              </a:cxn>
+              <a:cxn ang="0">
+                <a:pos x="connsiteX7" y="connsiteY7"/>
+              </a:cxn>
+            </a:cxnLst>
+            <a:rect l="l" t="t" r="r" b="b"/>
+            <a:pathLst>
+              <a:path w="12192000" h="6854371">
+                <a:moveTo>
+                  <a:pt x="4900611" y="1916907"/>
+                </a:moveTo>
+                <a:lnTo>
+                  <a:pt x="4900611" y="6162676"/>
+                </a:lnTo>
+                <a:lnTo>
+                  <a:pt x="7289006" y="6162676"/>
+                </a:lnTo>
+                <a:lnTo>
+                  <a:pt x="7289006" y="1916907"/>
+                </a:lnTo>
+                <a:close/>
+                <a:moveTo>
+                  <a:pt x="0" y="0"/>
+                </a:moveTo>
+                <a:lnTo>
+                  <a:pt x="12192000" y="0"/>
+                </a:lnTo>
+                <a:lnTo>
+                  <a:pt x="12192000" y="6854371"/>
+                </a:lnTo>
+                <a:lnTo>
+                  <a:pt x="0" y="6854371"/>
+                </a:lnTo>
+                <a:close/>
+              </a:path>
+            </a:pathLst>
+          </a:custGeom>
+          <a:gradFill flip="none" rotWithShape="1">
+            <a:gsLst>
+              <a:gs pos="0">
+                <a:schemeClr val="bg2">
+                  <a:lumMod val="25000"/>
+                </a:schemeClr>
+              </a:gs>
+              <a:gs pos="94000">
+                <a:schemeClr val="tx1">
+                  <a:lumMod val="95000"/>
+                  <a:lumOff val="5000"/>
+                </a:schemeClr>
+              </a:gs>
+            </a:gsLst>
+            <a:lin ang="2700000" scaled="1"/>
+            <a:tileRect/>
+          </a:gradFill>
+          <a:ln>
+            <a:noFill/>
+          </a:ln>
+        </p:spPr>
+        <p:style>
+          <a:lnRef idx="2">
+            <a:schemeClr val="accent1">
+              <a:shade val="50000"/>
+            </a:schemeClr>
+          </a:lnRef>
+          <a:fillRef idx="1">
+            <a:schemeClr val="accent1"/>
+          </a:fillRef>
+          <a:effectRef idx="0">
+            <a:schemeClr val="accent1"/>
+          </a:effectRef>
+          <a:fontRef idx="minor">
+            <a:schemeClr val="lt1"/>
+          </a:fontRef>
+        </p:style>
+        <p:txBody>
+          <a:bodyPr wrap="square" rtlCol="0" anchor="ctr">
+            <a:noAutofit/>
+          </a:bodyPr>
+          <a:lstStyle/>
+          <a:p>
+            <a:pPr algn="ctr"/>
+            <a:endParaRPr lang="pt-BR" u="sng" dirty="0"/>
+          </a:p>
+        </p:txBody>
+      </p:sp>
+      <p:sp>
+        <p:nvSpPr>
+          <p:cNvPr id="7" name="Titulo">
+            <a:extLst>
+              <a:ext uri="{FF2B5EF4-FFF2-40B4-BE49-F238E27FC236}">
+                <a16:creationId xmlns:a16="http://schemas.microsoft.com/office/drawing/2014/main" id="{19AFBE14-B5A5-4681-BDDA-D6705D64DC91}"/>
+              </a:ext>
+            </a:extLst>
+          </p:cNvPr>
+          <p:cNvSpPr txBox="1"/>
+          <p:nvPr/>
+        </p:nvSpPr>
+        <p:spPr>
+          <a:xfrm>
+            <a:off x="3498850" y="434505"/>
+            <a:ext cx="5194300" cy="584775"/>
+          </a:xfrm>
+          <a:prstGeom prst="rect">
+            <a:avLst/>
+          </a:prstGeom>
+          <a:noFill/>
+          <a:effectLst>
+            <a:outerShdw blurRad="50800" dist="38100" dir="2700000" algn="tl" rotWithShape="0">
+              <a:prstClr val="black">
+                <a:alpha val="40000"/>
+              </a:prstClr>
+            </a:outerShdw>
+          </a:effectLst>
+        </p:spPr>
+        <p:txBody>
+          <a:bodyPr wrap="square" rtlCol="0">
+            <a:spAutoFit/>
+          </a:bodyPr>
+          <a:lstStyle/>
+          <a:p>
+            <a:pPr algn="ctr"/>
+            <a:r>
+              <a:rPr lang="pt-BR" sz="3200" dirty="0">
+                <a:solidFill>
+                  <a:schemeClr val="accent6"/>
+                </a:solidFill>
+                <a:latin typeface="Gill Sans MT" panose="020B0502020104020203" pitchFamily="34" charset="0"/>
+              </a:rPr>
+              <a:t>Sistema Mobile</a:t>
+            </a:r>
+          </a:p>
+        </p:txBody>
+      </p:sp>
+      <p:sp>
+        <p:nvSpPr>
+          <p:cNvPr id="10" name="TriPU">
+            <a:extLst>
+              <a:ext uri="{FF2B5EF4-FFF2-40B4-BE49-F238E27FC236}">
+                <a16:creationId xmlns:a16="http://schemas.microsoft.com/office/drawing/2014/main" id="{3EA8562F-CA46-44FD-AC75-0267A157D254}"/>
+              </a:ext>
+            </a:extLst>
+          </p:cNvPr>
+          <p:cNvSpPr/>
+          <p:nvPr/>
+        </p:nvSpPr>
+        <p:spPr>
+          <a:xfrm rot="5400000">
+            <a:off x="283922" y="359647"/>
+            <a:ext cx="840028" cy="724162"/>
+          </a:xfrm>
+          <a:prstGeom prst="triangle">
+            <a:avLst/>
+          </a:prstGeom>
+          <a:solidFill>
+            <a:schemeClr val="bg1">
+              <a:alpha val="0"/>
+            </a:schemeClr>
+          </a:solidFill>
+          <a:ln w="50800">
+            <a:solidFill>
+              <a:schemeClr val="bg1">
+                <a:lumMod val="50000"/>
+              </a:schemeClr>
+            </a:solidFill>
+          </a:ln>
+          <a:effectLst>
+            <a:outerShdw blurRad="50800" dist="38100" dir="2700000" algn="tl" rotWithShape="0">
+              <a:prstClr val="black">
+                <a:alpha val="40000"/>
+              </a:prstClr>
+            </a:outerShdw>
+          </a:effectLst>
+        </p:spPr>
+        <p:style>
+          <a:lnRef idx="2">
+            <a:schemeClr val="accent1">
+              <a:shade val="50000"/>
+            </a:schemeClr>
+          </a:lnRef>
+          <a:fillRef idx="1">
+            <a:schemeClr val="accent1"/>
+          </a:fillRef>
+          <a:effectRef idx="0">
+            <a:schemeClr val="accent1"/>
+          </a:effectRef>
+          <a:fontRef idx="minor">
+            <a:schemeClr val="lt1"/>
+          </a:fontRef>
+        </p:style>
+        <p:txBody>
+          <a:bodyPr rtlCol="0" anchor="ctr"/>
+          <a:lstStyle/>
+          <a:p>
+            <a:pPr algn="ctr"/>
+            <a:endParaRPr lang="pt-BR" u="sng"/>
+          </a:p>
+        </p:txBody>
+      </p:sp>
+      <p:sp>
+        <p:nvSpPr>
+          <p:cNvPr id="11" name="TriPR">
+            <a:extLst>
+              <a:ext uri="{FF2B5EF4-FFF2-40B4-BE49-F238E27FC236}">
+                <a16:creationId xmlns:a16="http://schemas.microsoft.com/office/drawing/2014/main" id="{4AA5EC3A-7135-4D44-A946-10347D7010F0}"/>
+              </a:ext>
+            </a:extLst>
+          </p:cNvPr>
+          <p:cNvSpPr/>
+          <p:nvPr/>
+        </p:nvSpPr>
+        <p:spPr>
+          <a:xfrm rot="16200000">
+            <a:off x="256573" y="830471"/>
+            <a:ext cx="1236581" cy="1066017"/>
+          </a:xfrm>
+          <a:prstGeom prst="triangle">
+            <a:avLst/>
+          </a:prstGeom>
+          <a:solidFill>
+            <a:schemeClr val="bg1">
+              <a:alpha val="0"/>
+            </a:schemeClr>
+          </a:solidFill>
+          <a:ln w="50800">
+            <a:solidFill>
+              <a:schemeClr val="bg1">
+                <a:lumMod val="50000"/>
+              </a:schemeClr>
+            </a:solidFill>
+          </a:ln>
+          <a:effectLst>
+            <a:outerShdw blurRad="50800" dist="38100" dir="2700000" algn="tl" rotWithShape="0">
+              <a:prstClr val="black">
+                <a:alpha val="40000"/>
+              </a:prstClr>
+            </a:outerShdw>
+          </a:effectLst>
+        </p:spPr>
+        <p:style>
+          <a:lnRef idx="2">
+            <a:schemeClr val="accent1">
+              <a:shade val="50000"/>
+            </a:schemeClr>
+          </a:lnRef>
+          <a:fillRef idx="1">
+            <a:schemeClr val="accent1"/>
+          </a:fillRef>
+          <a:effectRef idx="0">
+            <a:schemeClr val="accent1"/>
+          </a:effectRef>
+          <a:fontRef idx="minor">
+            <a:schemeClr val="lt1"/>
+          </a:fontRef>
+        </p:style>
+        <p:txBody>
+          <a:bodyPr rtlCol="0" anchor="ctr"/>
+          <a:lstStyle/>
+          <a:p>
+            <a:pPr algn="ctr"/>
+            <a:endParaRPr lang="pt-BR" u="sng"/>
+          </a:p>
+        </p:txBody>
+      </p:sp>
+      <p:pic>
+        <p:nvPicPr>
+          <p:cNvPr id="2052" name="Picture 4" descr="Imagem relacionada">
+            <a:extLst>
+              <a:ext uri="{FF2B5EF4-FFF2-40B4-BE49-F238E27FC236}">
+                <a16:creationId xmlns:a16="http://schemas.microsoft.com/office/drawing/2014/main" id="{82BE6A28-679A-4759-ABB4-DBBD1B37062C}"/>
+              </a:ext>
+            </a:extLst>
+          </p:cNvPr>
+          <p:cNvPicPr>
+            <a:picLocks noChangeAspect="1" noChangeArrowheads="1"/>
+          </p:cNvPicPr>
+          <p:nvPr/>
+        </p:nvPicPr>
+        <p:blipFill>
+          <a:blip r:embed="rId3">
+            <a:extLst>
+              <a:ext uri="{28A0092B-C50C-407E-A947-70E740481C1C}">
+                <a14:useLocalDpi xmlns:a14="http://schemas.microsoft.com/office/drawing/2010/main" val="0"/>
+              </a:ext>
+            </a:extLst>
+          </a:blip>
+          <a:srcRect/>
+          <a:stretch>
+            <a:fillRect/>
+          </a:stretch>
+        </p:blipFill>
+        <p:spPr bwMode="auto">
+          <a:xfrm>
+            <a:off x="4803824" y="1453785"/>
+            <a:ext cx="2584351" cy="5229225"/>
+          </a:xfrm>
+          <a:prstGeom prst="rect">
+            <a:avLst/>
+          </a:prstGeom>
+          <a:noFill/>
+          <a:extLst>
+            <a:ext uri="{909E8E84-426E-40DD-AFC4-6F175D3DCCD1}">
+              <a14:hiddenFill xmlns:a14="http://schemas.microsoft.com/office/drawing/2010/main">
+                <a:solidFill>
+                  <a:srgbClr val="FFFFFF"/>
+                </a:solidFill>
+              </a14:hiddenFill>
+            </a:ext>
+          </a:extLst>
+        </p:spPr>
+      </p:pic>
+      <p:sp>
+        <p:nvSpPr>
+          <p:cNvPr id="16" name="TriG">
+            <a:extLst>
+              <a:ext uri="{FF2B5EF4-FFF2-40B4-BE49-F238E27FC236}">
+                <a16:creationId xmlns:a16="http://schemas.microsoft.com/office/drawing/2014/main" id="{89A8C3BA-1F1B-466A-B04F-73141922027D}"/>
+              </a:ext>
+            </a:extLst>
+          </p:cNvPr>
+          <p:cNvSpPr/>
+          <p:nvPr/>
+        </p:nvSpPr>
+        <p:spPr>
+          <a:xfrm>
+            <a:off x="10088186" y="5027133"/>
+            <a:ext cx="1752900" cy="1511121"/>
+          </a:xfrm>
+          <a:prstGeom prst="triangle">
+            <a:avLst/>
+          </a:prstGeom>
+          <a:solidFill>
+            <a:schemeClr val="bg1">
+              <a:alpha val="0"/>
+            </a:schemeClr>
+          </a:solidFill>
+          <a:ln w="50800">
+            <a:solidFill>
+              <a:schemeClr val="bg1">
+                <a:lumMod val="50000"/>
+              </a:schemeClr>
+            </a:solidFill>
+          </a:ln>
+          <a:effectLst>
+            <a:outerShdw blurRad="50800" dist="38100" dir="2700000" algn="tl" rotWithShape="0">
+              <a:prstClr val="black">
+                <a:alpha val="40000"/>
+              </a:prstClr>
+            </a:outerShdw>
+          </a:effectLst>
+        </p:spPr>
+        <p:style>
+          <a:lnRef idx="2">
+            <a:schemeClr val="accent1">
+              <a:shade val="50000"/>
+            </a:schemeClr>
+          </a:lnRef>
+          <a:fillRef idx="1">
+            <a:schemeClr val="accent1"/>
+          </a:fillRef>
+          <a:effectRef idx="0">
+            <a:schemeClr val="accent1"/>
+          </a:effectRef>
+          <a:fontRef idx="minor">
+            <a:schemeClr val="lt1"/>
+          </a:fontRef>
+        </p:style>
+        <p:txBody>
+          <a:bodyPr rtlCol="0" anchor="ctr"/>
+          <a:lstStyle/>
+          <a:p>
+            <a:pPr algn="ctr"/>
+            <a:endParaRPr lang="pt-BR"/>
+          </a:p>
+        </p:txBody>
+      </p:sp>
+      <p:sp>
+        <p:nvSpPr>
+          <p:cNvPr id="17" name="TriPB">
+            <a:extLst>
+              <a:ext uri="{FF2B5EF4-FFF2-40B4-BE49-F238E27FC236}">
+                <a16:creationId xmlns:a16="http://schemas.microsoft.com/office/drawing/2014/main" id="{48165678-2AFC-4D89-98AF-3DE79BEBBDCD}"/>
+              </a:ext>
+            </a:extLst>
+          </p:cNvPr>
+          <p:cNvSpPr/>
+          <p:nvPr/>
+        </p:nvSpPr>
+        <p:spPr>
+          <a:xfrm rot="10800000">
+            <a:off x="9688549" y="5123088"/>
+            <a:ext cx="765142" cy="659605"/>
+          </a:xfrm>
+          <a:prstGeom prst="triangle">
+            <a:avLst/>
+          </a:prstGeom>
+          <a:solidFill>
+            <a:schemeClr val="bg1">
+              <a:alpha val="0"/>
+            </a:schemeClr>
+          </a:solidFill>
+          <a:ln w="50800">
+            <a:solidFill>
+              <a:schemeClr val="bg1">
+                <a:lumMod val="50000"/>
+              </a:schemeClr>
+            </a:solidFill>
+          </a:ln>
+          <a:effectLst>
+            <a:outerShdw blurRad="50800" dist="38100" dir="2700000" algn="tl" rotWithShape="0">
+              <a:prstClr val="black">
+                <a:alpha val="40000"/>
+              </a:prstClr>
+            </a:outerShdw>
+          </a:effectLst>
+        </p:spPr>
+        <p:style>
+          <a:lnRef idx="2">
+            <a:schemeClr val="accent1">
+              <a:shade val="50000"/>
+            </a:schemeClr>
+          </a:lnRef>
+          <a:fillRef idx="1">
+            <a:schemeClr val="accent1"/>
+          </a:fillRef>
+          <a:effectRef idx="0">
+            <a:schemeClr val="accent1"/>
+          </a:effectRef>
+          <a:fontRef idx="minor">
+            <a:schemeClr val="lt1"/>
+          </a:fontRef>
+        </p:style>
+        <p:txBody>
+          <a:bodyPr rtlCol="0" anchor="ctr"/>
+          <a:lstStyle/>
+          <a:p>
+            <a:pPr algn="ctr"/>
+            <a:endParaRPr lang="pt-BR"/>
+          </a:p>
+        </p:txBody>
+      </p:sp>
+    </p:spTree>
+    <p:extLst>
+      <p:ext uri="{BB962C8B-B14F-4D97-AF65-F5344CB8AC3E}">
+        <p14:creationId xmlns:p14="http://schemas.microsoft.com/office/powerpoint/2010/main" val="1098023639"/>
+      </p:ext>
+    </p:extLst>
+  </p:cSld>
+  <p:clrMapOvr>
+    <a:masterClrMapping/>
+  </p:clrMapOvr>
+  <p:timing>
+    <p:tnLst>
+      <p:par>
+        <p:cTn id="1" dur="indefinite" restart="never" nodeType="tmRoot">
+          <p:childTnLst>
+            <p:seq concurrent="1" nextAc="seek">
+              <p:cTn id="2" dur="indefinite" nodeType="mainSeq">
+                <p:childTnLst>
+                  <p:par>
+                    <p:cTn id="3" fill="hold">
+                      <p:stCondLst>
+                        <p:cond delay="indefinite"/>
+                        <p:cond evt="onBegin" delay="0">
+                          <p:tn val="2"/>
+                        </p:cond>
+                      </p:stCondLst>
+                      <p:childTnLst>
+                        <p:par>
+                          <p:cTn id="4" fill="hold">
+                            <p:stCondLst>
+                              <p:cond delay="0"/>
+                            </p:stCondLst>
+                            <p:childTnLst>
+                              <p:par>
+                                <p:cTn id="5" presetID="10" presetClass="entr" presetSubtype="0" fill="hold" grpId="1" nodeType="afterEffect">
+                                  <p:stCondLst>
+                                    <p:cond delay="0"/>
+                                  </p:stCondLst>
+                                  <p:childTnLst>
+                                    <p:set>
+                                      <p:cBhvr>
+                                        <p:cTn id="6" dur="1" fill="hold">
+                                          <p:stCondLst>
+                                            <p:cond delay="0"/>
+                                          </p:stCondLst>
+                                        </p:cTn>
+                                        <p:tgtEl>
+                                          <p:spTgt spid="7"/>
+                                        </p:tgtEl>
+                                        <p:attrNameLst>
+                                          <p:attrName>style.visibility</p:attrName>
+                                        </p:attrNameLst>
+                                      </p:cBhvr>
+                                      <p:to>
+                                        <p:strVal val="visible"/>
+                                      </p:to>
+                                    </p:set>
+                                    <p:animEffect transition="in" filter="fade">
+                                      <p:cBhvr>
+                                        <p:cTn id="7" dur="1000"/>
+                                        <p:tgtEl>
+                                          <p:spTgt spid="7"/>
+                                        </p:tgtEl>
+                                      </p:cBhvr>
+                                    </p:animEffect>
+                                  </p:childTnLst>
+                                </p:cTn>
+                              </p:par>
+                              <p:par>
+                                <p:cTn id="8" presetID="42" presetClass="path" presetSubtype="0" accel="50000" decel="50000" fill="hold" grpId="0" nodeType="withEffect">
+                                  <p:stCondLst>
+                                    <p:cond delay="0"/>
+                                  </p:stCondLst>
+                                  <p:childTnLst>
+                                    <p:animMotion origin="layout" path="M 0 -0.18519 L 0 1.48148E-6 " pathEditMode="relative" rAng="0" ptsTypes="AA">
+                                      <p:cBhvr>
+                                        <p:cTn id="9" dur="1000" fill="hold"/>
+                                        <p:tgtEl>
+                                          <p:spTgt spid="7"/>
+                                        </p:tgtEl>
+                                        <p:attrNameLst>
+                                          <p:attrName>ppt_x</p:attrName>
+                                          <p:attrName>ppt_y</p:attrName>
+                                        </p:attrNameLst>
+                                      </p:cBhvr>
+                                      <p:rCtr x="0" y="9259"/>
+                                    </p:animMotion>
+                                  </p:childTnLst>
+                                </p:cTn>
+                              </p:par>
+                              <p:par>
+                                <p:cTn id="10" presetID="10" presetClass="entr" presetSubtype="0" fill="hold" grpId="0" nodeType="withEffect">
+                                  <p:stCondLst>
+                                    <p:cond delay="0"/>
+                                  </p:stCondLst>
+                                  <p:childTnLst>
+                                    <p:set>
+                                      <p:cBhvr>
+                                        <p:cTn id="11" dur="1" fill="hold">
+                                          <p:stCondLst>
+                                            <p:cond delay="0"/>
+                                          </p:stCondLst>
+                                        </p:cTn>
+                                        <p:tgtEl>
+                                          <p:spTgt spid="10"/>
+                                        </p:tgtEl>
+                                        <p:attrNameLst>
+                                          <p:attrName>style.visibility</p:attrName>
+                                        </p:attrNameLst>
+                                      </p:cBhvr>
+                                      <p:to>
+                                        <p:strVal val="visible"/>
+                                      </p:to>
+                                    </p:set>
+                                    <p:animEffect transition="in" filter="fade">
+                                      <p:cBhvr>
+                                        <p:cTn id="12" dur="1250"/>
+                                        <p:tgtEl>
+                                          <p:spTgt spid="10"/>
+                                        </p:tgtEl>
+                                      </p:cBhvr>
+                                    </p:animEffect>
+                                  </p:childTnLst>
+                                </p:cTn>
+                              </p:par>
+                              <p:par>
+                                <p:cTn id="13" presetID="63" presetClass="path" presetSubtype="0" accel="50000" decel="50000" fill="hold" grpId="1" nodeType="withEffect">
+                                  <p:stCondLst>
+                                    <p:cond delay="0"/>
+                                  </p:stCondLst>
+                                  <p:childTnLst>
+                                    <p:animMotion origin="layout" path="M -0.13372 -4.07407E-6 L 5E-6 -4.07407E-6 " pathEditMode="relative" rAng="0" ptsTypes="AA">
+                                      <p:cBhvr>
+                                        <p:cTn id="14" dur="1250" fill="hold"/>
+                                        <p:tgtEl>
+                                          <p:spTgt spid="10"/>
+                                        </p:tgtEl>
+                                        <p:attrNameLst>
+                                          <p:attrName>ppt_x</p:attrName>
+                                          <p:attrName>ppt_y</p:attrName>
+                                        </p:attrNameLst>
+                                      </p:cBhvr>
+                                      <p:rCtr x="6771" y="0"/>
+                                    </p:animMotion>
+                                  </p:childTnLst>
+                                </p:cTn>
+                              </p:par>
+                              <p:par>
+                                <p:cTn id="15" presetID="10" presetClass="entr" presetSubtype="0" fill="hold" grpId="0" nodeType="withEffect">
+                                  <p:stCondLst>
+                                    <p:cond delay="0"/>
+                                  </p:stCondLst>
+                                  <p:childTnLst>
+                                    <p:set>
+                                      <p:cBhvr>
+                                        <p:cTn id="16" dur="1" fill="hold">
+                                          <p:stCondLst>
+                                            <p:cond delay="0"/>
+                                          </p:stCondLst>
+                                        </p:cTn>
+                                        <p:tgtEl>
+                                          <p:spTgt spid="11"/>
+                                        </p:tgtEl>
+                                        <p:attrNameLst>
+                                          <p:attrName>style.visibility</p:attrName>
+                                        </p:attrNameLst>
+                                      </p:cBhvr>
+                                      <p:to>
+                                        <p:strVal val="visible"/>
+                                      </p:to>
+                                    </p:set>
+                                    <p:animEffect transition="in" filter="fade">
+                                      <p:cBhvr>
+                                        <p:cTn id="17" dur="1250"/>
+                                        <p:tgtEl>
+                                          <p:spTgt spid="11"/>
+                                        </p:tgtEl>
+                                      </p:cBhvr>
+                                    </p:animEffect>
+                                  </p:childTnLst>
+                                </p:cTn>
+                              </p:par>
+                              <p:par>
+                                <p:cTn id="18" presetID="35" presetClass="path" presetSubtype="0" accel="50000" decel="50000" fill="hold" grpId="1" nodeType="withEffect">
+                                  <p:stCondLst>
+                                    <p:cond delay="0"/>
+                                  </p:stCondLst>
+                                  <p:childTnLst>
+                                    <p:animMotion origin="layout" path="M 0.12305 -2.59259E-6 L -4.79167E-6 -2.59259E-6 " pathEditMode="fixed" rAng="0" ptsTypes="AA">
+                                      <p:cBhvr>
+                                        <p:cTn id="19" dur="1250" fill="hold"/>
+                                        <p:tgtEl>
+                                          <p:spTgt spid="11"/>
+                                        </p:tgtEl>
+                                        <p:attrNameLst>
+                                          <p:attrName>ppt_x</p:attrName>
+                                          <p:attrName>ppt_y</p:attrName>
+                                        </p:attrNameLst>
+                                      </p:cBhvr>
+                                      <p:rCtr x="-6159" y="0"/>
+                                    </p:animMotion>
+                                  </p:childTnLst>
+                                </p:cTn>
+                              </p:par>
+                              <p:par>
+                                <p:cTn id="20" presetID="35" presetClass="path" presetSubtype="0" repeatCount="indefinite" accel="50000" decel="50000" autoRev="1" fill="hold" grpId="2" nodeType="withEffect">
+                                  <p:stCondLst>
+                                    <p:cond delay="0"/>
+                                  </p:stCondLst>
+                                  <p:childTnLst>
+                                    <p:animMotion origin="layout" path="M -2.29167E-6 -4.07407E-6 L -0.01185 0.00024 " pathEditMode="relative" rAng="0" ptsTypes="AA">
+                                      <p:cBhvr>
+                                        <p:cTn id="21" dur="7000" fill="hold"/>
+                                        <p:tgtEl>
+                                          <p:spTgt spid="10"/>
+                                        </p:tgtEl>
+                                        <p:attrNameLst>
+                                          <p:attrName>ppt_x</p:attrName>
+                                          <p:attrName>ppt_y</p:attrName>
+                                        </p:attrNameLst>
+                                      </p:cBhvr>
+                                      <p:rCtr x="-599" y="0"/>
+                                    </p:animMotion>
+                                  </p:childTnLst>
+                                </p:cTn>
+                              </p:par>
+                              <p:par>
+                                <p:cTn id="22" presetID="63" presetClass="path" presetSubtype="0" repeatCount="indefinite" accel="50000" decel="50000" autoRev="1" fill="hold" grpId="2" nodeType="withEffect">
+                                  <p:stCondLst>
+                                    <p:cond delay="0"/>
+                                  </p:stCondLst>
+                                  <p:childTnLst>
+                                    <p:animMotion origin="layout" path="M -4.79167E-6 -2.59259E-6 L 0.02058 -2.59259E-6 " pathEditMode="relative" rAng="0" ptsTypes="AA">
+                                      <p:cBhvr>
+                                        <p:cTn id="23" dur="7000" fill="hold"/>
+                                        <p:tgtEl>
+                                          <p:spTgt spid="11"/>
+                                        </p:tgtEl>
+                                        <p:attrNameLst>
+                                          <p:attrName>ppt_x</p:attrName>
+                                          <p:attrName>ppt_y</p:attrName>
+                                        </p:attrNameLst>
+                                      </p:cBhvr>
+                                      <p:rCtr x="1029" y="0"/>
+                                    </p:animMotion>
+                                  </p:childTnLst>
+                                </p:cTn>
+                              </p:par>
+                              <p:par>
+                                <p:cTn id="24" presetID="35" presetClass="path" presetSubtype="0" accel="50000" decel="50000" fill="hold" nodeType="withEffect">
+                                  <p:stCondLst>
+                                    <p:cond delay="0"/>
+                                  </p:stCondLst>
+                                  <p:childTnLst>
+                                    <p:animMotion origin="layout" path="M 1.25E-6 1.85185E-6 L -1.06992 1.85185E-6 " pathEditMode="relative" rAng="0" ptsTypes="AA">
+                                      <p:cBhvr>
+                                        <p:cTn id="25" dur="30000" fill="hold"/>
+                                        <p:tgtEl>
+                                          <p:spTgt spid="15"/>
+                                        </p:tgtEl>
+                                        <p:attrNameLst>
+                                          <p:attrName>ppt_x</p:attrName>
+                                          <p:attrName>ppt_y</p:attrName>
+                                        </p:attrNameLst>
+                                      </p:cBhvr>
+                                      <p:rCtr x="-53503" y="0"/>
+                                    </p:animMotion>
+                                  </p:childTnLst>
+                                </p:cTn>
+                              </p:par>
+                              <p:par>
+                                <p:cTn id="26" presetID="10" presetClass="entr" presetSubtype="0" fill="hold" grpId="0" nodeType="withEffect">
+                                  <p:stCondLst>
+                                    <p:cond delay="0"/>
+                                  </p:stCondLst>
+                                  <p:childTnLst>
+                                    <p:set>
+                                      <p:cBhvr>
+                                        <p:cTn id="27" dur="1" fill="hold">
+                                          <p:stCondLst>
+                                            <p:cond delay="0"/>
+                                          </p:stCondLst>
+                                        </p:cTn>
+                                        <p:tgtEl>
+                                          <p:spTgt spid="17"/>
+                                        </p:tgtEl>
+                                        <p:attrNameLst>
+                                          <p:attrName>style.visibility</p:attrName>
+                                        </p:attrNameLst>
+                                      </p:cBhvr>
+                                      <p:to>
+                                        <p:strVal val="visible"/>
+                                      </p:to>
+                                    </p:set>
+                                    <p:animEffect transition="in" filter="fade">
+                                      <p:cBhvr>
+                                        <p:cTn id="28" dur="1250"/>
+                                        <p:tgtEl>
+                                          <p:spTgt spid="17"/>
+                                        </p:tgtEl>
+                                      </p:cBhvr>
+                                    </p:animEffect>
+                                  </p:childTnLst>
+                                </p:cTn>
+                              </p:par>
+                              <p:par>
+                                <p:cTn id="29" presetID="42" presetClass="path" presetSubtype="0" accel="50000" decel="50000" fill="hold" grpId="1" nodeType="withEffect">
+                                  <p:stCondLst>
+                                    <p:cond delay="0"/>
+                                  </p:stCondLst>
+                                  <p:childTnLst>
+                                    <p:animMotion origin="layout" path="M -1.66667E-6 -0.20995 L -1.66667E-6 1.11111E-6 " pathEditMode="fixed" rAng="0" ptsTypes="AA">
+                                      <p:cBhvr>
+                                        <p:cTn id="30" dur="1250" fill="hold"/>
+                                        <p:tgtEl>
+                                          <p:spTgt spid="17"/>
+                                        </p:tgtEl>
+                                        <p:attrNameLst>
+                                          <p:attrName>ppt_x</p:attrName>
+                                          <p:attrName>ppt_y</p:attrName>
+                                        </p:attrNameLst>
+                                      </p:cBhvr>
+                                      <p:rCtr x="0" y="10486"/>
+                                    </p:animMotion>
+                                  </p:childTnLst>
+                                </p:cTn>
+                              </p:par>
+                              <p:par>
+                                <p:cTn id="31" presetID="10" presetClass="entr" presetSubtype="0" fill="hold" grpId="0" nodeType="withEffect">
+                                  <p:stCondLst>
+                                    <p:cond delay="0"/>
+                                  </p:stCondLst>
+                                  <p:childTnLst>
+                                    <p:set>
+                                      <p:cBhvr>
+                                        <p:cTn id="32" dur="1" fill="hold">
+                                          <p:stCondLst>
+                                            <p:cond delay="0"/>
+                                          </p:stCondLst>
+                                        </p:cTn>
+                                        <p:tgtEl>
+                                          <p:spTgt spid="16"/>
+                                        </p:tgtEl>
+                                        <p:attrNameLst>
+                                          <p:attrName>style.visibility</p:attrName>
+                                        </p:attrNameLst>
+                                      </p:cBhvr>
+                                      <p:to>
+                                        <p:strVal val="visible"/>
+                                      </p:to>
+                                    </p:set>
+                                    <p:animEffect transition="in" filter="fade">
+                                      <p:cBhvr>
+                                        <p:cTn id="33" dur="1250"/>
+                                        <p:tgtEl>
+                                          <p:spTgt spid="16"/>
+                                        </p:tgtEl>
+                                      </p:cBhvr>
+                                    </p:animEffect>
+                                  </p:childTnLst>
+                                </p:cTn>
+                              </p:par>
+                              <p:par>
+                                <p:cTn id="34" presetID="64" presetClass="path" presetSubtype="0" accel="50000" decel="50000" fill="hold" grpId="1" nodeType="withEffect">
+                                  <p:stCondLst>
+                                    <p:cond delay="0"/>
+                                  </p:stCondLst>
+                                  <p:childTnLst>
+                                    <p:animMotion origin="layout" path="M 1.04167E-6 0.27824 L 1.04167E-6 2.96296E-6 " pathEditMode="fixed" rAng="0" ptsTypes="AA">
+                                      <p:cBhvr>
+                                        <p:cTn id="35" dur="1250" fill="hold"/>
+                                        <p:tgtEl>
+                                          <p:spTgt spid="16"/>
+                                        </p:tgtEl>
+                                        <p:attrNameLst>
+                                          <p:attrName>ppt_x</p:attrName>
+                                          <p:attrName>ppt_y</p:attrName>
+                                        </p:attrNameLst>
+                                      </p:cBhvr>
+                                      <p:rCtr x="0" y="-13912"/>
+                                    </p:animMotion>
+                                  </p:childTnLst>
+                                </p:cTn>
+                              </p:par>
+                            </p:childTnLst>
+                          </p:cTn>
+                        </p:par>
+                        <p:par>
+                          <p:cTn id="36" fill="hold">
+                            <p:stCondLst>
+                              <p:cond delay="30000"/>
+                            </p:stCondLst>
+                            <p:childTnLst>
+                              <p:par>
+                                <p:cTn id="37" presetID="64" presetClass="path" presetSubtype="0" repeatCount="indefinite" accel="50000" decel="50000" autoRev="1" fill="hold" grpId="2" nodeType="afterEffect">
+                                  <p:stCondLst>
+                                    <p:cond delay="0"/>
+                                  </p:stCondLst>
+                                  <p:childTnLst>
+                                    <p:animMotion origin="layout" path="M -1.66667E-6 1.11111E-6 L -0.00026 -0.02639 " pathEditMode="relative" rAng="0" ptsTypes="AA">
+                                      <p:cBhvr>
+                                        <p:cTn id="38" dur="7000" fill="hold"/>
+                                        <p:tgtEl>
+                                          <p:spTgt spid="17"/>
+                                        </p:tgtEl>
+                                        <p:attrNameLst>
+                                          <p:attrName>ppt_x</p:attrName>
+                                          <p:attrName>ppt_y</p:attrName>
+                                        </p:attrNameLst>
+                                      </p:cBhvr>
+                                      <p:rCtr x="-13" y="-1319"/>
+                                    </p:animMotion>
+                                  </p:childTnLst>
+                                </p:cTn>
+                              </p:par>
+                              <p:par>
+                                <p:cTn id="39" presetID="42" presetClass="path" presetSubtype="0" repeatCount="indefinite" accel="50000" decel="50000" autoRev="1" fill="hold" grpId="2" nodeType="withEffect">
+                                  <p:stCondLst>
+                                    <p:cond delay="0"/>
+                                  </p:stCondLst>
+                                  <p:childTnLst>
+                                    <p:animMotion origin="layout" path="M 1.04167E-6 2.96296E-6 L 0.00065 0.02106 " pathEditMode="relative" rAng="0" ptsTypes="AA">
+                                      <p:cBhvr>
+                                        <p:cTn id="40" dur="7000" fill="hold"/>
+                                        <p:tgtEl>
+                                          <p:spTgt spid="16"/>
+                                        </p:tgtEl>
+                                        <p:attrNameLst>
+                                          <p:attrName>ppt_x</p:attrName>
+                                          <p:attrName>ppt_y</p:attrName>
+                                        </p:attrNameLst>
+                                      </p:cBhvr>
+                                      <p:rCtr x="26" y="1042"/>
+                                    </p:animMotion>
+                                  </p:childTnLst>
+                                </p:cTn>
+                              </p:par>
+                            </p:childTnLst>
+                          </p:cTn>
+                        </p:par>
+                      </p:childTnLst>
+                    </p:cTn>
+                  </p:par>
+                </p:childTnLst>
+              </p:cTn>
+              <p:prevCondLst>
+                <p:cond evt="onPrev" delay="0">
+                  <p:tgtEl>
+                    <p:sldTgt/>
+                  </p:tgtEl>
+                </p:cond>
+              </p:prevCondLst>
+              <p:nextCondLst>
+                <p:cond evt="onNext" delay="0">
+                  <p:tgtEl>
+                    <p:sldTgt/>
+                  </p:tgtEl>
+                </p:cond>
+              </p:nextCondLst>
+            </p:seq>
+          </p:childTnLst>
+        </p:cTn>
+      </p:par>
+    </p:tnLst>
+    <p:bldLst>
+      <p:bldP spid="7" grpId="0"/>
+      <p:bldP spid="7" grpId="1"/>
+      <p:bldP spid="10" grpId="0" animBg="1"/>
+      <p:bldP spid="10" grpId="1" animBg="1"/>
+      <p:bldP spid="10" grpId="2" animBg="1"/>
+      <p:bldP spid="11" grpId="0" animBg="1"/>
+      <p:bldP spid="11" grpId="1" animBg="1"/>
+      <p:bldP spid="11" grpId="2" animBg="1"/>
+      <p:bldP spid="16" grpId="0" animBg="1"/>
+      <p:bldP spid="16" grpId="1" animBg="1"/>
+      <p:bldP spid="16" grpId="2" animBg="1"/>
+      <p:bldP spid="17" grpId="0" animBg="1"/>
+      <p:bldP spid="17" grpId="1" animBg="1"/>
+      <p:bldP spid="17" grpId="2" animBg="1"/>
+    </p:bldLst>
+  </p:timing>
+</p:sld>
+</file>
+
+<file path=ppt/slides/slide41.xml><?xml version="1.0" encoding="utf-8"?>
+<p:sld xmlns:a="http://schemas.openxmlformats.org/drawingml/2006/main" xmlns:r="http://schemas.openxmlformats.org/officeDocument/2006/relationships" xmlns:p="http://schemas.openxmlformats.org/presentationml/2006/main">
+  <p:cSld>
+    <p:spTree>
+      <p:nvGrpSpPr>
+        <p:cNvPr id="1" name=""/>
+        <p:cNvGrpSpPr/>
+        <p:nvPr/>
+      </p:nvGrpSpPr>
+      <p:grpSpPr>
+        <a:xfrm>
+          <a:off x="0" y="0"/>
+          <a:ext cx="0" cy="0"/>
+          <a:chOff x="0" y="0"/>
+          <a:chExt cx="0" cy="0"/>
+        </a:xfrm>
+      </p:grpSpPr>
+      <p:sp>
+        <p:nvSpPr>
+          <p:cNvPr id="4" name="Fundo">
+            <a:extLst>
+              <a:ext uri="{FF2B5EF4-FFF2-40B4-BE49-F238E27FC236}">
+                <a16:creationId xmlns:a16="http://schemas.microsoft.com/office/drawing/2014/main" id="{13FAC62D-909C-46A0-84D4-F42724043CF6}"/>
+              </a:ext>
+            </a:extLst>
+          </p:cNvPr>
+          <p:cNvSpPr/>
+          <p:nvPr/>
+        </p:nvSpPr>
+        <p:spPr>
+          <a:xfrm>
+            <a:off x="0" y="0"/>
+            <a:ext cx="12192000" cy="6854371"/>
+          </a:xfrm>
+          <a:prstGeom prst="rect">
+            <a:avLst/>
+          </a:prstGeom>
+          <a:gradFill flip="none" rotWithShape="1">
+            <a:gsLst>
+              <a:gs pos="0">
+                <a:schemeClr val="bg2">
+                  <a:lumMod val="25000"/>
+                </a:schemeClr>
+              </a:gs>
+              <a:gs pos="94000">
+                <a:schemeClr val="tx1">
+                  <a:lumMod val="95000"/>
+                  <a:lumOff val="5000"/>
+                </a:schemeClr>
+              </a:gs>
+            </a:gsLst>
+            <a:lin ang="2700000" scaled="1"/>
+            <a:tileRect/>
+          </a:gradFill>
+        </p:spPr>
+        <p:style>
+          <a:lnRef idx="2">
+            <a:schemeClr val="accent1">
+              <a:shade val="50000"/>
+            </a:schemeClr>
+          </a:lnRef>
+          <a:fillRef idx="1">
+            <a:schemeClr val="accent1"/>
+          </a:fillRef>
+          <a:effectRef idx="0">
+            <a:schemeClr val="accent1"/>
+          </a:effectRef>
+          <a:fontRef idx="minor">
+            <a:schemeClr val="lt1"/>
+          </a:fontRef>
+        </p:style>
+        <p:txBody>
+          <a:bodyPr rtlCol="0" anchor="ctr"/>
+          <a:lstStyle/>
+          <a:p>
+            <a:pPr algn="ctr"/>
+            <a:endParaRPr lang="pt-BR" u="sng" dirty="0"/>
+          </a:p>
+        </p:txBody>
+      </p:sp>
+      <p:sp>
+        <p:nvSpPr>
+          <p:cNvPr id="5" name="Titulo">
+            <a:extLst>
+              <a:ext uri="{FF2B5EF4-FFF2-40B4-BE49-F238E27FC236}">
+                <a16:creationId xmlns:a16="http://schemas.microsoft.com/office/drawing/2014/main" id="{7B9DF234-7456-41F4-9CBF-785651BDB92F}"/>
+              </a:ext>
+            </a:extLst>
+          </p:cNvPr>
+          <p:cNvSpPr txBox="1"/>
+          <p:nvPr/>
+        </p:nvSpPr>
+        <p:spPr>
+          <a:xfrm>
+            <a:off x="3498850" y="434505"/>
+            <a:ext cx="5194300" cy="584775"/>
+          </a:xfrm>
+          <a:prstGeom prst="rect">
+            <a:avLst/>
+          </a:prstGeom>
+          <a:noFill/>
+          <a:effectLst>
+            <a:outerShdw blurRad="50800" dist="38100" dir="2700000" algn="tl" rotWithShape="0">
+              <a:prstClr val="black">
+                <a:alpha val="40000"/>
+              </a:prstClr>
+            </a:outerShdw>
+          </a:effectLst>
+        </p:spPr>
+        <p:txBody>
+          <a:bodyPr wrap="square" rtlCol="0">
+            <a:spAutoFit/>
+          </a:bodyPr>
+          <a:lstStyle/>
+          <a:p>
+            <a:pPr algn="ctr"/>
+            <a:r>
+              <a:rPr lang="pt-BR" sz="3200" dirty="0">
+                <a:solidFill>
+                  <a:schemeClr val="accent6"/>
+                </a:solidFill>
+                <a:latin typeface="Gill Sans MT" panose="020B0502020104020203" pitchFamily="34" charset="0"/>
+              </a:rPr>
+              <a:t>Agradecimentos</a:t>
+            </a:r>
+          </a:p>
+        </p:txBody>
+      </p:sp>
+      <p:pic>
+        <p:nvPicPr>
+          <p:cNvPr id="6" name="Imagem 5">
+            <a:extLst>
+              <a:ext uri="{FF2B5EF4-FFF2-40B4-BE49-F238E27FC236}">
+                <a16:creationId xmlns:a16="http://schemas.microsoft.com/office/drawing/2014/main" id="{D731CC40-EDA8-47AC-B932-CA22A2B8828E}"/>
+              </a:ext>
+            </a:extLst>
+          </p:cNvPr>
+          <p:cNvPicPr>
+            <a:picLocks noChangeAspect="1"/>
+          </p:cNvPicPr>
+          <p:nvPr/>
+        </p:nvPicPr>
+        <p:blipFill>
+          <a:blip r:embed="rId2"/>
+          <a:stretch>
+            <a:fillRect/>
+          </a:stretch>
+        </p:blipFill>
+        <p:spPr>
+          <a:xfrm>
+            <a:off x="1023937" y="1543049"/>
+            <a:ext cx="1168003" cy="1285875"/>
+          </a:xfrm>
+          <a:prstGeom prst="rect">
+            <a:avLst/>
+          </a:prstGeom>
+        </p:spPr>
+      </p:pic>
+      <p:pic>
+        <p:nvPicPr>
+          <p:cNvPr id="3074" name="Picture 2" descr="Resultado de imagem para dev media">
+            <a:extLst>
+              <a:ext uri="{FF2B5EF4-FFF2-40B4-BE49-F238E27FC236}">
+                <a16:creationId xmlns:a16="http://schemas.microsoft.com/office/drawing/2014/main" id="{46C7D7B2-0F46-4E6D-8834-0B55754828CA}"/>
+              </a:ext>
+            </a:extLst>
+          </p:cNvPr>
+          <p:cNvPicPr>
+            <a:picLocks noChangeAspect="1" noChangeArrowheads="1"/>
+          </p:cNvPicPr>
+          <p:nvPr/>
+        </p:nvPicPr>
+        <p:blipFill>
+          <a:blip r:embed="rId3">
+            <a:extLst>
+              <a:ext uri="{28A0092B-C50C-407E-A947-70E740481C1C}">
+                <a14:useLocalDpi xmlns:a14="http://schemas.microsoft.com/office/drawing/2010/main" val="0"/>
+              </a:ext>
+            </a:extLst>
+          </a:blip>
+          <a:srcRect/>
+          <a:stretch>
+            <a:fillRect/>
+          </a:stretch>
+        </p:blipFill>
+        <p:spPr bwMode="auto">
+          <a:xfrm>
+            <a:off x="2477888" y="3258735"/>
+            <a:ext cx="2590800" cy="1454594"/>
+          </a:xfrm>
+          <a:prstGeom prst="rect">
+            <a:avLst/>
+          </a:prstGeom>
+          <a:noFill/>
+          <a:extLst>
+            <a:ext uri="{909E8E84-426E-40DD-AFC4-6F175D3DCCD1}">
+              <a14:hiddenFill xmlns:a14="http://schemas.microsoft.com/office/drawing/2010/main">
+                <a:solidFill>
+                  <a:srgbClr val="FFFFFF"/>
+                </a:solidFill>
+              </a14:hiddenFill>
+            </a:ext>
+          </a:extLst>
+        </p:spPr>
+      </p:pic>
+      <p:pic>
+        <p:nvPicPr>
+          <p:cNvPr id="3082" name="Picture 10" descr="Imagem relacionada">
+            <a:extLst>
+              <a:ext uri="{FF2B5EF4-FFF2-40B4-BE49-F238E27FC236}">
+                <a16:creationId xmlns:a16="http://schemas.microsoft.com/office/drawing/2014/main" id="{21B2F2A1-03F9-4470-B456-82237C7A32A2}"/>
+              </a:ext>
+            </a:extLst>
+          </p:cNvPr>
+          <p:cNvPicPr>
+            <a:picLocks noChangeAspect="1" noChangeArrowheads="1"/>
+          </p:cNvPicPr>
+          <p:nvPr/>
+        </p:nvPicPr>
+        <p:blipFill>
+          <a:blip r:embed="rId4">
+            <a:extLst>
+              <a:ext uri="{28A0092B-C50C-407E-A947-70E740481C1C}">
+                <a14:useLocalDpi xmlns:a14="http://schemas.microsoft.com/office/drawing/2010/main" val="0"/>
+              </a:ext>
+            </a:extLst>
+          </a:blip>
+          <a:srcRect/>
+          <a:stretch>
+            <a:fillRect/>
+          </a:stretch>
+        </p:blipFill>
+        <p:spPr bwMode="auto">
+          <a:xfrm>
+            <a:off x="1023937" y="5028241"/>
+            <a:ext cx="3562350" cy="1395254"/>
+          </a:xfrm>
+          <a:prstGeom prst="rect">
+            <a:avLst/>
+          </a:prstGeom>
+          <a:noFill/>
+          <a:extLst>
+            <a:ext uri="{909E8E84-426E-40DD-AFC4-6F175D3DCCD1}">
+              <a14:hiddenFill xmlns:a14="http://schemas.microsoft.com/office/drawing/2010/main">
+                <a:solidFill>
+                  <a:srgbClr val="FFFFFF"/>
+                </a:solidFill>
+              </a14:hiddenFill>
+            </a:ext>
+          </a:extLst>
+        </p:spPr>
+      </p:pic>
+      <p:pic>
+        <p:nvPicPr>
+          <p:cNvPr id="3084" name="Picture 12" descr="Resultado de imagem para github logo">
+            <a:extLst>
+              <a:ext uri="{FF2B5EF4-FFF2-40B4-BE49-F238E27FC236}">
+                <a16:creationId xmlns:a16="http://schemas.microsoft.com/office/drawing/2014/main" id="{B0969723-D055-40EB-852E-9A37AAB52889}"/>
+              </a:ext>
+            </a:extLst>
+          </p:cNvPr>
+          <p:cNvPicPr>
+            <a:picLocks noChangeAspect="1" noChangeArrowheads="1"/>
+          </p:cNvPicPr>
+          <p:nvPr/>
+        </p:nvPicPr>
+        <p:blipFill>
+          <a:blip r:embed="rId5">
+            <a:extLst>
+              <a:ext uri="{28A0092B-C50C-407E-A947-70E740481C1C}">
+                <a14:useLocalDpi xmlns:a14="http://schemas.microsoft.com/office/drawing/2010/main" val="0"/>
+              </a:ext>
+            </a:extLst>
+          </a:blip>
+          <a:srcRect/>
+          <a:stretch>
+            <a:fillRect/>
+          </a:stretch>
+        </p:blipFill>
+        <p:spPr bwMode="auto">
+          <a:xfrm>
+            <a:off x="3303388" y="1290636"/>
+            <a:ext cx="1790700" cy="1790700"/>
+          </a:xfrm>
+          <a:prstGeom prst="rect">
+            <a:avLst/>
+          </a:prstGeom>
+          <a:noFill/>
+          <a:extLst>
+            <a:ext uri="{909E8E84-426E-40DD-AFC4-6F175D3DCCD1}">
+              <a14:hiddenFill xmlns:a14="http://schemas.microsoft.com/office/drawing/2010/main">
+                <a:solidFill>
+                  <a:srgbClr val="FFFFFF"/>
+                </a:solidFill>
+              </a14:hiddenFill>
+            </a:ext>
+          </a:extLst>
+        </p:spPr>
+      </p:pic>
+      <p:pic>
+        <p:nvPicPr>
+          <p:cNvPr id="3086" name="Picture 14" descr="Resultado de imagem para microsoft">
+            <a:extLst>
+              <a:ext uri="{FF2B5EF4-FFF2-40B4-BE49-F238E27FC236}">
+                <a16:creationId xmlns:a16="http://schemas.microsoft.com/office/drawing/2014/main" id="{8418CFC2-7B0D-45AD-878A-25B5390EC8B6}"/>
+              </a:ext>
+            </a:extLst>
+          </p:cNvPr>
+          <p:cNvPicPr>
+            <a:picLocks noChangeAspect="1" noChangeArrowheads="1"/>
+          </p:cNvPicPr>
+          <p:nvPr/>
+        </p:nvPicPr>
+        <p:blipFill>
+          <a:blip r:embed="rId6">
+            <a:extLst>
+              <a:ext uri="{28A0092B-C50C-407E-A947-70E740481C1C}">
+                <a14:useLocalDpi xmlns:a14="http://schemas.microsoft.com/office/drawing/2010/main" val="0"/>
+              </a:ext>
+            </a:extLst>
+          </a:blip>
+          <a:srcRect/>
+          <a:stretch>
+            <a:fillRect/>
+          </a:stretch>
+        </p:blipFill>
+        <p:spPr bwMode="auto">
+          <a:xfrm>
+            <a:off x="6705600" y="2770701"/>
+            <a:ext cx="4861324" cy="2430662"/>
+          </a:xfrm>
+          <a:prstGeom prst="rect">
+            <a:avLst/>
+          </a:prstGeom>
+          <a:noFill/>
+          <a:extLst>
+            <a:ext uri="{909E8E84-426E-40DD-AFC4-6F175D3DCCD1}">
+              <a14:hiddenFill xmlns:a14="http://schemas.microsoft.com/office/drawing/2010/main">
+                <a:solidFill>
+                  <a:srgbClr val="FFFFFF"/>
+                </a:solidFill>
+              </a14:hiddenFill>
+            </a:ext>
+          </a:extLst>
+        </p:spPr>
+      </p:pic>
+      <p:pic>
+        <p:nvPicPr>
+          <p:cNvPr id="3090" name="Picture 18" descr="Imagem relacionada">
+            <a:extLst>
+              <a:ext uri="{FF2B5EF4-FFF2-40B4-BE49-F238E27FC236}">
+                <a16:creationId xmlns:a16="http://schemas.microsoft.com/office/drawing/2014/main" id="{FCFABA0C-1FC6-4C35-8F8B-06FABE8E3A7B}"/>
+              </a:ext>
+            </a:extLst>
+          </p:cNvPr>
+          <p:cNvPicPr>
+            <a:picLocks noChangeAspect="1" noChangeArrowheads="1"/>
+          </p:cNvPicPr>
+          <p:nvPr/>
+        </p:nvPicPr>
+        <p:blipFill>
+          <a:blip r:embed="rId7">
+            <a:extLst>
+              <a:ext uri="{28A0092B-C50C-407E-A947-70E740481C1C}">
+                <a14:useLocalDpi xmlns:a14="http://schemas.microsoft.com/office/drawing/2010/main" val="0"/>
+              </a:ext>
+            </a:extLst>
+          </a:blip>
+          <a:srcRect/>
+          <a:stretch>
+            <a:fillRect/>
+          </a:stretch>
+        </p:blipFill>
+        <p:spPr bwMode="auto">
+          <a:xfrm>
+            <a:off x="5588199" y="5028241"/>
+            <a:ext cx="4207394" cy="1395254"/>
+          </a:xfrm>
+          <a:prstGeom prst="rect">
+            <a:avLst/>
+          </a:prstGeom>
+          <a:noFill/>
+          <a:extLst>
+            <a:ext uri="{909E8E84-426E-40DD-AFC4-6F175D3DCCD1}">
+              <a14:hiddenFill xmlns:a14="http://schemas.microsoft.com/office/drawing/2010/main">
+                <a:solidFill>
+                  <a:srgbClr val="FFFFFF"/>
+                </a:solidFill>
+              </a14:hiddenFill>
+            </a:ext>
+          </a:extLst>
+        </p:spPr>
+      </p:pic>
+    </p:spTree>
+    <p:extLst>
+      <p:ext uri="{BB962C8B-B14F-4D97-AF65-F5344CB8AC3E}">
+        <p14:creationId xmlns:p14="http://schemas.microsoft.com/office/powerpoint/2010/main" val="3557933441"/>
+      </p:ext>
+    </p:extLst>
+  </p:cSld>
+  <p:clrMapOvr>
+    <a:masterClrMapping/>
+  </p:clrMapOvr>
+  <p:timing>
+    <p:tnLst>
+      <p:par>
+        <p:cTn id="1" dur="indefinite" restart="never" nodeType="tmRoot">
+          <p:childTnLst>
+            <p:seq concurrent="1" nextAc="seek">
+              <p:cTn id="2" dur="indefinite" nodeType="mainSeq">
+                <p:childTnLst>
+                  <p:par>
+                    <p:cTn id="3" fill="hold">
+                      <p:stCondLst>
+                        <p:cond delay="indefinite"/>
+                        <p:cond evt="onBegin" delay="0">
+                          <p:tn val="2"/>
+                        </p:cond>
+                      </p:stCondLst>
+                      <p:childTnLst>
+                        <p:par>
+                          <p:cTn id="4" fill="hold">
+                            <p:stCondLst>
+                              <p:cond delay="0"/>
+                            </p:stCondLst>
+                            <p:childTnLst>
+                              <p:par>
+                                <p:cTn id="5" presetID="10" presetClass="entr" presetSubtype="0" fill="hold" grpId="1" nodeType="afterEffect">
+                                  <p:stCondLst>
+                                    <p:cond delay="0"/>
+                                  </p:stCondLst>
+                                  <p:childTnLst>
+                                    <p:set>
+                                      <p:cBhvr>
+                                        <p:cTn id="6" dur="1" fill="hold">
+                                          <p:stCondLst>
+                                            <p:cond delay="0"/>
+                                          </p:stCondLst>
+                                        </p:cTn>
+                                        <p:tgtEl>
+                                          <p:spTgt spid="5"/>
+                                        </p:tgtEl>
+                                        <p:attrNameLst>
+                                          <p:attrName>style.visibility</p:attrName>
+                                        </p:attrNameLst>
+                                      </p:cBhvr>
+                                      <p:to>
+                                        <p:strVal val="visible"/>
+                                      </p:to>
+                                    </p:set>
+                                    <p:animEffect transition="in" filter="fade">
+                                      <p:cBhvr>
+                                        <p:cTn id="7" dur="1000"/>
+                                        <p:tgtEl>
+                                          <p:spTgt spid="5"/>
+                                        </p:tgtEl>
+                                      </p:cBhvr>
+                                    </p:animEffect>
+                                  </p:childTnLst>
+                                </p:cTn>
+                              </p:par>
+                              <p:par>
+                                <p:cTn id="8" presetID="42" presetClass="path" presetSubtype="0" accel="50000" decel="50000" fill="hold" grpId="0" nodeType="withEffect">
+                                  <p:stCondLst>
+                                    <p:cond delay="0"/>
+                                  </p:stCondLst>
+                                  <p:childTnLst>
+                                    <p:animMotion origin="layout" path="M 0 -0.18519 L 0 1.48148E-6 " pathEditMode="relative" rAng="0" ptsTypes="AA">
+                                      <p:cBhvr>
+                                        <p:cTn id="9" dur="1000" fill="hold"/>
+                                        <p:tgtEl>
+                                          <p:spTgt spid="5"/>
+                                        </p:tgtEl>
+                                        <p:attrNameLst>
+                                          <p:attrName>ppt_x</p:attrName>
+                                          <p:attrName>ppt_y</p:attrName>
+                                        </p:attrNameLst>
+                                      </p:cBhvr>
+                                      <p:rCtr x="0" y="9259"/>
+                                    </p:animMotion>
+                                  </p:childTnLst>
+                                </p:cTn>
+                              </p:par>
+                            </p:childTnLst>
+                          </p:cTn>
+                        </p:par>
+                      </p:childTnLst>
+                    </p:cTn>
+                  </p:par>
+                </p:childTnLst>
+              </p:cTn>
+              <p:prevCondLst>
+                <p:cond evt="onPrev" delay="0">
+                  <p:tgtEl>
+                    <p:sldTgt/>
+                  </p:tgtEl>
+                </p:cond>
+              </p:prevCondLst>
+              <p:nextCondLst>
+                <p:cond evt="onNext" delay="0">
+                  <p:tgtEl>
+                    <p:sldTgt/>
+                  </p:tgtEl>
+                </p:cond>
+              </p:nextCondLst>
+            </p:seq>
+          </p:childTnLst>
+        </p:cTn>
+      </p:par>
+    </p:tnLst>
+    <p:bldLst>
+      <p:bldP spid="5" grpId="0"/>
+      <p:bldP spid="5" grpId="1"/>
+    </p:bldLst>
+  </p:timing>
 </p:sld>
 </file>
 
